--- a/Docx/Projekt dokumentációk/Végleges dokumentáció/FoodHub.pptx
+++ b/Docx/Projekt dokumentációk/Végleges dokumentáció/FoodHub.pptx
@@ -2,17 +2,18 @@
 <file path=ppt/presentation.xml><?xml version="1.0" encoding="utf-8"?>
 <p:presentation xmlns:a="http://schemas.openxmlformats.org/drawingml/2006/main" xmlns:r="http://schemas.openxmlformats.org/officeDocument/2006/relationships" xmlns:p="http://schemas.openxmlformats.org/presentationml/2006/main" saveSubsetFonts="1">
   <p:sldMasterIdLst>
-    <p:sldMasterId id="2147483648" r:id="rId1"/>
+    <p:sldMasterId id="2147483648" r:id="rId4"/>
   </p:sldMasterIdLst>
   <p:sldIdLst>
-    <p:sldId id="256" r:id="rId2"/>
-    <p:sldId id="257" r:id="rId3"/>
-    <p:sldId id="258" r:id="rId4"/>
-    <p:sldId id="259" r:id="rId5"/>
-    <p:sldId id="260" r:id="rId6"/>
-    <p:sldId id="261" r:id="rId7"/>
-    <p:sldId id="262" r:id="rId8"/>
-    <p:sldId id="264" r:id="rId9"/>
+    <p:sldId id="256" r:id="rId5"/>
+    <p:sldId id="257" r:id="rId6"/>
+    <p:sldId id="265" r:id="rId7"/>
+    <p:sldId id="258" r:id="rId8"/>
+    <p:sldId id="259" r:id="rId9"/>
+    <p:sldId id="260" r:id="rId10"/>
+    <p:sldId id="261" r:id="rId11"/>
+    <p:sldId id="262" r:id="rId12"/>
+    <p:sldId id="264" r:id="rId13"/>
   </p:sldIdLst>
   <p:sldSz cx="12192000" cy="6858000"/>
   <p:notesSz cx="6858000" cy="9144000"/>
@@ -119,6 +120,14 @@
 </p:presentation>
 </file>
 
+<file path=ppt/revisionInfo.xml><?xml version="1.0" encoding="utf-8"?>
+<p1510:revInfo xmlns:a="http://schemas.openxmlformats.org/drawingml/2006/main" xmlns:r="http://schemas.openxmlformats.org/officeDocument/2006/relationships" xmlns:p1510="http://schemas.microsoft.com/office/powerpoint/2015/10/main">
+  <p1510:revLst>
+    <p1510:client id="{EACBAA3F-49E0-4989-B0FB-7D6BC39ED5E5}" v="106" dt="2024-04-18T07:48:32.768"/>
+  </p1510:revLst>
+</p1510:revInfo>
+</file>
+
 <file path=ppt/diagrams/colors1.xml><?xml version="1.0" encoding="utf-8"?>
 <dgm:colorsDef xmlns:dgm="http://schemas.openxmlformats.org/drawingml/2006/diagram" xmlns:a="http://schemas.openxmlformats.org/drawingml/2006/main" uniqueId="urn:microsoft.com/office/officeart/2005/8/colors/colorful1">
   <dgm:title val=""/>
@@ -1039,6 +1048,753 @@
 </file>
 
 <file path=ppt/diagrams/colors2.xml><?xml version="1.0" encoding="utf-8"?>
+<dgm:colorsDef xmlns:dgm="http://schemas.openxmlformats.org/drawingml/2006/diagram" xmlns:a="http://schemas.openxmlformats.org/drawingml/2006/main" uniqueId="urn:microsoft.com/office/officeart/2005/8/colors/accent1_2">
+  <dgm:title val=""/>
+  <dgm:desc val=""/>
+  <dgm:catLst>
+    <dgm:cat type="accent1" pri="11200"/>
+  </dgm:catLst>
+  <dgm:styleLbl name="node0">
+    <dgm:fillClrLst meth="repeat">
+      <a:schemeClr val="accent1"/>
+    </dgm:fillClrLst>
+    <dgm:linClrLst meth="repeat">
+      <a:schemeClr val="lt1"/>
+    </dgm:linClrLst>
+    <dgm:effectClrLst/>
+    <dgm:txLinClrLst/>
+    <dgm:txFillClrLst/>
+    <dgm:txEffectClrLst/>
+  </dgm:styleLbl>
+  <dgm:styleLbl name="alignNode1">
+    <dgm:fillClrLst meth="repeat">
+      <a:schemeClr val="accent1"/>
+    </dgm:fillClrLst>
+    <dgm:linClrLst meth="repeat">
+      <a:schemeClr val="accent1"/>
+    </dgm:linClrLst>
+    <dgm:effectClrLst/>
+    <dgm:txLinClrLst/>
+    <dgm:txFillClrLst/>
+    <dgm:txEffectClrLst/>
+  </dgm:styleLbl>
+  <dgm:styleLbl name="node1">
+    <dgm:fillClrLst meth="repeat">
+      <a:schemeClr val="accent1"/>
+    </dgm:fillClrLst>
+    <dgm:linClrLst meth="repeat">
+      <a:schemeClr val="lt1"/>
+    </dgm:linClrLst>
+    <dgm:effectClrLst/>
+    <dgm:txLinClrLst/>
+    <dgm:txFillClrLst/>
+    <dgm:txEffectClrLst/>
+  </dgm:styleLbl>
+  <dgm:styleLbl name="lnNode1">
+    <dgm:fillClrLst meth="repeat">
+      <a:schemeClr val="accent1"/>
+    </dgm:fillClrLst>
+    <dgm:linClrLst meth="repeat">
+      <a:schemeClr val="lt1"/>
+    </dgm:linClrLst>
+    <dgm:effectClrLst/>
+    <dgm:txLinClrLst/>
+    <dgm:txFillClrLst/>
+    <dgm:txEffectClrLst/>
+  </dgm:styleLbl>
+  <dgm:styleLbl name="vennNode1">
+    <dgm:fillClrLst meth="repeat">
+      <a:schemeClr val="accent1">
+        <a:alpha val="50000"/>
+      </a:schemeClr>
+    </dgm:fillClrLst>
+    <dgm:linClrLst meth="repeat">
+      <a:schemeClr val="lt1"/>
+    </dgm:linClrLst>
+    <dgm:effectClrLst/>
+    <dgm:txLinClrLst/>
+    <dgm:txFillClrLst/>
+    <dgm:txEffectClrLst/>
+  </dgm:styleLbl>
+  <dgm:styleLbl name="node2">
+    <dgm:fillClrLst meth="repeat">
+      <a:schemeClr val="accent1"/>
+    </dgm:fillClrLst>
+    <dgm:linClrLst meth="repeat">
+      <a:schemeClr val="lt1"/>
+    </dgm:linClrLst>
+    <dgm:effectClrLst/>
+    <dgm:txLinClrLst/>
+    <dgm:txFillClrLst/>
+    <dgm:txEffectClrLst/>
+  </dgm:styleLbl>
+  <dgm:styleLbl name="node3">
+    <dgm:fillClrLst meth="repeat">
+      <a:schemeClr val="accent1"/>
+    </dgm:fillClrLst>
+    <dgm:linClrLst meth="repeat">
+      <a:schemeClr val="lt1"/>
+    </dgm:linClrLst>
+    <dgm:effectClrLst/>
+    <dgm:txLinClrLst/>
+    <dgm:txFillClrLst/>
+    <dgm:txEffectClrLst/>
+  </dgm:styleLbl>
+  <dgm:styleLbl name="node4">
+    <dgm:fillClrLst meth="repeat">
+      <a:schemeClr val="accent1"/>
+    </dgm:fillClrLst>
+    <dgm:linClrLst meth="repeat">
+      <a:schemeClr val="lt1"/>
+    </dgm:linClrLst>
+    <dgm:effectClrLst/>
+    <dgm:txLinClrLst/>
+    <dgm:txFillClrLst/>
+    <dgm:txEffectClrLst/>
+  </dgm:styleLbl>
+  <dgm:styleLbl name="fgImgPlace1">
+    <dgm:fillClrLst meth="repeat">
+      <a:schemeClr val="accent1">
+        <a:tint val="50000"/>
+      </a:schemeClr>
+    </dgm:fillClrLst>
+    <dgm:linClrLst meth="repeat">
+      <a:schemeClr val="lt1"/>
+    </dgm:linClrLst>
+    <dgm:effectClrLst/>
+    <dgm:txLinClrLst/>
+    <dgm:txFillClrLst meth="repeat">
+      <a:schemeClr val="lt1"/>
+    </dgm:txFillClrLst>
+    <dgm:txEffectClrLst/>
+  </dgm:styleLbl>
+  <dgm:styleLbl name="alignImgPlace1">
+    <dgm:fillClrLst meth="repeat">
+      <a:schemeClr val="accent1">
+        <a:tint val="50000"/>
+      </a:schemeClr>
+    </dgm:fillClrLst>
+    <dgm:linClrLst meth="repeat">
+      <a:schemeClr val="lt1"/>
+    </dgm:linClrLst>
+    <dgm:effectClrLst/>
+    <dgm:txLinClrLst/>
+    <dgm:txFillClrLst meth="repeat">
+      <a:schemeClr val="lt1"/>
+    </dgm:txFillClrLst>
+    <dgm:txEffectClrLst/>
+  </dgm:styleLbl>
+  <dgm:styleLbl name="bgImgPlace1">
+    <dgm:fillClrLst meth="repeat">
+      <a:schemeClr val="accent1">
+        <a:tint val="50000"/>
+      </a:schemeClr>
+    </dgm:fillClrLst>
+    <dgm:linClrLst meth="repeat">
+      <a:schemeClr val="lt1"/>
+    </dgm:linClrLst>
+    <dgm:effectClrLst/>
+    <dgm:txLinClrLst/>
+    <dgm:txFillClrLst meth="repeat">
+      <a:schemeClr val="lt1"/>
+    </dgm:txFillClrLst>
+    <dgm:txEffectClrLst/>
+  </dgm:styleLbl>
+  <dgm:styleLbl name="sibTrans2D1">
+    <dgm:fillClrLst meth="repeat">
+      <a:schemeClr val="accent1">
+        <a:tint val="60000"/>
+      </a:schemeClr>
+    </dgm:fillClrLst>
+    <dgm:linClrLst meth="repeat">
+      <a:schemeClr val="accent1">
+        <a:tint val="60000"/>
+      </a:schemeClr>
+    </dgm:linClrLst>
+    <dgm:effectClrLst/>
+    <dgm:txLinClrLst/>
+    <dgm:txFillClrLst/>
+    <dgm:txEffectClrLst/>
+  </dgm:styleLbl>
+  <dgm:styleLbl name="fgSibTrans2D1">
+    <dgm:fillClrLst meth="repeat">
+      <a:schemeClr val="accent1">
+        <a:tint val="60000"/>
+      </a:schemeClr>
+    </dgm:fillClrLst>
+    <dgm:linClrLst meth="repeat">
+      <a:schemeClr val="accent1">
+        <a:tint val="60000"/>
+      </a:schemeClr>
+    </dgm:linClrLst>
+    <dgm:effectClrLst/>
+    <dgm:txLinClrLst/>
+    <dgm:txFillClrLst/>
+    <dgm:txEffectClrLst/>
+  </dgm:styleLbl>
+  <dgm:styleLbl name="bgSibTrans2D1">
+    <dgm:fillClrLst meth="repeat">
+      <a:schemeClr val="accent1">
+        <a:tint val="60000"/>
+      </a:schemeClr>
+    </dgm:fillClrLst>
+    <dgm:linClrLst meth="repeat">
+      <a:schemeClr val="accent1">
+        <a:tint val="60000"/>
+      </a:schemeClr>
+    </dgm:linClrLst>
+    <dgm:effectClrLst/>
+    <dgm:txLinClrLst/>
+    <dgm:txFillClrLst/>
+    <dgm:txEffectClrLst/>
+  </dgm:styleLbl>
+  <dgm:styleLbl name="sibTrans1D1">
+    <dgm:fillClrLst meth="repeat">
+      <a:schemeClr val="accent1"/>
+    </dgm:fillClrLst>
+    <dgm:linClrLst meth="repeat">
+      <a:schemeClr val="accent1"/>
+    </dgm:linClrLst>
+    <dgm:effectClrLst/>
+    <dgm:txLinClrLst/>
+    <dgm:txFillClrLst meth="repeat">
+      <a:schemeClr val="tx1"/>
+    </dgm:txFillClrLst>
+    <dgm:txEffectClrLst/>
+  </dgm:styleLbl>
+  <dgm:styleLbl name="callout">
+    <dgm:fillClrLst meth="repeat">
+      <a:schemeClr val="accent1"/>
+    </dgm:fillClrLst>
+    <dgm:linClrLst meth="repeat">
+      <a:schemeClr val="accent1">
+        <a:tint val="50000"/>
+      </a:schemeClr>
+    </dgm:linClrLst>
+    <dgm:effectClrLst/>
+    <dgm:txLinClrLst/>
+    <dgm:txFillClrLst meth="repeat">
+      <a:schemeClr val="tx1"/>
+    </dgm:txFillClrLst>
+    <dgm:txEffectClrLst/>
+  </dgm:styleLbl>
+  <dgm:styleLbl name="asst0">
+    <dgm:fillClrLst meth="repeat">
+      <a:schemeClr val="accent1"/>
+    </dgm:fillClrLst>
+    <dgm:linClrLst meth="repeat">
+      <a:schemeClr val="lt1"/>
+    </dgm:linClrLst>
+    <dgm:effectClrLst/>
+    <dgm:txLinClrLst/>
+    <dgm:txFillClrLst/>
+    <dgm:txEffectClrLst/>
+  </dgm:styleLbl>
+  <dgm:styleLbl name="asst1">
+    <dgm:fillClrLst meth="repeat">
+      <a:schemeClr val="accent1"/>
+    </dgm:fillClrLst>
+    <dgm:linClrLst meth="repeat">
+      <a:schemeClr val="lt1"/>
+    </dgm:linClrLst>
+    <dgm:effectClrLst/>
+    <dgm:txLinClrLst/>
+    <dgm:txFillClrLst/>
+    <dgm:txEffectClrLst/>
+  </dgm:styleLbl>
+  <dgm:styleLbl name="asst2">
+    <dgm:fillClrLst meth="repeat">
+      <a:schemeClr val="accent1"/>
+    </dgm:fillClrLst>
+    <dgm:linClrLst meth="repeat">
+      <a:schemeClr val="lt1"/>
+    </dgm:linClrLst>
+    <dgm:effectClrLst/>
+    <dgm:txLinClrLst/>
+    <dgm:txFillClrLst/>
+    <dgm:txEffectClrLst/>
+  </dgm:styleLbl>
+  <dgm:styleLbl name="asst3">
+    <dgm:fillClrLst meth="repeat">
+      <a:schemeClr val="accent1"/>
+    </dgm:fillClrLst>
+    <dgm:linClrLst meth="repeat">
+      <a:schemeClr val="lt1"/>
+    </dgm:linClrLst>
+    <dgm:effectClrLst/>
+    <dgm:txLinClrLst/>
+    <dgm:txFillClrLst/>
+    <dgm:txEffectClrLst/>
+  </dgm:styleLbl>
+  <dgm:styleLbl name="asst4">
+    <dgm:fillClrLst meth="repeat">
+      <a:schemeClr val="accent1"/>
+    </dgm:fillClrLst>
+    <dgm:linClrLst meth="repeat">
+      <a:schemeClr val="lt1"/>
+    </dgm:linClrLst>
+    <dgm:effectClrLst/>
+    <dgm:txLinClrLst/>
+    <dgm:txFillClrLst/>
+    <dgm:txEffectClrLst/>
+  </dgm:styleLbl>
+  <dgm:styleLbl name="parChTrans2D1">
+    <dgm:fillClrLst meth="repeat">
+      <a:schemeClr val="accent1">
+        <a:tint val="60000"/>
+      </a:schemeClr>
+    </dgm:fillClrLst>
+    <dgm:linClrLst meth="repeat">
+      <a:schemeClr val="accent1">
+        <a:tint val="60000"/>
+      </a:schemeClr>
+    </dgm:linClrLst>
+    <dgm:effectClrLst/>
+    <dgm:txLinClrLst/>
+    <dgm:txFillClrLst meth="repeat">
+      <a:schemeClr val="lt1"/>
+    </dgm:txFillClrLst>
+    <dgm:txEffectClrLst/>
+  </dgm:styleLbl>
+  <dgm:styleLbl name="parChTrans2D2">
+    <dgm:fillClrLst meth="repeat">
+      <a:schemeClr val="accent1"/>
+    </dgm:fillClrLst>
+    <dgm:linClrLst meth="repeat">
+      <a:schemeClr val="accent1"/>
+    </dgm:linClrLst>
+    <dgm:effectClrLst/>
+    <dgm:txLinClrLst/>
+    <dgm:txFillClrLst meth="repeat">
+      <a:schemeClr val="lt1"/>
+    </dgm:txFillClrLst>
+    <dgm:txEffectClrLst/>
+  </dgm:styleLbl>
+  <dgm:styleLbl name="parChTrans2D3">
+    <dgm:fillClrLst meth="repeat">
+      <a:schemeClr val="accent1"/>
+    </dgm:fillClrLst>
+    <dgm:linClrLst meth="repeat">
+      <a:schemeClr val="accent1"/>
+    </dgm:linClrLst>
+    <dgm:effectClrLst/>
+    <dgm:txLinClrLst/>
+    <dgm:txFillClrLst meth="repeat">
+      <a:schemeClr val="lt1"/>
+    </dgm:txFillClrLst>
+    <dgm:txEffectClrLst/>
+  </dgm:styleLbl>
+  <dgm:styleLbl name="parChTrans2D4">
+    <dgm:fillClrLst meth="repeat">
+      <a:schemeClr val="accent1"/>
+    </dgm:fillClrLst>
+    <dgm:linClrLst meth="repeat">
+      <a:schemeClr val="accent1"/>
+    </dgm:linClrLst>
+    <dgm:effectClrLst/>
+    <dgm:txLinClrLst/>
+    <dgm:txFillClrLst meth="repeat">
+      <a:schemeClr val="lt1"/>
+    </dgm:txFillClrLst>
+    <dgm:txEffectClrLst/>
+  </dgm:styleLbl>
+  <dgm:styleLbl name="parChTrans1D1">
+    <dgm:fillClrLst meth="repeat">
+      <a:schemeClr val="accent1"/>
+    </dgm:fillClrLst>
+    <dgm:linClrLst meth="repeat">
+      <a:schemeClr val="accent1">
+        <a:shade val="60000"/>
+      </a:schemeClr>
+    </dgm:linClrLst>
+    <dgm:effectClrLst/>
+    <dgm:txLinClrLst/>
+    <dgm:txFillClrLst meth="repeat">
+      <a:schemeClr val="tx1"/>
+    </dgm:txFillClrLst>
+    <dgm:txEffectClrLst/>
+  </dgm:styleLbl>
+  <dgm:styleLbl name="parChTrans1D2">
+    <dgm:fillClrLst meth="repeat">
+      <a:schemeClr val="accent1"/>
+    </dgm:fillClrLst>
+    <dgm:linClrLst meth="repeat">
+      <a:schemeClr val="accent1">
+        <a:shade val="60000"/>
+      </a:schemeClr>
+    </dgm:linClrLst>
+    <dgm:effectClrLst/>
+    <dgm:txLinClrLst/>
+    <dgm:txFillClrLst meth="repeat">
+      <a:schemeClr val="tx1"/>
+    </dgm:txFillClrLst>
+    <dgm:txEffectClrLst/>
+  </dgm:styleLbl>
+  <dgm:styleLbl name="parChTrans1D3">
+    <dgm:fillClrLst meth="repeat">
+      <a:schemeClr val="accent1"/>
+    </dgm:fillClrLst>
+    <dgm:linClrLst meth="repeat">
+      <a:schemeClr val="accent1">
+        <a:shade val="80000"/>
+      </a:schemeClr>
+    </dgm:linClrLst>
+    <dgm:effectClrLst/>
+    <dgm:txLinClrLst/>
+    <dgm:txFillClrLst meth="repeat">
+      <a:schemeClr val="tx1"/>
+    </dgm:txFillClrLst>
+    <dgm:txEffectClrLst/>
+  </dgm:styleLbl>
+  <dgm:styleLbl name="parChTrans1D4">
+    <dgm:fillClrLst meth="repeat">
+      <a:schemeClr val="accent1"/>
+    </dgm:fillClrLst>
+    <dgm:linClrLst meth="repeat">
+      <a:schemeClr val="accent1">
+        <a:shade val="80000"/>
+      </a:schemeClr>
+    </dgm:linClrLst>
+    <dgm:effectClrLst/>
+    <dgm:txLinClrLst/>
+    <dgm:txFillClrLst meth="repeat">
+      <a:schemeClr val="tx1"/>
+    </dgm:txFillClrLst>
+    <dgm:txEffectClrLst/>
+  </dgm:styleLbl>
+  <dgm:styleLbl name="fgAcc1">
+    <dgm:fillClrLst meth="repeat">
+      <a:schemeClr val="lt1">
+        <a:alpha val="90000"/>
+      </a:schemeClr>
+    </dgm:fillClrLst>
+    <dgm:linClrLst meth="repeat">
+      <a:schemeClr val="accent1"/>
+    </dgm:linClrLst>
+    <dgm:effectClrLst/>
+    <dgm:txLinClrLst/>
+    <dgm:txFillClrLst meth="repeat">
+      <a:schemeClr val="dk1"/>
+    </dgm:txFillClrLst>
+    <dgm:txEffectClrLst/>
+  </dgm:styleLbl>
+  <dgm:styleLbl name="conFgAcc1">
+    <dgm:fillClrLst meth="repeat">
+      <a:schemeClr val="lt1">
+        <a:alpha val="90000"/>
+      </a:schemeClr>
+    </dgm:fillClrLst>
+    <dgm:linClrLst meth="repeat">
+      <a:schemeClr val="accent1"/>
+    </dgm:linClrLst>
+    <dgm:effectClrLst/>
+    <dgm:txLinClrLst/>
+    <dgm:txFillClrLst meth="repeat">
+      <a:schemeClr val="dk1"/>
+    </dgm:txFillClrLst>
+    <dgm:txEffectClrLst/>
+  </dgm:styleLbl>
+  <dgm:styleLbl name="alignAcc1">
+    <dgm:fillClrLst meth="repeat">
+      <a:schemeClr val="lt1">
+        <a:alpha val="90000"/>
+      </a:schemeClr>
+    </dgm:fillClrLst>
+    <dgm:linClrLst meth="repeat">
+      <a:schemeClr val="accent1"/>
+    </dgm:linClrLst>
+    <dgm:effectClrLst/>
+    <dgm:txLinClrLst/>
+    <dgm:txFillClrLst meth="repeat">
+      <a:schemeClr val="dk1"/>
+    </dgm:txFillClrLst>
+    <dgm:txEffectClrLst/>
+  </dgm:styleLbl>
+  <dgm:styleLbl name="trAlignAcc1">
+    <dgm:fillClrLst meth="repeat">
+      <a:schemeClr val="lt1">
+        <a:alpha val="40000"/>
+      </a:schemeClr>
+    </dgm:fillClrLst>
+    <dgm:linClrLst meth="repeat">
+      <a:schemeClr val="accent1"/>
+    </dgm:linClrLst>
+    <dgm:effectClrLst/>
+    <dgm:txLinClrLst/>
+    <dgm:txFillClrLst meth="repeat">
+      <a:schemeClr val="dk1"/>
+    </dgm:txFillClrLst>
+    <dgm:txEffectClrLst/>
+  </dgm:styleLbl>
+  <dgm:styleLbl name="bgAcc1">
+    <dgm:fillClrLst meth="repeat">
+      <a:schemeClr val="lt1">
+        <a:alpha val="90000"/>
+      </a:schemeClr>
+    </dgm:fillClrLst>
+    <dgm:linClrLst meth="repeat">
+      <a:schemeClr val="accent1"/>
+    </dgm:linClrLst>
+    <dgm:effectClrLst/>
+    <dgm:txLinClrLst/>
+    <dgm:txFillClrLst meth="repeat">
+      <a:schemeClr val="dk1"/>
+    </dgm:txFillClrLst>
+    <dgm:txEffectClrLst/>
+  </dgm:styleLbl>
+  <dgm:styleLbl name="solidFgAcc1">
+    <dgm:fillClrLst meth="repeat">
+      <a:schemeClr val="lt1"/>
+    </dgm:fillClrLst>
+    <dgm:linClrLst meth="repeat">
+      <a:schemeClr val="accent1"/>
+    </dgm:linClrLst>
+    <dgm:effectClrLst/>
+    <dgm:txLinClrLst/>
+    <dgm:txFillClrLst meth="repeat">
+      <a:schemeClr val="dk1"/>
+    </dgm:txFillClrLst>
+    <dgm:txEffectClrLst/>
+  </dgm:styleLbl>
+  <dgm:styleLbl name="solidAlignAcc1">
+    <dgm:fillClrLst meth="repeat">
+      <a:schemeClr val="lt1"/>
+    </dgm:fillClrLst>
+    <dgm:linClrLst meth="repeat">
+      <a:schemeClr val="accent1"/>
+    </dgm:linClrLst>
+    <dgm:effectClrLst/>
+    <dgm:txLinClrLst/>
+    <dgm:txFillClrLst meth="repeat">
+      <a:schemeClr val="dk1"/>
+    </dgm:txFillClrLst>
+    <dgm:txEffectClrLst/>
+  </dgm:styleLbl>
+  <dgm:styleLbl name="solidBgAcc1">
+    <dgm:fillClrLst meth="repeat">
+      <a:schemeClr val="lt1"/>
+    </dgm:fillClrLst>
+    <dgm:linClrLst meth="repeat">
+      <a:schemeClr val="accent1"/>
+    </dgm:linClrLst>
+    <dgm:effectClrLst/>
+    <dgm:txLinClrLst/>
+    <dgm:txFillClrLst meth="repeat">
+      <a:schemeClr val="dk1"/>
+    </dgm:txFillClrLst>
+    <dgm:txEffectClrLst/>
+  </dgm:styleLbl>
+  <dgm:styleLbl name="fgAccFollowNode1">
+    <dgm:fillClrLst meth="repeat">
+      <a:schemeClr val="accent1">
+        <a:alpha val="90000"/>
+        <a:tint val="40000"/>
+      </a:schemeClr>
+    </dgm:fillClrLst>
+    <dgm:linClrLst meth="repeat">
+      <a:schemeClr val="accent1">
+        <a:alpha val="90000"/>
+        <a:tint val="40000"/>
+      </a:schemeClr>
+    </dgm:linClrLst>
+    <dgm:effectClrLst/>
+    <dgm:txLinClrLst/>
+    <dgm:txFillClrLst meth="repeat">
+      <a:schemeClr val="dk1"/>
+    </dgm:txFillClrLst>
+    <dgm:txEffectClrLst/>
+  </dgm:styleLbl>
+  <dgm:styleLbl name="alignAccFollowNode1">
+    <dgm:fillClrLst meth="repeat">
+      <a:schemeClr val="accent1">
+        <a:alpha val="90000"/>
+        <a:tint val="40000"/>
+      </a:schemeClr>
+    </dgm:fillClrLst>
+    <dgm:linClrLst meth="repeat">
+      <a:schemeClr val="accent1">
+        <a:alpha val="90000"/>
+        <a:tint val="40000"/>
+      </a:schemeClr>
+    </dgm:linClrLst>
+    <dgm:effectClrLst/>
+    <dgm:txLinClrLst/>
+    <dgm:txFillClrLst meth="repeat">
+      <a:schemeClr val="dk1"/>
+    </dgm:txFillClrLst>
+    <dgm:txEffectClrLst/>
+  </dgm:styleLbl>
+  <dgm:styleLbl name="bgAccFollowNode1">
+    <dgm:fillClrLst meth="repeat">
+      <a:schemeClr val="accent1">
+        <a:alpha val="90000"/>
+        <a:tint val="40000"/>
+      </a:schemeClr>
+    </dgm:fillClrLst>
+    <dgm:linClrLst meth="repeat">
+      <a:schemeClr val="accent1">
+        <a:alpha val="90000"/>
+        <a:tint val="40000"/>
+      </a:schemeClr>
+    </dgm:linClrLst>
+    <dgm:effectClrLst/>
+    <dgm:txLinClrLst/>
+    <dgm:txFillClrLst meth="repeat">
+      <a:schemeClr val="dk1"/>
+    </dgm:txFillClrLst>
+    <dgm:txEffectClrLst/>
+  </dgm:styleLbl>
+  <dgm:styleLbl name="fgAcc0">
+    <dgm:fillClrLst meth="repeat">
+      <a:schemeClr val="lt1">
+        <a:alpha val="90000"/>
+      </a:schemeClr>
+    </dgm:fillClrLst>
+    <dgm:linClrLst meth="repeat">
+      <a:schemeClr val="accent1"/>
+    </dgm:linClrLst>
+    <dgm:effectClrLst/>
+    <dgm:txLinClrLst/>
+    <dgm:txFillClrLst meth="repeat">
+      <a:schemeClr val="dk1"/>
+    </dgm:txFillClrLst>
+    <dgm:txEffectClrLst/>
+  </dgm:styleLbl>
+  <dgm:styleLbl name="fgAcc2">
+    <dgm:fillClrLst meth="repeat">
+      <a:schemeClr val="lt1">
+        <a:alpha val="90000"/>
+      </a:schemeClr>
+    </dgm:fillClrLst>
+    <dgm:linClrLst meth="repeat">
+      <a:schemeClr val="accent1"/>
+    </dgm:linClrLst>
+    <dgm:effectClrLst/>
+    <dgm:txLinClrLst/>
+    <dgm:txFillClrLst meth="repeat">
+      <a:schemeClr val="dk1"/>
+    </dgm:txFillClrLst>
+    <dgm:txEffectClrLst/>
+  </dgm:styleLbl>
+  <dgm:styleLbl name="fgAcc3">
+    <dgm:fillClrLst meth="repeat">
+      <a:schemeClr val="lt1">
+        <a:alpha val="90000"/>
+      </a:schemeClr>
+    </dgm:fillClrLst>
+    <dgm:linClrLst meth="repeat">
+      <a:schemeClr val="accent1"/>
+    </dgm:linClrLst>
+    <dgm:effectClrLst/>
+    <dgm:txLinClrLst/>
+    <dgm:txFillClrLst meth="repeat">
+      <a:schemeClr val="dk1"/>
+    </dgm:txFillClrLst>
+    <dgm:txEffectClrLst/>
+  </dgm:styleLbl>
+  <dgm:styleLbl name="fgAcc4">
+    <dgm:fillClrLst meth="repeat">
+      <a:schemeClr val="lt1">
+        <a:alpha val="90000"/>
+      </a:schemeClr>
+    </dgm:fillClrLst>
+    <dgm:linClrLst meth="repeat">
+      <a:schemeClr val="accent1"/>
+    </dgm:linClrLst>
+    <dgm:effectClrLst/>
+    <dgm:txLinClrLst/>
+    <dgm:txFillClrLst meth="repeat">
+      <a:schemeClr val="dk1"/>
+    </dgm:txFillClrLst>
+    <dgm:txEffectClrLst/>
+  </dgm:styleLbl>
+  <dgm:styleLbl name="bgShp">
+    <dgm:fillClrLst meth="repeat">
+      <a:schemeClr val="accent1">
+        <a:tint val="40000"/>
+      </a:schemeClr>
+    </dgm:fillClrLst>
+    <dgm:linClrLst meth="repeat">
+      <a:schemeClr val="accent1"/>
+    </dgm:linClrLst>
+    <dgm:effectClrLst/>
+    <dgm:txLinClrLst/>
+    <dgm:txFillClrLst meth="repeat">
+      <a:schemeClr val="dk1"/>
+    </dgm:txFillClrLst>
+    <dgm:txEffectClrLst/>
+  </dgm:styleLbl>
+  <dgm:styleLbl name="dkBgShp">
+    <dgm:fillClrLst meth="repeat">
+      <a:schemeClr val="accent1">
+        <a:shade val="80000"/>
+      </a:schemeClr>
+    </dgm:fillClrLst>
+    <dgm:linClrLst meth="repeat">
+      <a:schemeClr val="accent1"/>
+    </dgm:linClrLst>
+    <dgm:effectClrLst/>
+    <dgm:txLinClrLst/>
+    <dgm:txFillClrLst meth="repeat">
+      <a:schemeClr val="lt1"/>
+    </dgm:txFillClrLst>
+    <dgm:txEffectClrLst/>
+  </dgm:styleLbl>
+  <dgm:styleLbl name="trBgShp">
+    <dgm:fillClrLst meth="repeat">
+      <a:schemeClr val="accent1">
+        <a:tint val="50000"/>
+        <a:alpha val="40000"/>
+      </a:schemeClr>
+    </dgm:fillClrLst>
+    <dgm:linClrLst meth="repeat">
+      <a:schemeClr val="accent1"/>
+    </dgm:linClrLst>
+    <dgm:effectClrLst/>
+    <dgm:txLinClrLst/>
+    <dgm:txFillClrLst meth="repeat">
+      <a:schemeClr val="lt1"/>
+    </dgm:txFillClrLst>
+    <dgm:txEffectClrLst/>
+  </dgm:styleLbl>
+  <dgm:styleLbl name="fgShp">
+    <dgm:fillClrLst meth="repeat">
+      <a:schemeClr val="accent1">
+        <a:tint val="60000"/>
+      </a:schemeClr>
+    </dgm:fillClrLst>
+    <dgm:linClrLst meth="repeat">
+      <a:schemeClr val="lt1"/>
+    </dgm:linClrLst>
+    <dgm:effectClrLst/>
+    <dgm:txLinClrLst/>
+    <dgm:txFillClrLst meth="repeat">
+      <a:schemeClr val="dk1"/>
+    </dgm:txFillClrLst>
+    <dgm:txEffectClrLst/>
+  </dgm:styleLbl>
+  <dgm:styleLbl name="revTx">
+    <dgm:fillClrLst meth="repeat">
+      <a:schemeClr val="lt1">
+        <a:alpha val="0"/>
+      </a:schemeClr>
+    </dgm:fillClrLst>
+    <dgm:linClrLst meth="repeat">
+      <a:schemeClr val="dk1">
+        <a:alpha val="0"/>
+      </a:schemeClr>
+    </dgm:linClrLst>
+    <dgm:effectClrLst/>
+    <dgm:txLinClrLst/>
+    <dgm:txFillClrLst meth="repeat">
+      <a:schemeClr val="tx1"/>
+    </dgm:txFillClrLst>
+    <dgm:txEffectClrLst/>
+  </dgm:styleLbl>
+</dgm:colorsDef>
+</file>
+
+<file path=ppt/diagrams/colors3.xml><?xml version="1.0" encoding="utf-8"?>
 <dgm:colorsDef xmlns:dgm="http://schemas.openxmlformats.org/drawingml/2006/diagram" xmlns:a="http://schemas.openxmlformats.org/drawingml/2006/main" uniqueId="urn:microsoft.com/office/officeart/2005/8/colors/colorful2">
   <dgm:title val=""/>
   <dgm:desc val=""/>
@@ -1820,7 +2576,7 @@
 </dgm:colorsDef>
 </file>
 
-<file path=ppt/diagrams/colors3.xml><?xml version="1.0" encoding="utf-8"?>
+<file path=ppt/diagrams/colors4.xml><?xml version="1.0" encoding="utf-8"?>
 <dgm:colorsDef xmlns:dgm="http://schemas.openxmlformats.org/drawingml/2006/diagram" xmlns:a="http://schemas.openxmlformats.org/drawingml/2006/main" uniqueId="urn:microsoft.com/office/officeart/2005/8/colors/colorful2">
   <dgm:title val=""/>
   <dgm:desc val=""/>
@@ -2606,7 +3362,7 @@
 <dgm:dataModel xmlns:dgm="http://schemas.openxmlformats.org/drawingml/2006/diagram" xmlns:a="http://schemas.openxmlformats.org/drawingml/2006/main">
   <dgm:ptLst>
     <dgm:pt modelId="{9B5D63B0-4E1F-4085-9D81-90D2609904FA}" type="doc">
-      <dgm:prSet loTypeId="urn:microsoft.com/office/officeart/2016/7/layout/BasicLinearProcessNumbered" loCatId="process" qsTypeId="urn:microsoft.com/office/officeart/2005/8/quickstyle/simple1" qsCatId="simple" csTypeId="urn:microsoft.com/office/officeart/2005/8/colors/colorful1" csCatId="colorful"/>
+      <dgm:prSet loTypeId="urn:microsoft.com/office/officeart/2016/7/layout/BasicLinearProcessNumbered" loCatId="process" qsTypeId="urn:microsoft.com/office/officeart/2005/8/quickstyle/simple1" qsCatId="simple" csTypeId="urn:microsoft.com/office/officeart/2005/8/colors/colorful1" csCatId="colorful" phldr="1"/>
       <dgm:spPr/>
       <dgm:t>
         <a:bodyPr/>
@@ -2635,6 +3391,22 @@
           <a:r>
             <a:rPr lang="hu-HU" dirty="0" err="1"/>
             <a:t>enviroment</a:t>
+          </a:r>
+          <a:r>
+            <a:rPr lang="hu-HU" dirty="0"/>
+            <a:t> for </a:t>
+          </a:r>
+          <a:r>
+            <a:rPr lang="hu-HU" dirty="0" err="1"/>
+            <a:t>home</a:t>
+          </a:r>
+          <a:r>
+            <a:rPr lang="hu-HU" dirty="0"/>
+            <a:t> </a:t>
+          </a:r>
+          <a:r>
+            <a:rPr lang="hu-HU" dirty="0" err="1"/>
+            <a:t>chefs</a:t>
           </a:r>
           <a:endParaRPr lang="en-US" dirty="0"/>
         </a:p>
@@ -2675,7 +3447,23 @@
           <a:pPr algn="ctr"/>
           <a:r>
             <a:rPr lang="hu-HU" dirty="0" err="1"/>
-            <a:t>Search</a:t>
+            <a:t>Users</a:t>
+          </a:r>
+          <a:r>
+            <a:rPr lang="hu-HU" dirty="0"/>
+            <a:t> </a:t>
+          </a:r>
+          <a:r>
+            <a:rPr lang="hu-HU" dirty="0" err="1"/>
+            <a:t>can</a:t>
+          </a:r>
+          <a:r>
+            <a:rPr lang="hu-HU" dirty="0"/>
+            <a:t> </a:t>
+          </a:r>
+          <a:r>
+            <a:rPr lang="hu-HU" dirty="0" err="1"/>
+            <a:t>search</a:t>
           </a:r>
           <a:r>
             <a:rPr lang="hu-HU" dirty="0"/>
@@ -2740,7 +3528,7 @@
           <a:pPr algn="ctr"/>
           <a:r>
             <a:rPr lang="hu-HU" dirty="0" err="1"/>
-            <a:t>Share</a:t>
+            <a:t>Users</a:t>
           </a:r>
           <a:r>
             <a:rPr lang="hu-HU" dirty="0"/>
@@ -2748,7 +3536,7 @@
           </a:r>
           <a:r>
             <a:rPr lang="hu-HU" dirty="0" err="1"/>
-            <a:t>your</a:t>
+            <a:t>can</a:t>
           </a:r>
           <a:r>
             <a:rPr lang="hu-HU" dirty="0"/>
@@ -2756,7 +3544,7 @@
           </a:r>
           <a:r>
             <a:rPr lang="hu-HU" dirty="0" err="1"/>
-            <a:t>own</a:t>
+            <a:t>share</a:t>
           </a:r>
           <a:r>
             <a:rPr lang="hu-HU" dirty="0"/>
@@ -2764,7 +3552,23 @@
           </a:r>
           <a:r>
             <a:rPr lang="hu-HU" dirty="0" err="1"/>
-            <a:t>recipie</a:t>
+            <a:t>their</a:t>
+          </a:r>
+          <a:r>
+            <a:rPr lang="hu-HU" dirty="0"/>
+            <a:t> </a:t>
+          </a:r>
+          <a:r>
+            <a:rPr lang="hu-HU" dirty="0" err="1"/>
+            <a:t>own</a:t>
+          </a:r>
+          <a:r>
+            <a:rPr lang="hu-HU" dirty="0"/>
+            <a:t> </a:t>
+          </a:r>
+          <a:r>
+            <a:rPr lang="hu-HU" dirty="0" err="1"/>
+            <a:t>recipies</a:t>
           </a:r>
           <a:endParaRPr lang="en-US" dirty="0"/>
         </a:p>
@@ -2963,6 +3767,620 @@
 <file path=ppt/diagrams/data2.xml><?xml version="1.0" encoding="utf-8"?>
 <dgm:dataModel xmlns:dgm="http://schemas.openxmlformats.org/drawingml/2006/diagram" xmlns:a="http://schemas.openxmlformats.org/drawingml/2006/main">
   <dgm:ptLst>
+    <dgm:pt modelId="{2B351BC2-25C9-40A8-964F-33808033471D}" type="doc">
+      <dgm:prSet loTypeId="urn:microsoft.com/office/officeart/2005/8/layout/vList2" loCatId="list" qsTypeId="urn:microsoft.com/office/officeart/2005/8/quickstyle/simple1" qsCatId="simple" csTypeId="urn:microsoft.com/office/officeart/2005/8/colors/accent1_2" csCatId="accent1" phldr="1"/>
+      <dgm:spPr/>
+      <dgm:t>
+        <a:bodyPr/>
+        <a:lstStyle/>
+        <a:p>
+          <a:endParaRPr lang="en-US"/>
+        </a:p>
+      </dgm:t>
+    </dgm:pt>
+    <dgm:pt modelId="{73AF9605-E007-49F2-A030-B6BBDC5AEE4F}">
+      <dgm:prSet custT="1"/>
+      <dgm:spPr>
+        <a:solidFill>
+          <a:schemeClr val="accent2"/>
+        </a:solidFill>
+      </dgm:spPr>
+      <dgm:t>
+        <a:bodyPr/>
+        <a:lstStyle/>
+        <a:p>
+          <a:r>
+            <a:rPr lang="hu-HU" sz="2800" dirty="0" err="1"/>
+            <a:t>ProjectWork</a:t>
+          </a:r>
+          <a:r>
+            <a:rPr lang="hu-HU" sz="2800" dirty="0"/>
+            <a:t> (main </a:t>
+          </a:r>
+          <a:r>
+            <a:rPr lang="hu-HU" sz="2800" dirty="0" err="1"/>
+            <a:t>folder</a:t>
+          </a:r>
+          <a:r>
+            <a:rPr lang="hu-HU" sz="2800" dirty="0"/>
+            <a:t>)</a:t>
+          </a:r>
+          <a:endParaRPr lang="en-US" sz="2800" dirty="0"/>
+        </a:p>
+      </dgm:t>
+    </dgm:pt>
+    <dgm:pt modelId="{8677F13A-D749-4D9C-83B2-B5213C8ED884}" type="parTrans" cxnId="{F7028A06-6DC6-45B6-AB05-ECDACCD3C462}">
+      <dgm:prSet/>
+      <dgm:spPr/>
+      <dgm:t>
+        <a:bodyPr/>
+        <a:lstStyle/>
+        <a:p>
+          <a:endParaRPr lang="en-US"/>
+        </a:p>
+      </dgm:t>
+    </dgm:pt>
+    <dgm:pt modelId="{4C543B91-6263-4847-B945-B8668AC62657}" type="sibTrans" cxnId="{F7028A06-6DC6-45B6-AB05-ECDACCD3C462}">
+      <dgm:prSet/>
+      <dgm:spPr/>
+      <dgm:t>
+        <a:bodyPr/>
+        <a:lstStyle/>
+        <a:p>
+          <a:endParaRPr lang="en-US"/>
+        </a:p>
+      </dgm:t>
+    </dgm:pt>
+    <dgm:pt modelId="{ED1AE132-BE09-47C5-BEB7-B7593F13E8AD}">
+      <dgm:prSet custT="1"/>
+      <dgm:spPr/>
+      <dgm:t>
+        <a:bodyPr/>
+        <a:lstStyle/>
+        <a:p>
+          <a:r>
+            <a:rPr lang="hu-HU" sz="2400" dirty="0" err="1"/>
+            <a:t>Css</a:t>
+          </a:r>
+          <a:r>
+            <a:rPr lang="hu-HU" sz="2400" dirty="0"/>
+            <a:t> </a:t>
+          </a:r>
+          <a:r>
+            <a:rPr lang="hu-HU" sz="2400" dirty="0">
+              <a:sym typeface="Wingdings" panose="05000000000000000000" pitchFamily="2" charset="2"/>
+            </a:rPr>
+            <a:t></a:t>
+          </a:r>
+          <a:r>
+            <a:rPr lang="hu-HU" sz="2400" dirty="0"/>
+            <a:t> </a:t>
+          </a:r>
+          <a:r>
+            <a:rPr lang="hu-HU" sz="2400" dirty="0" err="1"/>
+            <a:t>css</a:t>
+          </a:r>
+          <a:r>
+            <a:rPr lang="hu-HU" sz="2400" dirty="0"/>
+            <a:t> file</a:t>
+          </a:r>
+          <a:endParaRPr lang="en-US" sz="2400" dirty="0"/>
+        </a:p>
+      </dgm:t>
+    </dgm:pt>
+    <dgm:pt modelId="{A710D70B-BD04-47FC-82E3-96BC42B57D5B}" type="parTrans" cxnId="{1992FC61-65E7-48DF-8051-7F7630E26119}">
+      <dgm:prSet/>
+      <dgm:spPr/>
+      <dgm:t>
+        <a:bodyPr/>
+        <a:lstStyle/>
+        <a:p>
+          <a:endParaRPr lang="en-US"/>
+        </a:p>
+      </dgm:t>
+    </dgm:pt>
+    <dgm:pt modelId="{71325449-A6A9-4EA7-8C5B-D2BEB131889D}" type="sibTrans" cxnId="{1992FC61-65E7-48DF-8051-7F7630E26119}">
+      <dgm:prSet/>
+      <dgm:spPr/>
+      <dgm:t>
+        <a:bodyPr/>
+        <a:lstStyle/>
+        <a:p>
+          <a:endParaRPr lang="en-US"/>
+        </a:p>
+      </dgm:t>
+    </dgm:pt>
+    <dgm:pt modelId="{9ED24524-A58F-4D93-AF86-D4784CB6F524}">
+      <dgm:prSet custT="1"/>
+      <dgm:spPr/>
+      <dgm:t>
+        <a:bodyPr/>
+        <a:lstStyle/>
+        <a:p>
+          <a:r>
+            <a:rPr lang="hu-HU" sz="2400" dirty="0"/>
+            <a:t>Database </a:t>
+          </a:r>
+          <a:r>
+            <a:rPr lang="hu-HU" sz="2400" dirty="0">
+              <a:sym typeface="Wingdings" panose="05000000000000000000" pitchFamily="2" charset="2"/>
+            </a:rPr>
+            <a:t></a:t>
+          </a:r>
+          <a:r>
+            <a:rPr lang="hu-HU" sz="2400" dirty="0"/>
+            <a:t> </a:t>
+          </a:r>
+          <a:r>
+            <a:rPr lang="hu-HU" sz="2400" dirty="0" err="1"/>
+            <a:t>everything</a:t>
+          </a:r>
+          <a:r>
+            <a:rPr lang="hu-HU" sz="2400" dirty="0"/>
+            <a:t> </a:t>
+          </a:r>
+          <a:r>
+            <a:rPr lang="hu-HU" sz="2400" dirty="0" err="1"/>
+            <a:t>about</a:t>
+          </a:r>
+          <a:r>
+            <a:rPr lang="hu-HU" sz="2400" dirty="0"/>
+            <a:t> </a:t>
+          </a:r>
+          <a:r>
+            <a:rPr lang="hu-HU" sz="2400" dirty="0" err="1"/>
+            <a:t>our</a:t>
+          </a:r>
+          <a:r>
+            <a:rPr lang="hu-HU" sz="2400" dirty="0"/>
+            <a:t> </a:t>
+          </a:r>
+          <a:r>
+            <a:rPr lang="hu-HU" sz="2400" dirty="0" err="1"/>
+            <a:t>database</a:t>
+          </a:r>
+          <a:endParaRPr lang="en-US" sz="2400" dirty="0"/>
+        </a:p>
+      </dgm:t>
+    </dgm:pt>
+    <dgm:pt modelId="{CD4515A8-76BF-4593-93EC-BCAEC11D05A6}" type="parTrans" cxnId="{7AD820C9-01CE-469E-9139-69D54244C94B}">
+      <dgm:prSet/>
+      <dgm:spPr/>
+      <dgm:t>
+        <a:bodyPr/>
+        <a:lstStyle/>
+        <a:p>
+          <a:endParaRPr lang="en-US"/>
+        </a:p>
+      </dgm:t>
+    </dgm:pt>
+    <dgm:pt modelId="{D0A5A6BD-DE8E-4A5B-9E85-2E1EE711E995}" type="sibTrans" cxnId="{7AD820C9-01CE-469E-9139-69D54244C94B}">
+      <dgm:prSet/>
+      <dgm:spPr/>
+      <dgm:t>
+        <a:bodyPr/>
+        <a:lstStyle/>
+        <a:p>
+          <a:endParaRPr lang="en-US"/>
+        </a:p>
+      </dgm:t>
+    </dgm:pt>
+    <dgm:pt modelId="{CB75D769-51FF-44D4-A76D-F3A00D4E6D29}">
+      <dgm:prSet custT="1"/>
+      <dgm:spPr/>
+      <dgm:t>
+        <a:bodyPr/>
+        <a:lstStyle/>
+        <a:p>
+          <a:r>
+            <a:rPr lang="hu-HU" sz="2400" dirty="0" err="1"/>
+            <a:t>Docx</a:t>
+          </a:r>
+          <a:r>
+            <a:rPr lang="hu-HU" sz="2400" dirty="0"/>
+            <a:t> </a:t>
+          </a:r>
+          <a:r>
+            <a:rPr lang="hu-HU" sz="2400" dirty="0">
+              <a:sym typeface="Wingdings" panose="05000000000000000000" pitchFamily="2" charset="2"/>
+            </a:rPr>
+            <a:t></a:t>
+          </a:r>
+          <a:r>
+            <a:rPr lang="hu-HU" sz="2400" dirty="0"/>
+            <a:t> </a:t>
+          </a:r>
+          <a:r>
+            <a:rPr lang="hu-HU" sz="2400" dirty="0" err="1"/>
+            <a:t>the</a:t>
+          </a:r>
+          <a:r>
+            <a:rPr lang="hu-HU" sz="2400" dirty="0"/>
+            <a:t> project </a:t>
+          </a:r>
+          <a:r>
+            <a:rPr lang="hu-HU" sz="2400" dirty="0" err="1"/>
+            <a:t>work’s</a:t>
+          </a:r>
+          <a:r>
+            <a:rPr lang="hu-HU" sz="2400" dirty="0"/>
+            <a:t> </a:t>
+          </a:r>
+          <a:r>
+            <a:rPr lang="hu-HU" sz="2400" dirty="0" err="1"/>
+            <a:t>documentations</a:t>
+          </a:r>
+          <a:endParaRPr lang="en-US" sz="2400" dirty="0"/>
+        </a:p>
+      </dgm:t>
+    </dgm:pt>
+    <dgm:pt modelId="{126D93C8-F6B2-4D89-A60E-13A5F72EEE7F}" type="parTrans" cxnId="{CBC11EBF-B25E-41DF-918B-9D867811F0D7}">
+      <dgm:prSet/>
+      <dgm:spPr/>
+      <dgm:t>
+        <a:bodyPr/>
+        <a:lstStyle/>
+        <a:p>
+          <a:endParaRPr lang="en-US"/>
+        </a:p>
+      </dgm:t>
+    </dgm:pt>
+    <dgm:pt modelId="{F048D737-D283-4455-B4EB-2BF190549F5B}" type="sibTrans" cxnId="{CBC11EBF-B25E-41DF-918B-9D867811F0D7}">
+      <dgm:prSet/>
+      <dgm:spPr/>
+      <dgm:t>
+        <a:bodyPr/>
+        <a:lstStyle/>
+        <a:p>
+          <a:endParaRPr lang="en-US"/>
+        </a:p>
+      </dgm:t>
+    </dgm:pt>
+    <dgm:pt modelId="{BA906055-8BED-4C45-B0DD-70D9AABC0161}">
+      <dgm:prSet custT="1"/>
+      <dgm:spPr/>
+      <dgm:t>
+        <a:bodyPr/>
+        <a:lstStyle/>
+        <a:p>
+          <a:r>
+            <a:rPr lang="hu-HU" sz="2400"/>
+            <a:t>Html </a:t>
+          </a:r>
+          <a:r>
+            <a:rPr lang="hu-HU" sz="2400">
+              <a:sym typeface="Wingdings" panose="05000000000000000000" pitchFamily="2" charset="2"/>
+            </a:rPr>
+            <a:t></a:t>
+          </a:r>
+          <a:r>
+            <a:rPr lang="hu-HU" sz="2400"/>
+            <a:t> html file (webpages)</a:t>
+          </a:r>
+          <a:endParaRPr lang="en-US" sz="2400"/>
+        </a:p>
+      </dgm:t>
+    </dgm:pt>
+    <dgm:pt modelId="{6E07848F-BBA4-4E45-A2BC-8F95A025186B}" type="parTrans" cxnId="{8B01784B-D96D-4C29-8F54-E23B4D233227}">
+      <dgm:prSet/>
+      <dgm:spPr/>
+      <dgm:t>
+        <a:bodyPr/>
+        <a:lstStyle/>
+        <a:p>
+          <a:endParaRPr lang="en-US"/>
+        </a:p>
+      </dgm:t>
+    </dgm:pt>
+    <dgm:pt modelId="{54B46299-8640-4DFD-91BB-26B724B60505}" type="sibTrans" cxnId="{8B01784B-D96D-4C29-8F54-E23B4D233227}">
+      <dgm:prSet/>
+      <dgm:spPr/>
+      <dgm:t>
+        <a:bodyPr/>
+        <a:lstStyle/>
+        <a:p>
+          <a:endParaRPr lang="en-US"/>
+        </a:p>
+      </dgm:t>
+    </dgm:pt>
+    <dgm:pt modelId="{15DF49D9-AAE0-4151-A888-91453EB5D59A}">
+      <dgm:prSet custT="1"/>
+      <dgm:spPr/>
+      <dgm:t>
+        <a:bodyPr/>
+        <a:lstStyle/>
+        <a:p>
+          <a:r>
+            <a:rPr lang="hu-HU" sz="2400" dirty="0" err="1"/>
+            <a:t>Images</a:t>
+          </a:r>
+          <a:r>
+            <a:rPr lang="hu-HU" sz="2400" dirty="0"/>
+            <a:t> </a:t>
+          </a:r>
+          <a:r>
+            <a:rPr lang="hu-HU" sz="2400" dirty="0">
+              <a:sym typeface="Wingdings" panose="05000000000000000000" pitchFamily="2" charset="2"/>
+            </a:rPr>
+            <a:t></a:t>
+          </a:r>
+          <a:r>
+            <a:rPr lang="hu-HU" sz="2400" dirty="0"/>
+            <a:t> image for </a:t>
+          </a:r>
+          <a:r>
+            <a:rPr lang="hu-HU" sz="2400" dirty="0" err="1"/>
+            <a:t>the</a:t>
+          </a:r>
+          <a:r>
+            <a:rPr lang="hu-HU" sz="2400" dirty="0"/>
+            <a:t> </a:t>
+          </a:r>
+          <a:r>
+            <a:rPr lang="hu-HU" sz="2400" dirty="0" err="1"/>
+            <a:t>the</a:t>
+          </a:r>
+          <a:r>
+            <a:rPr lang="hu-HU" sz="2400" dirty="0"/>
+            <a:t> </a:t>
+          </a:r>
+          <a:r>
+            <a:rPr lang="hu-HU" sz="2400" dirty="0" err="1"/>
+            <a:t>html</a:t>
+          </a:r>
+          <a:r>
+            <a:rPr lang="hu-HU" sz="2400" dirty="0"/>
+            <a:t> </a:t>
+          </a:r>
+          <a:r>
+            <a:rPr lang="hu-HU" sz="2400" dirty="0" err="1"/>
+            <a:t>files</a:t>
+          </a:r>
+          <a:endParaRPr lang="en-US" sz="2400" dirty="0"/>
+        </a:p>
+      </dgm:t>
+    </dgm:pt>
+    <dgm:pt modelId="{C10F245D-6514-4344-9FCB-CEA36F561E08}" type="parTrans" cxnId="{80CBCCA6-EB9B-4AA0-8308-48B9DF30E404}">
+      <dgm:prSet/>
+      <dgm:spPr/>
+      <dgm:t>
+        <a:bodyPr/>
+        <a:lstStyle/>
+        <a:p>
+          <a:endParaRPr lang="en-US"/>
+        </a:p>
+      </dgm:t>
+    </dgm:pt>
+    <dgm:pt modelId="{32661966-A3B0-443A-B2CC-DBBDD58CC035}" type="sibTrans" cxnId="{80CBCCA6-EB9B-4AA0-8308-48B9DF30E404}">
+      <dgm:prSet/>
+      <dgm:spPr/>
+      <dgm:t>
+        <a:bodyPr/>
+        <a:lstStyle/>
+        <a:p>
+          <a:endParaRPr lang="en-US"/>
+        </a:p>
+      </dgm:t>
+    </dgm:pt>
+    <dgm:pt modelId="{E496141E-0F38-48E1-AB4C-AB1363502097}">
+      <dgm:prSet custT="1"/>
+      <dgm:spPr/>
+      <dgm:t>
+        <a:bodyPr/>
+        <a:lstStyle/>
+        <a:p>
+          <a:r>
+            <a:rPr lang="hu-HU" sz="2400" dirty="0" err="1"/>
+            <a:t>Upload</a:t>
+          </a:r>
+          <a:r>
+            <a:rPr lang="hu-HU" sz="2400" dirty="0"/>
+            <a:t> </a:t>
+          </a:r>
+          <a:r>
+            <a:rPr lang="hu-HU" sz="2400" dirty="0">
+              <a:sym typeface="Wingdings" panose="05000000000000000000" pitchFamily="2" charset="2"/>
+            </a:rPr>
+            <a:t></a:t>
+          </a:r>
+          <a:r>
+            <a:rPr lang="hu-HU" sz="2400" dirty="0"/>
+            <a:t> </a:t>
+          </a:r>
+          <a:r>
+            <a:rPr lang="hu-HU" sz="2400" dirty="0" err="1"/>
+            <a:t>uploaded</a:t>
+          </a:r>
+          <a:r>
+            <a:rPr lang="hu-HU" sz="2400" dirty="0"/>
+            <a:t> </a:t>
+          </a:r>
+          <a:r>
+            <a:rPr lang="hu-HU" sz="2400" dirty="0" err="1"/>
+            <a:t>images</a:t>
+          </a:r>
+          <a:r>
+            <a:rPr lang="hu-HU" sz="2400" dirty="0"/>
+            <a:t> for </a:t>
+          </a:r>
+          <a:r>
+            <a:rPr lang="hu-HU" sz="2400" dirty="0" err="1"/>
+            <a:t>the</a:t>
+          </a:r>
+          <a:r>
+            <a:rPr lang="hu-HU" sz="2400" dirty="0"/>
+            <a:t> </a:t>
+          </a:r>
+          <a:r>
+            <a:rPr lang="hu-HU" sz="2400" dirty="0" err="1"/>
+            <a:t>uploaded</a:t>
+          </a:r>
+          <a:r>
+            <a:rPr lang="hu-HU" sz="2400" dirty="0"/>
+            <a:t> </a:t>
+          </a:r>
+          <a:r>
+            <a:rPr lang="hu-HU" sz="2400" dirty="0" err="1"/>
+            <a:t>recipes</a:t>
+          </a:r>
+          <a:endParaRPr lang="en-US" sz="2400" dirty="0"/>
+        </a:p>
+      </dgm:t>
+    </dgm:pt>
+    <dgm:pt modelId="{D2886577-EB39-401C-A711-7105E9B776A1}" type="parTrans" cxnId="{488FDEC4-BD53-4CAA-85BA-4B86AF32D550}">
+      <dgm:prSet/>
+      <dgm:spPr/>
+      <dgm:t>
+        <a:bodyPr/>
+        <a:lstStyle/>
+        <a:p>
+          <a:endParaRPr lang="en-US"/>
+        </a:p>
+      </dgm:t>
+    </dgm:pt>
+    <dgm:pt modelId="{03E3F8DF-AA68-408F-BC92-B6A91E795495}" type="sibTrans" cxnId="{488FDEC4-BD53-4CAA-85BA-4B86AF32D550}">
+      <dgm:prSet/>
+      <dgm:spPr/>
+      <dgm:t>
+        <a:bodyPr/>
+        <a:lstStyle/>
+        <a:p>
+          <a:endParaRPr lang="en-US"/>
+        </a:p>
+      </dgm:t>
+    </dgm:pt>
+    <dgm:pt modelId="{9E0FCC61-3073-4EA0-9633-F819C3F88A16}">
+      <dgm:prSet custT="1"/>
+      <dgm:spPr/>
+      <dgm:t>
+        <a:bodyPr/>
+        <a:lstStyle/>
+        <a:p>
+          <a:r>
+            <a:rPr lang="hu-HU" sz="2400" dirty="0"/>
+            <a:t>Js </a:t>
+          </a:r>
+          <a:r>
+            <a:rPr lang="hu-HU" sz="2400" dirty="0">
+              <a:sym typeface="Wingdings" panose="05000000000000000000" pitchFamily="2" charset="2"/>
+            </a:rPr>
+            <a:t></a:t>
+          </a:r>
+          <a:r>
+            <a:rPr lang="hu-HU" sz="2400" dirty="0"/>
+            <a:t> js </a:t>
+          </a:r>
+          <a:r>
+            <a:rPr lang="hu-HU" sz="2400" dirty="0" err="1"/>
+            <a:t>files</a:t>
+          </a:r>
+          <a:r>
+            <a:rPr lang="hu-HU" sz="2400" dirty="0"/>
+            <a:t> for </a:t>
+          </a:r>
+          <a:r>
+            <a:rPr lang="hu-HU" sz="2400" dirty="0" err="1"/>
+            <a:t>the</a:t>
+          </a:r>
+          <a:r>
+            <a:rPr lang="hu-HU" sz="2400" dirty="0"/>
+            <a:t> backend and </a:t>
+          </a:r>
+          <a:r>
+            <a:rPr lang="hu-HU" sz="2400" dirty="0" err="1"/>
+            <a:t>the</a:t>
+          </a:r>
+          <a:r>
+            <a:rPr lang="hu-HU" sz="2400" dirty="0"/>
+            <a:t> frontend</a:t>
+          </a:r>
+          <a:endParaRPr lang="en-US" sz="2400" dirty="0"/>
+        </a:p>
+      </dgm:t>
+    </dgm:pt>
+    <dgm:pt modelId="{1C221FE2-A363-421A-ACC4-F164D6C3C9E4}" type="parTrans" cxnId="{2AE1F731-2D0B-4AF6-8809-CFA9BA79955A}">
+      <dgm:prSet/>
+      <dgm:spPr/>
+      <dgm:t>
+        <a:bodyPr/>
+        <a:lstStyle/>
+        <a:p>
+          <a:endParaRPr lang="en-US"/>
+        </a:p>
+      </dgm:t>
+    </dgm:pt>
+    <dgm:pt modelId="{98B740A2-3FF1-4DBC-9B9F-66CB25367E30}" type="sibTrans" cxnId="{2AE1F731-2D0B-4AF6-8809-CFA9BA79955A}">
+      <dgm:prSet/>
+      <dgm:spPr/>
+      <dgm:t>
+        <a:bodyPr/>
+        <a:lstStyle/>
+        <a:p>
+          <a:endParaRPr lang="en-US"/>
+        </a:p>
+      </dgm:t>
+    </dgm:pt>
+    <dgm:pt modelId="{81EFEA4A-D4C3-4B9A-B216-EB620955530B}" type="pres">
+      <dgm:prSet presAssocID="{2B351BC2-25C9-40A8-964F-33808033471D}" presName="linear" presStyleCnt="0">
+        <dgm:presLayoutVars>
+          <dgm:animLvl val="lvl"/>
+          <dgm:resizeHandles val="exact"/>
+        </dgm:presLayoutVars>
+      </dgm:prSet>
+      <dgm:spPr/>
+    </dgm:pt>
+    <dgm:pt modelId="{1C125546-E346-429D-811F-9026A2394684}" type="pres">
+      <dgm:prSet presAssocID="{73AF9605-E007-49F2-A030-B6BBDC5AEE4F}" presName="parentText" presStyleLbl="node1" presStyleIdx="0" presStyleCnt="1">
+        <dgm:presLayoutVars>
+          <dgm:chMax val="0"/>
+          <dgm:bulletEnabled val="1"/>
+        </dgm:presLayoutVars>
+      </dgm:prSet>
+      <dgm:spPr/>
+    </dgm:pt>
+    <dgm:pt modelId="{546141B7-47AD-46A1-8485-946D89CD90D3}" type="pres">
+      <dgm:prSet presAssocID="{73AF9605-E007-49F2-A030-B6BBDC5AEE4F}" presName="childText" presStyleLbl="revTx" presStyleIdx="0" presStyleCnt="1" custScaleY="104385">
+        <dgm:presLayoutVars>
+          <dgm:bulletEnabled val="1"/>
+        </dgm:presLayoutVars>
+      </dgm:prSet>
+      <dgm:spPr/>
+    </dgm:pt>
+  </dgm:ptLst>
+  <dgm:cxnLst>
+    <dgm:cxn modelId="{7E2D2E06-CA44-46C9-B60F-AC53325800FE}" type="presOf" srcId="{BA906055-8BED-4C45-B0DD-70D9AABC0161}" destId="{546141B7-47AD-46A1-8485-946D89CD90D3}" srcOrd="0" destOrd="3" presId="urn:microsoft.com/office/officeart/2005/8/layout/vList2"/>
+    <dgm:cxn modelId="{F7028A06-6DC6-45B6-AB05-ECDACCD3C462}" srcId="{2B351BC2-25C9-40A8-964F-33808033471D}" destId="{73AF9605-E007-49F2-A030-B6BBDC5AEE4F}" srcOrd="0" destOrd="0" parTransId="{8677F13A-D749-4D9C-83B2-B5213C8ED884}" sibTransId="{4C543B91-6263-4847-B945-B8668AC62657}"/>
+    <dgm:cxn modelId="{CF79E423-A91F-4BD0-9498-5B5C54BC983D}" type="presOf" srcId="{15DF49D9-AAE0-4151-A888-91453EB5D59A}" destId="{546141B7-47AD-46A1-8485-946D89CD90D3}" srcOrd="0" destOrd="4" presId="urn:microsoft.com/office/officeart/2005/8/layout/vList2"/>
+    <dgm:cxn modelId="{2AE1F731-2D0B-4AF6-8809-CFA9BA79955A}" srcId="{73AF9605-E007-49F2-A030-B6BBDC5AEE4F}" destId="{9E0FCC61-3073-4EA0-9633-F819C3F88A16}" srcOrd="5" destOrd="0" parTransId="{1C221FE2-A363-421A-ACC4-F164D6C3C9E4}" sibTransId="{98B740A2-3FF1-4DBC-9B9F-66CB25367E30}"/>
+    <dgm:cxn modelId="{1992FC61-65E7-48DF-8051-7F7630E26119}" srcId="{73AF9605-E007-49F2-A030-B6BBDC5AEE4F}" destId="{ED1AE132-BE09-47C5-BEB7-B7593F13E8AD}" srcOrd="0" destOrd="0" parTransId="{A710D70B-BD04-47FC-82E3-96BC42B57D5B}" sibTransId="{71325449-A6A9-4EA7-8C5B-D2BEB131889D}"/>
+    <dgm:cxn modelId="{F1EA8465-78D4-45FD-8229-12ECD55B95CA}" type="presOf" srcId="{2B351BC2-25C9-40A8-964F-33808033471D}" destId="{81EFEA4A-D4C3-4B9A-B216-EB620955530B}" srcOrd="0" destOrd="0" presId="urn:microsoft.com/office/officeart/2005/8/layout/vList2"/>
+    <dgm:cxn modelId="{8B01784B-D96D-4C29-8F54-E23B4D233227}" srcId="{73AF9605-E007-49F2-A030-B6BBDC5AEE4F}" destId="{BA906055-8BED-4C45-B0DD-70D9AABC0161}" srcOrd="3" destOrd="0" parTransId="{6E07848F-BBA4-4E45-A2BC-8F95A025186B}" sibTransId="{54B46299-8640-4DFD-91BB-26B724B60505}"/>
+    <dgm:cxn modelId="{922B7C72-7B7E-481B-B715-A60BEE5C8F26}" type="presOf" srcId="{9E0FCC61-3073-4EA0-9633-F819C3F88A16}" destId="{546141B7-47AD-46A1-8485-946D89CD90D3}" srcOrd="0" destOrd="6" presId="urn:microsoft.com/office/officeart/2005/8/layout/vList2"/>
+    <dgm:cxn modelId="{AFF9A273-745C-40C3-AF4A-0B009DE5BA69}" type="presOf" srcId="{E496141E-0F38-48E1-AB4C-AB1363502097}" destId="{546141B7-47AD-46A1-8485-946D89CD90D3}" srcOrd="0" destOrd="5" presId="urn:microsoft.com/office/officeart/2005/8/layout/vList2"/>
+    <dgm:cxn modelId="{1872AB79-117A-4295-ADA6-AFA2CB9DE461}" type="presOf" srcId="{CB75D769-51FF-44D4-A76D-F3A00D4E6D29}" destId="{546141B7-47AD-46A1-8485-946D89CD90D3}" srcOrd="0" destOrd="2" presId="urn:microsoft.com/office/officeart/2005/8/layout/vList2"/>
+    <dgm:cxn modelId="{28815487-4930-4E0E-AE53-9C2CAA11EF02}" type="presOf" srcId="{73AF9605-E007-49F2-A030-B6BBDC5AEE4F}" destId="{1C125546-E346-429D-811F-9026A2394684}" srcOrd="0" destOrd="0" presId="urn:microsoft.com/office/officeart/2005/8/layout/vList2"/>
+    <dgm:cxn modelId="{80CBCCA6-EB9B-4AA0-8308-48B9DF30E404}" srcId="{73AF9605-E007-49F2-A030-B6BBDC5AEE4F}" destId="{15DF49D9-AAE0-4151-A888-91453EB5D59A}" srcOrd="4" destOrd="0" parTransId="{C10F245D-6514-4344-9FCB-CEA36F561E08}" sibTransId="{32661966-A3B0-443A-B2CC-DBBDD58CC035}"/>
+    <dgm:cxn modelId="{BB385BBB-9C72-4E27-A07B-766CA8C9C922}" type="presOf" srcId="{ED1AE132-BE09-47C5-BEB7-B7593F13E8AD}" destId="{546141B7-47AD-46A1-8485-946D89CD90D3}" srcOrd="0" destOrd="0" presId="urn:microsoft.com/office/officeart/2005/8/layout/vList2"/>
+    <dgm:cxn modelId="{CBC11EBF-B25E-41DF-918B-9D867811F0D7}" srcId="{73AF9605-E007-49F2-A030-B6BBDC5AEE4F}" destId="{CB75D769-51FF-44D4-A76D-F3A00D4E6D29}" srcOrd="2" destOrd="0" parTransId="{126D93C8-F6B2-4D89-A60E-13A5F72EEE7F}" sibTransId="{F048D737-D283-4455-B4EB-2BF190549F5B}"/>
+    <dgm:cxn modelId="{ADE5E3C2-D49B-4AA7-92B7-A32FE93B917F}" type="presOf" srcId="{9ED24524-A58F-4D93-AF86-D4784CB6F524}" destId="{546141B7-47AD-46A1-8485-946D89CD90D3}" srcOrd="0" destOrd="1" presId="urn:microsoft.com/office/officeart/2005/8/layout/vList2"/>
+    <dgm:cxn modelId="{488FDEC4-BD53-4CAA-85BA-4B86AF32D550}" srcId="{15DF49D9-AAE0-4151-A888-91453EB5D59A}" destId="{E496141E-0F38-48E1-AB4C-AB1363502097}" srcOrd="0" destOrd="0" parTransId="{D2886577-EB39-401C-A711-7105E9B776A1}" sibTransId="{03E3F8DF-AA68-408F-BC92-B6A91E795495}"/>
+    <dgm:cxn modelId="{7AD820C9-01CE-469E-9139-69D54244C94B}" srcId="{73AF9605-E007-49F2-A030-B6BBDC5AEE4F}" destId="{9ED24524-A58F-4D93-AF86-D4784CB6F524}" srcOrd="1" destOrd="0" parTransId="{CD4515A8-76BF-4593-93EC-BCAEC11D05A6}" sibTransId="{D0A5A6BD-DE8E-4A5B-9E85-2E1EE711E995}"/>
+    <dgm:cxn modelId="{8D708CC0-83BB-444A-900F-FCCD8C1FD39E}" type="presParOf" srcId="{81EFEA4A-D4C3-4B9A-B216-EB620955530B}" destId="{1C125546-E346-429D-811F-9026A2394684}" srcOrd="0" destOrd="0" presId="urn:microsoft.com/office/officeart/2005/8/layout/vList2"/>
+    <dgm:cxn modelId="{0DF005DE-1960-4330-94B5-9A8E183B5A55}" type="presParOf" srcId="{81EFEA4A-D4C3-4B9A-B216-EB620955530B}" destId="{546141B7-47AD-46A1-8485-946D89CD90D3}" srcOrd="1" destOrd="0" presId="urn:microsoft.com/office/officeart/2005/8/layout/vList2"/>
+  </dgm:cxnLst>
+  <dgm:bg/>
+  <dgm:whole/>
+  <dgm:extLst>
+    <a:ext uri="http://schemas.microsoft.com/office/drawing/2008/diagram">
+      <dsp:dataModelExt xmlns:dsp="http://schemas.microsoft.com/office/drawing/2008/diagram" relId="rId6" minVer="http://schemas.openxmlformats.org/drawingml/2006/diagram"/>
+    </a:ext>
+  </dgm:extLst>
+</dgm:dataModel>
+</file>
+
+<file path=ppt/diagrams/data3.xml><?xml version="1.0" encoding="utf-8"?>
+<dgm:dataModel xmlns:dgm="http://schemas.openxmlformats.org/drawingml/2006/diagram" xmlns:a="http://schemas.openxmlformats.org/drawingml/2006/main">
+  <dgm:ptLst>
     <dgm:pt modelId="{831263C5-7F7C-4F8F-83EA-DCB917484751}" type="doc">
       <dgm:prSet loTypeId="urn:microsoft.com/office/officeart/2005/8/layout/vProcess5" loCatId="process" qsTypeId="urn:microsoft.com/office/officeart/2005/8/quickstyle/simple1" qsCatId="simple" csTypeId="urn:microsoft.com/office/officeart/2005/8/colors/colorful2" csCatId="colorful"/>
       <dgm:spPr/>
@@ -2982,10 +4400,22 @@
         <a:lstStyle/>
         <a:p>
           <a:r>
-            <a:rPr lang="hu-HU"/>
-            <a:t>Server side connection</a:t>
-          </a:r>
-          <a:endParaRPr lang="en-US"/>
+            <a:rPr lang="hu-HU" dirty="0"/>
+            <a:t>Server </a:t>
+          </a:r>
+          <a:r>
+            <a:rPr lang="hu-HU" dirty="0" err="1"/>
+            <a:t>side</a:t>
+          </a:r>
+          <a:r>
+            <a:rPr lang="hu-HU" dirty="0"/>
+            <a:t> </a:t>
+          </a:r>
+          <a:r>
+            <a:rPr lang="hu-HU" dirty="0" err="1"/>
+            <a:t>connection</a:t>
+          </a:r>
+          <a:endParaRPr lang="en-US" dirty="0"/>
         </a:p>
       </dgm:t>
     </dgm:pt>
@@ -3019,10 +4449,22 @@
         <a:lstStyle/>
         <a:p>
           <a:r>
-            <a:rPr lang="hu-HU"/>
-            <a:t>Communication between </a:t>
-          </a:r>
-          <a:endParaRPr lang="en-US"/>
+            <a:rPr lang="hu-HU" dirty="0" err="1"/>
+            <a:t>Communication</a:t>
+          </a:r>
+          <a:r>
+            <a:rPr lang="hu-HU" dirty="0"/>
+            <a:t> </a:t>
+          </a:r>
+          <a:r>
+            <a:rPr lang="hu-HU" dirty="0" err="1"/>
+            <a:t>between</a:t>
+          </a:r>
+          <a:r>
+            <a:rPr lang="hu-HU" dirty="0"/>
+            <a:t> </a:t>
+          </a:r>
+          <a:endParaRPr lang="en-US" dirty="0"/>
         </a:p>
       </dgm:t>
     </dgm:pt>
@@ -3056,10 +4498,26 @@
         <a:lstStyle/>
         <a:p>
           <a:r>
-            <a:rPr lang="hu-HU"/>
-            <a:t>the server and the database</a:t>
-          </a:r>
-          <a:endParaRPr lang="en-US"/>
+            <a:rPr lang="hu-HU" dirty="0" err="1"/>
+            <a:t>the</a:t>
+          </a:r>
+          <a:r>
+            <a:rPr lang="hu-HU" dirty="0"/>
+            <a:t> server and </a:t>
+          </a:r>
+          <a:r>
+            <a:rPr lang="hu-HU" dirty="0" err="1"/>
+            <a:t>the</a:t>
+          </a:r>
+          <a:r>
+            <a:rPr lang="hu-HU" dirty="0"/>
+            <a:t> </a:t>
+          </a:r>
+          <a:r>
+            <a:rPr lang="hu-HU" dirty="0" err="1"/>
+            <a:t>database</a:t>
+          </a:r>
+          <a:endParaRPr lang="en-US" dirty="0"/>
         </a:p>
       </dgm:t>
     </dgm:pt>
@@ -3130,10 +4588,18 @@
         <a:lstStyle/>
         <a:p>
           <a:r>
-            <a:rPr lang="hu-HU"/>
-            <a:t>Creating REST APIs</a:t>
-          </a:r>
-          <a:endParaRPr lang="en-US"/>
+            <a:rPr lang="hu-HU" dirty="0" err="1"/>
+            <a:t>Creating</a:t>
+          </a:r>
+          <a:r>
+            <a:rPr lang="hu-HU" dirty="0"/>
+            <a:t> REST </a:t>
+          </a:r>
+          <a:r>
+            <a:rPr lang="hu-HU" dirty="0" err="1"/>
+            <a:t>APIs</a:t>
+          </a:r>
+          <a:endParaRPr lang="en-US" dirty="0"/>
         </a:p>
       </dgm:t>
     </dgm:pt>
@@ -3279,7 +4745,7 @@
 </dgm:dataModel>
 </file>
 
-<file path=ppt/diagrams/data3.xml><?xml version="1.0" encoding="utf-8"?>
+<file path=ppt/diagrams/data4.xml><?xml version="1.0" encoding="utf-8"?>
 <dgm:dataModel xmlns:dgm="http://schemas.openxmlformats.org/drawingml/2006/diagram" xmlns:a="http://schemas.openxmlformats.org/drawingml/2006/main">
   <dgm:ptLst>
     <dgm:pt modelId="{25057B79-F97C-439B-B33A-817230332483}" type="doc">
@@ -3520,10 +4986,90 @@
         <a:lstStyle/>
         <a:p>
           <a:r>
-            <a:rPr lang="hu-HU"/>
-            <a:t>Making tests so we can be  sure that the website works intended</a:t>
-          </a:r>
-          <a:endParaRPr lang="en-US"/>
+            <a:rPr lang="hu-HU" dirty="0" err="1"/>
+            <a:t>Making</a:t>
+          </a:r>
+          <a:r>
+            <a:rPr lang="hu-HU" dirty="0"/>
+            <a:t> </a:t>
+          </a:r>
+          <a:r>
+            <a:rPr lang="hu-HU" dirty="0" err="1"/>
+            <a:t>tests</a:t>
+          </a:r>
+          <a:r>
+            <a:rPr lang="hu-HU" dirty="0"/>
+            <a:t> </a:t>
+          </a:r>
+          <a:r>
+            <a:rPr lang="hu-HU" dirty="0" err="1"/>
+            <a:t>so</a:t>
+          </a:r>
+          <a:r>
+            <a:rPr lang="hu-HU" dirty="0"/>
+            <a:t> </a:t>
+          </a:r>
+          <a:r>
+            <a:rPr lang="hu-HU" dirty="0" err="1"/>
+            <a:t>we</a:t>
+          </a:r>
+          <a:r>
+            <a:rPr lang="hu-HU" dirty="0"/>
+            <a:t> </a:t>
+          </a:r>
+          <a:r>
+            <a:rPr lang="hu-HU" dirty="0" err="1"/>
+            <a:t>can</a:t>
+          </a:r>
+          <a:r>
+            <a:rPr lang="hu-HU" dirty="0"/>
+            <a:t> be  </a:t>
+          </a:r>
+          <a:r>
+            <a:rPr lang="hu-HU" dirty="0" err="1"/>
+            <a:t>sure</a:t>
+          </a:r>
+          <a:r>
+            <a:rPr lang="hu-HU" dirty="0"/>
+            <a:t> </a:t>
+          </a:r>
+          <a:r>
+            <a:rPr lang="hu-HU" dirty="0" err="1"/>
+            <a:t>that</a:t>
+          </a:r>
+          <a:r>
+            <a:rPr lang="hu-HU" dirty="0"/>
+            <a:t> </a:t>
+          </a:r>
+          <a:r>
+            <a:rPr lang="hu-HU" dirty="0" err="1"/>
+            <a:t>the</a:t>
+          </a:r>
+          <a:r>
+            <a:rPr lang="hu-HU" dirty="0"/>
+            <a:t> website </a:t>
+          </a:r>
+          <a:r>
+            <a:rPr lang="hu-HU" dirty="0" err="1"/>
+            <a:t>works</a:t>
+          </a:r>
+          <a:r>
+            <a:rPr lang="hu-HU" dirty="0"/>
+            <a:t> </a:t>
+          </a:r>
+          <a:r>
+            <a:rPr lang="hu-HU" dirty="0" err="1"/>
+            <a:t>as</a:t>
+          </a:r>
+          <a:r>
+            <a:rPr lang="hu-HU" dirty="0"/>
+            <a:t> </a:t>
+          </a:r>
+          <a:r>
+            <a:rPr lang="hu-HU" dirty="0" err="1"/>
+            <a:t>intended</a:t>
+          </a:r>
+          <a:endParaRPr lang="en-US" dirty="0"/>
         </a:p>
       </dgm:t>
     </dgm:pt>
@@ -3831,6 +5377,22 @@
             <a:rPr lang="hu-HU" sz="2600" kern="1200" dirty="0" err="1"/>
             <a:t>enviroment</a:t>
           </a:r>
+          <a:r>
+            <a:rPr lang="hu-HU" sz="2600" kern="1200" dirty="0"/>
+            <a:t> for </a:t>
+          </a:r>
+          <a:r>
+            <a:rPr lang="hu-HU" sz="2600" kern="1200" dirty="0" err="1"/>
+            <a:t>home</a:t>
+          </a:r>
+          <a:r>
+            <a:rPr lang="hu-HU" sz="2600" kern="1200" dirty="0"/>
+            <a:t> </a:t>
+          </a:r>
+          <a:r>
+            <a:rPr lang="hu-HU" sz="2600" kern="1200" dirty="0" err="1"/>
+            <a:t>chefs</a:t>
+          </a:r>
           <a:endParaRPr lang="en-US" sz="2600" kern="1200" dirty="0"/>
         </a:p>
       </dsp:txBody>
@@ -4038,7 +5600,23 @@
           </a:pPr>
           <a:r>
             <a:rPr lang="hu-HU" sz="2600" kern="1200" dirty="0" err="1"/>
-            <a:t>Search</a:t>
+            <a:t>Users</a:t>
+          </a:r>
+          <a:r>
+            <a:rPr lang="hu-HU" sz="2600" kern="1200" dirty="0"/>
+            <a:t> </a:t>
+          </a:r>
+          <a:r>
+            <a:rPr lang="hu-HU" sz="2600" kern="1200" dirty="0" err="1"/>
+            <a:t>can</a:t>
+          </a:r>
+          <a:r>
+            <a:rPr lang="hu-HU" sz="2600" kern="1200" dirty="0"/>
+            <a:t> </a:t>
+          </a:r>
+          <a:r>
+            <a:rPr lang="hu-HU" sz="2600" kern="1200" dirty="0" err="1"/>
+            <a:t>search</a:t>
           </a:r>
           <a:r>
             <a:rPr lang="hu-HU" sz="2600" kern="1200" dirty="0"/>
@@ -4271,7 +5849,7 @@
           </a:pPr>
           <a:r>
             <a:rPr lang="hu-HU" sz="2600" kern="1200" dirty="0" err="1"/>
-            <a:t>Share</a:t>
+            <a:t>Users</a:t>
           </a:r>
           <a:r>
             <a:rPr lang="hu-HU" sz="2600" kern="1200" dirty="0"/>
@@ -4279,7 +5857,7 @@
           </a:r>
           <a:r>
             <a:rPr lang="hu-HU" sz="2600" kern="1200" dirty="0" err="1"/>
-            <a:t>your</a:t>
+            <a:t>can</a:t>
           </a:r>
           <a:r>
             <a:rPr lang="hu-HU" sz="2600" kern="1200" dirty="0"/>
@@ -4287,7 +5865,7 @@
           </a:r>
           <a:r>
             <a:rPr lang="hu-HU" sz="2600" kern="1200" dirty="0" err="1"/>
-            <a:t>own</a:t>
+            <a:t>share</a:t>
           </a:r>
           <a:r>
             <a:rPr lang="hu-HU" sz="2600" kern="1200" dirty="0"/>
@@ -4295,7 +5873,23 @@
           </a:r>
           <a:r>
             <a:rPr lang="hu-HU" sz="2600" kern="1200" dirty="0" err="1"/>
-            <a:t>recipie</a:t>
+            <a:t>their</a:t>
+          </a:r>
+          <a:r>
+            <a:rPr lang="hu-HU" sz="2600" kern="1200" dirty="0"/>
+            <a:t> </a:t>
+          </a:r>
+          <a:r>
+            <a:rPr lang="hu-HU" sz="2600" kern="1200" dirty="0" err="1"/>
+            <a:t>own</a:t>
+          </a:r>
+          <a:r>
+            <a:rPr lang="hu-HU" sz="2600" kern="1200" dirty="0"/>
+            <a:t> </a:t>
+          </a:r>
+          <a:r>
+            <a:rPr lang="hu-HU" sz="2600" kern="1200" dirty="0" err="1"/>
+            <a:t>recipies</a:t>
           </a:r>
           <a:endParaRPr lang="en-US" sz="2600" kern="1200" dirty="0"/>
         </a:p>
@@ -4438,6 +6032,509 @@
 </file>
 
 <file path=ppt/diagrams/drawing2.xml><?xml version="1.0" encoding="utf-8"?>
+<dsp:drawing xmlns:dgm="http://schemas.openxmlformats.org/drawingml/2006/diagram" xmlns:dsp="http://schemas.microsoft.com/office/drawing/2008/diagram" xmlns:a="http://schemas.openxmlformats.org/drawingml/2006/main">
+  <dsp:spTree>
+    <dsp:nvGrpSpPr>
+      <dsp:cNvPr id="0" name=""/>
+      <dsp:cNvGrpSpPr/>
+    </dsp:nvGrpSpPr>
+    <dsp:grpSpPr/>
+    <dsp:sp modelId="{1C125546-E346-429D-811F-9026A2394684}">
+      <dsp:nvSpPr>
+        <dsp:cNvPr id="0" name=""/>
+        <dsp:cNvSpPr/>
+      </dsp:nvSpPr>
+      <dsp:spPr>
+        <a:xfrm>
+          <a:off x="0" y="1125"/>
+          <a:ext cx="9747315" cy="659381"/>
+        </a:xfrm>
+        <a:prstGeom prst="roundRect">
+          <a:avLst/>
+        </a:prstGeom>
+        <a:solidFill>
+          <a:schemeClr val="accent2"/>
+        </a:solidFill>
+        <a:ln w="19050" cap="flat" cmpd="sng" algn="ctr">
+          <a:solidFill>
+            <a:schemeClr val="lt1">
+              <a:hueOff val="0"/>
+              <a:satOff val="0"/>
+              <a:lumOff val="0"/>
+              <a:alphaOff val="0"/>
+            </a:schemeClr>
+          </a:solidFill>
+          <a:prstDash val="solid"/>
+          <a:miter lim="800000"/>
+        </a:ln>
+        <a:effectLst/>
+      </dsp:spPr>
+      <dsp:style>
+        <a:lnRef idx="2">
+          <a:scrgbClr r="0" g="0" b="0"/>
+        </a:lnRef>
+        <a:fillRef idx="1">
+          <a:scrgbClr r="0" g="0" b="0"/>
+        </a:fillRef>
+        <a:effectRef idx="0">
+          <a:scrgbClr r="0" g="0" b="0"/>
+        </a:effectRef>
+        <a:fontRef idx="minor">
+          <a:schemeClr val="lt1"/>
+        </a:fontRef>
+      </dsp:style>
+      <dsp:txBody>
+        <a:bodyPr spcFirstLastPara="0" vert="horz" wrap="square" lIns="106680" tIns="106680" rIns="106680" bIns="106680" numCol="1" spcCol="1270" anchor="ctr" anchorCtr="0">
+          <a:noAutofit/>
+        </a:bodyPr>
+        <a:lstStyle/>
+        <a:p>
+          <a:pPr marL="0" lvl="0" indent="0" algn="l" defTabSz="1244600">
+            <a:lnSpc>
+              <a:spcPct val="90000"/>
+            </a:lnSpc>
+            <a:spcBef>
+              <a:spcPct val="0"/>
+            </a:spcBef>
+            <a:spcAft>
+              <a:spcPct val="35000"/>
+            </a:spcAft>
+            <a:buNone/>
+          </a:pPr>
+          <a:r>
+            <a:rPr lang="hu-HU" sz="2800" kern="1200" dirty="0" err="1"/>
+            <a:t>ProjectWork</a:t>
+          </a:r>
+          <a:r>
+            <a:rPr lang="hu-HU" sz="2800" kern="1200" dirty="0"/>
+            <a:t> (main </a:t>
+          </a:r>
+          <a:r>
+            <a:rPr lang="hu-HU" sz="2800" kern="1200" dirty="0" err="1"/>
+            <a:t>folder</a:t>
+          </a:r>
+          <a:r>
+            <a:rPr lang="hu-HU" sz="2800" kern="1200" dirty="0"/>
+            <a:t>)</a:t>
+          </a:r>
+          <a:endParaRPr lang="en-US" sz="2800" kern="1200" dirty="0"/>
+        </a:p>
+      </dsp:txBody>
+      <dsp:txXfrm>
+        <a:off x="32188" y="33313"/>
+        <a:ext cx="9682939" cy="595005"/>
+      </dsp:txXfrm>
+    </dsp:sp>
+    <dsp:sp modelId="{546141B7-47AD-46A1-8485-946D89CD90D3}">
+      <dsp:nvSpPr>
+        <dsp:cNvPr id="0" name=""/>
+        <dsp:cNvSpPr/>
+      </dsp:nvSpPr>
+      <dsp:spPr>
+        <a:xfrm>
+          <a:off x="0" y="660507"/>
+          <a:ext cx="9747315" cy="2939406"/>
+        </a:xfrm>
+        <a:prstGeom prst="rect">
+          <a:avLst/>
+        </a:prstGeom>
+        <a:noFill/>
+        <a:ln>
+          <a:noFill/>
+        </a:ln>
+        <a:effectLst/>
+      </dsp:spPr>
+      <dsp:style>
+        <a:lnRef idx="0">
+          <a:scrgbClr r="0" g="0" b="0"/>
+        </a:lnRef>
+        <a:fillRef idx="0">
+          <a:scrgbClr r="0" g="0" b="0"/>
+        </a:fillRef>
+        <a:effectRef idx="0">
+          <a:scrgbClr r="0" g="0" b="0"/>
+        </a:effectRef>
+        <a:fontRef idx="minor"/>
+      </dsp:style>
+      <dsp:txBody>
+        <a:bodyPr spcFirstLastPara="0" vert="horz" wrap="square" lIns="309477" tIns="30480" rIns="170688" bIns="30480" numCol="1" spcCol="1270" anchor="t" anchorCtr="0">
+          <a:noAutofit/>
+        </a:bodyPr>
+        <a:lstStyle/>
+        <a:p>
+          <a:pPr marL="228600" lvl="1" indent="-228600" algn="l" defTabSz="1066800">
+            <a:lnSpc>
+              <a:spcPct val="90000"/>
+            </a:lnSpc>
+            <a:spcBef>
+              <a:spcPct val="0"/>
+            </a:spcBef>
+            <a:spcAft>
+              <a:spcPct val="20000"/>
+            </a:spcAft>
+            <a:buChar char="•"/>
+          </a:pPr>
+          <a:r>
+            <a:rPr lang="hu-HU" sz="2400" kern="1200" dirty="0" err="1"/>
+            <a:t>Css</a:t>
+          </a:r>
+          <a:r>
+            <a:rPr lang="hu-HU" sz="2400" kern="1200" dirty="0"/>
+            <a:t> </a:t>
+          </a:r>
+          <a:r>
+            <a:rPr lang="hu-HU" sz="2400" kern="1200" dirty="0">
+              <a:sym typeface="Wingdings" panose="05000000000000000000" pitchFamily="2" charset="2"/>
+            </a:rPr>
+            <a:t></a:t>
+          </a:r>
+          <a:r>
+            <a:rPr lang="hu-HU" sz="2400" kern="1200" dirty="0"/>
+            <a:t> </a:t>
+          </a:r>
+          <a:r>
+            <a:rPr lang="hu-HU" sz="2400" kern="1200" dirty="0" err="1"/>
+            <a:t>css</a:t>
+          </a:r>
+          <a:r>
+            <a:rPr lang="hu-HU" sz="2400" kern="1200" dirty="0"/>
+            <a:t> file</a:t>
+          </a:r>
+          <a:endParaRPr lang="en-US" sz="2400" kern="1200" dirty="0"/>
+        </a:p>
+        <a:p>
+          <a:pPr marL="228600" lvl="1" indent="-228600" algn="l" defTabSz="1066800">
+            <a:lnSpc>
+              <a:spcPct val="90000"/>
+            </a:lnSpc>
+            <a:spcBef>
+              <a:spcPct val="0"/>
+            </a:spcBef>
+            <a:spcAft>
+              <a:spcPct val="20000"/>
+            </a:spcAft>
+            <a:buChar char="•"/>
+          </a:pPr>
+          <a:r>
+            <a:rPr lang="hu-HU" sz="2400" kern="1200" dirty="0"/>
+            <a:t>Database </a:t>
+          </a:r>
+          <a:r>
+            <a:rPr lang="hu-HU" sz="2400" kern="1200" dirty="0">
+              <a:sym typeface="Wingdings" panose="05000000000000000000" pitchFamily="2" charset="2"/>
+            </a:rPr>
+            <a:t></a:t>
+          </a:r>
+          <a:r>
+            <a:rPr lang="hu-HU" sz="2400" kern="1200" dirty="0"/>
+            <a:t> </a:t>
+          </a:r>
+          <a:r>
+            <a:rPr lang="hu-HU" sz="2400" kern="1200" dirty="0" err="1"/>
+            <a:t>everything</a:t>
+          </a:r>
+          <a:r>
+            <a:rPr lang="hu-HU" sz="2400" kern="1200" dirty="0"/>
+            <a:t> </a:t>
+          </a:r>
+          <a:r>
+            <a:rPr lang="hu-HU" sz="2400" kern="1200" dirty="0" err="1"/>
+            <a:t>about</a:t>
+          </a:r>
+          <a:r>
+            <a:rPr lang="hu-HU" sz="2400" kern="1200" dirty="0"/>
+            <a:t> </a:t>
+          </a:r>
+          <a:r>
+            <a:rPr lang="hu-HU" sz="2400" kern="1200" dirty="0" err="1"/>
+            <a:t>our</a:t>
+          </a:r>
+          <a:r>
+            <a:rPr lang="hu-HU" sz="2400" kern="1200" dirty="0"/>
+            <a:t> </a:t>
+          </a:r>
+          <a:r>
+            <a:rPr lang="hu-HU" sz="2400" kern="1200" dirty="0" err="1"/>
+            <a:t>database</a:t>
+          </a:r>
+          <a:endParaRPr lang="en-US" sz="2400" kern="1200" dirty="0"/>
+        </a:p>
+        <a:p>
+          <a:pPr marL="228600" lvl="1" indent="-228600" algn="l" defTabSz="1066800">
+            <a:lnSpc>
+              <a:spcPct val="90000"/>
+            </a:lnSpc>
+            <a:spcBef>
+              <a:spcPct val="0"/>
+            </a:spcBef>
+            <a:spcAft>
+              <a:spcPct val="20000"/>
+            </a:spcAft>
+            <a:buChar char="•"/>
+          </a:pPr>
+          <a:r>
+            <a:rPr lang="hu-HU" sz="2400" kern="1200" dirty="0" err="1"/>
+            <a:t>Docx</a:t>
+          </a:r>
+          <a:r>
+            <a:rPr lang="hu-HU" sz="2400" kern="1200" dirty="0"/>
+            <a:t> </a:t>
+          </a:r>
+          <a:r>
+            <a:rPr lang="hu-HU" sz="2400" kern="1200" dirty="0">
+              <a:sym typeface="Wingdings" panose="05000000000000000000" pitchFamily="2" charset="2"/>
+            </a:rPr>
+            <a:t></a:t>
+          </a:r>
+          <a:r>
+            <a:rPr lang="hu-HU" sz="2400" kern="1200" dirty="0"/>
+            <a:t> </a:t>
+          </a:r>
+          <a:r>
+            <a:rPr lang="hu-HU" sz="2400" kern="1200" dirty="0" err="1"/>
+            <a:t>the</a:t>
+          </a:r>
+          <a:r>
+            <a:rPr lang="hu-HU" sz="2400" kern="1200" dirty="0"/>
+            <a:t> project </a:t>
+          </a:r>
+          <a:r>
+            <a:rPr lang="hu-HU" sz="2400" kern="1200" dirty="0" err="1"/>
+            <a:t>work’s</a:t>
+          </a:r>
+          <a:r>
+            <a:rPr lang="hu-HU" sz="2400" kern="1200" dirty="0"/>
+            <a:t> </a:t>
+          </a:r>
+          <a:r>
+            <a:rPr lang="hu-HU" sz="2400" kern="1200" dirty="0" err="1"/>
+            <a:t>documentations</a:t>
+          </a:r>
+          <a:endParaRPr lang="en-US" sz="2400" kern="1200" dirty="0"/>
+        </a:p>
+        <a:p>
+          <a:pPr marL="228600" lvl="1" indent="-228600" algn="l" defTabSz="1066800">
+            <a:lnSpc>
+              <a:spcPct val="90000"/>
+            </a:lnSpc>
+            <a:spcBef>
+              <a:spcPct val="0"/>
+            </a:spcBef>
+            <a:spcAft>
+              <a:spcPct val="20000"/>
+            </a:spcAft>
+            <a:buChar char="•"/>
+          </a:pPr>
+          <a:r>
+            <a:rPr lang="hu-HU" sz="2400" kern="1200"/>
+            <a:t>Html </a:t>
+          </a:r>
+          <a:r>
+            <a:rPr lang="hu-HU" sz="2400" kern="1200">
+              <a:sym typeface="Wingdings" panose="05000000000000000000" pitchFamily="2" charset="2"/>
+            </a:rPr>
+            <a:t></a:t>
+          </a:r>
+          <a:r>
+            <a:rPr lang="hu-HU" sz="2400" kern="1200"/>
+            <a:t> html file (webpages)</a:t>
+          </a:r>
+          <a:endParaRPr lang="en-US" sz="2400" kern="1200"/>
+        </a:p>
+        <a:p>
+          <a:pPr marL="228600" lvl="1" indent="-228600" algn="l" defTabSz="1066800">
+            <a:lnSpc>
+              <a:spcPct val="90000"/>
+            </a:lnSpc>
+            <a:spcBef>
+              <a:spcPct val="0"/>
+            </a:spcBef>
+            <a:spcAft>
+              <a:spcPct val="20000"/>
+            </a:spcAft>
+            <a:buChar char="•"/>
+          </a:pPr>
+          <a:r>
+            <a:rPr lang="hu-HU" sz="2400" kern="1200" dirty="0" err="1"/>
+            <a:t>Images</a:t>
+          </a:r>
+          <a:r>
+            <a:rPr lang="hu-HU" sz="2400" kern="1200" dirty="0"/>
+            <a:t> </a:t>
+          </a:r>
+          <a:r>
+            <a:rPr lang="hu-HU" sz="2400" kern="1200" dirty="0">
+              <a:sym typeface="Wingdings" panose="05000000000000000000" pitchFamily="2" charset="2"/>
+            </a:rPr>
+            <a:t></a:t>
+          </a:r>
+          <a:r>
+            <a:rPr lang="hu-HU" sz="2400" kern="1200" dirty="0"/>
+            <a:t> image for </a:t>
+          </a:r>
+          <a:r>
+            <a:rPr lang="hu-HU" sz="2400" kern="1200" dirty="0" err="1"/>
+            <a:t>the</a:t>
+          </a:r>
+          <a:r>
+            <a:rPr lang="hu-HU" sz="2400" kern="1200" dirty="0"/>
+            <a:t> </a:t>
+          </a:r>
+          <a:r>
+            <a:rPr lang="hu-HU" sz="2400" kern="1200" dirty="0" err="1"/>
+            <a:t>the</a:t>
+          </a:r>
+          <a:r>
+            <a:rPr lang="hu-HU" sz="2400" kern="1200" dirty="0"/>
+            <a:t> </a:t>
+          </a:r>
+          <a:r>
+            <a:rPr lang="hu-HU" sz="2400" kern="1200" dirty="0" err="1"/>
+            <a:t>html</a:t>
+          </a:r>
+          <a:r>
+            <a:rPr lang="hu-HU" sz="2400" kern="1200" dirty="0"/>
+            <a:t> </a:t>
+          </a:r>
+          <a:r>
+            <a:rPr lang="hu-HU" sz="2400" kern="1200" dirty="0" err="1"/>
+            <a:t>files</a:t>
+          </a:r>
+          <a:endParaRPr lang="en-US" sz="2400" kern="1200" dirty="0"/>
+        </a:p>
+        <a:p>
+          <a:pPr marL="457200" lvl="2" indent="-228600" algn="l" defTabSz="1066800">
+            <a:lnSpc>
+              <a:spcPct val="90000"/>
+            </a:lnSpc>
+            <a:spcBef>
+              <a:spcPct val="0"/>
+            </a:spcBef>
+            <a:spcAft>
+              <a:spcPct val="20000"/>
+            </a:spcAft>
+            <a:buChar char="•"/>
+          </a:pPr>
+          <a:r>
+            <a:rPr lang="hu-HU" sz="2400" kern="1200" dirty="0" err="1"/>
+            <a:t>Upload</a:t>
+          </a:r>
+          <a:r>
+            <a:rPr lang="hu-HU" sz="2400" kern="1200" dirty="0"/>
+            <a:t> </a:t>
+          </a:r>
+          <a:r>
+            <a:rPr lang="hu-HU" sz="2400" kern="1200" dirty="0">
+              <a:sym typeface="Wingdings" panose="05000000000000000000" pitchFamily="2" charset="2"/>
+            </a:rPr>
+            <a:t></a:t>
+          </a:r>
+          <a:r>
+            <a:rPr lang="hu-HU" sz="2400" kern="1200" dirty="0"/>
+            <a:t> </a:t>
+          </a:r>
+          <a:r>
+            <a:rPr lang="hu-HU" sz="2400" kern="1200" dirty="0" err="1"/>
+            <a:t>uploaded</a:t>
+          </a:r>
+          <a:r>
+            <a:rPr lang="hu-HU" sz="2400" kern="1200" dirty="0"/>
+            <a:t> </a:t>
+          </a:r>
+          <a:r>
+            <a:rPr lang="hu-HU" sz="2400" kern="1200" dirty="0" err="1"/>
+            <a:t>images</a:t>
+          </a:r>
+          <a:r>
+            <a:rPr lang="hu-HU" sz="2400" kern="1200" dirty="0"/>
+            <a:t> for </a:t>
+          </a:r>
+          <a:r>
+            <a:rPr lang="hu-HU" sz="2400" kern="1200" dirty="0" err="1"/>
+            <a:t>the</a:t>
+          </a:r>
+          <a:r>
+            <a:rPr lang="hu-HU" sz="2400" kern="1200" dirty="0"/>
+            <a:t> </a:t>
+          </a:r>
+          <a:r>
+            <a:rPr lang="hu-HU" sz="2400" kern="1200" dirty="0" err="1"/>
+            <a:t>uploaded</a:t>
+          </a:r>
+          <a:r>
+            <a:rPr lang="hu-HU" sz="2400" kern="1200" dirty="0"/>
+            <a:t> </a:t>
+          </a:r>
+          <a:r>
+            <a:rPr lang="hu-HU" sz="2400" kern="1200" dirty="0" err="1"/>
+            <a:t>recipes</a:t>
+          </a:r>
+          <a:endParaRPr lang="en-US" sz="2400" kern="1200" dirty="0"/>
+        </a:p>
+        <a:p>
+          <a:pPr marL="228600" lvl="1" indent="-228600" algn="l" defTabSz="1066800">
+            <a:lnSpc>
+              <a:spcPct val="90000"/>
+            </a:lnSpc>
+            <a:spcBef>
+              <a:spcPct val="0"/>
+            </a:spcBef>
+            <a:spcAft>
+              <a:spcPct val="20000"/>
+            </a:spcAft>
+            <a:buChar char="•"/>
+          </a:pPr>
+          <a:r>
+            <a:rPr lang="hu-HU" sz="2400" kern="1200" dirty="0"/>
+            <a:t>Js </a:t>
+          </a:r>
+          <a:r>
+            <a:rPr lang="hu-HU" sz="2400" kern="1200" dirty="0">
+              <a:sym typeface="Wingdings" panose="05000000000000000000" pitchFamily="2" charset="2"/>
+            </a:rPr>
+            <a:t></a:t>
+          </a:r>
+          <a:r>
+            <a:rPr lang="hu-HU" sz="2400" kern="1200" dirty="0"/>
+            <a:t> js </a:t>
+          </a:r>
+          <a:r>
+            <a:rPr lang="hu-HU" sz="2400" kern="1200" dirty="0" err="1"/>
+            <a:t>files</a:t>
+          </a:r>
+          <a:r>
+            <a:rPr lang="hu-HU" sz="2400" kern="1200" dirty="0"/>
+            <a:t> for </a:t>
+          </a:r>
+          <a:r>
+            <a:rPr lang="hu-HU" sz="2400" kern="1200" dirty="0" err="1"/>
+            <a:t>the</a:t>
+          </a:r>
+          <a:r>
+            <a:rPr lang="hu-HU" sz="2400" kern="1200" dirty="0"/>
+            <a:t> backend and </a:t>
+          </a:r>
+          <a:r>
+            <a:rPr lang="hu-HU" sz="2400" kern="1200" dirty="0" err="1"/>
+            <a:t>the</a:t>
+          </a:r>
+          <a:r>
+            <a:rPr lang="hu-HU" sz="2400" kern="1200" dirty="0"/>
+            <a:t> frontend</a:t>
+          </a:r>
+          <a:endParaRPr lang="en-US" sz="2400" kern="1200" dirty="0"/>
+        </a:p>
+      </dsp:txBody>
+      <dsp:txXfrm>
+        <a:off x="0" y="660507"/>
+        <a:ext cx="9747315" cy="2939406"/>
+      </dsp:txXfrm>
+    </dsp:sp>
+  </dsp:spTree>
+</dsp:drawing>
+</file>
+
+<file path=ppt/diagrams/drawing3.xml><?xml version="1.0" encoding="utf-8"?>
 <dsp:drawing xmlns:dgm="http://schemas.openxmlformats.org/drawingml/2006/diagram" xmlns:dsp="http://schemas.microsoft.com/office/drawing/2008/diagram" xmlns:a="http://schemas.openxmlformats.org/drawingml/2006/main">
   <dsp:spTree>
     <dsp:nvGrpSpPr>
@@ -4515,10 +6612,22 @@
             <a:buNone/>
           </a:pPr>
           <a:r>
-            <a:rPr lang="hu-HU" sz="2200" kern="1200"/>
-            <a:t>Server side connection</a:t>
-          </a:r>
-          <a:endParaRPr lang="en-US" sz="2200" kern="1200"/>
+            <a:rPr lang="hu-HU" sz="2200" kern="1200" dirty="0"/>
+            <a:t>Server </a:t>
+          </a:r>
+          <a:r>
+            <a:rPr lang="hu-HU" sz="2200" kern="1200" dirty="0" err="1"/>
+            <a:t>side</a:t>
+          </a:r>
+          <a:r>
+            <a:rPr lang="hu-HU" sz="2200" kern="1200" dirty="0"/>
+            <a:t> </a:t>
+          </a:r>
+          <a:r>
+            <a:rPr lang="hu-HU" sz="2200" kern="1200" dirty="0" err="1"/>
+            <a:t>connection</a:t>
+          </a:r>
+          <a:endParaRPr lang="en-US" sz="2200" kern="1200" dirty="0"/>
         </a:p>
       </dsp:txBody>
       <dsp:txXfrm>
@@ -4596,10 +6705,22 @@
             <a:buNone/>
           </a:pPr>
           <a:r>
-            <a:rPr lang="hu-HU" sz="2200" kern="1200"/>
-            <a:t>Communication between </a:t>
-          </a:r>
-          <a:endParaRPr lang="en-US" sz="2200" kern="1200"/>
+            <a:rPr lang="hu-HU" sz="2200" kern="1200" dirty="0" err="1"/>
+            <a:t>Communication</a:t>
+          </a:r>
+          <a:r>
+            <a:rPr lang="hu-HU" sz="2200" kern="1200" dirty="0"/>
+            <a:t> </a:t>
+          </a:r>
+          <a:r>
+            <a:rPr lang="hu-HU" sz="2200" kern="1200" dirty="0" err="1"/>
+            <a:t>between</a:t>
+          </a:r>
+          <a:r>
+            <a:rPr lang="hu-HU" sz="2200" kern="1200" dirty="0"/>
+            <a:t> </a:t>
+          </a:r>
+          <a:endParaRPr lang="en-US" sz="2200" kern="1200" dirty="0"/>
         </a:p>
         <a:p>
           <a:pPr marL="171450" lvl="1" indent="-171450" algn="l" defTabSz="755650">
@@ -4615,10 +6736,26 @@
             <a:buChar char="•"/>
           </a:pPr>
           <a:r>
-            <a:rPr lang="hu-HU" sz="1700" kern="1200"/>
-            <a:t>the server and the database</a:t>
-          </a:r>
-          <a:endParaRPr lang="en-US" sz="1700" kern="1200"/>
+            <a:rPr lang="hu-HU" sz="1700" kern="1200" dirty="0" err="1"/>
+            <a:t>the</a:t>
+          </a:r>
+          <a:r>
+            <a:rPr lang="hu-HU" sz="1700" kern="1200" dirty="0"/>
+            <a:t> server and </a:t>
+          </a:r>
+          <a:r>
+            <a:rPr lang="hu-HU" sz="1700" kern="1200" dirty="0" err="1"/>
+            <a:t>the</a:t>
+          </a:r>
+          <a:r>
+            <a:rPr lang="hu-HU" sz="1700" kern="1200" dirty="0"/>
+            <a:t> </a:t>
+          </a:r>
+          <a:r>
+            <a:rPr lang="hu-HU" sz="1700" kern="1200" dirty="0" err="1"/>
+            <a:t>database</a:t>
+          </a:r>
+          <a:endParaRPr lang="en-US" sz="1700" kern="1200" dirty="0"/>
         </a:p>
         <a:p>
           <a:pPr marL="171450" lvl="1" indent="-171450" algn="l" defTabSz="755650">
@@ -4715,10 +6852,18 @@
             <a:buNone/>
           </a:pPr>
           <a:r>
-            <a:rPr lang="hu-HU" sz="2200" kern="1200"/>
-            <a:t>Creating REST APIs</a:t>
-          </a:r>
-          <a:endParaRPr lang="en-US" sz="2200" kern="1200"/>
+            <a:rPr lang="hu-HU" sz="2200" kern="1200" dirty="0" err="1"/>
+            <a:t>Creating</a:t>
+          </a:r>
+          <a:r>
+            <a:rPr lang="hu-HU" sz="2200" kern="1200" dirty="0"/>
+            <a:t> REST </a:t>
+          </a:r>
+          <a:r>
+            <a:rPr lang="hu-HU" sz="2200" kern="1200" dirty="0" err="1"/>
+            <a:t>APIs</a:t>
+          </a:r>
+          <a:endParaRPr lang="en-US" sz="2200" kern="1200" dirty="0"/>
         </a:p>
       </dsp:txBody>
       <dsp:txXfrm>
@@ -4890,7 +7035,7 @@
 </dsp:drawing>
 </file>
 
-<file path=ppt/diagrams/drawing3.xml><?xml version="1.0" encoding="utf-8"?>
+<file path=ppt/diagrams/drawing4.xml><?xml version="1.0" encoding="utf-8"?>
 <dsp:drawing xmlns:dgm="http://schemas.openxmlformats.org/drawingml/2006/diagram" xmlns:dsp="http://schemas.microsoft.com/office/drawing/2008/diagram" xmlns:a="http://schemas.openxmlformats.org/drawingml/2006/main">
   <dsp:spTree>
     <dsp:nvGrpSpPr>
@@ -5235,10 +7380,90 @@
             <a:buNone/>
           </a:pPr>
           <a:r>
-            <a:rPr lang="hu-HU" sz="2300" kern="1200"/>
-            <a:t>Making tests so we can be  sure that the website works intended</a:t>
-          </a:r>
-          <a:endParaRPr lang="en-US" sz="2300" kern="1200"/>
+            <a:rPr lang="hu-HU" sz="2300" kern="1200" dirty="0" err="1"/>
+            <a:t>Making</a:t>
+          </a:r>
+          <a:r>
+            <a:rPr lang="hu-HU" sz="2300" kern="1200" dirty="0"/>
+            <a:t> </a:t>
+          </a:r>
+          <a:r>
+            <a:rPr lang="hu-HU" sz="2300" kern="1200" dirty="0" err="1"/>
+            <a:t>tests</a:t>
+          </a:r>
+          <a:r>
+            <a:rPr lang="hu-HU" sz="2300" kern="1200" dirty="0"/>
+            <a:t> </a:t>
+          </a:r>
+          <a:r>
+            <a:rPr lang="hu-HU" sz="2300" kern="1200" dirty="0" err="1"/>
+            <a:t>so</a:t>
+          </a:r>
+          <a:r>
+            <a:rPr lang="hu-HU" sz="2300" kern="1200" dirty="0"/>
+            <a:t> </a:t>
+          </a:r>
+          <a:r>
+            <a:rPr lang="hu-HU" sz="2300" kern="1200" dirty="0" err="1"/>
+            <a:t>we</a:t>
+          </a:r>
+          <a:r>
+            <a:rPr lang="hu-HU" sz="2300" kern="1200" dirty="0"/>
+            <a:t> </a:t>
+          </a:r>
+          <a:r>
+            <a:rPr lang="hu-HU" sz="2300" kern="1200" dirty="0" err="1"/>
+            <a:t>can</a:t>
+          </a:r>
+          <a:r>
+            <a:rPr lang="hu-HU" sz="2300" kern="1200" dirty="0"/>
+            <a:t> be  </a:t>
+          </a:r>
+          <a:r>
+            <a:rPr lang="hu-HU" sz="2300" kern="1200" dirty="0" err="1"/>
+            <a:t>sure</a:t>
+          </a:r>
+          <a:r>
+            <a:rPr lang="hu-HU" sz="2300" kern="1200" dirty="0"/>
+            <a:t> </a:t>
+          </a:r>
+          <a:r>
+            <a:rPr lang="hu-HU" sz="2300" kern="1200" dirty="0" err="1"/>
+            <a:t>that</a:t>
+          </a:r>
+          <a:r>
+            <a:rPr lang="hu-HU" sz="2300" kern="1200" dirty="0"/>
+            <a:t> </a:t>
+          </a:r>
+          <a:r>
+            <a:rPr lang="hu-HU" sz="2300" kern="1200" dirty="0" err="1"/>
+            <a:t>the</a:t>
+          </a:r>
+          <a:r>
+            <a:rPr lang="hu-HU" sz="2300" kern="1200" dirty="0"/>
+            <a:t> website </a:t>
+          </a:r>
+          <a:r>
+            <a:rPr lang="hu-HU" sz="2300" kern="1200" dirty="0" err="1"/>
+            <a:t>works</a:t>
+          </a:r>
+          <a:r>
+            <a:rPr lang="hu-HU" sz="2300" kern="1200" dirty="0"/>
+            <a:t> </a:t>
+          </a:r>
+          <a:r>
+            <a:rPr lang="hu-HU" sz="2300" kern="1200" dirty="0" err="1"/>
+            <a:t>as</a:t>
+          </a:r>
+          <a:r>
+            <a:rPr lang="hu-HU" sz="2300" kern="1200" dirty="0"/>
+            <a:t> </a:t>
+          </a:r>
+          <a:r>
+            <a:rPr lang="hu-HU" sz="2300" kern="1200" dirty="0" err="1"/>
+            <a:t>intended</a:t>
+          </a:r>
+          <a:endParaRPr lang="en-US" sz="2300" kern="1200" dirty="0"/>
         </a:p>
       </dsp:txBody>
       <dsp:txXfrm>
@@ -5737,6 +7962,173 @@
 </file>
 
 <file path=ppt/diagrams/layout2.xml><?xml version="1.0" encoding="utf-8"?>
+<dgm:layoutDef xmlns:dgm="http://schemas.openxmlformats.org/drawingml/2006/diagram" xmlns:a="http://schemas.openxmlformats.org/drawingml/2006/main" uniqueId="urn:microsoft.com/office/officeart/2005/8/layout/vList2">
+  <dgm:title val=""/>
+  <dgm:desc val=""/>
+  <dgm:catLst>
+    <dgm:cat type="list" pri="3000"/>
+    <dgm:cat type="convert" pri="1000"/>
+  </dgm:catLst>
+  <dgm:sampData>
+    <dgm:dataModel>
+      <dgm:ptLst>
+        <dgm:pt modelId="0" type="doc"/>
+        <dgm:pt modelId="1">
+          <dgm:prSet phldr="1"/>
+        </dgm:pt>
+        <dgm:pt modelId="11">
+          <dgm:prSet phldr="1"/>
+        </dgm:pt>
+        <dgm:pt modelId="2">
+          <dgm:prSet phldr="1"/>
+        </dgm:pt>
+        <dgm:pt modelId="21">
+          <dgm:prSet phldr="1"/>
+        </dgm:pt>
+      </dgm:ptLst>
+      <dgm:cxnLst>
+        <dgm:cxn modelId="4" srcId="0" destId="1" srcOrd="0" destOrd="0"/>
+        <dgm:cxn modelId="5" srcId="0" destId="2" srcOrd="1" destOrd="0"/>
+        <dgm:cxn modelId="12" srcId="1" destId="11" srcOrd="0" destOrd="0"/>
+        <dgm:cxn modelId="23" srcId="2" destId="21" srcOrd="0" destOrd="0"/>
+      </dgm:cxnLst>
+      <dgm:bg/>
+      <dgm:whole/>
+    </dgm:dataModel>
+  </dgm:sampData>
+  <dgm:styleData>
+    <dgm:dataModel>
+      <dgm:ptLst>
+        <dgm:pt modelId="0" type="doc"/>
+        <dgm:pt modelId="1"/>
+        <dgm:pt modelId="2"/>
+      </dgm:ptLst>
+      <dgm:cxnLst>
+        <dgm:cxn modelId="3" srcId="0" destId="1" srcOrd="0" destOrd="0"/>
+        <dgm:cxn modelId="4" srcId="0" destId="2" srcOrd="1" destOrd="0"/>
+      </dgm:cxnLst>
+      <dgm:bg/>
+      <dgm:whole/>
+    </dgm:dataModel>
+  </dgm:styleData>
+  <dgm:clrData>
+    <dgm:dataModel>
+      <dgm:ptLst>
+        <dgm:pt modelId="0" type="doc"/>
+        <dgm:pt modelId="1"/>
+        <dgm:pt modelId="2"/>
+        <dgm:pt modelId="3"/>
+        <dgm:pt modelId="4"/>
+      </dgm:ptLst>
+      <dgm:cxnLst>
+        <dgm:cxn modelId="5" srcId="0" destId="1" srcOrd="0" destOrd="0"/>
+        <dgm:cxn modelId="6" srcId="0" destId="2" srcOrd="1" destOrd="0"/>
+        <dgm:cxn modelId="7" srcId="0" destId="3" srcOrd="2" destOrd="0"/>
+        <dgm:cxn modelId="8" srcId="0" destId="4" srcOrd="3" destOrd="0"/>
+      </dgm:cxnLst>
+      <dgm:bg/>
+      <dgm:whole/>
+    </dgm:dataModel>
+  </dgm:clrData>
+  <dgm:layoutNode name="linear">
+    <dgm:varLst>
+      <dgm:animLvl val="lvl"/>
+      <dgm:resizeHandles val="exact"/>
+    </dgm:varLst>
+    <dgm:alg type="lin">
+      <dgm:param type="linDir" val="fromT"/>
+      <dgm:param type="vertAlign" val="mid"/>
+    </dgm:alg>
+    <dgm:shape xmlns:r="http://schemas.openxmlformats.org/officeDocument/2006/relationships" r:blip="">
+      <dgm:adjLst/>
+    </dgm:shape>
+    <dgm:presOf/>
+    <dgm:constrLst>
+      <dgm:constr type="w" for="ch" forName="parentText" refType="w"/>
+      <dgm:constr type="h" for="ch" forName="parentText" refType="primFontSz" refFor="ch" refForName="parentText" fact="0.52"/>
+      <dgm:constr type="w" for="ch" forName="childText" refType="w"/>
+      <dgm:constr type="h" for="ch" forName="childText" refType="primFontSz" refFor="ch" refForName="parentText" fact="0.46"/>
+      <dgm:constr type="h" for="ch" forName="parentText" op="equ"/>
+      <dgm:constr type="primFontSz" for="ch" forName="parentText" op="equ" val="65"/>
+      <dgm:constr type="primFontSz" for="ch" forName="childText" refType="primFontSz" refFor="ch" refForName="parentText" op="equ"/>
+      <dgm:constr type="h" for="ch" forName="spacer" refType="primFontSz" refFor="ch" refForName="parentText" fact="0.08"/>
+    </dgm:constrLst>
+    <dgm:ruleLst>
+      <dgm:rule type="primFontSz" for="ch" forName="parentText" val="5" fact="NaN" max="NaN"/>
+    </dgm:ruleLst>
+    <dgm:forEach name="Name0" axis="ch" ptType="node">
+      <dgm:layoutNode name="parentText" styleLbl="node1">
+        <dgm:varLst>
+          <dgm:chMax val="0"/>
+          <dgm:bulletEnabled val="1"/>
+        </dgm:varLst>
+        <dgm:alg type="tx">
+          <dgm:param type="parTxLTRAlign" val="l"/>
+          <dgm:param type="parTxRTLAlign" val="r"/>
+        </dgm:alg>
+        <dgm:shape xmlns:r="http://schemas.openxmlformats.org/officeDocument/2006/relationships" type="roundRect" r:blip="">
+          <dgm:adjLst/>
+        </dgm:shape>
+        <dgm:presOf axis="self"/>
+        <dgm:constrLst>
+          <dgm:constr type="tMarg" refType="primFontSz" fact="0.3"/>
+          <dgm:constr type="bMarg" refType="primFontSz" fact="0.3"/>
+          <dgm:constr type="lMarg" refType="primFontSz" fact="0.3"/>
+          <dgm:constr type="rMarg" refType="primFontSz" fact="0.3"/>
+        </dgm:constrLst>
+        <dgm:ruleLst>
+          <dgm:rule type="h" val="INF" fact="NaN" max="NaN"/>
+        </dgm:ruleLst>
+      </dgm:layoutNode>
+      <dgm:choose name="Name1">
+        <dgm:if name="Name2" axis="ch" ptType="node" func="cnt" op="gte" val="1">
+          <dgm:layoutNode name="childText" styleLbl="revTx">
+            <dgm:varLst>
+              <dgm:bulletEnabled val="1"/>
+            </dgm:varLst>
+            <dgm:alg type="tx">
+              <dgm:param type="stBulletLvl" val="1"/>
+              <dgm:param type="lnSpAfChP" val="20"/>
+            </dgm:alg>
+            <dgm:shape xmlns:r="http://schemas.openxmlformats.org/officeDocument/2006/relationships" type="rect" r:blip="">
+              <dgm:adjLst/>
+            </dgm:shape>
+            <dgm:presOf axis="des" ptType="node"/>
+            <dgm:constrLst>
+              <dgm:constr type="tMarg" refType="primFontSz" fact="0.1"/>
+              <dgm:constr type="bMarg" refType="primFontSz" fact="0.1"/>
+              <dgm:constr type="lMarg" refType="w" fact="0.09"/>
+            </dgm:constrLst>
+            <dgm:ruleLst>
+              <dgm:rule type="h" val="INF" fact="NaN" max="NaN"/>
+            </dgm:ruleLst>
+          </dgm:layoutNode>
+        </dgm:if>
+        <dgm:else name="Name3">
+          <dgm:choose name="Name4">
+            <dgm:if name="Name5" axis="par ch" ptType="doc node" func="cnt" op="gte" val="2">
+              <dgm:forEach name="Name6" axis="followSib" ptType="sibTrans" cnt="1">
+                <dgm:layoutNode name="spacer">
+                  <dgm:alg type="sp"/>
+                  <dgm:shape xmlns:r="http://schemas.openxmlformats.org/officeDocument/2006/relationships" r:blip="">
+                    <dgm:adjLst/>
+                  </dgm:shape>
+                  <dgm:presOf/>
+                  <dgm:constrLst/>
+                  <dgm:ruleLst/>
+                </dgm:layoutNode>
+              </dgm:forEach>
+            </dgm:if>
+            <dgm:else name="Name7"/>
+          </dgm:choose>
+        </dgm:else>
+      </dgm:choose>
+    </dgm:forEach>
+  </dgm:layoutNode>
+</dgm:layoutDef>
+</file>
+
+<file path=ppt/diagrams/layout3.xml><?xml version="1.0" encoding="utf-8"?>
 <dgm:layoutDef xmlns:dgm="http://schemas.openxmlformats.org/drawingml/2006/diagram" xmlns:a="http://schemas.openxmlformats.org/drawingml/2006/main" uniqueId="urn:microsoft.com/office/officeart/2005/8/layout/vProcess5">
   <dgm:title val=""/>
   <dgm:desc val=""/>
@@ -6962,7 +9354,7 @@
 </dgm:layoutDef>
 </file>
 
-<file path=ppt/diagrams/layout3.xml><?xml version="1.0" encoding="utf-8"?>
+<file path=ppt/diagrams/layout4.xml><?xml version="1.0" encoding="utf-8"?>
 <dgm:layoutDef xmlns:dgm="http://schemas.openxmlformats.org/drawingml/2006/diagram" xmlns:a="http://schemas.openxmlformats.org/drawingml/2006/main" uniqueId="urn:microsoft.com/office/officeart/2016/7/layout/LinearBlockProcessNumbered">
   <dgm:title val="Linear Block Process Numbered"/>
   <dgm:desc val="Used to show a progression; a timeline; sequential steps in a task, process, or workflow; or to emphasize movement or direction. Automatic numbers have been introduced to show the steps of the process. Level 1 text and Level 2 text both appears in a rectangle."/>
@@ -9297,6 +11689,1040 @@
 </file>
 
 <file path=ppt/diagrams/quickStyle3.xml><?xml version="1.0" encoding="utf-8"?>
+<dgm:styleDef xmlns:dgm="http://schemas.openxmlformats.org/drawingml/2006/diagram" xmlns:a="http://schemas.openxmlformats.org/drawingml/2006/main" uniqueId="urn:microsoft.com/office/officeart/2005/8/quickstyle/simple1">
+  <dgm:title val=""/>
+  <dgm:desc val=""/>
+  <dgm:catLst>
+    <dgm:cat type="simple" pri="10100"/>
+  </dgm:catLst>
+  <dgm:scene3d>
+    <a:camera prst="orthographicFront"/>
+    <a:lightRig rig="threePt" dir="t"/>
+  </dgm:scene3d>
+  <dgm:styleLbl name="node0">
+    <dgm:scene3d>
+      <a:camera prst="orthographicFront"/>
+      <a:lightRig rig="threePt" dir="t"/>
+    </dgm:scene3d>
+    <dgm:sp3d/>
+    <dgm:txPr/>
+    <dgm:style>
+      <a:lnRef idx="2">
+        <a:scrgbClr r="0" g="0" b="0"/>
+      </a:lnRef>
+      <a:fillRef idx="1">
+        <a:scrgbClr r="0" g="0" b="0"/>
+      </a:fillRef>
+      <a:effectRef idx="0">
+        <a:scrgbClr r="0" g="0" b="0"/>
+      </a:effectRef>
+      <a:fontRef idx="minor">
+        <a:schemeClr val="lt1"/>
+      </a:fontRef>
+    </dgm:style>
+  </dgm:styleLbl>
+  <dgm:styleLbl name="lnNode1">
+    <dgm:scene3d>
+      <a:camera prst="orthographicFront"/>
+      <a:lightRig rig="threePt" dir="t"/>
+    </dgm:scene3d>
+    <dgm:sp3d/>
+    <dgm:txPr/>
+    <dgm:style>
+      <a:lnRef idx="2">
+        <a:scrgbClr r="0" g="0" b="0"/>
+      </a:lnRef>
+      <a:fillRef idx="1">
+        <a:scrgbClr r="0" g="0" b="0"/>
+      </a:fillRef>
+      <a:effectRef idx="0">
+        <a:scrgbClr r="0" g="0" b="0"/>
+      </a:effectRef>
+      <a:fontRef idx="minor">
+        <a:schemeClr val="lt1"/>
+      </a:fontRef>
+    </dgm:style>
+  </dgm:styleLbl>
+  <dgm:styleLbl name="vennNode1">
+    <dgm:scene3d>
+      <a:camera prst="orthographicFront"/>
+      <a:lightRig rig="threePt" dir="t"/>
+    </dgm:scene3d>
+    <dgm:sp3d/>
+    <dgm:txPr/>
+    <dgm:style>
+      <a:lnRef idx="2">
+        <a:scrgbClr r="0" g="0" b="0"/>
+      </a:lnRef>
+      <a:fillRef idx="1">
+        <a:scrgbClr r="0" g="0" b="0"/>
+      </a:fillRef>
+      <a:effectRef idx="0">
+        <a:scrgbClr r="0" g="0" b="0"/>
+      </a:effectRef>
+      <a:fontRef idx="minor">
+        <a:schemeClr val="tx1"/>
+      </a:fontRef>
+    </dgm:style>
+  </dgm:styleLbl>
+  <dgm:styleLbl name="alignNode1">
+    <dgm:scene3d>
+      <a:camera prst="orthographicFront"/>
+      <a:lightRig rig="threePt" dir="t"/>
+    </dgm:scene3d>
+    <dgm:sp3d/>
+    <dgm:txPr/>
+    <dgm:style>
+      <a:lnRef idx="2">
+        <a:scrgbClr r="0" g="0" b="0"/>
+      </a:lnRef>
+      <a:fillRef idx="1">
+        <a:scrgbClr r="0" g="0" b="0"/>
+      </a:fillRef>
+      <a:effectRef idx="0">
+        <a:scrgbClr r="0" g="0" b="0"/>
+      </a:effectRef>
+      <a:fontRef idx="minor">
+        <a:schemeClr val="lt1"/>
+      </a:fontRef>
+    </dgm:style>
+  </dgm:styleLbl>
+  <dgm:styleLbl name="node1">
+    <dgm:scene3d>
+      <a:camera prst="orthographicFront"/>
+      <a:lightRig rig="threePt" dir="t"/>
+    </dgm:scene3d>
+    <dgm:sp3d/>
+    <dgm:txPr/>
+    <dgm:style>
+      <a:lnRef idx="2">
+        <a:scrgbClr r="0" g="0" b="0"/>
+      </a:lnRef>
+      <a:fillRef idx="1">
+        <a:scrgbClr r="0" g="0" b="0"/>
+      </a:fillRef>
+      <a:effectRef idx="0">
+        <a:scrgbClr r="0" g="0" b="0"/>
+      </a:effectRef>
+      <a:fontRef idx="minor">
+        <a:schemeClr val="lt1"/>
+      </a:fontRef>
+    </dgm:style>
+  </dgm:styleLbl>
+  <dgm:styleLbl name="node2">
+    <dgm:scene3d>
+      <a:camera prst="orthographicFront"/>
+      <a:lightRig rig="threePt" dir="t"/>
+    </dgm:scene3d>
+    <dgm:sp3d/>
+    <dgm:txPr/>
+    <dgm:style>
+      <a:lnRef idx="2">
+        <a:scrgbClr r="0" g="0" b="0"/>
+      </a:lnRef>
+      <a:fillRef idx="1">
+        <a:scrgbClr r="0" g="0" b="0"/>
+      </a:fillRef>
+      <a:effectRef idx="0">
+        <a:scrgbClr r="0" g="0" b="0"/>
+      </a:effectRef>
+      <a:fontRef idx="minor">
+        <a:schemeClr val="lt1"/>
+      </a:fontRef>
+    </dgm:style>
+  </dgm:styleLbl>
+  <dgm:styleLbl name="node3">
+    <dgm:scene3d>
+      <a:camera prst="orthographicFront"/>
+      <a:lightRig rig="threePt" dir="t"/>
+    </dgm:scene3d>
+    <dgm:sp3d/>
+    <dgm:txPr/>
+    <dgm:style>
+      <a:lnRef idx="2">
+        <a:scrgbClr r="0" g="0" b="0"/>
+      </a:lnRef>
+      <a:fillRef idx="1">
+        <a:scrgbClr r="0" g="0" b="0"/>
+      </a:fillRef>
+      <a:effectRef idx="0">
+        <a:scrgbClr r="0" g="0" b="0"/>
+      </a:effectRef>
+      <a:fontRef idx="minor">
+        <a:schemeClr val="lt1"/>
+      </a:fontRef>
+    </dgm:style>
+  </dgm:styleLbl>
+  <dgm:styleLbl name="node4">
+    <dgm:scene3d>
+      <a:camera prst="orthographicFront"/>
+      <a:lightRig rig="threePt" dir="t"/>
+    </dgm:scene3d>
+    <dgm:sp3d/>
+    <dgm:txPr/>
+    <dgm:style>
+      <a:lnRef idx="2">
+        <a:scrgbClr r="0" g="0" b="0"/>
+      </a:lnRef>
+      <a:fillRef idx="1">
+        <a:scrgbClr r="0" g="0" b="0"/>
+      </a:fillRef>
+      <a:effectRef idx="0">
+        <a:scrgbClr r="0" g="0" b="0"/>
+      </a:effectRef>
+      <a:fontRef idx="minor">
+        <a:schemeClr val="lt1"/>
+      </a:fontRef>
+    </dgm:style>
+  </dgm:styleLbl>
+  <dgm:styleLbl name="fgImgPlace1">
+    <dgm:scene3d>
+      <a:camera prst="orthographicFront"/>
+      <a:lightRig rig="threePt" dir="t"/>
+    </dgm:scene3d>
+    <dgm:sp3d/>
+    <dgm:txPr/>
+    <dgm:style>
+      <a:lnRef idx="2">
+        <a:scrgbClr r="0" g="0" b="0"/>
+      </a:lnRef>
+      <a:fillRef idx="1">
+        <a:scrgbClr r="0" g="0" b="0"/>
+      </a:fillRef>
+      <a:effectRef idx="0">
+        <a:scrgbClr r="0" g="0" b="0"/>
+      </a:effectRef>
+      <a:fontRef idx="minor"/>
+    </dgm:style>
+  </dgm:styleLbl>
+  <dgm:styleLbl name="alignImgPlace1">
+    <dgm:scene3d>
+      <a:camera prst="orthographicFront"/>
+      <a:lightRig rig="threePt" dir="t"/>
+    </dgm:scene3d>
+    <dgm:sp3d/>
+    <dgm:txPr/>
+    <dgm:style>
+      <a:lnRef idx="2">
+        <a:scrgbClr r="0" g="0" b="0"/>
+      </a:lnRef>
+      <a:fillRef idx="1">
+        <a:scrgbClr r="0" g="0" b="0"/>
+      </a:fillRef>
+      <a:effectRef idx="0">
+        <a:scrgbClr r="0" g="0" b="0"/>
+      </a:effectRef>
+      <a:fontRef idx="minor"/>
+    </dgm:style>
+  </dgm:styleLbl>
+  <dgm:styleLbl name="bgImgPlace1">
+    <dgm:scene3d>
+      <a:camera prst="orthographicFront"/>
+      <a:lightRig rig="threePt" dir="t"/>
+    </dgm:scene3d>
+    <dgm:sp3d/>
+    <dgm:txPr/>
+    <dgm:style>
+      <a:lnRef idx="2">
+        <a:scrgbClr r="0" g="0" b="0"/>
+      </a:lnRef>
+      <a:fillRef idx="1">
+        <a:scrgbClr r="0" g="0" b="0"/>
+      </a:fillRef>
+      <a:effectRef idx="0">
+        <a:scrgbClr r="0" g="0" b="0"/>
+      </a:effectRef>
+      <a:fontRef idx="minor"/>
+    </dgm:style>
+  </dgm:styleLbl>
+  <dgm:styleLbl name="sibTrans2D1">
+    <dgm:scene3d>
+      <a:camera prst="orthographicFront"/>
+      <a:lightRig rig="threePt" dir="t"/>
+    </dgm:scene3d>
+    <dgm:sp3d/>
+    <dgm:txPr/>
+    <dgm:style>
+      <a:lnRef idx="0">
+        <a:scrgbClr r="0" g="0" b="0"/>
+      </a:lnRef>
+      <a:fillRef idx="1">
+        <a:scrgbClr r="0" g="0" b="0"/>
+      </a:fillRef>
+      <a:effectRef idx="0">
+        <a:scrgbClr r="0" g="0" b="0"/>
+      </a:effectRef>
+      <a:fontRef idx="minor">
+        <a:schemeClr val="lt1"/>
+      </a:fontRef>
+    </dgm:style>
+  </dgm:styleLbl>
+  <dgm:styleLbl name="fgSibTrans2D1">
+    <dgm:scene3d>
+      <a:camera prst="orthographicFront"/>
+      <a:lightRig rig="threePt" dir="t"/>
+    </dgm:scene3d>
+    <dgm:sp3d/>
+    <dgm:txPr/>
+    <dgm:style>
+      <a:lnRef idx="0">
+        <a:scrgbClr r="0" g="0" b="0"/>
+      </a:lnRef>
+      <a:fillRef idx="1">
+        <a:scrgbClr r="0" g="0" b="0"/>
+      </a:fillRef>
+      <a:effectRef idx="0">
+        <a:scrgbClr r="0" g="0" b="0"/>
+      </a:effectRef>
+      <a:fontRef idx="minor">
+        <a:schemeClr val="lt1"/>
+      </a:fontRef>
+    </dgm:style>
+  </dgm:styleLbl>
+  <dgm:styleLbl name="bgSibTrans2D1">
+    <dgm:scene3d>
+      <a:camera prst="orthographicFront"/>
+      <a:lightRig rig="threePt" dir="t"/>
+    </dgm:scene3d>
+    <dgm:sp3d/>
+    <dgm:txPr/>
+    <dgm:style>
+      <a:lnRef idx="0">
+        <a:scrgbClr r="0" g="0" b="0"/>
+      </a:lnRef>
+      <a:fillRef idx="1">
+        <a:scrgbClr r="0" g="0" b="0"/>
+      </a:fillRef>
+      <a:effectRef idx="0">
+        <a:scrgbClr r="0" g="0" b="0"/>
+      </a:effectRef>
+      <a:fontRef idx="minor">
+        <a:schemeClr val="lt1"/>
+      </a:fontRef>
+    </dgm:style>
+  </dgm:styleLbl>
+  <dgm:styleLbl name="sibTrans1D1">
+    <dgm:scene3d>
+      <a:camera prst="orthographicFront"/>
+      <a:lightRig rig="threePt" dir="t"/>
+    </dgm:scene3d>
+    <dgm:sp3d/>
+    <dgm:txPr/>
+    <dgm:style>
+      <a:lnRef idx="1">
+        <a:scrgbClr r="0" g="0" b="0"/>
+      </a:lnRef>
+      <a:fillRef idx="0">
+        <a:scrgbClr r="0" g="0" b="0"/>
+      </a:fillRef>
+      <a:effectRef idx="0">
+        <a:scrgbClr r="0" g="0" b="0"/>
+      </a:effectRef>
+      <a:fontRef idx="minor"/>
+    </dgm:style>
+  </dgm:styleLbl>
+  <dgm:styleLbl name="callout">
+    <dgm:scene3d>
+      <a:camera prst="orthographicFront"/>
+      <a:lightRig rig="threePt" dir="t"/>
+    </dgm:scene3d>
+    <dgm:sp3d/>
+    <dgm:txPr/>
+    <dgm:style>
+      <a:lnRef idx="2">
+        <a:scrgbClr r="0" g="0" b="0"/>
+      </a:lnRef>
+      <a:fillRef idx="1">
+        <a:scrgbClr r="0" g="0" b="0"/>
+      </a:fillRef>
+      <a:effectRef idx="0">
+        <a:scrgbClr r="0" g="0" b="0"/>
+      </a:effectRef>
+      <a:fontRef idx="minor"/>
+    </dgm:style>
+  </dgm:styleLbl>
+  <dgm:styleLbl name="asst0">
+    <dgm:scene3d>
+      <a:camera prst="orthographicFront"/>
+      <a:lightRig rig="threePt" dir="t"/>
+    </dgm:scene3d>
+    <dgm:sp3d/>
+    <dgm:txPr/>
+    <dgm:style>
+      <a:lnRef idx="2">
+        <a:scrgbClr r="0" g="0" b="0"/>
+      </a:lnRef>
+      <a:fillRef idx="1">
+        <a:scrgbClr r="0" g="0" b="0"/>
+      </a:fillRef>
+      <a:effectRef idx="0">
+        <a:scrgbClr r="0" g="0" b="0"/>
+      </a:effectRef>
+      <a:fontRef idx="minor">
+        <a:schemeClr val="lt1"/>
+      </a:fontRef>
+    </dgm:style>
+  </dgm:styleLbl>
+  <dgm:styleLbl name="asst1">
+    <dgm:scene3d>
+      <a:camera prst="orthographicFront"/>
+      <a:lightRig rig="threePt" dir="t"/>
+    </dgm:scene3d>
+    <dgm:sp3d/>
+    <dgm:txPr/>
+    <dgm:style>
+      <a:lnRef idx="2">
+        <a:scrgbClr r="0" g="0" b="0"/>
+      </a:lnRef>
+      <a:fillRef idx="1">
+        <a:scrgbClr r="0" g="0" b="0"/>
+      </a:fillRef>
+      <a:effectRef idx="0">
+        <a:scrgbClr r="0" g="0" b="0"/>
+      </a:effectRef>
+      <a:fontRef idx="minor">
+        <a:schemeClr val="lt1"/>
+      </a:fontRef>
+    </dgm:style>
+  </dgm:styleLbl>
+  <dgm:styleLbl name="asst2">
+    <dgm:scene3d>
+      <a:camera prst="orthographicFront"/>
+      <a:lightRig rig="threePt" dir="t"/>
+    </dgm:scene3d>
+    <dgm:sp3d/>
+    <dgm:txPr/>
+    <dgm:style>
+      <a:lnRef idx="2">
+        <a:scrgbClr r="0" g="0" b="0"/>
+      </a:lnRef>
+      <a:fillRef idx="1">
+        <a:scrgbClr r="0" g="0" b="0"/>
+      </a:fillRef>
+      <a:effectRef idx="0">
+        <a:scrgbClr r="0" g="0" b="0"/>
+      </a:effectRef>
+      <a:fontRef idx="minor">
+        <a:schemeClr val="lt1"/>
+      </a:fontRef>
+    </dgm:style>
+  </dgm:styleLbl>
+  <dgm:styleLbl name="asst3">
+    <dgm:scene3d>
+      <a:camera prst="orthographicFront"/>
+      <a:lightRig rig="threePt" dir="t"/>
+    </dgm:scene3d>
+    <dgm:sp3d/>
+    <dgm:txPr/>
+    <dgm:style>
+      <a:lnRef idx="2">
+        <a:scrgbClr r="0" g="0" b="0"/>
+      </a:lnRef>
+      <a:fillRef idx="1">
+        <a:scrgbClr r="0" g="0" b="0"/>
+      </a:fillRef>
+      <a:effectRef idx="0">
+        <a:scrgbClr r="0" g="0" b="0"/>
+      </a:effectRef>
+      <a:fontRef idx="minor">
+        <a:schemeClr val="lt1"/>
+      </a:fontRef>
+    </dgm:style>
+  </dgm:styleLbl>
+  <dgm:styleLbl name="asst4">
+    <dgm:scene3d>
+      <a:camera prst="orthographicFront"/>
+      <a:lightRig rig="threePt" dir="t"/>
+    </dgm:scene3d>
+    <dgm:sp3d/>
+    <dgm:txPr/>
+    <dgm:style>
+      <a:lnRef idx="2">
+        <a:scrgbClr r="0" g="0" b="0"/>
+      </a:lnRef>
+      <a:fillRef idx="1">
+        <a:scrgbClr r="0" g="0" b="0"/>
+      </a:fillRef>
+      <a:effectRef idx="0">
+        <a:scrgbClr r="0" g="0" b="0"/>
+      </a:effectRef>
+      <a:fontRef idx="minor">
+        <a:schemeClr val="lt1"/>
+      </a:fontRef>
+    </dgm:style>
+  </dgm:styleLbl>
+  <dgm:styleLbl name="parChTrans2D1">
+    <dgm:scene3d>
+      <a:camera prst="orthographicFront"/>
+      <a:lightRig rig="threePt" dir="t"/>
+    </dgm:scene3d>
+    <dgm:sp3d/>
+    <dgm:txPr/>
+    <dgm:style>
+      <a:lnRef idx="2">
+        <a:scrgbClr r="0" g="0" b="0"/>
+      </a:lnRef>
+      <a:fillRef idx="1">
+        <a:scrgbClr r="0" g="0" b="0"/>
+      </a:fillRef>
+      <a:effectRef idx="0">
+        <a:scrgbClr r="0" g="0" b="0"/>
+      </a:effectRef>
+      <a:fontRef idx="minor">
+        <a:schemeClr val="lt1"/>
+      </a:fontRef>
+    </dgm:style>
+  </dgm:styleLbl>
+  <dgm:styleLbl name="parChTrans2D2">
+    <dgm:scene3d>
+      <a:camera prst="orthographicFront"/>
+      <a:lightRig rig="threePt" dir="t"/>
+    </dgm:scene3d>
+    <dgm:sp3d/>
+    <dgm:txPr/>
+    <dgm:style>
+      <a:lnRef idx="2">
+        <a:scrgbClr r="0" g="0" b="0"/>
+      </a:lnRef>
+      <a:fillRef idx="1">
+        <a:scrgbClr r="0" g="0" b="0"/>
+      </a:fillRef>
+      <a:effectRef idx="0">
+        <a:scrgbClr r="0" g="0" b="0"/>
+      </a:effectRef>
+      <a:fontRef idx="minor">
+        <a:schemeClr val="lt1"/>
+      </a:fontRef>
+    </dgm:style>
+  </dgm:styleLbl>
+  <dgm:styleLbl name="parChTrans2D3">
+    <dgm:scene3d>
+      <a:camera prst="orthographicFront"/>
+      <a:lightRig rig="threePt" dir="t"/>
+    </dgm:scene3d>
+    <dgm:sp3d/>
+    <dgm:txPr/>
+    <dgm:style>
+      <a:lnRef idx="2">
+        <a:scrgbClr r="0" g="0" b="0"/>
+      </a:lnRef>
+      <a:fillRef idx="1">
+        <a:scrgbClr r="0" g="0" b="0"/>
+      </a:fillRef>
+      <a:effectRef idx="0">
+        <a:scrgbClr r="0" g="0" b="0"/>
+      </a:effectRef>
+      <a:fontRef idx="minor">
+        <a:schemeClr val="lt1"/>
+      </a:fontRef>
+    </dgm:style>
+  </dgm:styleLbl>
+  <dgm:styleLbl name="parChTrans2D4">
+    <dgm:scene3d>
+      <a:camera prst="orthographicFront"/>
+      <a:lightRig rig="threePt" dir="t"/>
+    </dgm:scene3d>
+    <dgm:sp3d/>
+    <dgm:txPr/>
+    <dgm:style>
+      <a:lnRef idx="2">
+        <a:scrgbClr r="0" g="0" b="0"/>
+      </a:lnRef>
+      <a:fillRef idx="1">
+        <a:scrgbClr r="0" g="0" b="0"/>
+      </a:fillRef>
+      <a:effectRef idx="0">
+        <a:scrgbClr r="0" g="0" b="0"/>
+      </a:effectRef>
+      <a:fontRef idx="minor">
+        <a:schemeClr val="lt1"/>
+      </a:fontRef>
+    </dgm:style>
+  </dgm:styleLbl>
+  <dgm:styleLbl name="parChTrans1D1">
+    <dgm:scene3d>
+      <a:camera prst="orthographicFront"/>
+      <a:lightRig rig="threePt" dir="t"/>
+    </dgm:scene3d>
+    <dgm:sp3d/>
+    <dgm:txPr/>
+    <dgm:style>
+      <a:lnRef idx="2">
+        <a:scrgbClr r="0" g="0" b="0"/>
+      </a:lnRef>
+      <a:fillRef idx="0">
+        <a:scrgbClr r="0" g="0" b="0"/>
+      </a:fillRef>
+      <a:effectRef idx="0">
+        <a:scrgbClr r="0" g="0" b="0"/>
+      </a:effectRef>
+      <a:fontRef idx="minor"/>
+    </dgm:style>
+  </dgm:styleLbl>
+  <dgm:styleLbl name="parChTrans1D2">
+    <dgm:scene3d>
+      <a:camera prst="orthographicFront"/>
+      <a:lightRig rig="threePt" dir="t"/>
+    </dgm:scene3d>
+    <dgm:sp3d/>
+    <dgm:txPr/>
+    <dgm:style>
+      <a:lnRef idx="2">
+        <a:scrgbClr r="0" g="0" b="0"/>
+      </a:lnRef>
+      <a:fillRef idx="0">
+        <a:scrgbClr r="0" g="0" b="0"/>
+      </a:fillRef>
+      <a:effectRef idx="0">
+        <a:scrgbClr r="0" g="0" b="0"/>
+      </a:effectRef>
+      <a:fontRef idx="minor"/>
+    </dgm:style>
+  </dgm:styleLbl>
+  <dgm:styleLbl name="parChTrans1D3">
+    <dgm:scene3d>
+      <a:camera prst="orthographicFront"/>
+      <a:lightRig rig="threePt" dir="t"/>
+    </dgm:scene3d>
+    <dgm:sp3d/>
+    <dgm:txPr/>
+    <dgm:style>
+      <a:lnRef idx="2">
+        <a:scrgbClr r="0" g="0" b="0"/>
+      </a:lnRef>
+      <a:fillRef idx="0">
+        <a:scrgbClr r="0" g="0" b="0"/>
+      </a:fillRef>
+      <a:effectRef idx="0">
+        <a:scrgbClr r="0" g="0" b="0"/>
+      </a:effectRef>
+      <a:fontRef idx="minor"/>
+    </dgm:style>
+  </dgm:styleLbl>
+  <dgm:styleLbl name="parChTrans1D4">
+    <dgm:scene3d>
+      <a:camera prst="orthographicFront"/>
+      <a:lightRig rig="threePt" dir="t"/>
+    </dgm:scene3d>
+    <dgm:sp3d/>
+    <dgm:txPr/>
+    <dgm:style>
+      <a:lnRef idx="2">
+        <a:scrgbClr r="0" g="0" b="0"/>
+      </a:lnRef>
+      <a:fillRef idx="0">
+        <a:scrgbClr r="0" g="0" b="0"/>
+      </a:fillRef>
+      <a:effectRef idx="0">
+        <a:scrgbClr r="0" g="0" b="0"/>
+      </a:effectRef>
+      <a:fontRef idx="minor"/>
+    </dgm:style>
+  </dgm:styleLbl>
+  <dgm:styleLbl name="fgAcc1">
+    <dgm:scene3d>
+      <a:camera prst="orthographicFront"/>
+      <a:lightRig rig="threePt" dir="t"/>
+    </dgm:scene3d>
+    <dgm:sp3d/>
+    <dgm:txPr/>
+    <dgm:style>
+      <a:lnRef idx="2">
+        <a:scrgbClr r="0" g="0" b="0"/>
+      </a:lnRef>
+      <a:fillRef idx="1">
+        <a:scrgbClr r="0" g="0" b="0"/>
+      </a:fillRef>
+      <a:effectRef idx="0">
+        <a:scrgbClr r="0" g="0" b="0"/>
+      </a:effectRef>
+      <a:fontRef idx="minor"/>
+    </dgm:style>
+  </dgm:styleLbl>
+  <dgm:styleLbl name="conFgAcc1">
+    <dgm:scene3d>
+      <a:camera prst="orthographicFront"/>
+      <a:lightRig rig="threePt" dir="t"/>
+    </dgm:scene3d>
+    <dgm:sp3d/>
+    <dgm:txPr/>
+    <dgm:style>
+      <a:lnRef idx="2">
+        <a:scrgbClr r="0" g="0" b="0"/>
+      </a:lnRef>
+      <a:fillRef idx="1">
+        <a:scrgbClr r="0" g="0" b="0"/>
+      </a:fillRef>
+      <a:effectRef idx="0">
+        <a:scrgbClr r="0" g="0" b="0"/>
+      </a:effectRef>
+      <a:fontRef idx="minor"/>
+    </dgm:style>
+  </dgm:styleLbl>
+  <dgm:styleLbl name="alignAcc1">
+    <dgm:scene3d>
+      <a:camera prst="orthographicFront"/>
+      <a:lightRig rig="threePt" dir="t"/>
+    </dgm:scene3d>
+    <dgm:sp3d/>
+    <dgm:txPr/>
+    <dgm:style>
+      <a:lnRef idx="2">
+        <a:scrgbClr r="0" g="0" b="0"/>
+      </a:lnRef>
+      <a:fillRef idx="1">
+        <a:scrgbClr r="0" g="0" b="0"/>
+      </a:fillRef>
+      <a:effectRef idx="0">
+        <a:scrgbClr r="0" g="0" b="0"/>
+      </a:effectRef>
+      <a:fontRef idx="minor"/>
+    </dgm:style>
+  </dgm:styleLbl>
+  <dgm:styleLbl name="trAlignAcc1">
+    <dgm:scene3d>
+      <a:camera prst="orthographicFront"/>
+      <a:lightRig rig="threePt" dir="t"/>
+    </dgm:scene3d>
+    <dgm:sp3d/>
+    <dgm:txPr/>
+    <dgm:style>
+      <a:lnRef idx="1">
+        <a:scrgbClr r="0" g="0" b="0"/>
+      </a:lnRef>
+      <a:fillRef idx="1">
+        <a:scrgbClr r="0" g="0" b="0"/>
+      </a:fillRef>
+      <a:effectRef idx="0">
+        <a:scrgbClr r="0" g="0" b="0"/>
+      </a:effectRef>
+      <a:fontRef idx="minor"/>
+    </dgm:style>
+  </dgm:styleLbl>
+  <dgm:styleLbl name="bgAcc1">
+    <dgm:scene3d>
+      <a:camera prst="orthographicFront"/>
+      <a:lightRig rig="threePt" dir="t"/>
+    </dgm:scene3d>
+    <dgm:sp3d/>
+    <dgm:txPr/>
+    <dgm:style>
+      <a:lnRef idx="2">
+        <a:scrgbClr r="0" g="0" b="0"/>
+      </a:lnRef>
+      <a:fillRef idx="1">
+        <a:scrgbClr r="0" g="0" b="0"/>
+      </a:fillRef>
+      <a:effectRef idx="0">
+        <a:scrgbClr r="0" g="0" b="0"/>
+      </a:effectRef>
+      <a:fontRef idx="minor"/>
+    </dgm:style>
+  </dgm:styleLbl>
+  <dgm:styleLbl name="solidFgAcc1">
+    <dgm:scene3d>
+      <a:camera prst="orthographicFront"/>
+      <a:lightRig rig="threePt" dir="t"/>
+    </dgm:scene3d>
+    <dgm:sp3d/>
+    <dgm:txPr/>
+    <dgm:style>
+      <a:lnRef idx="2">
+        <a:scrgbClr r="0" g="0" b="0"/>
+      </a:lnRef>
+      <a:fillRef idx="1">
+        <a:scrgbClr r="0" g="0" b="0"/>
+      </a:fillRef>
+      <a:effectRef idx="0">
+        <a:scrgbClr r="0" g="0" b="0"/>
+      </a:effectRef>
+      <a:fontRef idx="minor"/>
+    </dgm:style>
+  </dgm:styleLbl>
+  <dgm:styleLbl name="solidAlignAcc1">
+    <dgm:scene3d>
+      <a:camera prst="orthographicFront"/>
+      <a:lightRig rig="threePt" dir="t"/>
+    </dgm:scene3d>
+    <dgm:sp3d/>
+    <dgm:txPr/>
+    <dgm:style>
+      <a:lnRef idx="2">
+        <a:scrgbClr r="0" g="0" b="0"/>
+      </a:lnRef>
+      <a:fillRef idx="1">
+        <a:scrgbClr r="0" g="0" b="0"/>
+      </a:fillRef>
+      <a:effectRef idx="0">
+        <a:scrgbClr r="0" g="0" b="0"/>
+      </a:effectRef>
+      <a:fontRef idx="minor"/>
+    </dgm:style>
+  </dgm:styleLbl>
+  <dgm:styleLbl name="solidBgAcc1">
+    <dgm:scene3d>
+      <a:camera prst="orthographicFront"/>
+      <a:lightRig rig="threePt" dir="t"/>
+    </dgm:scene3d>
+    <dgm:sp3d/>
+    <dgm:txPr/>
+    <dgm:style>
+      <a:lnRef idx="2">
+        <a:scrgbClr r="0" g="0" b="0"/>
+      </a:lnRef>
+      <a:fillRef idx="1">
+        <a:scrgbClr r="0" g="0" b="0"/>
+      </a:fillRef>
+      <a:effectRef idx="0">
+        <a:scrgbClr r="0" g="0" b="0"/>
+      </a:effectRef>
+      <a:fontRef idx="minor"/>
+    </dgm:style>
+  </dgm:styleLbl>
+  <dgm:styleLbl name="fgAccFollowNode1">
+    <dgm:scene3d>
+      <a:camera prst="orthographicFront"/>
+      <a:lightRig rig="threePt" dir="t"/>
+    </dgm:scene3d>
+    <dgm:sp3d/>
+    <dgm:txPr/>
+    <dgm:style>
+      <a:lnRef idx="2">
+        <a:scrgbClr r="0" g="0" b="0"/>
+      </a:lnRef>
+      <a:fillRef idx="1">
+        <a:scrgbClr r="0" g="0" b="0"/>
+      </a:fillRef>
+      <a:effectRef idx="0">
+        <a:scrgbClr r="0" g="0" b="0"/>
+      </a:effectRef>
+      <a:fontRef idx="minor"/>
+    </dgm:style>
+  </dgm:styleLbl>
+  <dgm:styleLbl name="alignAccFollowNode1">
+    <dgm:scene3d>
+      <a:camera prst="orthographicFront"/>
+      <a:lightRig rig="threePt" dir="t"/>
+    </dgm:scene3d>
+    <dgm:sp3d/>
+    <dgm:txPr/>
+    <dgm:style>
+      <a:lnRef idx="2">
+        <a:scrgbClr r="0" g="0" b="0"/>
+      </a:lnRef>
+      <a:fillRef idx="1">
+        <a:scrgbClr r="0" g="0" b="0"/>
+      </a:fillRef>
+      <a:effectRef idx="0">
+        <a:scrgbClr r="0" g="0" b="0"/>
+      </a:effectRef>
+      <a:fontRef idx="minor"/>
+    </dgm:style>
+  </dgm:styleLbl>
+  <dgm:styleLbl name="bgAccFollowNode1">
+    <dgm:scene3d>
+      <a:camera prst="orthographicFront"/>
+      <a:lightRig rig="threePt" dir="t"/>
+    </dgm:scene3d>
+    <dgm:sp3d/>
+    <dgm:txPr/>
+    <dgm:style>
+      <a:lnRef idx="2">
+        <a:scrgbClr r="0" g="0" b="0"/>
+      </a:lnRef>
+      <a:fillRef idx="1">
+        <a:scrgbClr r="0" g="0" b="0"/>
+      </a:fillRef>
+      <a:effectRef idx="0">
+        <a:scrgbClr r="0" g="0" b="0"/>
+      </a:effectRef>
+      <a:fontRef idx="minor"/>
+    </dgm:style>
+  </dgm:styleLbl>
+  <dgm:styleLbl name="fgAcc0">
+    <dgm:scene3d>
+      <a:camera prst="orthographicFront"/>
+      <a:lightRig rig="threePt" dir="t"/>
+    </dgm:scene3d>
+    <dgm:sp3d/>
+    <dgm:txPr/>
+    <dgm:style>
+      <a:lnRef idx="2">
+        <a:scrgbClr r="0" g="0" b="0"/>
+      </a:lnRef>
+      <a:fillRef idx="1">
+        <a:scrgbClr r="0" g="0" b="0"/>
+      </a:fillRef>
+      <a:effectRef idx="0">
+        <a:scrgbClr r="0" g="0" b="0"/>
+      </a:effectRef>
+      <a:fontRef idx="minor"/>
+    </dgm:style>
+  </dgm:styleLbl>
+  <dgm:styleLbl name="fgAcc2">
+    <dgm:scene3d>
+      <a:camera prst="orthographicFront"/>
+      <a:lightRig rig="threePt" dir="t"/>
+    </dgm:scene3d>
+    <dgm:sp3d/>
+    <dgm:txPr/>
+    <dgm:style>
+      <a:lnRef idx="2">
+        <a:scrgbClr r="0" g="0" b="0"/>
+      </a:lnRef>
+      <a:fillRef idx="1">
+        <a:scrgbClr r="0" g="0" b="0"/>
+      </a:fillRef>
+      <a:effectRef idx="0">
+        <a:scrgbClr r="0" g="0" b="0"/>
+      </a:effectRef>
+      <a:fontRef idx="minor"/>
+    </dgm:style>
+  </dgm:styleLbl>
+  <dgm:styleLbl name="fgAcc3">
+    <dgm:scene3d>
+      <a:camera prst="orthographicFront"/>
+      <a:lightRig rig="threePt" dir="t"/>
+    </dgm:scene3d>
+    <dgm:sp3d/>
+    <dgm:txPr/>
+    <dgm:style>
+      <a:lnRef idx="2">
+        <a:scrgbClr r="0" g="0" b="0"/>
+      </a:lnRef>
+      <a:fillRef idx="1">
+        <a:scrgbClr r="0" g="0" b="0"/>
+      </a:fillRef>
+      <a:effectRef idx="0">
+        <a:scrgbClr r="0" g="0" b="0"/>
+      </a:effectRef>
+      <a:fontRef idx="minor"/>
+    </dgm:style>
+  </dgm:styleLbl>
+  <dgm:styleLbl name="fgAcc4">
+    <dgm:scene3d>
+      <a:camera prst="orthographicFront"/>
+      <a:lightRig rig="threePt" dir="t"/>
+    </dgm:scene3d>
+    <dgm:sp3d/>
+    <dgm:txPr/>
+    <dgm:style>
+      <a:lnRef idx="2">
+        <a:scrgbClr r="0" g="0" b="0"/>
+      </a:lnRef>
+      <a:fillRef idx="1">
+        <a:scrgbClr r="0" g="0" b="0"/>
+      </a:fillRef>
+      <a:effectRef idx="0">
+        <a:scrgbClr r="0" g="0" b="0"/>
+      </a:effectRef>
+      <a:fontRef idx="minor"/>
+    </dgm:style>
+  </dgm:styleLbl>
+  <dgm:styleLbl name="bgShp">
+    <dgm:scene3d>
+      <a:camera prst="orthographicFront"/>
+      <a:lightRig rig="threePt" dir="t"/>
+    </dgm:scene3d>
+    <dgm:sp3d/>
+    <dgm:txPr/>
+    <dgm:style>
+      <a:lnRef idx="0">
+        <a:scrgbClr r="0" g="0" b="0"/>
+      </a:lnRef>
+      <a:fillRef idx="1">
+        <a:scrgbClr r="0" g="0" b="0"/>
+      </a:fillRef>
+      <a:effectRef idx="0">
+        <a:scrgbClr r="0" g="0" b="0"/>
+      </a:effectRef>
+      <a:fontRef idx="minor"/>
+    </dgm:style>
+  </dgm:styleLbl>
+  <dgm:styleLbl name="dkBgShp">
+    <dgm:scene3d>
+      <a:camera prst="orthographicFront"/>
+      <a:lightRig rig="threePt" dir="t"/>
+    </dgm:scene3d>
+    <dgm:sp3d/>
+    <dgm:txPr/>
+    <dgm:style>
+      <a:lnRef idx="0">
+        <a:scrgbClr r="0" g="0" b="0"/>
+      </a:lnRef>
+      <a:fillRef idx="1">
+        <a:scrgbClr r="0" g="0" b="0"/>
+      </a:fillRef>
+      <a:effectRef idx="0">
+        <a:scrgbClr r="0" g="0" b="0"/>
+      </a:effectRef>
+      <a:fontRef idx="minor"/>
+    </dgm:style>
+  </dgm:styleLbl>
+  <dgm:styleLbl name="trBgShp">
+    <dgm:scene3d>
+      <a:camera prst="orthographicFront"/>
+      <a:lightRig rig="threePt" dir="t"/>
+    </dgm:scene3d>
+    <dgm:sp3d/>
+    <dgm:txPr/>
+    <dgm:style>
+      <a:lnRef idx="0">
+        <a:scrgbClr r="0" g="0" b="0"/>
+      </a:lnRef>
+      <a:fillRef idx="1">
+        <a:scrgbClr r="0" g="0" b="0"/>
+      </a:fillRef>
+      <a:effectRef idx="0">
+        <a:scrgbClr r="0" g="0" b="0"/>
+      </a:effectRef>
+      <a:fontRef idx="minor"/>
+    </dgm:style>
+  </dgm:styleLbl>
+  <dgm:styleLbl name="fgShp">
+    <dgm:scene3d>
+      <a:camera prst="orthographicFront"/>
+      <a:lightRig rig="threePt" dir="t"/>
+    </dgm:scene3d>
+    <dgm:sp3d/>
+    <dgm:txPr/>
+    <dgm:style>
+      <a:lnRef idx="2">
+        <a:scrgbClr r="0" g="0" b="0"/>
+      </a:lnRef>
+      <a:fillRef idx="1">
+        <a:scrgbClr r="0" g="0" b="0"/>
+      </a:fillRef>
+      <a:effectRef idx="0">
+        <a:scrgbClr r="0" g="0" b="0"/>
+      </a:effectRef>
+      <a:fontRef idx="minor"/>
+    </dgm:style>
+  </dgm:styleLbl>
+  <dgm:styleLbl name="revTx">
+    <dgm:scene3d>
+      <a:camera prst="orthographicFront"/>
+      <a:lightRig rig="threePt" dir="t"/>
+    </dgm:scene3d>
+    <dgm:sp3d/>
+    <dgm:txPr/>
+    <dgm:style>
+      <a:lnRef idx="0">
+        <a:scrgbClr r="0" g="0" b="0"/>
+      </a:lnRef>
+      <a:fillRef idx="0">
+        <a:scrgbClr r="0" g="0" b="0"/>
+      </a:fillRef>
+      <a:effectRef idx="0">
+        <a:scrgbClr r="0" g="0" b="0"/>
+      </a:effectRef>
+      <a:fontRef idx="minor"/>
+    </dgm:style>
+  </dgm:styleLbl>
+</dgm:styleDef>
+</file>
+
+<file path=ppt/diagrams/quickStyle4.xml><?xml version="1.0" encoding="utf-8"?>
 <dgm:styleDef xmlns:dgm="http://schemas.openxmlformats.org/drawingml/2006/diagram" xmlns:a="http://schemas.openxmlformats.org/drawingml/2006/main" uniqueId="urn:microsoft.com/office/officeart/2005/8/quickstyle/simple1">
   <dgm:title val=""/>
   <dgm:desc val=""/>
@@ -14847,7 +18273,7 @@
           <p:nvPr>
             <p:extLst>
               <p:ext uri="{D42A27DB-BD31-4B8C-83A1-F6EECF244321}">
-                <p14:modId xmlns:p14="http://schemas.microsoft.com/office/powerpoint/2010/main" val="4271989904"/>
+                <p14:modId xmlns:p14="http://schemas.microsoft.com/office/powerpoint/2010/main" val="755535269"/>
               </p:ext>
             </p:extLst>
           </p:nvPr>
@@ -14876,6 +18302,817 @@
 </file>
 
 <file path=ppt/slides/slide3.xml><?xml version="1.0" encoding="utf-8"?>
+<p:sld xmlns:a="http://schemas.openxmlformats.org/drawingml/2006/main" xmlns:r="http://schemas.openxmlformats.org/officeDocument/2006/relationships" xmlns:p="http://schemas.openxmlformats.org/presentationml/2006/main">
+  <p:cSld>
+    <p:bg>
+      <p:bgPr>
+        <a:solidFill>
+          <a:schemeClr val="bg1"/>
+        </a:solidFill>
+        <a:effectLst/>
+      </p:bgPr>
+    </p:bg>
+    <p:spTree>
+      <p:nvGrpSpPr>
+        <p:cNvPr id="1" name=""/>
+        <p:cNvGrpSpPr/>
+        <p:nvPr/>
+      </p:nvGrpSpPr>
+      <p:grpSpPr>
+        <a:xfrm>
+          <a:off x="0" y="0"/>
+          <a:ext cx="0" cy="0"/>
+          <a:chOff x="0" y="0"/>
+          <a:chExt cx="0" cy="0"/>
+        </a:xfrm>
+      </p:grpSpPr>
+      <p:sp useBgFill="1">
+        <p:nvSpPr>
+          <p:cNvPr id="18" name="Rectangle 17">
+            <a:extLst>
+              <a:ext uri="{FF2B5EF4-FFF2-40B4-BE49-F238E27FC236}">
+                <a16:creationId xmlns:a16="http://schemas.microsoft.com/office/drawing/2014/main" id="{35DB3719-6FDC-4E5D-891D-FF40B7300F64}"/>
+              </a:ext>
+              <a:ext uri="{C183D7F6-B498-43B3-948B-1728B52AA6E4}">
+                <adec:decorative xmlns:adec="http://schemas.microsoft.com/office/drawing/2017/decorative" val="1"/>
+              </a:ext>
+            </a:extLst>
+          </p:cNvPr>
+          <p:cNvSpPr>
+            <a:spLocks noGrp="1" noRot="1" noChangeAspect="1" noMove="1" noResize="1" noEditPoints="1" noAdjustHandles="1" noChangeArrowheads="1" noChangeShapeType="1" noTextEdit="1"/>
+          </p:cNvSpPr>
+          <p:nvPr>
+            <p:extLst>
+              <p:ext uri="{386F3935-93C4-4BCD-93E2-E3B085C9AB24}">
+                <p16:designElem xmlns:p16="http://schemas.microsoft.com/office/powerpoint/2015/main" val="1"/>
+              </p:ext>
+            </p:extLst>
+          </p:nvPr>
+        </p:nvSpPr>
+        <p:spPr>
+          <a:xfrm>
+            <a:off x="0" y="0"/>
+            <a:ext cx="12188952" cy="6858000"/>
+          </a:xfrm>
+          <a:prstGeom prst="rect">
+            <a:avLst/>
+          </a:prstGeom>
+          <a:ln>
+            <a:noFill/>
+          </a:ln>
+        </p:spPr>
+        <p:style>
+          <a:lnRef idx="2">
+            <a:schemeClr val="accent1">
+              <a:shade val="50000"/>
+            </a:schemeClr>
+          </a:lnRef>
+          <a:fillRef idx="1">
+            <a:schemeClr val="accent1"/>
+          </a:fillRef>
+          <a:effectRef idx="0">
+            <a:schemeClr val="accent1"/>
+          </a:effectRef>
+          <a:fontRef idx="minor">
+            <a:schemeClr val="lt1"/>
+          </a:fontRef>
+        </p:style>
+        <p:txBody>
+          <a:bodyPr rtlCol="0" anchor="ctr"/>
+          <a:lstStyle/>
+          <a:p>
+            <a:pPr algn="ctr"/>
+            <a:endParaRPr lang="en-US"/>
+          </a:p>
+        </p:txBody>
+      </p:sp>
+      <p:sp>
+        <p:nvSpPr>
+          <p:cNvPr id="2" name="Cím 1">
+            <a:extLst>
+              <a:ext uri="{FF2B5EF4-FFF2-40B4-BE49-F238E27FC236}">
+                <a16:creationId xmlns:a16="http://schemas.microsoft.com/office/drawing/2014/main" id="{BCCBD3E8-06EA-14A7-7FA7-23CFDF795EE8}"/>
+              </a:ext>
+            </a:extLst>
+          </p:cNvPr>
+          <p:cNvSpPr>
+            <a:spLocks noGrp="1"/>
+          </p:cNvSpPr>
+          <p:nvPr>
+            <p:ph type="title"/>
+          </p:nvPr>
+        </p:nvSpPr>
+        <p:spPr>
+          <a:xfrm>
+            <a:off x="838200" y="365125"/>
+            <a:ext cx="10515600" cy="1325563"/>
+          </a:xfrm>
+        </p:spPr>
+        <p:txBody>
+          <a:bodyPr vert="horz" lIns="91440" tIns="45720" rIns="91440" bIns="45720" rtlCol="0" anchor="ctr">
+            <a:normAutofit/>
+          </a:bodyPr>
+          <a:lstStyle/>
+          <a:p>
+            <a:r>
+              <a:rPr lang="hu-HU" sz="5400" kern="1200" dirty="0" err="1">
+                <a:solidFill>
+                  <a:schemeClr val="tx1"/>
+                </a:solidFill>
+                <a:latin typeface="+mj-lt"/>
+                <a:ea typeface="+mj-ea"/>
+                <a:cs typeface="+mj-cs"/>
+              </a:rPr>
+              <a:t>Folder</a:t>
+            </a:r>
+            <a:r>
+              <a:rPr lang="hu-HU" sz="5400" kern="1200" dirty="0">
+                <a:solidFill>
+                  <a:schemeClr val="tx1"/>
+                </a:solidFill>
+                <a:latin typeface="+mj-lt"/>
+                <a:ea typeface="+mj-ea"/>
+                <a:cs typeface="+mj-cs"/>
+              </a:rPr>
+              <a:t> </a:t>
+            </a:r>
+            <a:r>
+              <a:rPr lang="hu-HU" sz="5400" kern="1200" dirty="0" err="1">
+                <a:solidFill>
+                  <a:schemeClr val="tx1"/>
+                </a:solidFill>
+                <a:latin typeface="+mj-lt"/>
+                <a:ea typeface="+mj-ea"/>
+                <a:cs typeface="+mj-cs"/>
+              </a:rPr>
+              <a:t>structure</a:t>
+            </a:r>
+            <a:endParaRPr lang="en-US" sz="5400" kern="1200" dirty="0">
+              <a:solidFill>
+                <a:schemeClr val="tx1"/>
+              </a:solidFill>
+              <a:latin typeface="+mj-lt"/>
+              <a:ea typeface="+mj-ea"/>
+              <a:cs typeface="+mj-cs"/>
+            </a:endParaRPr>
+          </a:p>
+        </p:txBody>
+      </p:sp>
+      <p:sp>
+        <p:nvSpPr>
+          <p:cNvPr id="20" name="sketch line">
+            <a:extLst>
+              <a:ext uri="{FF2B5EF4-FFF2-40B4-BE49-F238E27FC236}">
+                <a16:creationId xmlns:a16="http://schemas.microsoft.com/office/drawing/2014/main" id="{E0CBAC23-2E3F-4A90-BA59-F8299F6A5439}"/>
+              </a:ext>
+              <a:ext uri="{C183D7F6-B498-43B3-948B-1728B52AA6E4}">
+                <adec:decorative xmlns:adec="http://schemas.microsoft.com/office/drawing/2017/decorative" val="1"/>
+              </a:ext>
+            </a:extLst>
+          </p:cNvPr>
+          <p:cNvSpPr>
+            <a:spLocks noGrp="1" noRot="1" noChangeAspect="1" noMove="1" noResize="1" noEditPoints="1" noAdjustHandles="1" noChangeArrowheads="1" noChangeShapeType="1" noTextEdit="1"/>
+          </p:cNvSpPr>
+          <p:nvPr>
+            <p:extLst>
+              <p:ext uri="{386F3935-93C4-4BCD-93E2-E3B085C9AB24}">
+                <p16:designElem xmlns:p16="http://schemas.microsoft.com/office/powerpoint/2015/main" val="1"/>
+              </p:ext>
+            </p:extLst>
+          </p:nvPr>
+        </p:nvSpPr>
+        <p:spPr>
+          <a:xfrm>
+            <a:off x="838200" y="1865313"/>
+            <a:ext cx="10424160" cy="18288"/>
+          </a:xfrm>
+          <a:custGeom>
+            <a:avLst/>
+            <a:gdLst>
+              <a:gd name="connsiteX0" fmla="*/ 0 w 10424160"/>
+              <a:gd name="connsiteY0" fmla="*/ 0 h 18288"/>
+              <a:gd name="connsiteX1" fmla="*/ 903427 w 10424160"/>
+              <a:gd name="connsiteY1" fmla="*/ 0 h 18288"/>
+              <a:gd name="connsiteX2" fmla="*/ 1389888 w 10424160"/>
+              <a:gd name="connsiteY2" fmla="*/ 0 h 18288"/>
+              <a:gd name="connsiteX3" fmla="*/ 2189074 w 10424160"/>
+              <a:gd name="connsiteY3" fmla="*/ 0 h 18288"/>
+              <a:gd name="connsiteX4" fmla="*/ 2675534 w 10424160"/>
+              <a:gd name="connsiteY4" fmla="*/ 0 h 18288"/>
+              <a:gd name="connsiteX5" fmla="*/ 3370478 w 10424160"/>
+              <a:gd name="connsiteY5" fmla="*/ 0 h 18288"/>
+              <a:gd name="connsiteX6" fmla="*/ 4169664 w 10424160"/>
+              <a:gd name="connsiteY6" fmla="*/ 0 h 18288"/>
+              <a:gd name="connsiteX7" fmla="*/ 4551883 w 10424160"/>
+              <a:gd name="connsiteY7" fmla="*/ 0 h 18288"/>
+              <a:gd name="connsiteX8" fmla="*/ 4934102 w 10424160"/>
+              <a:gd name="connsiteY8" fmla="*/ 0 h 18288"/>
+              <a:gd name="connsiteX9" fmla="*/ 5837530 w 10424160"/>
+              <a:gd name="connsiteY9" fmla="*/ 0 h 18288"/>
+              <a:gd name="connsiteX10" fmla="*/ 6532474 w 10424160"/>
+              <a:gd name="connsiteY10" fmla="*/ 0 h 18288"/>
+              <a:gd name="connsiteX11" fmla="*/ 6914693 w 10424160"/>
+              <a:gd name="connsiteY11" fmla="*/ 0 h 18288"/>
+              <a:gd name="connsiteX12" fmla="*/ 7609637 w 10424160"/>
+              <a:gd name="connsiteY12" fmla="*/ 0 h 18288"/>
+              <a:gd name="connsiteX13" fmla="*/ 8513064 w 10424160"/>
+              <a:gd name="connsiteY13" fmla="*/ 0 h 18288"/>
+              <a:gd name="connsiteX14" fmla="*/ 9103766 w 10424160"/>
+              <a:gd name="connsiteY14" fmla="*/ 0 h 18288"/>
+              <a:gd name="connsiteX15" fmla="*/ 9694469 w 10424160"/>
+              <a:gd name="connsiteY15" fmla="*/ 0 h 18288"/>
+              <a:gd name="connsiteX16" fmla="*/ 10424160 w 10424160"/>
+              <a:gd name="connsiteY16" fmla="*/ 0 h 18288"/>
+              <a:gd name="connsiteX17" fmla="*/ 10424160 w 10424160"/>
+              <a:gd name="connsiteY17" fmla="*/ 18288 h 18288"/>
+              <a:gd name="connsiteX18" fmla="*/ 9729216 w 10424160"/>
+              <a:gd name="connsiteY18" fmla="*/ 18288 h 18288"/>
+              <a:gd name="connsiteX19" fmla="*/ 8930030 w 10424160"/>
+              <a:gd name="connsiteY19" fmla="*/ 18288 h 18288"/>
+              <a:gd name="connsiteX20" fmla="*/ 8130845 w 10424160"/>
+              <a:gd name="connsiteY20" fmla="*/ 18288 h 18288"/>
+              <a:gd name="connsiteX21" fmla="*/ 7644384 w 10424160"/>
+              <a:gd name="connsiteY21" fmla="*/ 18288 h 18288"/>
+              <a:gd name="connsiteX22" fmla="*/ 6740957 w 10424160"/>
+              <a:gd name="connsiteY22" fmla="*/ 18288 h 18288"/>
+              <a:gd name="connsiteX23" fmla="*/ 6046013 w 10424160"/>
+              <a:gd name="connsiteY23" fmla="*/ 18288 h 18288"/>
+              <a:gd name="connsiteX24" fmla="*/ 5663794 w 10424160"/>
+              <a:gd name="connsiteY24" fmla="*/ 18288 h 18288"/>
+              <a:gd name="connsiteX25" fmla="*/ 4968850 w 10424160"/>
+              <a:gd name="connsiteY25" fmla="*/ 18288 h 18288"/>
+              <a:gd name="connsiteX26" fmla="*/ 4378147 w 10424160"/>
+              <a:gd name="connsiteY26" fmla="*/ 18288 h 18288"/>
+              <a:gd name="connsiteX27" fmla="*/ 3787445 w 10424160"/>
+              <a:gd name="connsiteY27" fmla="*/ 18288 h 18288"/>
+              <a:gd name="connsiteX28" fmla="*/ 3196742 w 10424160"/>
+              <a:gd name="connsiteY28" fmla="*/ 18288 h 18288"/>
+              <a:gd name="connsiteX29" fmla="*/ 2606040 w 10424160"/>
+              <a:gd name="connsiteY29" fmla="*/ 18288 h 18288"/>
+              <a:gd name="connsiteX30" fmla="*/ 1806854 w 10424160"/>
+              <a:gd name="connsiteY30" fmla="*/ 18288 h 18288"/>
+              <a:gd name="connsiteX31" fmla="*/ 1111910 w 10424160"/>
+              <a:gd name="connsiteY31" fmla="*/ 18288 h 18288"/>
+              <a:gd name="connsiteX32" fmla="*/ 729691 w 10424160"/>
+              <a:gd name="connsiteY32" fmla="*/ 18288 h 18288"/>
+              <a:gd name="connsiteX33" fmla="*/ 0 w 10424160"/>
+              <a:gd name="connsiteY33" fmla="*/ 18288 h 18288"/>
+              <a:gd name="connsiteX34" fmla="*/ 0 w 10424160"/>
+              <a:gd name="connsiteY34" fmla="*/ 0 h 18288"/>
+            </a:gdLst>
+            <a:ahLst/>
+            <a:cxnLst>
+              <a:cxn ang="0">
+                <a:pos x="connsiteX0" y="connsiteY0"/>
+              </a:cxn>
+              <a:cxn ang="0">
+                <a:pos x="connsiteX1" y="connsiteY1"/>
+              </a:cxn>
+              <a:cxn ang="0">
+                <a:pos x="connsiteX2" y="connsiteY2"/>
+              </a:cxn>
+              <a:cxn ang="0">
+                <a:pos x="connsiteX3" y="connsiteY3"/>
+              </a:cxn>
+              <a:cxn ang="0">
+                <a:pos x="connsiteX4" y="connsiteY4"/>
+              </a:cxn>
+              <a:cxn ang="0">
+                <a:pos x="connsiteX5" y="connsiteY5"/>
+              </a:cxn>
+              <a:cxn ang="0">
+                <a:pos x="connsiteX6" y="connsiteY6"/>
+              </a:cxn>
+              <a:cxn ang="0">
+                <a:pos x="connsiteX7" y="connsiteY7"/>
+              </a:cxn>
+              <a:cxn ang="0">
+                <a:pos x="connsiteX8" y="connsiteY8"/>
+              </a:cxn>
+              <a:cxn ang="0">
+                <a:pos x="connsiteX9" y="connsiteY9"/>
+              </a:cxn>
+              <a:cxn ang="0">
+                <a:pos x="connsiteX10" y="connsiteY10"/>
+              </a:cxn>
+              <a:cxn ang="0">
+                <a:pos x="connsiteX11" y="connsiteY11"/>
+              </a:cxn>
+              <a:cxn ang="0">
+                <a:pos x="connsiteX12" y="connsiteY12"/>
+              </a:cxn>
+              <a:cxn ang="0">
+                <a:pos x="connsiteX13" y="connsiteY13"/>
+              </a:cxn>
+              <a:cxn ang="0">
+                <a:pos x="connsiteX14" y="connsiteY14"/>
+              </a:cxn>
+              <a:cxn ang="0">
+                <a:pos x="connsiteX15" y="connsiteY15"/>
+              </a:cxn>
+              <a:cxn ang="0">
+                <a:pos x="connsiteX16" y="connsiteY16"/>
+              </a:cxn>
+              <a:cxn ang="0">
+                <a:pos x="connsiteX17" y="connsiteY17"/>
+              </a:cxn>
+              <a:cxn ang="0">
+                <a:pos x="connsiteX18" y="connsiteY18"/>
+              </a:cxn>
+              <a:cxn ang="0">
+                <a:pos x="connsiteX19" y="connsiteY19"/>
+              </a:cxn>
+              <a:cxn ang="0">
+                <a:pos x="connsiteX20" y="connsiteY20"/>
+              </a:cxn>
+              <a:cxn ang="0">
+                <a:pos x="connsiteX21" y="connsiteY21"/>
+              </a:cxn>
+              <a:cxn ang="0">
+                <a:pos x="connsiteX22" y="connsiteY22"/>
+              </a:cxn>
+              <a:cxn ang="0">
+                <a:pos x="connsiteX23" y="connsiteY23"/>
+              </a:cxn>
+              <a:cxn ang="0">
+                <a:pos x="connsiteX24" y="connsiteY24"/>
+              </a:cxn>
+              <a:cxn ang="0">
+                <a:pos x="connsiteX25" y="connsiteY25"/>
+              </a:cxn>
+              <a:cxn ang="0">
+                <a:pos x="connsiteX26" y="connsiteY26"/>
+              </a:cxn>
+              <a:cxn ang="0">
+                <a:pos x="connsiteX27" y="connsiteY27"/>
+              </a:cxn>
+              <a:cxn ang="0">
+                <a:pos x="connsiteX28" y="connsiteY28"/>
+              </a:cxn>
+              <a:cxn ang="0">
+                <a:pos x="connsiteX29" y="connsiteY29"/>
+              </a:cxn>
+              <a:cxn ang="0">
+                <a:pos x="connsiteX30" y="connsiteY30"/>
+              </a:cxn>
+              <a:cxn ang="0">
+                <a:pos x="connsiteX31" y="connsiteY31"/>
+              </a:cxn>
+              <a:cxn ang="0">
+                <a:pos x="connsiteX32" y="connsiteY32"/>
+              </a:cxn>
+              <a:cxn ang="0">
+                <a:pos x="connsiteX33" y="connsiteY33"/>
+              </a:cxn>
+              <a:cxn ang="0">
+                <a:pos x="connsiteX34" y="connsiteY34"/>
+              </a:cxn>
+            </a:cxnLst>
+            <a:rect l="l" t="t" r="r" b="b"/>
+            <a:pathLst>
+              <a:path w="10424160" h="18288" fill="none" extrusionOk="0">
+                <a:moveTo>
+                  <a:pt x="0" y="0"/>
+                </a:moveTo>
+                <a:cubicBezTo>
+                  <a:pt x="251416" y="-3874"/>
+                  <a:pt x="479411" y="-20508"/>
+                  <a:pt x="903427" y="0"/>
+                </a:cubicBezTo>
+                <a:cubicBezTo>
+                  <a:pt x="1327443" y="20508"/>
+                  <a:pt x="1177990" y="-7387"/>
+                  <a:pt x="1389888" y="0"/>
+                </a:cubicBezTo>
+                <a:cubicBezTo>
+                  <a:pt x="1601786" y="7387"/>
+                  <a:pt x="1928602" y="-6697"/>
+                  <a:pt x="2189074" y="0"/>
+                </a:cubicBezTo>
+                <a:cubicBezTo>
+                  <a:pt x="2449546" y="6697"/>
+                  <a:pt x="2440085" y="-21144"/>
+                  <a:pt x="2675534" y="0"/>
+                </a:cubicBezTo>
+                <a:cubicBezTo>
+                  <a:pt x="2910983" y="21144"/>
+                  <a:pt x="3026158" y="-11124"/>
+                  <a:pt x="3370478" y="0"/>
+                </a:cubicBezTo>
+                <a:cubicBezTo>
+                  <a:pt x="3714798" y="11124"/>
+                  <a:pt x="3864539" y="-10660"/>
+                  <a:pt x="4169664" y="0"/>
+                </a:cubicBezTo>
+                <a:cubicBezTo>
+                  <a:pt x="4474789" y="10660"/>
+                  <a:pt x="4471218" y="16488"/>
+                  <a:pt x="4551883" y="0"/>
+                </a:cubicBezTo>
+                <a:cubicBezTo>
+                  <a:pt x="4632548" y="-16488"/>
+                  <a:pt x="4786830" y="7986"/>
+                  <a:pt x="4934102" y="0"/>
+                </a:cubicBezTo>
+                <a:cubicBezTo>
+                  <a:pt x="5081374" y="-7986"/>
+                  <a:pt x="5575881" y="-33003"/>
+                  <a:pt x="5837530" y="0"/>
+                </a:cubicBezTo>
+                <a:cubicBezTo>
+                  <a:pt x="6099179" y="33003"/>
+                  <a:pt x="6305895" y="14170"/>
+                  <a:pt x="6532474" y="0"/>
+                </a:cubicBezTo>
+                <a:cubicBezTo>
+                  <a:pt x="6759053" y="-14170"/>
+                  <a:pt x="6726707" y="16121"/>
+                  <a:pt x="6914693" y="0"/>
+                </a:cubicBezTo>
+                <a:cubicBezTo>
+                  <a:pt x="7102679" y="-16121"/>
+                  <a:pt x="7397857" y="32594"/>
+                  <a:pt x="7609637" y="0"/>
+                </a:cubicBezTo>
+                <a:cubicBezTo>
+                  <a:pt x="7821417" y="-32594"/>
+                  <a:pt x="8141235" y="-3745"/>
+                  <a:pt x="8513064" y="0"/>
+                </a:cubicBezTo>
+                <a:cubicBezTo>
+                  <a:pt x="8884893" y="3745"/>
+                  <a:pt x="8877548" y="3359"/>
+                  <a:pt x="9103766" y="0"/>
+                </a:cubicBezTo>
+                <a:cubicBezTo>
+                  <a:pt x="9329984" y="-3359"/>
+                  <a:pt x="9545570" y="-17843"/>
+                  <a:pt x="9694469" y="0"/>
+                </a:cubicBezTo>
+                <a:cubicBezTo>
+                  <a:pt x="9843368" y="17843"/>
+                  <a:pt x="10162477" y="-1217"/>
+                  <a:pt x="10424160" y="0"/>
+                </a:cubicBezTo>
+                <a:cubicBezTo>
+                  <a:pt x="10424498" y="7640"/>
+                  <a:pt x="10423710" y="11289"/>
+                  <a:pt x="10424160" y="18288"/>
+                </a:cubicBezTo>
+                <a:cubicBezTo>
+                  <a:pt x="10184680" y="20716"/>
+                  <a:pt x="10034768" y="-9357"/>
+                  <a:pt x="9729216" y="18288"/>
+                </a:cubicBezTo>
+                <a:cubicBezTo>
+                  <a:pt x="9423664" y="45933"/>
+                  <a:pt x="9309220" y="36372"/>
+                  <a:pt x="8930030" y="18288"/>
+                </a:cubicBezTo>
+                <a:cubicBezTo>
+                  <a:pt x="8550840" y="204"/>
+                  <a:pt x="8513376" y="34707"/>
+                  <a:pt x="8130845" y="18288"/>
+                </a:cubicBezTo>
+                <a:cubicBezTo>
+                  <a:pt x="7748315" y="1869"/>
+                  <a:pt x="7864674" y="19659"/>
+                  <a:pt x="7644384" y="18288"/>
+                </a:cubicBezTo>
+                <a:cubicBezTo>
+                  <a:pt x="7424094" y="16917"/>
+                  <a:pt x="6947001" y="55680"/>
+                  <a:pt x="6740957" y="18288"/>
+                </a:cubicBezTo>
+                <a:cubicBezTo>
+                  <a:pt x="6534913" y="-19104"/>
+                  <a:pt x="6313809" y="33391"/>
+                  <a:pt x="6046013" y="18288"/>
+                </a:cubicBezTo>
+                <a:cubicBezTo>
+                  <a:pt x="5778217" y="3185"/>
+                  <a:pt x="5786775" y="1439"/>
+                  <a:pt x="5663794" y="18288"/>
+                </a:cubicBezTo>
+                <a:cubicBezTo>
+                  <a:pt x="5540813" y="35137"/>
+                  <a:pt x="5204724" y="25434"/>
+                  <a:pt x="4968850" y="18288"/>
+                </a:cubicBezTo>
+                <a:cubicBezTo>
+                  <a:pt x="4732976" y="11142"/>
+                  <a:pt x="4559928" y="34568"/>
+                  <a:pt x="4378147" y="18288"/>
+                </a:cubicBezTo>
+                <a:cubicBezTo>
+                  <a:pt x="4196366" y="2008"/>
+                  <a:pt x="3992200" y="35409"/>
+                  <a:pt x="3787445" y="18288"/>
+                </a:cubicBezTo>
+                <a:cubicBezTo>
+                  <a:pt x="3582690" y="1167"/>
+                  <a:pt x="3488876" y="-7583"/>
+                  <a:pt x="3196742" y="18288"/>
+                </a:cubicBezTo>
+                <a:cubicBezTo>
+                  <a:pt x="2904608" y="44159"/>
+                  <a:pt x="2729828" y="45906"/>
+                  <a:pt x="2606040" y="18288"/>
+                </a:cubicBezTo>
+                <a:cubicBezTo>
+                  <a:pt x="2482252" y="-9330"/>
+                  <a:pt x="2000672" y="-5498"/>
+                  <a:pt x="1806854" y="18288"/>
+                </a:cubicBezTo>
+                <a:cubicBezTo>
+                  <a:pt x="1613036" y="42074"/>
+                  <a:pt x="1310933" y="-4240"/>
+                  <a:pt x="1111910" y="18288"/>
+                </a:cubicBezTo>
+                <a:cubicBezTo>
+                  <a:pt x="912887" y="40816"/>
+                  <a:pt x="891560" y="1701"/>
+                  <a:pt x="729691" y="18288"/>
+                </a:cubicBezTo>
+                <a:cubicBezTo>
+                  <a:pt x="567822" y="34875"/>
+                  <a:pt x="203025" y="34462"/>
+                  <a:pt x="0" y="18288"/>
+                </a:cubicBezTo>
+                <a:cubicBezTo>
+                  <a:pt x="-82" y="11708"/>
+                  <a:pt x="-178" y="8956"/>
+                  <a:pt x="0" y="0"/>
+                </a:cubicBezTo>
+                <a:close/>
+              </a:path>
+              <a:path w="10424160" h="18288" stroke="0" extrusionOk="0">
+                <a:moveTo>
+                  <a:pt x="0" y="0"/>
+                </a:moveTo>
+                <a:cubicBezTo>
+                  <a:pt x="119910" y="17195"/>
+                  <a:pt x="345032" y="1652"/>
+                  <a:pt x="590702" y="0"/>
+                </a:cubicBezTo>
+                <a:cubicBezTo>
+                  <a:pt x="836372" y="-1652"/>
+                  <a:pt x="830717" y="-10944"/>
+                  <a:pt x="972922" y="0"/>
+                </a:cubicBezTo>
+                <a:cubicBezTo>
+                  <a:pt x="1115127" y="10944"/>
+                  <a:pt x="1638708" y="17269"/>
+                  <a:pt x="1876349" y="0"/>
+                </a:cubicBezTo>
+                <a:cubicBezTo>
+                  <a:pt x="2113990" y="-17269"/>
+                  <a:pt x="2263529" y="27642"/>
+                  <a:pt x="2467051" y="0"/>
+                </a:cubicBezTo>
+                <a:cubicBezTo>
+                  <a:pt x="2670573" y="-27642"/>
+                  <a:pt x="2867743" y="-1552"/>
+                  <a:pt x="3057754" y="0"/>
+                </a:cubicBezTo>
+                <a:cubicBezTo>
+                  <a:pt x="3247765" y="1552"/>
+                  <a:pt x="3729099" y="45169"/>
+                  <a:pt x="3961181" y="0"/>
+                </a:cubicBezTo>
+                <a:cubicBezTo>
+                  <a:pt x="4193263" y="-45169"/>
+                  <a:pt x="4313735" y="4067"/>
+                  <a:pt x="4447642" y="0"/>
+                </a:cubicBezTo>
+                <a:cubicBezTo>
+                  <a:pt x="4581549" y="-4067"/>
+                  <a:pt x="5123626" y="11867"/>
+                  <a:pt x="5351069" y="0"/>
+                </a:cubicBezTo>
+                <a:cubicBezTo>
+                  <a:pt x="5578512" y="-11867"/>
+                  <a:pt x="6044105" y="-19983"/>
+                  <a:pt x="6254496" y="0"/>
+                </a:cubicBezTo>
+                <a:cubicBezTo>
+                  <a:pt x="6464887" y="19983"/>
+                  <a:pt x="6664731" y="4232"/>
+                  <a:pt x="6949440" y="0"/>
+                </a:cubicBezTo>
+                <a:cubicBezTo>
+                  <a:pt x="7234149" y="-4232"/>
+                  <a:pt x="7497205" y="28731"/>
+                  <a:pt x="7852867" y="0"/>
+                </a:cubicBezTo>
+                <a:cubicBezTo>
+                  <a:pt x="8208529" y="-28731"/>
+                  <a:pt x="8287556" y="2616"/>
+                  <a:pt x="8443570" y="0"/>
+                </a:cubicBezTo>
+                <a:cubicBezTo>
+                  <a:pt x="8599584" y="-2616"/>
+                  <a:pt x="8871283" y="-14113"/>
+                  <a:pt x="9034272" y="0"/>
+                </a:cubicBezTo>
+                <a:cubicBezTo>
+                  <a:pt x="9197261" y="14113"/>
+                  <a:pt x="9604978" y="-35623"/>
+                  <a:pt x="9833458" y="0"/>
+                </a:cubicBezTo>
+                <a:cubicBezTo>
+                  <a:pt x="10061938" y="35623"/>
+                  <a:pt x="10231944" y="-8194"/>
+                  <a:pt x="10424160" y="0"/>
+                </a:cubicBezTo>
+                <a:cubicBezTo>
+                  <a:pt x="10424285" y="4395"/>
+                  <a:pt x="10424085" y="9776"/>
+                  <a:pt x="10424160" y="18288"/>
+                </a:cubicBezTo>
+                <a:cubicBezTo>
+                  <a:pt x="10058736" y="-5772"/>
+                  <a:pt x="9942989" y="-18764"/>
+                  <a:pt x="9624974" y="18288"/>
+                </a:cubicBezTo>
+                <a:cubicBezTo>
+                  <a:pt x="9306959" y="55340"/>
+                  <a:pt x="9229263" y="24995"/>
+                  <a:pt x="8930030" y="18288"/>
+                </a:cubicBezTo>
+                <a:cubicBezTo>
+                  <a:pt x="8630797" y="11581"/>
+                  <a:pt x="8647263" y="10931"/>
+                  <a:pt x="8547811" y="18288"/>
+                </a:cubicBezTo>
+                <a:cubicBezTo>
+                  <a:pt x="8448359" y="25645"/>
+                  <a:pt x="8173221" y="219"/>
+                  <a:pt x="8061350" y="18288"/>
+                </a:cubicBezTo>
+                <a:cubicBezTo>
+                  <a:pt x="7949479" y="36357"/>
+                  <a:pt x="7437002" y="17516"/>
+                  <a:pt x="7157923" y="18288"/>
+                </a:cubicBezTo>
+                <a:cubicBezTo>
+                  <a:pt x="6878844" y="19060"/>
+                  <a:pt x="6610241" y="8864"/>
+                  <a:pt x="6462979" y="18288"/>
+                </a:cubicBezTo>
+                <a:cubicBezTo>
+                  <a:pt x="6315717" y="27712"/>
+                  <a:pt x="6124879" y="4989"/>
+                  <a:pt x="5976518" y="18288"/>
+                </a:cubicBezTo>
+                <a:cubicBezTo>
+                  <a:pt x="5828157" y="31587"/>
+                  <a:pt x="5566880" y="7112"/>
+                  <a:pt x="5281574" y="18288"/>
+                </a:cubicBezTo>
+                <a:cubicBezTo>
+                  <a:pt x="4996268" y="29464"/>
+                  <a:pt x="5085614" y="20493"/>
+                  <a:pt x="4899355" y="18288"/>
+                </a:cubicBezTo>
+                <a:cubicBezTo>
+                  <a:pt x="4713096" y="16083"/>
+                  <a:pt x="4606138" y="34359"/>
+                  <a:pt x="4517136" y="18288"/>
+                </a:cubicBezTo>
+                <a:cubicBezTo>
+                  <a:pt x="4428134" y="2217"/>
+                  <a:pt x="4125335" y="52414"/>
+                  <a:pt x="3822192" y="18288"/>
+                </a:cubicBezTo>
+                <a:cubicBezTo>
+                  <a:pt x="3519049" y="-15838"/>
+                  <a:pt x="3453132" y="3859"/>
+                  <a:pt x="3335731" y="18288"/>
+                </a:cubicBezTo>
+                <a:cubicBezTo>
+                  <a:pt x="3218330" y="32717"/>
+                  <a:pt x="2718749" y="-13936"/>
+                  <a:pt x="2536546" y="18288"/>
+                </a:cubicBezTo>
+                <a:cubicBezTo>
+                  <a:pt x="2354343" y="50512"/>
+                  <a:pt x="2190669" y="3238"/>
+                  <a:pt x="2050085" y="18288"/>
+                </a:cubicBezTo>
+                <a:cubicBezTo>
+                  <a:pt x="1909501" y="33338"/>
+                  <a:pt x="1520975" y="3062"/>
+                  <a:pt x="1250899" y="18288"/>
+                </a:cubicBezTo>
+                <a:cubicBezTo>
+                  <a:pt x="980823" y="33514"/>
+                  <a:pt x="992936" y="28036"/>
+                  <a:pt x="868680" y="18288"/>
+                </a:cubicBezTo>
+                <a:cubicBezTo>
+                  <a:pt x="744424" y="8540"/>
+                  <a:pt x="230364" y="33365"/>
+                  <a:pt x="0" y="18288"/>
+                </a:cubicBezTo>
+                <a:cubicBezTo>
+                  <a:pt x="-504" y="12101"/>
+                  <a:pt x="-591" y="7719"/>
+                  <a:pt x="0" y="0"/>
+                </a:cubicBezTo>
+                <a:close/>
+              </a:path>
+            </a:pathLst>
+          </a:custGeom>
+          <a:solidFill>
+            <a:schemeClr val="accent2"/>
+          </a:solidFill>
+          <a:ln w="41275" cap="rnd">
+            <a:solidFill>
+              <a:schemeClr val="accent2"/>
+            </a:solidFill>
+            <a:round/>
+            <a:extLst>
+              <a:ext uri="{C807C97D-BFC1-408E-A445-0C87EB9F89A2}">
+                <ask:lineSketchStyleProps xmlns:ask="http://schemas.microsoft.com/office/drawing/2018/sketchyshapes" sd="1219033472">
+                  <a:prstGeom prst="rect">
+                    <a:avLst/>
+                  </a:prstGeom>
+                  <ask:type>
+                    <ask:lineSketchFreehand/>
+                  </ask:type>
+                </ask:lineSketchStyleProps>
+              </a:ext>
+            </a:extLst>
+          </a:ln>
+        </p:spPr>
+        <p:style>
+          <a:lnRef idx="2">
+            <a:schemeClr val="accent1">
+              <a:shade val="50000"/>
+            </a:schemeClr>
+          </a:lnRef>
+          <a:fillRef idx="1">
+            <a:schemeClr val="accent1"/>
+          </a:fillRef>
+          <a:effectRef idx="0">
+            <a:schemeClr val="accent1"/>
+          </a:effectRef>
+          <a:fontRef idx="minor">
+            <a:schemeClr val="lt1"/>
+          </a:fontRef>
+        </p:style>
+        <p:txBody>
+          <a:bodyPr rtlCol="0" anchor="ctr"/>
+          <a:lstStyle/>
+          <a:p>
+            <a:pPr algn="ctr"/>
+            <a:endParaRPr lang="en-US"/>
+          </a:p>
+        </p:txBody>
+      </p:sp>
+      <p:graphicFrame>
+        <p:nvGraphicFramePr>
+          <p:cNvPr id="22" name="Szövegdoboz 2">
+            <a:extLst>
+              <a:ext uri="{FF2B5EF4-FFF2-40B4-BE49-F238E27FC236}">
+                <a16:creationId xmlns:a16="http://schemas.microsoft.com/office/drawing/2014/main" id="{35DE538B-87F9-6181-0282-D9274E522BA5}"/>
+              </a:ext>
+            </a:extLst>
+          </p:cNvPr>
+          <p:cNvGraphicFramePr/>
+          <p:nvPr>
+            <p:extLst>
+              <p:ext uri="{D42A27DB-BD31-4B8C-83A1-F6EECF244321}">
+                <p14:modId xmlns:p14="http://schemas.microsoft.com/office/powerpoint/2010/main" val="2489811775"/>
+              </p:ext>
+            </p:extLst>
+          </p:nvPr>
+        </p:nvGraphicFramePr>
+        <p:xfrm>
+          <a:off x="933253" y="2545237"/>
+          <a:ext cx="9747315" cy="3601039"/>
+        </p:xfrm>
+        <a:graphic>
+          <a:graphicData uri="http://schemas.openxmlformats.org/drawingml/2006/diagram">
+            <dgm:relIds xmlns:dgm="http://schemas.openxmlformats.org/drawingml/2006/diagram" xmlns:r="http://schemas.openxmlformats.org/officeDocument/2006/relationships" r:dm="rId2" r:lo="rId3" r:qs="rId4" r:cs="rId5"/>
+          </a:graphicData>
+        </a:graphic>
+      </p:graphicFrame>
+    </p:spTree>
+    <p:extLst>
+      <p:ext uri="{BB962C8B-B14F-4D97-AF65-F5344CB8AC3E}">
+        <p14:creationId xmlns:p14="http://schemas.microsoft.com/office/powerpoint/2010/main" val="731668411"/>
+      </p:ext>
+    </p:extLst>
+  </p:cSld>
+  <p:clrMapOvr>
+    <a:masterClrMapping/>
+  </p:clrMapOvr>
+</p:sld>
+</file>
+
+<file path=ppt/slides/slide4.xml><?xml version="1.0" encoding="utf-8"?>
 <p:sld xmlns:a="http://schemas.openxmlformats.org/drawingml/2006/main" xmlns:r="http://schemas.openxmlformats.org/officeDocument/2006/relationships" xmlns:p="http://schemas.openxmlformats.org/presentationml/2006/main">
   <p:cSld>
     <p:bg>
@@ -15653,7 +19890,7 @@
 </p:sld>
 </file>
 
-<file path=ppt/slides/slide4.xml><?xml version="1.0" encoding="utf-8"?>
+<file path=ppt/slides/slide5.xml><?xml version="1.0" encoding="utf-8"?>
 <p:sld xmlns:a="http://schemas.openxmlformats.org/drawingml/2006/main" xmlns:r="http://schemas.openxmlformats.org/officeDocument/2006/relationships" xmlns:p="http://schemas.openxmlformats.org/presentationml/2006/main">
   <p:cSld>
     <p:bg>
@@ -16406,7 +20643,7 @@
           <p:nvPr>
             <p:extLst>
               <p:ext uri="{D42A27DB-BD31-4B8C-83A1-F6EECF244321}">
-                <p14:modId xmlns:p14="http://schemas.microsoft.com/office/powerpoint/2010/main" val="2205986086"/>
+                <p14:modId xmlns:p14="http://schemas.microsoft.com/office/powerpoint/2010/main" val="3246068231"/>
               </p:ext>
             </p:extLst>
           </p:nvPr>
@@ -16434,7 +20671,7 @@
 </p:sld>
 </file>
 
-<file path=ppt/slides/slide5.xml><?xml version="1.0" encoding="utf-8"?>
+<file path=ppt/slides/slide6.xml><?xml version="1.0" encoding="utf-8"?>
 <p:sld xmlns:a="http://schemas.openxmlformats.org/drawingml/2006/main" xmlns:r="http://schemas.openxmlformats.org/officeDocument/2006/relationships" xmlns:p="http://schemas.openxmlformats.org/presentationml/2006/main">
   <p:cSld>
     <p:bg>
@@ -16935,9 +21172,58 @@
               <a:buChar char="•"/>
             </a:pPr>
             <a:r>
-              <a:rPr lang="en-US" sz="2200"/>
+              <a:rPr lang="hu-HU" sz="2200" dirty="0"/>
+              <a:t>Server:</a:t>
+            </a:r>
+          </a:p>
+          <a:p>
+            <a:pPr marL="742950" lvl="1" indent="-228600">
+              <a:lnSpc>
+                <a:spcPct val="90000"/>
+              </a:lnSpc>
+              <a:spcAft>
+                <a:spcPts val="600"/>
+              </a:spcAft>
+              <a:buFont typeface="Arial" panose="020B0604020202020204" pitchFamily="34" charset="0"/>
+              <a:buChar char="•"/>
+            </a:pPr>
+            <a:r>
+              <a:rPr lang="en-US" sz="2200" dirty="0"/>
               <a:t>NodeJS</a:t>
             </a:r>
+          </a:p>
+          <a:p>
+            <a:pPr marL="742950" lvl="1" indent="-228600">
+              <a:lnSpc>
+                <a:spcPct val="90000"/>
+              </a:lnSpc>
+              <a:spcAft>
+                <a:spcPts val="600"/>
+              </a:spcAft>
+              <a:buFont typeface="Arial" panose="020B0604020202020204" pitchFamily="34" charset="0"/>
+              <a:buChar char="•"/>
+            </a:pPr>
+            <a:r>
+              <a:rPr lang="en-US" sz="2200" dirty="0"/>
+              <a:t>JavaScript</a:t>
+            </a:r>
+          </a:p>
+          <a:p>
+            <a:pPr marL="742950" lvl="1" indent="-228600">
+              <a:lnSpc>
+                <a:spcPct val="90000"/>
+              </a:lnSpc>
+              <a:spcAft>
+                <a:spcPts val="600"/>
+              </a:spcAft>
+              <a:buFont typeface="Arial" panose="020B0604020202020204" pitchFamily="34" charset="0"/>
+              <a:buChar char="•"/>
+            </a:pPr>
+            <a:r>
+              <a:rPr lang="en-US" sz="2200" dirty="0"/>
+              <a:t>Express.js</a:t>
+            </a:r>
+            <a:endParaRPr lang="hu-HU" sz="2200" dirty="0"/>
           </a:p>
           <a:p>
             <a:pPr marL="285750" indent="-228600">
@@ -16951,9 +21237,27 @@
               <a:buChar char="•"/>
             </a:pPr>
             <a:r>
-              <a:rPr lang="en-US" sz="2200"/>
-              <a:t>JavaScript</a:t>
+              <a:rPr lang="hu-HU" sz="2200" dirty="0"/>
+              <a:t>Database:</a:t>
             </a:r>
+            <a:endParaRPr lang="en-US" sz="2200" dirty="0"/>
+          </a:p>
+          <a:p>
+            <a:pPr marL="742950" lvl="1" indent="-228600">
+              <a:lnSpc>
+                <a:spcPct val="90000"/>
+              </a:lnSpc>
+              <a:spcAft>
+                <a:spcPts val="600"/>
+              </a:spcAft>
+              <a:buFont typeface="Arial" panose="020B0604020202020204" pitchFamily="34" charset="0"/>
+              <a:buChar char="•"/>
+            </a:pPr>
+            <a:r>
+              <a:rPr lang="en-US" sz="2200" dirty="0"/>
+              <a:t>MySQL</a:t>
+            </a:r>
+            <a:endParaRPr lang="hu-HU" sz="2200" dirty="0"/>
           </a:p>
           <a:p>
             <a:pPr marL="285750" indent="-228600">
@@ -16966,26 +21270,6 @@
               <a:buFont typeface="Arial" panose="020B0604020202020204" pitchFamily="34" charset="0"/>
               <a:buChar char="•"/>
             </a:pPr>
-            <a:r>
-              <a:rPr lang="en-US" sz="2200"/>
-              <a:t>Express.js</a:t>
-            </a:r>
-          </a:p>
-          <a:p>
-            <a:pPr marL="285750" indent="-228600">
-              <a:lnSpc>
-                <a:spcPct val="90000"/>
-              </a:lnSpc>
-              <a:spcAft>
-                <a:spcPts val="600"/>
-              </a:spcAft>
-              <a:buFont typeface="Arial" panose="020B0604020202020204" pitchFamily="34" charset="0"/>
-              <a:buChar char="•"/>
-            </a:pPr>
-            <a:r>
-              <a:rPr lang="en-US" sz="2200"/>
-              <a:t>MySQL</a:t>
-            </a:r>
             <a:endParaRPr lang="en-US" sz="2200" dirty="0"/>
           </a:p>
         </p:txBody>
@@ -17127,7 +21411,7 @@
 </p:sld>
 </file>
 
-<file path=ppt/slides/slide6.xml><?xml version="1.0" encoding="utf-8"?>
+<file path=ppt/slides/slide7.xml><?xml version="1.0" encoding="utf-8"?>
 <p:sld xmlns:a="http://schemas.openxmlformats.org/drawingml/2006/main" xmlns:r="http://schemas.openxmlformats.org/officeDocument/2006/relationships" xmlns:p="http://schemas.openxmlformats.org/presentationml/2006/main">
   <p:cSld>
     <p:bg>
@@ -17154,10 +21438,10 @@
       </p:grpSpPr>
       <p:sp useBgFill="1">
         <p:nvSpPr>
-          <p:cNvPr id="8" name="Rectangle 7">
+          <p:cNvPr id="2061" name="Rectangle 2060">
             <a:extLst>
               <a:ext uri="{FF2B5EF4-FFF2-40B4-BE49-F238E27FC236}">
-                <a16:creationId xmlns:a16="http://schemas.microsoft.com/office/drawing/2014/main" id="{C27D7A02-907B-496F-BA7E-AA3780733CA7}"/>
+                <a16:creationId xmlns:a16="http://schemas.microsoft.com/office/drawing/2014/main" id="{94BFCCA4-109C-4B21-816E-144FE75C38EE}"/>
               </a:ext>
               <a:ext uri="{C183D7F6-B498-43B3-948B-1728B52AA6E4}">
                 <adec:decorative xmlns:adec="http://schemas.microsoft.com/office/drawing/2017/decorative" val="1"/>
@@ -17178,156 +21462,11 @@
         <p:spPr>
           <a:xfrm>
             <a:off x="0" y="0"/>
-            <a:ext cx="12192000" cy="6858000"/>
+            <a:ext cx="12188952" cy="6858000"/>
           </a:xfrm>
           <a:prstGeom prst="rect">
             <a:avLst/>
           </a:prstGeom>
-          <a:ln w="12700" cap="flat" cmpd="sng" algn="ctr">
-            <a:noFill/>
-            <a:prstDash val="solid"/>
-            <a:miter lim="800000"/>
-          </a:ln>
-          <a:effectLst/>
-          <a:extLst>
-            <a:ext uri="{91240B29-F687-4F45-9708-019B960494DF}">
-              <a14:hiddenLine xmlns:a14="http://schemas.microsoft.com/office/drawing/2010/main" w="12700" cap="flat" cmpd="sng" algn="ctr">
-                <a:solidFill>
-                  <a:schemeClr val="accent1">
-                    <a:shade val="50000"/>
-                  </a:schemeClr>
-                </a:solidFill>
-                <a:prstDash val="solid"/>
-                <a:miter lim="800000"/>
-              </a14:hiddenLine>
-            </a:ext>
-          </a:extLst>
-        </p:spPr>
-        <p:style>
-          <a:lnRef idx="2">
-            <a:schemeClr val="accent1">
-              <a:shade val="50000"/>
-            </a:schemeClr>
-          </a:lnRef>
-          <a:fillRef idx="1">
-            <a:schemeClr val="accent1"/>
-          </a:fillRef>
-          <a:effectRef idx="0">
-            <a:schemeClr val="accent1"/>
-          </a:effectRef>
-          <a:fontRef idx="minor">
-            <a:schemeClr val="lt1"/>
-          </a:fontRef>
-        </p:style>
-        <p:txBody>
-          <a:bodyPr rtlCol="0" anchor="ctr"/>
-          <a:lstStyle/>
-          <a:p>
-            <a:pPr algn="ctr"/>
-            <a:endParaRPr lang="en-US"/>
-          </a:p>
-        </p:txBody>
-      </p:sp>
-      <p:sp>
-        <p:nvSpPr>
-          <p:cNvPr id="10" name="Rectangle 9">
-            <a:extLst>
-              <a:ext uri="{FF2B5EF4-FFF2-40B4-BE49-F238E27FC236}">
-                <a16:creationId xmlns:a16="http://schemas.microsoft.com/office/drawing/2014/main" id="{0FBA5268-0AE7-4CAD-9537-D0EB09E76406}"/>
-              </a:ext>
-              <a:ext uri="{C183D7F6-B498-43B3-948B-1728B52AA6E4}">
-                <adec:decorative xmlns:adec="http://schemas.microsoft.com/office/drawing/2017/decorative" val="1"/>
-              </a:ext>
-            </a:extLst>
-          </p:cNvPr>
-          <p:cNvSpPr>
-            <a:spLocks noGrp="1" noRot="1" noChangeAspect="1" noMove="1" noResize="1" noEditPoints="1" noAdjustHandles="1" noChangeArrowheads="1" noChangeShapeType="1" noTextEdit="1"/>
-          </p:cNvSpPr>
-          <p:nvPr>
-            <p:extLst>
-              <p:ext uri="{386F3935-93C4-4BCD-93E2-E3B085C9AB24}">
-                <p16:designElem xmlns:p16="http://schemas.microsoft.com/office/powerpoint/2015/main" val="1"/>
-              </p:ext>
-            </p:extLst>
-          </p:nvPr>
-        </p:nvSpPr>
-        <p:spPr>
-          <a:xfrm>
-            <a:off x="0" y="0"/>
-            <a:ext cx="12192000" cy="6858000"/>
-          </a:xfrm>
-          <a:prstGeom prst="rect">
-            <a:avLst/>
-          </a:prstGeom>
-          <a:solidFill>
-            <a:schemeClr val="accent2">
-              <a:lumMod val="20000"/>
-              <a:lumOff val="80000"/>
-            </a:schemeClr>
-          </a:solidFill>
-          <a:ln>
-            <a:noFill/>
-          </a:ln>
-        </p:spPr>
-        <p:style>
-          <a:lnRef idx="2">
-            <a:schemeClr val="accent1">
-              <a:shade val="50000"/>
-            </a:schemeClr>
-          </a:lnRef>
-          <a:fillRef idx="1">
-            <a:schemeClr val="accent1"/>
-          </a:fillRef>
-          <a:effectRef idx="0">
-            <a:schemeClr val="accent1"/>
-          </a:effectRef>
-          <a:fontRef idx="minor">
-            <a:schemeClr val="lt1"/>
-          </a:fontRef>
-        </p:style>
-        <p:txBody>
-          <a:bodyPr rtlCol="0" anchor="ctr"/>
-          <a:lstStyle/>
-          <a:p>
-            <a:pPr algn="ctr"/>
-            <a:endParaRPr lang="en-US"/>
-          </a:p>
-        </p:txBody>
-      </p:sp>
-      <p:sp>
-        <p:nvSpPr>
-          <p:cNvPr id="12" name="Rectangle 11">
-            <a:extLst>
-              <a:ext uri="{FF2B5EF4-FFF2-40B4-BE49-F238E27FC236}">
-                <a16:creationId xmlns:a16="http://schemas.microsoft.com/office/drawing/2014/main" id="{088D065B-39DA-4077-B9CF-E489CE4C0169}"/>
-              </a:ext>
-              <a:ext uri="{C183D7F6-B498-43B3-948B-1728B52AA6E4}">
-                <adec:decorative xmlns:adec="http://schemas.microsoft.com/office/drawing/2017/decorative" val="1"/>
-              </a:ext>
-            </a:extLst>
-          </p:cNvPr>
-          <p:cNvSpPr>
-            <a:spLocks noGrp="1" noRot="1" noChangeAspect="1" noMove="1" noResize="1" noEditPoints="1" noAdjustHandles="1" noChangeArrowheads="1" noChangeShapeType="1" noTextEdit="1"/>
-          </p:cNvSpPr>
-          <p:nvPr>
-            <p:extLst>
-              <p:ext uri="{386F3935-93C4-4BCD-93E2-E3B085C9AB24}">
-                <p16:designElem xmlns:p16="http://schemas.microsoft.com/office/powerpoint/2015/main" val="1"/>
-              </p:ext>
-            </p:extLst>
-          </p:nvPr>
-        </p:nvSpPr>
-        <p:spPr>
-          <a:xfrm>
-            <a:off x="685800" y="685800"/>
-            <a:ext cx="10820400" cy="5486400"/>
-          </a:xfrm>
-          <a:prstGeom prst="rect">
-            <a:avLst/>
-          </a:prstGeom>
-          <a:solidFill>
-            <a:schemeClr val="bg1"/>
-          </a:solidFill>
           <a:ln>
             <a:noFill/>
           </a:ln>
@@ -17375,8 +21514,8 @@
         </p:nvSpPr>
         <p:spPr>
           <a:xfrm>
-            <a:off x="2653552" y="685800"/>
-            <a:ext cx="6884895" cy="1496649"/>
+            <a:off x="630918" y="643465"/>
+            <a:ext cx="3895359" cy="1846615"/>
           </a:xfrm>
         </p:spPr>
         <p:txBody>
@@ -17385,43 +21524,323 @@
           </a:bodyPr>
           <a:lstStyle/>
           <a:p>
+            <a:r>
+              <a:rPr lang="en-US" sz="5400"/>
+              <a:t>Frontend technologies</a:t>
+            </a:r>
+          </a:p>
+        </p:txBody>
+      </p:sp>
+      <p:sp>
+        <p:nvSpPr>
+          <p:cNvPr id="2063" name="sketch line">
+            <a:extLst>
+              <a:ext uri="{FF2B5EF4-FFF2-40B4-BE49-F238E27FC236}">
+                <a16:creationId xmlns:a16="http://schemas.microsoft.com/office/drawing/2014/main" id="{0059B5C0-FEC8-4370-AF45-02E3AEF6FA6D}"/>
+              </a:ext>
+              <a:ext uri="{C183D7F6-B498-43B3-948B-1728B52AA6E4}">
+                <adec:decorative xmlns:adec="http://schemas.microsoft.com/office/drawing/2017/decorative" val="1"/>
+              </a:ext>
+            </a:extLst>
+          </p:cNvPr>
+          <p:cNvSpPr>
+            <a:spLocks noGrp="1" noRot="1" noChangeAspect="1" noMove="1" noResize="1" noEditPoints="1" noAdjustHandles="1" noChangeArrowheads="1" noChangeShapeType="1" noTextEdit="1"/>
+          </p:cNvSpPr>
+          <p:nvPr>
+            <p:extLst>
+              <p:ext uri="{386F3935-93C4-4BCD-93E2-E3B085C9AB24}">
+                <p16:designElem xmlns:p16="http://schemas.microsoft.com/office/powerpoint/2015/main" val="1"/>
+              </p:ext>
+            </p:extLst>
+          </p:nvPr>
+        </p:nvSpPr>
+        <p:spPr>
+          <a:xfrm>
+            <a:off x="640080" y="2659144"/>
+            <a:ext cx="3566160" cy="18288"/>
+          </a:xfrm>
+          <a:custGeom>
+            <a:avLst/>
+            <a:gdLst>
+              <a:gd name="connsiteX0" fmla="*/ 0 w 3566160"/>
+              <a:gd name="connsiteY0" fmla="*/ 0 h 18288"/>
+              <a:gd name="connsiteX1" fmla="*/ 665683 w 3566160"/>
+              <a:gd name="connsiteY1" fmla="*/ 0 h 18288"/>
+              <a:gd name="connsiteX2" fmla="*/ 1331366 w 3566160"/>
+              <a:gd name="connsiteY2" fmla="*/ 0 h 18288"/>
+              <a:gd name="connsiteX3" fmla="*/ 1818742 w 3566160"/>
+              <a:gd name="connsiteY3" fmla="*/ 0 h 18288"/>
+              <a:gd name="connsiteX4" fmla="*/ 2413102 w 3566160"/>
+              <a:gd name="connsiteY4" fmla="*/ 0 h 18288"/>
+              <a:gd name="connsiteX5" fmla="*/ 2936138 w 3566160"/>
+              <a:gd name="connsiteY5" fmla="*/ 0 h 18288"/>
+              <a:gd name="connsiteX6" fmla="*/ 3566160 w 3566160"/>
+              <a:gd name="connsiteY6" fmla="*/ 0 h 18288"/>
+              <a:gd name="connsiteX7" fmla="*/ 3566160 w 3566160"/>
+              <a:gd name="connsiteY7" fmla="*/ 18288 h 18288"/>
+              <a:gd name="connsiteX8" fmla="*/ 2971800 w 3566160"/>
+              <a:gd name="connsiteY8" fmla="*/ 18288 h 18288"/>
+              <a:gd name="connsiteX9" fmla="*/ 2448763 w 3566160"/>
+              <a:gd name="connsiteY9" fmla="*/ 18288 h 18288"/>
+              <a:gd name="connsiteX10" fmla="*/ 1854403 w 3566160"/>
+              <a:gd name="connsiteY10" fmla="*/ 18288 h 18288"/>
+              <a:gd name="connsiteX11" fmla="*/ 1295705 w 3566160"/>
+              <a:gd name="connsiteY11" fmla="*/ 18288 h 18288"/>
+              <a:gd name="connsiteX12" fmla="*/ 772668 w 3566160"/>
+              <a:gd name="connsiteY12" fmla="*/ 18288 h 18288"/>
+              <a:gd name="connsiteX13" fmla="*/ 0 w 3566160"/>
+              <a:gd name="connsiteY13" fmla="*/ 18288 h 18288"/>
+              <a:gd name="connsiteX14" fmla="*/ 0 w 3566160"/>
+              <a:gd name="connsiteY14" fmla="*/ 0 h 18288"/>
+            </a:gdLst>
+            <a:ahLst/>
+            <a:cxnLst>
+              <a:cxn ang="0">
+                <a:pos x="connsiteX0" y="connsiteY0"/>
+              </a:cxn>
+              <a:cxn ang="0">
+                <a:pos x="connsiteX1" y="connsiteY1"/>
+              </a:cxn>
+              <a:cxn ang="0">
+                <a:pos x="connsiteX2" y="connsiteY2"/>
+              </a:cxn>
+              <a:cxn ang="0">
+                <a:pos x="connsiteX3" y="connsiteY3"/>
+              </a:cxn>
+              <a:cxn ang="0">
+                <a:pos x="connsiteX4" y="connsiteY4"/>
+              </a:cxn>
+              <a:cxn ang="0">
+                <a:pos x="connsiteX5" y="connsiteY5"/>
+              </a:cxn>
+              <a:cxn ang="0">
+                <a:pos x="connsiteX6" y="connsiteY6"/>
+              </a:cxn>
+              <a:cxn ang="0">
+                <a:pos x="connsiteX7" y="connsiteY7"/>
+              </a:cxn>
+              <a:cxn ang="0">
+                <a:pos x="connsiteX8" y="connsiteY8"/>
+              </a:cxn>
+              <a:cxn ang="0">
+                <a:pos x="connsiteX9" y="connsiteY9"/>
+              </a:cxn>
+              <a:cxn ang="0">
+                <a:pos x="connsiteX10" y="connsiteY10"/>
+              </a:cxn>
+              <a:cxn ang="0">
+                <a:pos x="connsiteX11" y="connsiteY11"/>
+              </a:cxn>
+              <a:cxn ang="0">
+                <a:pos x="connsiteX12" y="connsiteY12"/>
+              </a:cxn>
+              <a:cxn ang="0">
+                <a:pos x="connsiteX13" y="connsiteY13"/>
+              </a:cxn>
+              <a:cxn ang="0">
+                <a:pos x="connsiteX14" y="connsiteY14"/>
+              </a:cxn>
+            </a:cxnLst>
+            <a:rect l="l" t="t" r="r" b="b"/>
+            <a:pathLst>
+              <a:path w="3566160" h="18288" fill="none" extrusionOk="0">
+                <a:moveTo>
+                  <a:pt x="0" y="0"/>
+                </a:moveTo>
+                <a:cubicBezTo>
+                  <a:pt x="222644" y="15773"/>
+                  <a:pt x="447078" y="-30288"/>
+                  <a:pt x="665683" y="0"/>
+                </a:cubicBezTo>
+                <a:cubicBezTo>
+                  <a:pt x="884288" y="30288"/>
+                  <a:pt x="1132425" y="-6167"/>
+                  <a:pt x="1331366" y="0"/>
+                </a:cubicBezTo>
+                <a:cubicBezTo>
+                  <a:pt x="1530307" y="6167"/>
+                  <a:pt x="1680942" y="17562"/>
+                  <a:pt x="1818742" y="0"/>
+                </a:cubicBezTo>
+                <a:cubicBezTo>
+                  <a:pt x="1956542" y="-17562"/>
+                  <a:pt x="2130227" y="23032"/>
+                  <a:pt x="2413102" y="0"/>
+                </a:cubicBezTo>
+                <a:cubicBezTo>
+                  <a:pt x="2695977" y="-23032"/>
+                  <a:pt x="2679988" y="-13260"/>
+                  <a:pt x="2936138" y="0"/>
+                </a:cubicBezTo>
+                <a:cubicBezTo>
+                  <a:pt x="3192288" y="13260"/>
+                  <a:pt x="3378668" y="16268"/>
+                  <a:pt x="3566160" y="0"/>
+                </a:cubicBezTo>
+                <a:cubicBezTo>
+                  <a:pt x="3566199" y="7328"/>
+                  <a:pt x="3566779" y="9982"/>
+                  <a:pt x="3566160" y="18288"/>
+                </a:cubicBezTo>
+                <a:cubicBezTo>
+                  <a:pt x="3315478" y="45899"/>
+                  <a:pt x="3188272" y="-7574"/>
+                  <a:pt x="2971800" y="18288"/>
+                </a:cubicBezTo>
+                <a:cubicBezTo>
+                  <a:pt x="2755328" y="44150"/>
+                  <a:pt x="2598570" y="34692"/>
+                  <a:pt x="2448763" y="18288"/>
+                </a:cubicBezTo>
+                <a:cubicBezTo>
+                  <a:pt x="2298956" y="1884"/>
+                  <a:pt x="2011344" y="-7043"/>
+                  <a:pt x="1854403" y="18288"/>
+                </a:cubicBezTo>
+                <a:cubicBezTo>
+                  <a:pt x="1697462" y="43619"/>
+                  <a:pt x="1444994" y="618"/>
+                  <a:pt x="1295705" y="18288"/>
+                </a:cubicBezTo>
+                <a:cubicBezTo>
+                  <a:pt x="1146416" y="35958"/>
+                  <a:pt x="965401" y="42167"/>
+                  <a:pt x="772668" y="18288"/>
+                </a:cubicBezTo>
+                <a:cubicBezTo>
+                  <a:pt x="579935" y="-5591"/>
+                  <a:pt x="352420" y="-19381"/>
+                  <a:pt x="0" y="18288"/>
+                </a:cubicBezTo>
+                <a:cubicBezTo>
+                  <a:pt x="-593" y="9736"/>
+                  <a:pt x="244" y="6610"/>
+                  <a:pt x="0" y="0"/>
+                </a:cubicBezTo>
+                <a:close/>
+              </a:path>
+              <a:path w="3566160" h="18288" stroke="0" extrusionOk="0">
+                <a:moveTo>
+                  <a:pt x="0" y="0"/>
+                </a:moveTo>
+                <a:cubicBezTo>
+                  <a:pt x="169947" y="-5008"/>
+                  <a:pt x="340602" y="-17518"/>
+                  <a:pt x="594360" y="0"/>
+                </a:cubicBezTo>
+                <a:cubicBezTo>
+                  <a:pt x="848118" y="17518"/>
+                  <a:pt x="997921" y="8866"/>
+                  <a:pt x="1224382" y="0"/>
+                </a:cubicBezTo>
+                <a:cubicBezTo>
+                  <a:pt x="1450843" y="-8866"/>
+                  <a:pt x="1572343" y="8392"/>
+                  <a:pt x="1783080" y="0"/>
+                </a:cubicBezTo>
+                <a:cubicBezTo>
+                  <a:pt x="1993817" y="-8392"/>
+                  <a:pt x="2266728" y="2126"/>
+                  <a:pt x="2448763" y="0"/>
+                </a:cubicBezTo>
+                <a:cubicBezTo>
+                  <a:pt x="2630798" y="-2126"/>
+                  <a:pt x="2815508" y="-13843"/>
+                  <a:pt x="3043123" y="0"/>
+                </a:cubicBezTo>
+                <a:cubicBezTo>
+                  <a:pt x="3270738" y="13843"/>
+                  <a:pt x="3420568" y="2184"/>
+                  <a:pt x="3566160" y="0"/>
+                </a:cubicBezTo>
+                <a:cubicBezTo>
+                  <a:pt x="3566487" y="8595"/>
+                  <a:pt x="3566088" y="13110"/>
+                  <a:pt x="3566160" y="18288"/>
+                </a:cubicBezTo>
+                <a:cubicBezTo>
+                  <a:pt x="3421748" y="9323"/>
+                  <a:pt x="3176383" y="-3939"/>
+                  <a:pt x="2971800" y="18288"/>
+                </a:cubicBezTo>
+                <a:cubicBezTo>
+                  <a:pt x="2767217" y="40515"/>
+                  <a:pt x="2590769" y="4336"/>
+                  <a:pt x="2306117" y="18288"/>
+                </a:cubicBezTo>
+                <a:cubicBezTo>
+                  <a:pt x="2021465" y="32240"/>
+                  <a:pt x="1860727" y="-9280"/>
+                  <a:pt x="1676095" y="18288"/>
+                </a:cubicBezTo>
+                <a:cubicBezTo>
+                  <a:pt x="1491463" y="45856"/>
+                  <a:pt x="1329173" y="5765"/>
+                  <a:pt x="1153058" y="18288"/>
+                </a:cubicBezTo>
+                <a:cubicBezTo>
+                  <a:pt x="976943" y="30811"/>
+                  <a:pt x="895178" y="4751"/>
+                  <a:pt x="665683" y="18288"/>
+                </a:cubicBezTo>
+                <a:cubicBezTo>
+                  <a:pt x="436189" y="31825"/>
+                  <a:pt x="302924" y="2002"/>
+                  <a:pt x="0" y="18288"/>
+                </a:cubicBezTo>
+                <a:cubicBezTo>
+                  <a:pt x="822" y="10564"/>
+                  <a:pt x="-23" y="4571"/>
+                  <a:pt x="0" y="0"/>
+                </a:cubicBezTo>
+                <a:close/>
+              </a:path>
+            </a:pathLst>
+          </a:custGeom>
+          <a:solidFill>
+            <a:schemeClr val="accent2"/>
+          </a:solidFill>
+          <a:ln w="41275" cap="rnd">
+            <a:solidFill>
+              <a:schemeClr val="accent2"/>
+            </a:solidFill>
+            <a:round/>
+            <a:extLst>
+              <a:ext uri="{C807C97D-BFC1-408E-A445-0C87EB9F89A2}">
+                <ask:lineSketchStyleProps xmlns:ask="http://schemas.microsoft.com/office/drawing/2018/sketchyshapes" sd="2448976505">
+                  <a:prstGeom prst="rect">
+                    <a:avLst/>
+                  </a:prstGeom>
+                  <ask:type>
+                    <ask:lineSketchFreehand/>
+                  </ask:type>
+                </ask:lineSketchStyleProps>
+              </a:ext>
+            </a:extLst>
+          </a:ln>
+        </p:spPr>
+        <p:style>
+          <a:lnRef idx="2">
+            <a:schemeClr val="accent1">
+              <a:shade val="50000"/>
+            </a:schemeClr>
+          </a:lnRef>
+          <a:fillRef idx="1">
+            <a:schemeClr val="accent1"/>
+          </a:fillRef>
+          <a:effectRef idx="0">
+            <a:schemeClr val="accent1"/>
+          </a:effectRef>
+          <a:fontRef idx="minor">
+            <a:schemeClr val="lt1"/>
+          </a:fontRef>
+        </p:style>
+        <p:txBody>
+          <a:bodyPr rtlCol="0" anchor="ctr"/>
+          <a:lstStyle/>
+          <a:p>
             <a:pPr algn="ctr"/>
-            <a:r>
-              <a:rPr lang="hu-HU" sz="3200">
-                <a:solidFill>
-                  <a:schemeClr val="tx1">
-                    <a:lumMod val="65000"/>
-                    <a:lumOff val="35000"/>
-                  </a:schemeClr>
-                </a:solidFill>
-              </a:rPr>
-              <a:t>Front</a:t>
-            </a:r>
-            <a:r>
-              <a:rPr lang="hu-HU" sz="3200" kern="1200">
-                <a:solidFill>
-                  <a:schemeClr val="tx1">
-                    <a:lumMod val="65000"/>
-                    <a:lumOff val="35000"/>
-                  </a:schemeClr>
-                </a:solidFill>
-                <a:latin typeface="+mj-lt"/>
-                <a:ea typeface="+mj-ea"/>
-                <a:cs typeface="+mj-cs"/>
-              </a:rPr>
-              <a:t>end technologies</a:t>
-            </a:r>
-            <a:endParaRPr lang="en-US" sz="3200" kern="1200" dirty="0">
-              <a:solidFill>
-                <a:schemeClr val="tx1">
-                  <a:lumMod val="65000"/>
-                  <a:lumOff val="35000"/>
-                </a:schemeClr>
-              </a:solidFill>
-              <a:latin typeface="+mj-lt"/>
-              <a:ea typeface="+mj-ea"/>
-              <a:cs typeface="+mj-cs"/>
-            </a:endParaRPr>
+            <a:endParaRPr lang="en-US"/>
           </a:p>
         </p:txBody>
       </p:sp>
@@ -17439,78 +21858,177 @@
         </p:nvSpPr>
         <p:spPr>
           <a:xfrm>
-            <a:off x="2749473" y="3105834"/>
-            <a:ext cx="1489382" cy="1477328"/>
+            <a:off x="630935" y="2807167"/>
+            <a:ext cx="4280429" cy="3885863"/>
           </a:xfrm>
           <a:prstGeom prst="rect">
             <a:avLst/>
           </a:prstGeom>
-          <a:noFill/>
         </p:spPr>
         <p:txBody>
-          <a:bodyPr wrap="none" rtlCol="0">
-            <a:spAutoFit/>
+          <a:bodyPr vert="horz" lIns="91440" tIns="45720" rIns="91440" bIns="45720" rtlCol="0">
+            <a:normAutofit/>
           </a:bodyPr>
           <a:lstStyle/>
           <a:p>
-            <a:pPr marL="285750" indent="-285750">
+            <a:pPr marL="285750" indent="-228600">
+              <a:lnSpc>
+                <a:spcPct val="90000"/>
+              </a:lnSpc>
+              <a:spcAft>
+                <a:spcPts val="600"/>
+              </a:spcAft>
               <a:buFont typeface="Arial" panose="020B0604020202020204" pitchFamily="34" charset="0"/>
               <a:buChar char="•"/>
             </a:pPr>
             <a:r>
-              <a:rPr lang="hu-HU"/>
+              <a:rPr lang="hu-HU" sz="2200" dirty="0"/>
+              <a:t>Design:</a:t>
+            </a:r>
+          </a:p>
+          <a:p>
+            <a:pPr marL="742950" lvl="1" indent="-228600">
+              <a:lnSpc>
+                <a:spcPct val="90000"/>
+              </a:lnSpc>
+              <a:spcAft>
+                <a:spcPts val="600"/>
+              </a:spcAft>
+              <a:buFont typeface="Arial" panose="020B0604020202020204" pitchFamily="34" charset="0"/>
+              <a:buChar char="•"/>
+            </a:pPr>
+            <a:r>
+              <a:rPr lang="en-US" sz="2200" dirty="0"/>
+              <a:t>Figma</a:t>
+            </a:r>
+            <a:endParaRPr lang="hu-HU" sz="2200" dirty="0"/>
+          </a:p>
+          <a:p>
+            <a:pPr marL="285750" indent="-228600">
+              <a:lnSpc>
+                <a:spcPct val="90000"/>
+              </a:lnSpc>
+              <a:spcAft>
+                <a:spcPts val="600"/>
+              </a:spcAft>
+              <a:buFont typeface="Arial" panose="020B0604020202020204" pitchFamily="34" charset="0"/>
+              <a:buChar char="•"/>
+            </a:pPr>
+            <a:r>
+              <a:rPr lang="hu-HU" sz="2200" dirty="0" err="1"/>
+              <a:t>Coding</a:t>
+            </a:r>
+            <a:r>
+              <a:rPr lang="hu-HU" sz="2200" dirty="0"/>
+              <a:t>:</a:t>
+            </a:r>
+          </a:p>
+          <a:p>
+            <a:pPr marL="742950" lvl="1" indent="-228600">
+              <a:lnSpc>
+                <a:spcPct val="90000"/>
+              </a:lnSpc>
+              <a:spcAft>
+                <a:spcPts val="600"/>
+              </a:spcAft>
+              <a:buFont typeface="Arial" panose="020B0604020202020204" pitchFamily="34" charset="0"/>
+              <a:buChar char="•"/>
+            </a:pPr>
+            <a:r>
+              <a:rPr lang="en-US" sz="2200" dirty="0"/>
               <a:t>Bootstrap</a:t>
             </a:r>
           </a:p>
           <a:p>
-            <a:pPr marL="285750" indent="-285750">
+            <a:pPr marL="742950" lvl="1" indent="-228600">
+              <a:lnSpc>
+                <a:spcPct val="90000"/>
+              </a:lnSpc>
+              <a:spcAft>
+                <a:spcPts val="600"/>
+              </a:spcAft>
               <a:buFont typeface="Arial" panose="020B0604020202020204" pitchFamily="34" charset="0"/>
               <a:buChar char="•"/>
             </a:pPr>
             <a:r>
-              <a:rPr lang="hu-HU"/>
-              <a:t>Figma</a:t>
+              <a:rPr lang="en-US" sz="2200" dirty="0"/>
+              <a:t>JavaScript</a:t>
             </a:r>
           </a:p>
           <a:p>
-            <a:pPr marL="285750" indent="-285750">
+            <a:pPr marL="742950" lvl="1" indent="-228600">
+              <a:lnSpc>
+                <a:spcPct val="90000"/>
+              </a:lnSpc>
+              <a:spcAft>
+                <a:spcPts val="600"/>
+              </a:spcAft>
               <a:buFont typeface="Arial" panose="020B0604020202020204" pitchFamily="34" charset="0"/>
               <a:buChar char="•"/>
             </a:pPr>
             <a:r>
-              <a:rPr lang="hu-HU"/>
-              <a:t>JavaScript</a:t>
+              <a:rPr lang="en-US" sz="2200" dirty="0"/>
+              <a:t>CSS</a:t>
             </a:r>
           </a:p>
           <a:p>
-            <a:pPr marL="285750" indent="-285750">
+            <a:pPr marL="742950" lvl="1" indent="-228600">
+              <a:lnSpc>
+                <a:spcPct val="90000"/>
+              </a:lnSpc>
+              <a:spcAft>
+                <a:spcPts val="600"/>
+              </a:spcAft>
               <a:buFont typeface="Arial" panose="020B0604020202020204" pitchFamily="34" charset="0"/>
               <a:buChar char="•"/>
             </a:pPr>
             <a:r>
-              <a:rPr lang="hu-HU"/>
-              <a:t>CSS</a:t>
+              <a:rPr lang="en-US" sz="2200" dirty="0"/>
+              <a:t>HTML</a:t>
             </a:r>
+            <a:endParaRPr lang="hu-HU" sz="2200" dirty="0"/>
           </a:p>
           <a:p>
-            <a:pPr marL="285750" indent="-285750">
+            <a:pPr marL="285750" indent="-228600">
+              <a:lnSpc>
+                <a:spcPct val="90000"/>
+              </a:lnSpc>
+              <a:spcAft>
+                <a:spcPts val="600"/>
+              </a:spcAft>
               <a:buFont typeface="Arial" panose="020B0604020202020204" pitchFamily="34" charset="0"/>
               <a:buChar char="•"/>
             </a:pPr>
             <a:r>
-              <a:rPr lang="hu-HU"/>
-              <a:t>HTML</a:t>
+              <a:rPr lang="hu-HU" sz="2200" dirty="0"/>
+              <a:t>Testing:</a:t>
             </a:r>
-            <a:endParaRPr lang="hu-HU" dirty="0"/>
+          </a:p>
+          <a:p>
+            <a:pPr marL="742950" lvl="1" indent="-228600">
+              <a:lnSpc>
+                <a:spcPct val="90000"/>
+              </a:lnSpc>
+              <a:spcAft>
+                <a:spcPts val="600"/>
+              </a:spcAft>
+              <a:buFont typeface="Arial" panose="020B0604020202020204" pitchFamily="34" charset="0"/>
+              <a:buChar char="•"/>
+            </a:pPr>
+            <a:r>
+              <a:rPr lang="hu-HU" sz="2200" dirty="0" err="1"/>
+              <a:t>Cypress</a:t>
+            </a:r>
+            <a:endParaRPr lang="hu-HU" sz="2200" dirty="0"/>
           </a:p>
         </p:txBody>
       </p:sp>
       <p:pic>
         <p:nvPicPr>
-          <p:cNvPr id="2050" name="Picture 2" descr="Bootstrap · The most popular HTML, CSS, and JS library in the world.">
+          <p:cNvPr id="2052" name="Picture 4" descr="Figma | San Francisco CA">
             <a:extLst>
               <a:ext uri="{FF2B5EF4-FFF2-40B4-BE49-F238E27FC236}">
-                <a16:creationId xmlns:a16="http://schemas.microsoft.com/office/drawing/2014/main" id="{B719E0CF-AFF9-4B43-6E1A-19502435820B}"/>
+                <a16:creationId xmlns:a16="http://schemas.microsoft.com/office/drawing/2014/main" id="{3FB77DFF-A1A8-4C9B-9A00-15AFA6E2A680}"/>
               </a:ext>
             </a:extLst>
           </p:cNvPr>
@@ -17527,15 +22045,14 @@
               </a:ext>
             </a:extLst>
           </a:blip>
-          <a:srcRect/>
           <a:stretch>
             <a:fillRect/>
           </a:stretch>
         </p:blipFill>
         <p:spPr bwMode="auto">
           <a:xfrm>
-            <a:off x="8606386" y="4603515"/>
-            <a:ext cx="2057284" cy="1727735"/>
+            <a:off x="4992624" y="342900"/>
+            <a:ext cx="3099816" cy="3099816"/>
           </a:xfrm>
           <a:prstGeom prst="rect">
             <a:avLst/>
@@ -17554,10 +22071,10 @@
       </p:pic>
       <p:pic>
         <p:nvPicPr>
-          <p:cNvPr id="2052" name="Picture 4" descr="Figma | San Francisco CA">
+          <p:cNvPr id="2056" name="Picture 8" descr="25 HTML &amp; CSS Tutorials. Learn HTML &amp; CSS by exploring these 25… | by  Brandon Morelli | codeburst">
             <a:extLst>
               <a:ext uri="{FF2B5EF4-FFF2-40B4-BE49-F238E27FC236}">
-                <a16:creationId xmlns:a16="http://schemas.microsoft.com/office/drawing/2014/main" id="{3FB77DFF-A1A8-4C9B-9A00-15AFA6E2A680}"/>
+                <a16:creationId xmlns:a16="http://schemas.microsoft.com/office/drawing/2014/main" id="{EDEC44A9-896A-1DD4-84B6-482B4198B60A}"/>
               </a:ext>
             </a:extLst>
           </p:cNvPr>
@@ -17574,15 +22091,60 @@
               </a:ext>
             </a:extLst>
           </a:blip>
-          <a:srcRect/>
           <a:stretch>
             <a:fillRect/>
           </a:stretch>
         </p:blipFill>
         <p:spPr bwMode="auto">
           <a:xfrm>
-            <a:off x="8634904" y="2731635"/>
-            <a:ext cx="1394729" cy="1394729"/>
+            <a:off x="8430291" y="164592"/>
+            <a:ext cx="3420809" cy="2642575"/>
+          </a:xfrm>
+          <a:prstGeom prst="rect">
+            <a:avLst/>
+          </a:prstGeom>
+          <a:noFill/>
+          <a:extLst>
+            <a:ext uri="{909E8E84-426E-40DD-AFC4-6F175D3DCCD1}">
+              <a14:hiddenFill xmlns:a14="http://schemas.microsoft.com/office/drawing/2010/main">
+                <a:solidFill>
+                  <a:srgbClr val="FFFFFF"/>
+                </a:solidFill>
+              </a14:hiddenFill>
+            </a:ext>
+          </a:extLst>
+        </p:spPr>
+      </p:pic>
+      <p:pic>
+        <p:nvPicPr>
+          <p:cNvPr id="2050" name="Picture 2" descr="Bootstrap · The most popular HTML, CSS, and JS library in the world.">
+            <a:extLst>
+              <a:ext uri="{FF2B5EF4-FFF2-40B4-BE49-F238E27FC236}">
+                <a16:creationId xmlns:a16="http://schemas.microsoft.com/office/drawing/2014/main" id="{B719E0CF-AFF9-4B43-6E1A-19502435820B}"/>
+              </a:ext>
+            </a:extLst>
+          </p:cNvPr>
+          <p:cNvPicPr>
+            <a:picLocks noChangeAspect="1" noChangeArrowheads="1"/>
+          </p:cNvPicPr>
+          <p:nvPr/>
+        </p:nvPicPr>
+        <p:blipFill>
+          <a:blip r:embed="rId4">
+            <a:extLst>
+              <a:ext uri="{28A0092B-C50C-407E-A947-70E740481C1C}">
+                <a14:useLocalDpi xmlns:a14="http://schemas.microsoft.com/office/drawing/2010/main" val="0"/>
+              </a:ext>
+            </a:extLst>
+          </a:blip>
+          <a:stretch>
+            <a:fillRect/>
+          </a:stretch>
+        </p:blipFill>
+        <p:spPr bwMode="auto">
+          <a:xfrm>
+            <a:off x="5114859" y="3795522"/>
+            <a:ext cx="2855345" cy="2398044"/>
           </a:xfrm>
           <a:prstGeom prst="rect">
             <a:avLst/>
@@ -17614,53 +22176,6 @@
           <p:nvPr/>
         </p:nvPicPr>
         <p:blipFill>
-          <a:blip r:embed="rId4">
-            <a:extLst>
-              <a:ext uri="{28A0092B-C50C-407E-A947-70E740481C1C}">
-                <a14:useLocalDpi xmlns:a14="http://schemas.microsoft.com/office/drawing/2010/main" val="0"/>
-              </a:ext>
-            </a:extLst>
-          </a:blip>
-          <a:srcRect/>
-          <a:stretch>
-            <a:fillRect/>
-          </a:stretch>
-        </p:blipFill>
-        <p:spPr bwMode="auto">
-          <a:xfrm>
-            <a:off x="6334026" y="4898293"/>
-            <a:ext cx="1727735" cy="1727735"/>
-          </a:xfrm>
-          <a:prstGeom prst="rect">
-            <a:avLst/>
-          </a:prstGeom>
-          <a:noFill/>
-          <a:extLst>
-            <a:ext uri="{909E8E84-426E-40DD-AFC4-6F175D3DCCD1}">
-              <a14:hiddenFill xmlns:a14="http://schemas.microsoft.com/office/drawing/2010/main">
-                <a:solidFill>
-                  <a:srgbClr val="FFFFFF"/>
-                </a:solidFill>
-              </a14:hiddenFill>
-            </a:ext>
-          </a:extLst>
-        </p:spPr>
-      </p:pic>
-      <p:pic>
-        <p:nvPicPr>
-          <p:cNvPr id="2056" name="Picture 8" descr="25 HTML &amp; CSS Tutorials. Learn HTML &amp; CSS by exploring these 25… | by  Brandon Morelli | codeburst">
-            <a:extLst>
-              <a:ext uri="{FF2B5EF4-FFF2-40B4-BE49-F238E27FC236}">
-                <a16:creationId xmlns:a16="http://schemas.microsoft.com/office/drawing/2014/main" id="{EDEC44A9-896A-1DD4-84B6-482B4198B60A}"/>
-              </a:ext>
-            </a:extLst>
-          </p:cNvPr>
-          <p:cNvPicPr>
-            <a:picLocks noChangeAspect="1" noChangeArrowheads="1"/>
-          </p:cNvPicPr>
-          <p:nvPr/>
-        </p:nvPicPr>
-        <p:blipFill>
           <a:blip r:embed="rId5">
             <a:extLst>
               <a:ext uri="{28A0092B-C50C-407E-A947-70E740481C1C}">
@@ -17668,15 +22183,14 @@
               </a:ext>
             </a:extLst>
           </a:blip>
-          <a:srcRect/>
           <a:stretch>
             <a:fillRect/>
           </a:stretch>
         </p:blipFill>
         <p:spPr bwMode="auto">
           <a:xfrm>
-            <a:off x="5109902" y="2636277"/>
-            <a:ext cx="2653954" cy="2050783"/>
+            <a:off x="8529792" y="2971759"/>
+            <a:ext cx="3221807" cy="3221807"/>
           </a:xfrm>
           <a:prstGeom prst="rect">
             <a:avLst/>
@@ -17706,7 +22220,7 @@
 </p:sld>
 </file>
 
-<file path=ppt/slides/slide7.xml><?xml version="1.0" encoding="utf-8"?>
+<file path=ppt/slides/slide8.xml><?xml version="1.0" encoding="utf-8"?>
 <p:sld xmlns:a="http://schemas.openxmlformats.org/drawingml/2006/main" xmlns:r="http://schemas.openxmlformats.org/officeDocument/2006/relationships" xmlns:p="http://schemas.openxmlformats.org/presentationml/2006/main">
   <p:cSld>
     <p:bg>
@@ -17733,10 +22247,10 @@
       </p:grpSpPr>
       <p:sp useBgFill="1">
         <p:nvSpPr>
-          <p:cNvPr id="17" name="Rectangle 16">
+          <p:cNvPr id="24" name="Rectangle 23">
             <a:extLst>
               <a:ext uri="{FF2B5EF4-FFF2-40B4-BE49-F238E27FC236}">
-                <a16:creationId xmlns:a16="http://schemas.microsoft.com/office/drawing/2014/main" id="{B5A8AFA4-5C32-4100-9C6D-839A47E15FA0}"/>
+                <a16:creationId xmlns:a16="http://schemas.microsoft.com/office/drawing/2014/main" id="{8A94871E-96FC-4ADE-815B-41A636E34F1A}"/>
               </a:ext>
               <a:ext uri="{C183D7F6-B498-43B3-948B-1728B52AA6E4}">
                 <adec:decorative xmlns:adec="http://schemas.microsoft.com/office/drawing/2017/decorative" val="1"/>
@@ -17762,88 +22276,6 @@
           <a:prstGeom prst="rect">
             <a:avLst/>
           </a:prstGeom>
-          <a:ln w="12700" cap="flat" cmpd="sng" algn="ctr">
-            <a:noFill/>
-            <a:prstDash val="solid"/>
-            <a:miter lim="800000"/>
-          </a:ln>
-          <a:effectLst/>
-          <a:extLst>
-            <a:ext uri="{91240B29-F687-4F45-9708-019B960494DF}">
-              <a14:hiddenLine xmlns:a14="http://schemas.microsoft.com/office/drawing/2010/main" w="12700" cap="flat" cmpd="sng" algn="ctr">
-                <a:solidFill>
-                  <a:schemeClr val="accent1">
-                    <a:shade val="50000"/>
-                  </a:schemeClr>
-                </a:solidFill>
-                <a:prstDash val="solid"/>
-                <a:miter lim="800000"/>
-              </a14:hiddenLine>
-            </a:ext>
-          </a:extLst>
-        </p:spPr>
-        <p:style>
-          <a:lnRef idx="2">
-            <a:schemeClr val="accent1">
-              <a:shade val="50000"/>
-            </a:schemeClr>
-          </a:lnRef>
-          <a:fillRef idx="1">
-            <a:schemeClr val="accent1"/>
-          </a:fillRef>
-          <a:effectRef idx="0">
-            <a:schemeClr val="accent1"/>
-          </a:effectRef>
-          <a:fontRef idx="minor">
-            <a:schemeClr val="lt1"/>
-          </a:fontRef>
-        </p:style>
-        <p:txBody>
-          <a:bodyPr rtlCol="0" anchor="ctr"/>
-          <a:lstStyle/>
-          <a:p>
-            <a:pPr algn="ctr"/>
-            <a:endParaRPr lang="en-US"/>
-          </a:p>
-        </p:txBody>
-      </p:sp>
-      <p:sp>
-        <p:nvSpPr>
-          <p:cNvPr id="19" name="Rectangle 18">
-            <a:extLst>
-              <a:ext uri="{FF2B5EF4-FFF2-40B4-BE49-F238E27FC236}">
-                <a16:creationId xmlns:a16="http://schemas.microsoft.com/office/drawing/2014/main" id="{96B5F253-7949-47C2-9DBD-1570ECDA2296}"/>
-              </a:ext>
-              <a:ext uri="{C183D7F6-B498-43B3-948B-1728B52AA6E4}">
-                <adec:decorative xmlns:adec="http://schemas.microsoft.com/office/drawing/2017/decorative" val="1"/>
-              </a:ext>
-            </a:extLst>
-          </p:cNvPr>
-          <p:cNvSpPr>
-            <a:spLocks noGrp="1" noRot="1" noChangeAspect="1" noMove="1" noResize="1" noEditPoints="1" noAdjustHandles="1" noChangeArrowheads="1" noChangeShapeType="1" noTextEdit="1"/>
-          </p:cNvSpPr>
-          <p:nvPr>
-            <p:extLst>
-              <p:ext uri="{386F3935-93C4-4BCD-93E2-E3B085C9AB24}">
-                <p16:designElem xmlns:p16="http://schemas.microsoft.com/office/powerpoint/2015/main" val="1"/>
-              </p:ext>
-            </p:extLst>
-          </p:nvPr>
-        </p:nvSpPr>
-        <p:spPr>
-          <a:xfrm>
-            <a:off x="685799" y="685800"/>
-            <a:ext cx="5421703" cy="5486400"/>
-          </a:xfrm>
-          <a:prstGeom prst="rect">
-            <a:avLst/>
-          </a:prstGeom>
-          <a:solidFill>
-            <a:schemeClr val="accent2">
-              <a:lumMod val="20000"/>
-              <a:lumOff val="80000"/>
-            </a:schemeClr>
-          </a:solidFill>
           <a:ln>
             <a:noFill/>
           </a:ln>
@@ -17891,8 +22323,8 @@
         </p:nvSpPr>
         <p:spPr>
           <a:xfrm>
-            <a:off x="1668426" y="1254763"/>
-            <a:ext cx="3444948" cy="2481729"/>
+            <a:off x="640080" y="320040"/>
+            <a:ext cx="6692827" cy="3892669"/>
           </a:xfrm>
         </p:spPr>
         <p:txBody>
@@ -17901,15 +22333,360 @@
           </a:bodyPr>
           <a:lstStyle/>
           <a:p>
-            <a:pPr algn="ctr"/>
             <a:r>
-              <a:rPr lang="en-US" sz="3200">
+              <a:rPr lang="en-US" sz="6600" kern="1200" dirty="0">
                 <a:solidFill>
-                  <a:srgbClr val="595959"/>
+                  <a:schemeClr val="tx1"/>
                 </a:solidFill>
+                <a:latin typeface="+mj-lt"/>
+                <a:ea typeface="+mj-ea"/>
+                <a:cs typeface="+mj-cs"/>
               </a:rPr>
               <a:t>The database structure</a:t>
             </a:r>
+          </a:p>
+        </p:txBody>
+      </p:sp>
+      <p:sp>
+        <p:nvSpPr>
+          <p:cNvPr id="26" name="sketch line">
+            <a:extLst>
+              <a:ext uri="{FF2B5EF4-FFF2-40B4-BE49-F238E27FC236}">
+                <a16:creationId xmlns:a16="http://schemas.microsoft.com/office/drawing/2014/main" id="{3FCFB1DE-0B7E-48CC-BA90-B2AB0889F9D6}"/>
+              </a:ext>
+              <a:ext uri="{C183D7F6-B498-43B3-948B-1728B52AA6E4}">
+                <adec:decorative xmlns:adec="http://schemas.microsoft.com/office/drawing/2017/decorative" val="1"/>
+              </a:ext>
+            </a:extLst>
+          </p:cNvPr>
+          <p:cNvSpPr>
+            <a:spLocks noGrp="1" noRot="1" noChangeAspect="1" noMove="1" noResize="1" noEditPoints="1" noAdjustHandles="1" noChangeArrowheads="1" noChangeShapeType="1" noTextEdit="1"/>
+          </p:cNvSpPr>
+          <p:nvPr>
+            <p:extLst>
+              <p:ext uri="{386F3935-93C4-4BCD-93E2-E3B085C9AB24}">
+                <p16:designElem xmlns:p16="http://schemas.microsoft.com/office/powerpoint/2015/main" val="1"/>
+              </p:ext>
+            </p:extLst>
+          </p:nvPr>
+        </p:nvSpPr>
+        <p:spPr>
+          <a:xfrm>
+            <a:off x="714562" y="4409267"/>
+            <a:ext cx="4243589" cy="18288"/>
+          </a:xfrm>
+          <a:custGeom>
+            <a:avLst/>
+            <a:gdLst>
+              <a:gd name="connsiteX0" fmla="*/ 0 w 4243589"/>
+              <a:gd name="connsiteY0" fmla="*/ 0 h 18288"/>
+              <a:gd name="connsiteX1" fmla="*/ 563791 w 4243589"/>
+              <a:gd name="connsiteY1" fmla="*/ 0 h 18288"/>
+              <a:gd name="connsiteX2" fmla="*/ 1042710 w 4243589"/>
+              <a:gd name="connsiteY2" fmla="*/ 0 h 18288"/>
+              <a:gd name="connsiteX3" fmla="*/ 1564066 w 4243589"/>
+              <a:gd name="connsiteY3" fmla="*/ 0 h 18288"/>
+              <a:gd name="connsiteX4" fmla="*/ 2212729 w 4243589"/>
+              <a:gd name="connsiteY4" fmla="*/ 0 h 18288"/>
+              <a:gd name="connsiteX5" fmla="*/ 2776520 w 4243589"/>
+              <a:gd name="connsiteY5" fmla="*/ 0 h 18288"/>
+              <a:gd name="connsiteX6" fmla="*/ 3297875 w 4243589"/>
+              <a:gd name="connsiteY6" fmla="*/ 0 h 18288"/>
+              <a:gd name="connsiteX7" fmla="*/ 4243589 w 4243589"/>
+              <a:gd name="connsiteY7" fmla="*/ 0 h 18288"/>
+              <a:gd name="connsiteX8" fmla="*/ 4243589 w 4243589"/>
+              <a:gd name="connsiteY8" fmla="*/ 18288 h 18288"/>
+              <a:gd name="connsiteX9" fmla="*/ 3637362 w 4243589"/>
+              <a:gd name="connsiteY9" fmla="*/ 18288 h 18288"/>
+              <a:gd name="connsiteX10" fmla="*/ 3116007 w 4243589"/>
+              <a:gd name="connsiteY10" fmla="*/ 18288 h 18288"/>
+              <a:gd name="connsiteX11" fmla="*/ 2424908 w 4243589"/>
+              <a:gd name="connsiteY11" fmla="*/ 18288 h 18288"/>
+              <a:gd name="connsiteX12" fmla="*/ 1861117 w 4243589"/>
+              <a:gd name="connsiteY12" fmla="*/ 18288 h 18288"/>
+              <a:gd name="connsiteX13" fmla="*/ 1382198 w 4243589"/>
+              <a:gd name="connsiteY13" fmla="*/ 18288 h 18288"/>
+              <a:gd name="connsiteX14" fmla="*/ 733535 w 4243589"/>
+              <a:gd name="connsiteY14" fmla="*/ 18288 h 18288"/>
+              <a:gd name="connsiteX15" fmla="*/ 0 w 4243589"/>
+              <a:gd name="connsiteY15" fmla="*/ 18288 h 18288"/>
+              <a:gd name="connsiteX16" fmla="*/ 0 w 4243589"/>
+              <a:gd name="connsiteY16" fmla="*/ 0 h 18288"/>
+            </a:gdLst>
+            <a:ahLst/>
+            <a:cxnLst>
+              <a:cxn ang="0">
+                <a:pos x="connsiteX0" y="connsiteY0"/>
+              </a:cxn>
+              <a:cxn ang="0">
+                <a:pos x="connsiteX1" y="connsiteY1"/>
+              </a:cxn>
+              <a:cxn ang="0">
+                <a:pos x="connsiteX2" y="connsiteY2"/>
+              </a:cxn>
+              <a:cxn ang="0">
+                <a:pos x="connsiteX3" y="connsiteY3"/>
+              </a:cxn>
+              <a:cxn ang="0">
+                <a:pos x="connsiteX4" y="connsiteY4"/>
+              </a:cxn>
+              <a:cxn ang="0">
+                <a:pos x="connsiteX5" y="connsiteY5"/>
+              </a:cxn>
+              <a:cxn ang="0">
+                <a:pos x="connsiteX6" y="connsiteY6"/>
+              </a:cxn>
+              <a:cxn ang="0">
+                <a:pos x="connsiteX7" y="connsiteY7"/>
+              </a:cxn>
+              <a:cxn ang="0">
+                <a:pos x="connsiteX8" y="connsiteY8"/>
+              </a:cxn>
+              <a:cxn ang="0">
+                <a:pos x="connsiteX9" y="connsiteY9"/>
+              </a:cxn>
+              <a:cxn ang="0">
+                <a:pos x="connsiteX10" y="connsiteY10"/>
+              </a:cxn>
+              <a:cxn ang="0">
+                <a:pos x="connsiteX11" y="connsiteY11"/>
+              </a:cxn>
+              <a:cxn ang="0">
+                <a:pos x="connsiteX12" y="connsiteY12"/>
+              </a:cxn>
+              <a:cxn ang="0">
+                <a:pos x="connsiteX13" y="connsiteY13"/>
+              </a:cxn>
+              <a:cxn ang="0">
+                <a:pos x="connsiteX14" y="connsiteY14"/>
+              </a:cxn>
+              <a:cxn ang="0">
+                <a:pos x="connsiteX15" y="connsiteY15"/>
+              </a:cxn>
+              <a:cxn ang="0">
+                <a:pos x="connsiteX16" y="connsiteY16"/>
+              </a:cxn>
+            </a:cxnLst>
+            <a:rect l="l" t="t" r="r" b="b"/>
+            <a:pathLst>
+              <a:path w="4243589" h="18288" fill="none" extrusionOk="0">
+                <a:moveTo>
+                  <a:pt x="0" y="0"/>
+                </a:moveTo>
+                <a:cubicBezTo>
+                  <a:pt x="157351" y="-15653"/>
+                  <a:pt x="378877" y="-5828"/>
+                  <a:pt x="563791" y="0"/>
+                </a:cubicBezTo>
+                <a:cubicBezTo>
+                  <a:pt x="748705" y="5828"/>
+                  <a:pt x="905659" y="-5525"/>
+                  <a:pt x="1042710" y="0"/>
+                </a:cubicBezTo>
+                <a:cubicBezTo>
+                  <a:pt x="1179761" y="5525"/>
+                  <a:pt x="1356845" y="-21288"/>
+                  <a:pt x="1564066" y="0"/>
+                </a:cubicBezTo>
+                <a:cubicBezTo>
+                  <a:pt x="1771287" y="21288"/>
+                  <a:pt x="1912099" y="25135"/>
+                  <a:pt x="2212729" y="0"/>
+                </a:cubicBezTo>
+                <a:cubicBezTo>
+                  <a:pt x="2513359" y="-25135"/>
+                  <a:pt x="2514918" y="-27119"/>
+                  <a:pt x="2776520" y="0"/>
+                </a:cubicBezTo>
+                <a:cubicBezTo>
+                  <a:pt x="3038122" y="27119"/>
+                  <a:pt x="3178771" y="18116"/>
+                  <a:pt x="3297875" y="0"/>
+                </a:cubicBezTo>
+                <a:cubicBezTo>
+                  <a:pt x="3416980" y="-18116"/>
+                  <a:pt x="4012240" y="-40869"/>
+                  <a:pt x="4243589" y="0"/>
+                </a:cubicBezTo>
+                <a:cubicBezTo>
+                  <a:pt x="4243987" y="7429"/>
+                  <a:pt x="4243569" y="10822"/>
+                  <a:pt x="4243589" y="18288"/>
+                </a:cubicBezTo>
+                <a:cubicBezTo>
+                  <a:pt x="4112949" y="-2855"/>
+                  <a:pt x="3928037" y="1831"/>
+                  <a:pt x="3637362" y="18288"/>
+                </a:cubicBezTo>
+                <a:cubicBezTo>
+                  <a:pt x="3346687" y="34745"/>
+                  <a:pt x="3254446" y="26669"/>
+                  <a:pt x="3116007" y="18288"/>
+                </a:cubicBezTo>
+                <a:cubicBezTo>
+                  <a:pt x="2977569" y="9907"/>
+                  <a:pt x="2620228" y="28873"/>
+                  <a:pt x="2424908" y="18288"/>
+                </a:cubicBezTo>
+                <a:cubicBezTo>
+                  <a:pt x="2229588" y="7703"/>
+                  <a:pt x="2088287" y="-3854"/>
+                  <a:pt x="1861117" y="18288"/>
+                </a:cubicBezTo>
+                <a:cubicBezTo>
+                  <a:pt x="1633947" y="40430"/>
+                  <a:pt x="1502447" y="-871"/>
+                  <a:pt x="1382198" y="18288"/>
+                </a:cubicBezTo>
+                <a:cubicBezTo>
+                  <a:pt x="1261949" y="37447"/>
+                  <a:pt x="1045440" y="28353"/>
+                  <a:pt x="733535" y="18288"/>
+                </a:cubicBezTo>
+                <a:cubicBezTo>
+                  <a:pt x="421630" y="8223"/>
+                  <a:pt x="341257" y="-18359"/>
+                  <a:pt x="0" y="18288"/>
+                </a:cubicBezTo>
+                <a:cubicBezTo>
+                  <a:pt x="-591" y="13205"/>
+                  <a:pt x="-663" y="6329"/>
+                  <a:pt x="0" y="0"/>
+                </a:cubicBezTo>
+                <a:close/>
+              </a:path>
+              <a:path w="4243589" h="18288" stroke="0" extrusionOk="0">
+                <a:moveTo>
+                  <a:pt x="0" y="0"/>
+                </a:moveTo>
+                <a:cubicBezTo>
+                  <a:pt x="128164" y="17204"/>
+                  <a:pt x="312653" y="1129"/>
+                  <a:pt x="563791" y="0"/>
+                </a:cubicBezTo>
+                <a:cubicBezTo>
+                  <a:pt x="814929" y="-1129"/>
+                  <a:pt x="837271" y="8503"/>
+                  <a:pt x="1042710" y="0"/>
+                </a:cubicBezTo>
+                <a:cubicBezTo>
+                  <a:pt x="1248149" y="-8503"/>
+                  <a:pt x="1588432" y="-28862"/>
+                  <a:pt x="1733809" y="0"/>
+                </a:cubicBezTo>
+                <a:cubicBezTo>
+                  <a:pt x="1879186" y="28862"/>
+                  <a:pt x="2052815" y="5974"/>
+                  <a:pt x="2297600" y="0"/>
+                </a:cubicBezTo>
+                <a:cubicBezTo>
+                  <a:pt x="2542385" y="-5974"/>
+                  <a:pt x="2699960" y="-23550"/>
+                  <a:pt x="2861391" y="0"/>
+                </a:cubicBezTo>
+                <a:cubicBezTo>
+                  <a:pt x="3022822" y="23550"/>
+                  <a:pt x="3390411" y="25272"/>
+                  <a:pt x="3552490" y="0"/>
+                </a:cubicBezTo>
+                <a:cubicBezTo>
+                  <a:pt x="3714569" y="-25272"/>
+                  <a:pt x="3950585" y="-31327"/>
+                  <a:pt x="4243589" y="0"/>
+                </a:cubicBezTo>
+                <a:cubicBezTo>
+                  <a:pt x="4242703" y="5429"/>
+                  <a:pt x="4244410" y="14046"/>
+                  <a:pt x="4243589" y="18288"/>
+                </a:cubicBezTo>
+                <a:cubicBezTo>
+                  <a:pt x="4130424" y="-1240"/>
+                  <a:pt x="3932803" y="42249"/>
+                  <a:pt x="3722234" y="18288"/>
+                </a:cubicBezTo>
+                <a:cubicBezTo>
+                  <a:pt x="3511665" y="-5673"/>
+                  <a:pt x="3269903" y="45994"/>
+                  <a:pt x="3116007" y="18288"/>
+                </a:cubicBezTo>
+                <a:cubicBezTo>
+                  <a:pt x="2962111" y="-9418"/>
+                  <a:pt x="2744280" y="23224"/>
+                  <a:pt x="2509780" y="18288"/>
+                </a:cubicBezTo>
+                <a:cubicBezTo>
+                  <a:pt x="2275280" y="13352"/>
+                  <a:pt x="2066059" y="43664"/>
+                  <a:pt x="1945989" y="18288"/>
+                </a:cubicBezTo>
+                <a:cubicBezTo>
+                  <a:pt x="1825919" y="-7088"/>
+                  <a:pt x="1407329" y="12616"/>
+                  <a:pt x="1254890" y="18288"/>
+                </a:cubicBezTo>
+                <a:cubicBezTo>
+                  <a:pt x="1102451" y="23960"/>
+                  <a:pt x="837950" y="31673"/>
+                  <a:pt x="563791" y="18288"/>
+                </a:cubicBezTo>
+                <a:cubicBezTo>
+                  <a:pt x="289632" y="4903"/>
+                  <a:pt x="132768" y="7105"/>
+                  <a:pt x="0" y="18288"/>
+                </a:cubicBezTo>
+                <a:cubicBezTo>
+                  <a:pt x="668" y="13665"/>
+                  <a:pt x="578" y="5675"/>
+                  <a:pt x="0" y="0"/>
+                </a:cubicBezTo>
+                <a:close/>
+              </a:path>
+            </a:pathLst>
+          </a:custGeom>
+          <a:solidFill>
+            <a:schemeClr val="accent2"/>
+          </a:solidFill>
+          <a:ln w="38100" cap="rnd">
+            <a:solidFill>
+              <a:schemeClr val="accent2"/>
+            </a:solidFill>
+            <a:round/>
+            <a:extLst>
+              <a:ext uri="{C807C97D-BFC1-408E-A445-0C87EB9F89A2}">
+                <ask:lineSketchStyleProps xmlns:ask="http://schemas.microsoft.com/office/drawing/2018/sketchyshapes" sd="1219033472">
+                  <a:prstGeom prst="rect">
+                    <a:avLst/>
+                  </a:prstGeom>
+                  <ask:type>
+                    <ask:lineSketchFreehand/>
+                  </ask:type>
+                </ask:lineSketchStyleProps>
+              </a:ext>
+            </a:extLst>
+          </a:ln>
+        </p:spPr>
+        <p:style>
+          <a:lnRef idx="2">
+            <a:schemeClr val="accent1">
+              <a:shade val="50000"/>
+            </a:schemeClr>
+          </a:lnRef>
+          <a:fillRef idx="1">
+            <a:schemeClr val="accent1"/>
+          </a:fillRef>
+          <a:effectRef idx="0">
+            <a:schemeClr val="accent1"/>
+          </a:effectRef>
+          <a:fontRef idx="minor">
+            <a:schemeClr val="lt1"/>
+          </a:fontRef>
+        </p:style>
+        <p:txBody>
+          <a:bodyPr rtlCol="0" anchor="ctr"/>
+          <a:lstStyle/>
+          <a:p>
+            <a:pPr algn="ctr"/>
+            <a:endParaRPr lang="en-US"/>
           </a:p>
         </p:txBody>
       </p:sp>
@@ -17934,8 +22711,8 @@
         </p:blipFill>
         <p:spPr>
           <a:xfrm>
-            <a:off x="6107503" y="685799"/>
-            <a:ext cx="5410200" cy="5486400"/>
+            <a:off x="5573296" y="27678"/>
+            <a:ext cx="6618704" cy="6711885"/>
           </a:xfrm>
           <a:prstGeom prst="rect">
             <a:avLst/>
@@ -17952,102 +22729,10 @@
   <p:clrMapOvr>
     <a:masterClrMapping/>
   </p:clrMapOvr>
-  <p:timing>
-    <p:tnLst>
-      <p:par>
-        <p:cTn id="1" dur="indefinite" restart="never" nodeType="tmRoot">
-          <p:childTnLst>
-            <p:seq concurrent="1" nextAc="seek">
-              <p:cTn id="2" dur="indefinite" nodeType="mainSeq">
-                <p:childTnLst>
-                  <p:par>
-                    <p:cTn id="3" fill="hold">
-                      <p:stCondLst>
-                        <p:cond delay="indefinite"/>
-                        <p:cond evt="onBegin" delay="0">
-                          <p:tn val="2"/>
-                        </p:cond>
-                      </p:stCondLst>
-                      <p:childTnLst>
-                        <p:par>
-                          <p:cTn id="4" fill="hold">
-                            <p:stCondLst>
-                              <p:cond delay="0"/>
-                            </p:stCondLst>
-                            <p:childTnLst>
-                              <p:par>
-                                <p:cTn id="5" presetID="10" presetClass="entr" presetSubtype="0" fill="hold" grpId="0" nodeType="withEffect">
-                                  <p:stCondLst>
-                                    <p:cond delay="1000"/>
-                                  </p:stCondLst>
-                                  <p:iterate type="lt">
-                                    <p:tmPct val="10000"/>
-                                  </p:iterate>
-                                  <p:childTnLst>
-                                    <p:set>
-                                      <p:cBhvr>
-                                        <p:cTn id="6" dur="1" fill="hold">
-                                          <p:stCondLst>
-                                            <p:cond delay="0"/>
-                                          </p:stCondLst>
-                                        </p:cTn>
-                                        <p:tgtEl>
-                                          <p:spTgt spid="2"/>
-                                        </p:tgtEl>
-                                        <p:attrNameLst>
-                                          <p:attrName>style.visibility</p:attrName>
-                                        </p:attrNameLst>
-                                      </p:cBhvr>
-                                      <p:to>
-                                        <p:strVal val="visible"/>
-                                      </p:to>
-                                    </p:set>
-                                    <p:animEffect transition="in" filter="fade">
-                                      <p:cBhvr>
-                                        <p:cTn id="7" dur="400"/>
-                                        <p:tgtEl>
-                                          <p:spTgt spid="2"/>
-                                        </p:tgtEl>
-                                      </p:cBhvr>
-                                    </p:animEffect>
-                                  </p:childTnLst>
-                                </p:cTn>
-                              </p:par>
-                            </p:childTnLst>
-                          </p:cTn>
-                        </p:par>
-                      </p:childTnLst>
-                    </p:cTn>
-                  </p:par>
-                </p:childTnLst>
-              </p:cTn>
-              <p:prevCondLst>
-                <p:cond evt="onPrev" delay="0">
-                  <p:tgtEl>
-                    <p:sldTgt/>
-                  </p:tgtEl>
-                </p:cond>
-              </p:prevCondLst>
-              <p:nextCondLst>
-                <p:cond evt="onNext" delay="0">
-                  <p:tgtEl>
-                    <p:sldTgt/>
-                  </p:tgtEl>
-                </p:cond>
-              </p:nextCondLst>
-            </p:seq>
-          </p:childTnLst>
-        </p:cTn>
-      </p:par>
-    </p:tnLst>
-    <p:bldLst>
-      <p:bldP spid="2" grpId="0"/>
-    </p:bldLst>
-  </p:timing>
 </p:sld>
 </file>
 
-<file path=ppt/slides/slide8.xml><?xml version="1.0" encoding="utf-8"?>
+<file path=ppt/slides/slide9.xml><?xml version="1.0" encoding="utf-8"?>
 <p:sld xmlns:a="http://schemas.openxmlformats.org/drawingml/2006/main" xmlns:r="http://schemas.openxmlformats.org/officeDocument/2006/relationships" xmlns:p="http://schemas.openxmlformats.org/presentationml/2006/main">
   <p:cSld>
     <p:bg>
@@ -18074,10 +22759,10 @@
       </p:grpSpPr>
       <p:sp useBgFill="1">
         <p:nvSpPr>
-          <p:cNvPr id="20" name="Rectangle 9">
+          <p:cNvPr id="26" name="Rectangle 25">
             <a:extLst>
               <a:ext uri="{FF2B5EF4-FFF2-40B4-BE49-F238E27FC236}">
-                <a16:creationId xmlns:a16="http://schemas.microsoft.com/office/drawing/2014/main" id="{DF05ACD0-FF4A-4F8F-B5C5-6A4EBD0D1B38}"/>
+                <a16:creationId xmlns:a16="http://schemas.microsoft.com/office/drawing/2014/main" id="{8A94871E-96FC-4ADE-815B-41A636E34F1A}"/>
               </a:ext>
               <a:ext uri="{C183D7F6-B498-43B3-948B-1728B52AA6E4}">
                 <adec:decorative xmlns:adec="http://schemas.microsoft.com/office/drawing/2017/decorative" val="1"/>
@@ -18103,25 +22788,9 @@
           <a:prstGeom prst="rect">
             <a:avLst/>
           </a:prstGeom>
-          <a:ln w="12700" cap="flat" cmpd="sng" algn="ctr">
+          <a:ln>
             <a:noFill/>
-            <a:prstDash val="solid"/>
-            <a:miter lim="800000"/>
           </a:ln>
-          <a:effectLst/>
-          <a:extLst>
-            <a:ext uri="{91240B29-F687-4F45-9708-019B960494DF}">
-              <a14:hiddenLine xmlns:a14="http://schemas.microsoft.com/office/drawing/2010/main" w="12700" cap="flat" cmpd="sng" algn="ctr">
-                <a:solidFill>
-                  <a:schemeClr val="accent1">
-                    <a:shade val="50000"/>
-                  </a:schemeClr>
-                </a:solidFill>
-                <a:prstDash val="solid"/>
-                <a:miter lim="800000"/>
-              </a14:hiddenLine>
-            </a:ext>
-          </a:extLst>
         </p:spPr>
         <p:style>
           <a:lnRef idx="2">
@@ -18150,10 +22819,46 @@
       </p:sp>
       <p:sp>
         <p:nvSpPr>
-          <p:cNvPr id="21" name="Rectangle 11">
+          <p:cNvPr id="2" name="Cím 1">
             <a:extLst>
               <a:ext uri="{FF2B5EF4-FFF2-40B4-BE49-F238E27FC236}">
-                <a16:creationId xmlns:a16="http://schemas.microsoft.com/office/drawing/2014/main" id="{4C9AFA28-B5ED-4346-9AF7-68A157F16C7E}"/>
+                <a16:creationId xmlns:a16="http://schemas.microsoft.com/office/drawing/2014/main" id="{B65C46D5-19A0-41AA-041E-70313850633E}"/>
+              </a:ext>
+            </a:extLst>
+          </p:cNvPr>
+          <p:cNvSpPr>
+            <a:spLocks noGrp="1"/>
+          </p:cNvSpPr>
+          <p:nvPr>
+            <p:ph type="ctrTitle"/>
+          </p:nvPr>
+        </p:nvSpPr>
+        <p:spPr>
+          <a:xfrm>
+            <a:off x="640080" y="320040"/>
+            <a:ext cx="6692827" cy="3892669"/>
+          </a:xfrm>
+        </p:spPr>
+        <p:txBody>
+          <a:bodyPr>
+            <a:normAutofit/>
+          </a:bodyPr>
+          <a:lstStyle/>
+          <a:p>
+            <a:pPr algn="l"/>
+            <a:r>
+              <a:rPr lang="hu-HU" sz="6600"/>
+              <a:t>Thank you for your attention!</a:t>
+            </a:r>
+          </a:p>
+        </p:txBody>
+      </p:sp>
+      <p:sp>
+        <p:nvSpPr>
+          <p:cNvPr id="28" name="sketch line">
+            <a:extLst>
+              <a:ext uri="{FF2B5EF4-FFF2-40B4-BE49-F238E27FC236}">
+                <a16:creationId xmlns:a16="http://schemas.microsoft.com/office/drawing/2014/main" id="{3FCFB1DE-0B7E-48CC-BA90-B2AB0889F9D6}"/>
               </a:ext>
               <a:ext uri="{C183D7F6-B498-43B3-948B-1728B52AA6E4}">
                 <adec:decorative xmlns:adec="http://schemas.microsoft.com/office/drawing/2017/decorative" val="1"/>
@@ -18173,20 +22878,297 @@
         </p:nvSpPr>
         <p:spPr>
           <a:xfrm>
-            <a:off x="685800" y="685800"/>
-            <a:ext cx="10820400" cy="5486400"/>
+            <a:off x="714562" y="4409267"/>
+            <a:ext cx="4243589" cy="18288"/>
           </a:xfrm>
-          <a:prstGeom prst="rect">
+          <a:custGeom>
             <a:avLst/>
-          </a:prstGeom>
+            <a:gdLst>
+              <a:gd name="connsiteX0" fmla="*/ 0 w 4243589"/>
+              <a:gd name="connsiteY0" fmla="*/ 0 h 18288"/>
+              <a:gd name="connsiteX1" fmla="*/ 563791 w 4243589"/>
+              <a:gd name="connsiteY1" fmla="*/ 0 h 18288"/>
+              <a:gd name="connsiteX2" fmla="*/ 1042710 w 4243589"/>
+              <a:gd name="connsiteY2" fmla="*/ 0 h 18288"/>
+              <a:gd name="connsiteX3" fmla="*/ 1564066 w 4243589"/>
+              <a:gd name="connsiteY3" fmla="*/ 0 h 18288"/>
+              <a:gd name="connsiteX4" fmla="*/ 2212729 w 4243589"/>
+              <a:gd name="connsiteY4" fmla="*/ 0 h 18288"/>
+              <a:gd name="connsiteX5" fmla="*/ 2776520 w 4243589"/>
+              <a:gd name="connsiteY5" fmla="*/ 0 h 18288"/>
+              <a:gd name="connsiteX6" fmla="*/ 3297875 w 4243589"/>
+              <a:gd name="connsiteY6" fmla="*/ 0 h 18288"/>
+              <a:gd name="connsiteX7" fmla="*/ 4243589 w 4243589"/>
+              <a:gd name="connsiteY7" fmla="*/ 0 h 18288"/>
+              <a:gd name="connsiteX8" fmla="*/ 4243589 w 4243589"/>
+              <a:gd name="connsiteY8" fmla="*/ 18288 h 18288"/>
+              <a:gd name="connsiteX9" fmla="*/ 3637362 w 4243589"/>
+              <a:gd name="connsiteY9" fmla="*/ 18288 h 18288"/>
+              <a:gd name="connsiteX10" fmla="*/ 3116007 w 4243589"/>
+              <a:gd name="connsiteY10" fmla="*/ 18288 h 18288"/>
+              <a:gd name="connsiteX11" fmla="*/ 2424908 w 4243589"/>
+              <a:gd name="connsiteY11" fmla="*/ 18288 h 18288"/>
+              <a:gd name="connsiteX12" fmla="*/ 1861117 w 4243589"/>
+              <a:gd name="connsiteY12" fmla="*/ 18288 h 18288"/>
+              <a:gd name="connsiteX13" fmla="*/ 1382198 w 4243589"/>
+              <a:gd name="connsiteY13" fmla="*/ 18288 h 18288"/>
+              <a:gd name="connsiteX14" fmla="*/ 733535 w 4243589"/>
+              <a:gd name="connsiteY14" fmla="*/ 18288 h 18288"/>
+              <a:gd name="connsiteX15" fmla="*/ 0 w 4243589"/>
+              <a:gd name="connsiteY15" fmla="*/ 18288 h 18288"/>
+              <a:gd name="connsiteX16" fmla="*/ 0 w 4243589"/>
+              <a:gd name="connsiteY16" fmla="*/ 0 h 18288"/>
+            </a:gdLst>
+            <a:ahLst/>
+            <a:cxnLst>
+              <a:cxn ang="0">
+                <a:pos x="connsiteX0" y="connsiteY0"/>
+              </a:cxn>
+              <a:cxn ang="0">
+                <a:pos x="connsiteX1" y="connsiteY1"/>
+              </a:cxn>
+              <a:cxn ang="0">
+                <a:pos x="connsiteX2" y="connsiteY2"/>
+              </a:cxn>
+              <a:cxn ang="0">
+                <a:pos x="connsiteX3" y="connsiteY3"/>
+              </a:cxn>
+              <a:cxn ang="0">
+                <a:pos x="connsiteX4" y="connsiteY4"/>
+              </a:cxn>
+              <a:cxn ang="0">
+                <a:pos x="connsiteX5" y="connsiteY5"/>
+              </a:cxn>
+              <a:cxn ang="0">
+                <a:pos x="connsiteX6" y="connsiteY6"/>
+              </a:cxn>
+              <a:cxn ang="0">
+                <a:pos x="connsiteX7" y="connsiteY7"/>
+              </a:cxn>
+              <a:cxn ang="0">
+                <a:pos x="connsiteX8" y="connsiteY8"/>
+              </a:cxn>
+              <a:cxn ang="0">
+                <a:pos x="connsiteX9" y="connsiteY9"/>
+              </a:cxn>
+              <a:cxn ang="0">
+                <a:pos x="connsiteX10" y="connsiteY10"/>
+              </a:cxn>
+              <a:cxn ang="0">
+                <a:pos x="connsiteX11" y="connsiteY11"/>
+              </a:cxn>
+              <a:cxn ang="0">
+                <a:pos x="connsiteX12" y="connsiteY12"/>
+              </a:cxn>
+              <a:cxn ang="0">
+                <a:pos x="connsiteX13" y="connsiteY13"/>
+              </a:cxn>
+              <a:cxn ang="0">
+                <a:pos x="connsiteX14" y="connsiteY14"/>
+              </a:cxn>
+              <a:cxn ang="0">
+                <a:pos x="connsiteX15" y="connsiteY15"/>
+              </a:cxn>
+              <a:cxn ang="0">
+                <a:pos x="connsiteX16" y="connsiteY16"/>
+              </a:cxn>
+            </a:cxnLst>
+            <a:rect l="l" t="t" r="r" b="b"/>
+            <a:pathLst>
+              <a:path w="4243589" h="18288" fill="none" extrusionOk="0">
+                <a:moveTo>
+                  <a:pt x="0" y="0"/>
+                </a:moveTo>
+                <a:cubicBezTo>
+                  <a:pt x="157351" y="-15653"/>
+                  <a:pt x="378877" y="-5828"/>
+                  <a:pt x="563791" y="0"/>
+                </a:cubicBezTo>
+                <a:cubicBezTo>
+                  <a:pt x="748705" y="5828"/>
+                  <a:pt x="905659" y="-5525"/>
+                  <a:pt x="1042710" y="0"/>
+                </a:cubicBezTo>
+                <a:cubicBezTo>
+                  <a:pt x="1179761" y="5525"/>
+                  <a:pt x="1356845" y="-21288"/>
+                  <a:pt x="1564066" y="0"/>
+                </a:cubicBezTo>
+                <a:cubicBezTo>
+                  <a:pt x="1771287" y="21288"/>
+                  <a:pt x="1912099" y="25135"/>
+                  <a:pt x="2212729" y="0"/>
+                </a:cubicBezTo>
+                <a:cubicBezTo>
+                  <a:pt x="2513359" y="-25135"/>
+                  <a:pt x="2514918" y="-27119"/>
+                  <a:pt x="2776520" y="0"/>
+                </a:cubicBezTo>
+                <a:cubicBezTo>
+                  <a:pt x="3038122" y="27119"/>
+                  <a:pt x="3178771" y="18116"/>
+                  <a:pt x="3297875" y="0"/>
+                </a:cubicBezTo>
+                <a:cubicBezTo>
+                  <a:pt x="3416980" y="-18116"/>
+                  <a:pt x="4012240" y="-40869"/>
+                  <a:pt x="4243589" y="0"/>
+                </a:cubicBezTo>
+                <a:cubicBezTo>
+                  <a:pt x="4243987" y="7429"/>
+                  <a:pt x="4243569" y="10822"/>
+                  <a:pt x="4243589" y="18288"/>
+                </a:cubicBezTo>
+                <a:cubicBezTo>
+                  <a:pt x="4112949" y="-2855"/>
+                  <a:pt x="3928037" y="1831"/>
+                  <a:pt x="3637362" y="18288"/>
+                </a:cubicBezTo>
+                <a:cubicBezTo>
+                  <a:pt x="3346687" y="34745"/>
+                  <a:pt x="3254446" y="26669"/>
+                  <a:pt x="3116007" y="18288"/>
+                </a:cubicBezTo>
+                <a:cubicBezTo>
+                  <a:pt x="2977569" y="9907"/>
+                  <a:pt x="2620228" y="28873"/>
+                  <a:pt x="2424908" y="18288"/>
+                </a:cubicBezTo>
+                <a:cubicBezTo>
+                  <a:pt x="2229588" y="7703"/>
+                  <a:pt x="2088287" y="-3854"/>
+                  <a:pt x="1861117" y="18288"/>
+                </a:cubicBezTo>
+                <a:cubicBezTo>
+                  <a:pt x="1633947" y="40430"/>
+                  <a:pt x="1502447" y="-871"/>
+                  <a:pt x="1382198" y="18288"/>
+                </a:cubicBezTo>
+                <a:cubicBezTo>
+                  <a:pt x="1261949" y="37447"/>
+                  <a:pt x="1045440" y="28353"/>
+                  <a:pt x="733535" y="18288"/>
+                </a:cubicBezTo>
+                <a:cubicBezTo>
+                  <a:pt x="421630" y="8223"/>
+                  <a:pt x="341257" y="-18359"/>
+                  <a:pt x="0" y="18288"/>
+                </a:cubicBezTo>
+                <a:cubicBezTo>
+                  <a:pt x="-591" y="13205"/>
+                  <a:pt x="-663" y="6329"/>
+                  <a:pt x="0" y="0"/>
+                </a:cubicBezTo>
+                <a:close/>
+              </a:path>
+              <a:path w="4243589" h="18288" stroke="0" extrusionOk="0">
+                <a:moveTo>
+                  <a:pt x="0" y="0"/>
+                </a:moveTo>
+                <a:cubicBezTo>
+                  <a:pt x="128164" y="17204"/>
+                  <a:pt x="312653" y="1129"/>
+                  <a:pt x="563791" y="0"/>
+                </a:cubicBezTo>
+                <a:cubicBezTo>
+                  <a:pt x="814929" y="-1129"/>
+                  <a:pt x="837271" y="8503"/>
+                  <a:pt x="1042710" y="0"/>
+                </a:cubicBezTo>
+                <a:cubicBezTo>
+                  <a:pt x="1248149" y="-8503"/>
+                  <a:pt x="1588432" y="-28862"/>
+                  <a:pt x="1733809" y="0"/>
+                </a:cubicBezTo>
+                <a:cubicBezTo>
+                  <a:pt x="1879186" y="28862"/>
+                  <a:pt x="2052815" y="5974"/>
+                  <a:pt x="2297600" y="0"/>
+                </a:cubicBezTo>
+                <a:cubicBezTo>
+                  <a:pt x="2542385" y="-5974"/>
+                  <a:pt x="2699960" y="-23550"/>
+                  <a:pt x="2861391" y="0"/>
+                </a:cubicBezTo>
+                <a:cubicBezTo>
+                  <a:pt x="3022822" y="23550"/>
+                  <a:pt x="3390411" y="25272"/>
+                  <a:pt x="3552490" y="0"/>
+                </a:cubicBezTo>
+                <a:cubicBezTo>
+                  <a:pt x="3714569" y="-25272"/>
+                  <a:pt x="3950585" y="-31327"/>
+                  <a:pt x="4243589" y="0"/>
+                </a:cubicBezTo>
+                <a:cubicBezTo>
+                  <a:pt x="4242703" y="5429"/>
+                  <a:pt x="4244410" y="14046"/>
+                  <a:pt x="4243589" y="18288"/>
+                </a:cubicBezTo>
+                <a:cubicBezTo>
+                  <a:pt x="4130424" y="-1240"/>
+                  <a:pt x="3932803" y="42249"/>
+                  <a:pt x="3722234" y="18288"/>
+                </a:cubicBezTo>
+                <a:cubicBezTo>
+                  <a:pt x="3511665" y="-5673"/>
+                  <a:pt x="3269903" y="45994"/>
+                  <a:pt x="3116007" y="18288"/>
+                </a:cubicBezTo>
+                <a:cubicBezTo>
+                  <a:pt x="2962111" y="-9418"/>
+                  <a:pt x="2744280" y="23224"/>
+                  <a:pt x="2509780" y="18288"/>
+                </a:cubicBezTo>
+                <a:cubicBezTo>
+                  <a:pt x="2275280" y="13352"/>
+                  <a:pt x="2066059" y="43664"/>
+                  <a:pt x="1945989" y="18288"/>
+                </a:cubicBezTo>
+                <a:cubicBezTo>
+                  <a:pt x="1825919" y="-7088"/>
+                  <a:pt x="1407329" y="12616"/>
+                  <a:pt x="1254890" y="18288"/>
+                </a:cubicBezTo>
+                <a:cubicBezTo>
+                  <a:pt x="1102451" y="23960"/>
+                  <a:pt x="837950" y="31673"/>
+                  <a:pt x="563791" y="18288"/>
+                </a:cubicBezTo>
+                <a:cubicBezTo>
+                  <a:pt x="289632" y="4903"/>
+                  <a:pt x="132768" y="7105"/>
+                  <a:pt x="0" y="18288"/>
+                </a:cubicBezTo>
+                <a:cubicBezTo>
+                  <a:pt x="668" y="13665"/>
+                  <a:pt x="578" y="5675"/>
+                  <a:pt x="0" y="0"/>
+                </a:cubicBezTo>
+                <a:close/>
+              </a:path>
+            </a:pathLst>
+          </a:custGeom>
           <a:solidFill>
-            <a:schemeClr val="accent2">
-              <a:lumMod val="20000"/>
-              <a:lumOff val="80000"/>
-            </a:schemeClr>
+            <a:schemeClr val="accent2"/>
           </a:solidFill>
-          <a:ln>
-            <a:noFill/>
+          <a:ln w="38100" cap="rnd">
+            <a:solidFill>
+              <a:schemeClr val="accent2"/>
+            </a:solidFill>
+            <a:round/>
+            <a:extLst>
+              <a:ext uri="{C807C97D-BFC1-408E-A445-0C87EB9F89A2}">
+                <ask:lineSketchStyleProps xmlns:ask="http://schemas.microsoft.com/office/drawing/2018/sketchyshapes" sd="1219033472">
+                  <a:prstGeom prst="rect">
+                    <a:avLst/>
+                  </a:prstGeom>
+                  <ask:type>
+                    <ask:lineSketchFreehand/>
+                  </ask:type>
+                </ask:lineSketchStyleProps>
+              </a:ext>
+            </a:extLst>
           </a:ln>
         </p:spPr>
         <p:style>
@@ -18210,102 +23192,7 @@
           <a:lstStyle/>
           <a:p>
             <a:pPr algn="ctr"/>
-            <a:endParaRPr lang="en-US">
-              <a:solidFill>
-                <a:schemeClr val="bg2"/>
-              </a:solidFill>
-            </a:endParaRPr>
-          </a:p>
-        </p:txBody>
-      </p:sp>
-      <p:sp>
-        <p:nvSpPr>
-          <p:cNvPr id="2" name="Cím 1">
-            <a:extLst>
-              <a:ext uri="{FF2B5EF4-FFF2-40B4-BE49-F238E27FC236}">
-                <a16:creationId xmlns:a16="http://schemas.microsoft.com/office/drawing/2014/main" id="{B65C46D5-19A0-41AA-041E-70313850633E}"/>
-              </a:ext>
-            </a:extLst>
-          </p:cNvPr>
-          <p:cNvSpPr>
-            <a:spLocks noGrp="1"/>
-          </p:cNvSpPr>
-          <p:nvPr>
-            <p:ph type="ctrTitle"/>
-          </p:nvPr>
-        </p:nvSpPr>
-        <p:spPr>
-          <a:xfrm>
-            <a:off x="1472608" y="1380564"/>
-            <a:ext cx="4561369" cy="2346229"/>
-          </a:xfrm>
-        </p:spPr>
-        <p:txBody>
-          <a:bodyPr anchor="b">
-            <a:normAutofit/>
-          </a:bodyPr>
-          <a:lstStyle/>
-          <a:p>
-            <a:r>
-              <a:rPr lang="hu-HU" sz="3200" dirty="0">
-                <a:solidFill>
-                  <a:srgbClr val="595959"/>
-                </a:solidFill>
-              </a:rPr>
-              <a:t>Thank you for your </a:t>
-            </a:r>
-            <a:r>
-              <a:rPr lang="hu-HU" sz="3200" dirty="0" err="1">
-                <a:solidFill>
-                  <a:srgbClr val="595959"/>
-                </a:solidFill>
-              </a:rPr>
-              <a:t>attention</a:t>
-            </a:r>
-            <a:r>
-              <a:rPr lang="hu-HU" sz="3200" dirty="0">
-                <a:solidFill>
-                  <a:srgbClr val="595959"/>
-                </a:solidFill>
-              </a:rPr>
-              <a:t>!</a:t>
-            </a:r>
-          </a:p>
-        </p:txBody>
-      </p:sp>
-      <p:sp>
-        <p:nvSpPr>
-          <p:cNvPr id="3" name="Alcím 2">
-            <a:extLst>
-              <a:ext uri="{FF2B5EF4-FFF2-40B4-BE49-F238E27FC236}">
-                <a16:creationId xmlns:a16="http://schemas.microsoft.com/office/drawing/2014/main" id="{63FE5668-ADB1-AD15-8BB7-70DA0AA9963F}"/>
-              </a:ext>
-            </a:extLst>
-          </p:cNvPr>
-          <p:cNvSpPr>
-            <a:spLocks noGrp="1"/>
-          </p:cNvSpPr>
-          <p:nvPr>
-            <p:ph type="subTitle" idx="1"/>
-          </p:nvPr>
-        </p:nvSpPr>
-        <p:spPr>
-          <a:xfrm>
-            <a:off x="1472608" y="4061345"/>
-            <a:ext cx="4561369" cy="1416090"/>
-          </a:xfrm>
-        </p:spPr>
-        <p:txBody>
-          <a:bodyPr anchor="t">
-            <a:normAutofit/>
-          </a:bodyPr>
-          <a:lstStyle/>
-          <a:p>
-            <a:endParaRPr lang="hu-HU" sz="1400" dirty="0">
-              <a:solidFill>
-                <a:srgbClr val="595959"/>
-              </a:solidFill>
-            </a:endParaRPr>
+            <a:endParaRPr lang="en-US"/>
           </a:p>
         </p:txBody>
       </p:sp>
@@ -18337,8 +23224,8 @@
         </p:blipFill>
         <p:spPr>
           <a:xfrm>
-            <a:off x="6887268" y="1380565"/>
-            <a:ext cx="3865764" cy="4096870"/>
+            <a:off x="7781544" y="1144902"/>
+            <a:ext cx="4087368" cy="4331721"/>
           </a:xfrm>
           <a:prstGeom prst="rect">
             <a:avLst/>
@@ -18671,4 +23558,318 @@
     </a:ext>
   </a:extLst>
 </a:theme>
+</file>
+
+<file path=customXml/item1.xml><?xml version="1.0" encoding="utf-8"?>
+<?mso-contentType ?>
+<FormTemplates xmlns="http://schemas.microsoft.com/sharepoint/v3/contenttype/forms">
+  <Display>DocumentLibraryForm</Display>
+  <Edit>DocumentLibraryForm</Edit>
+  <New>DocumentLibraryForm</New>
+</FormTemplates>
+</file>
+
+<file path=customXml/item2.xml><?xml version="1.0" encoding="utf-8"?>
+<ct:contentTypeSchema xmlns:ct="http://schemas.microsoft.com/office/2006/metadata/contentType" xmlns:ma="http://schemas.microsoft.com/office/2006/metadata/properties/metaAttributes" ct:_="" ma:_="" ma:contentTypeName="Dokumentum" ma:contentTypeID="0x0101001F5FE5928D7DBD4C8633B3911B21BD28" ma:contentTypeVersion="18" ma:contentTypeDescription="Új dokumentum létrehozása." ma:contentTypeScope="" ma:versionID="e72802d2fbb1bbfc57c889ef972fd0bd">
+  <xsd:schema xmlns:xsd="http://www.w3.org/2001/XMLSchema" xmlns:xs="http://www.w3.org/2001/XMLSchema" xmlns:p="http://schemas.microsoft.com/office/2006/metadata/properties" xmlns:ns3="c8bdacd8-ce1e-45bb-96bd-5d4ededb4695" xmlns:ns4="b0322791-34a7-430f-939b-964baa9ff274" targetNamespace="http://schemas.microsoft.com/office/2006/metadata/properties" ma:root="true" ma:fieldsID="abe2969f6f898e689ac6e2c096062bb3" ns3:_="" ns4:_="">
+    <xsd:import namespace="c8bdacd8-ce1e-45bb-96bd-5d4ededb4695"/>
+    <xsd:import namespace="b0322791-34a7-430f-939b-964baa9ff274"/>
+    <xsd:element name="properties">
+      <xsd:complexType>
+        <xsd:sequence>
+          <xsd:element name="documentManagement">
+            <xsd:complexType>
+              <xsd:all>
+                <xsd:element ref="ns3:MediaServiceMetadata" minOccurs="0"/>
+                <xsd:element ref="ns3:MediaServiceFastMetadata" minOccurs="0"/>
+                <xsd:element ref="ns3:MediaServiceAutoKeyPoints" minOccurs="0"/>
+                <xsd:element ref="ns3:MediaServiceKeyPoints" minOccurs="0"/>
+                <xsd:element ref="ns4:SharedWithUsers" minOccurs="0"/>
+                <xsd:element ref="ns4:SharedWithDetails" minOccurs="0"/>
+                <xsd:element ref="ns4:SharingHintHash" minOccurs="0"/>
+                <xsd:element ref="ns3:MediaServiceAutoTags" minOccurs="0"/>
+                <xsd:element ref="ns3:MediaServiceGenerationTime" minOccurs="0"/>
+                <xsd:element ref="ns3:MediaServiceEventHashCode" minOccurs="0"/>
+                <xsd:element ref="ns3:MediaServiceOCR" minOccurs="0"/>
+                <xsd:element ref="ns3:MediaServiceDateTaken" minOccurs="0"/>
+                <xsd:element ref="ns3:MediaLengthInSeconds" minOccurs="0"/>
+                <xsd:element ref="ns3:MediaServiceLocation" minOccurs="0"/>
+                <xsd:element ref="ns3:_activity" minOccurs="0"/>
+                <xsd:element ref="ns3:MediaServiceObjectDetectorVersions" minOccurs="0"/>
+                <xsd:element ref="ns3:MediaServiceSystemTags" minOccurs="0"/>
+                <xsd:element ref="ns3:MediaServiceSearchProperties" minOccurs="0"/>
+              </xsd:all>
+            </xsd:complexType>
+          </xsd:element>
+        </xsd:sequence>
+      </xsd:complexType>
+    </xsd:element>
+  </xsd:schema>
+  <xsd:schema xmlns:xsd="http://www.w3.org/2001/XMLSchema" xmlns:xs="http://www.w3.org/2001/XMLSchema" xmlns:dms="http://schemas.microsoft.com/office/2006/documentManagement/types" xmlns:pc="http://schemas.microsoft.com/office/infopath/2007/PartnerControls" targetNamespace="c8bdacd8-ce1e-45bb-96bd-5d4ededb4695" elementFormDefault="qualified">
+    <xsd:import namespace="http://schemas.microsoft.com/office/2006/documentManagement/types"/>
+    <xsd:import namespace="http://schemas.microsoft.com/office/infopath/2007/PartnerControls"/>
+    <xsd:element name="MediaServiceMetadata" ma:index="8" nillable="true" ma:displayName="MediaServiceMetadata" ma:hidden="true" ma:internalName="MediaServiceMetadata" ma:readOnly="true">
+      <xsd:simpleType>
+        <xsd:restriction base="dms:Note"/>
+      </xsd:simpleType>
+    </xsd:element>
+    <xsd:element name="MediaServiceFastMetadata" ma:index="9" nillable="true" ma:displayName="MediaServiceFastMetadata" ma:hidden="true" ma:internalName="MediaServiceFastMetadata" ma:readOnly="true">
+      <xsd:simpleType>
+        <xsd:restriction base="dms:Note"/>
+      </xsd:simpleType>
+    </xsd:element>
+    <xsd:element name="MediaServiceAutoKeyPoints" ma:index="10" nillable="true" ma:displayName="MediaServiceAutoKeyPoints" ma:hidden="true" ma:internalName="MediaServiceAutoKeyPoints" ma:readOnly="true">
+      <xsd:simpleType>
+        <xsd:restriction base="dms:Note"/>
+      </xsd:simpleType>
+    </xsd:element>
+    <xsd:element name="MediaServiceKeyPoints" ma:index="11" nillable="true" ma:displayName="KeyPoints" ma:internalName="MediaServiceKeyPoints" ma:readOnly="true">
+      <xsd:simpleType>
+        <xsd:restriction base="dms:Note">
+          <xsd:maxLength value="255"/>
+        </xsd:restriction>
+      </xsd:simpleType>
+    </xsd:element>
+    <xsd:element name="MediaServiceAutoTags" ma:index="15" nillable="true" ma:displayName="Tags" ma:internalName="MediaServiceAutoTags" ma:readOnly="true">
+      <xsd:simpleType>
+        <xsd:restriction base="dms:Text"/>
+      </xsd:simpleType>
+    </xsd:element>
+    <xsd:element name="MediaServiceGenerationTime" ma:index="16" nillable="true" ma:displayName="MediaServiceGenerationTime" ma:hidden="true" ma:internalName="MediaServiceGenerationTime" ma:readOnly="true">
+      <xsd:simpleType>
+        <xsd:restriction base="dms:Text"/>
+      </xsd:simpleType>
+    </xsd:element>
+    <xsd:element name="MediaServiceEventHashCode" ma:index="17" nillable="true" ma:displayName="MediaServiceEventHashCode" ma:hidden="true" ma:internalName="MediaServiceEventHashCode" ma:readOnly="true">
+      <xsd:simpleType>
+        <xsd:restriction base="dms:Text"/>
+      </xsd:simpleType>
+    </xsd:element>
+    <xsd:element name="MediaServiceOCR" ma:index="18" nillable="true" ma:displayName="Extracted Text" ma:internalName="MediaServiceOCR" ma:readOnly="true">
+      <xsd:simpleType>
+        <xsd:restriction base="dms:Note">
+          <xsd:maxLength value="255"/>
+        </xsd:restriction>
+      </xsd:simpleType>
+    </xsd:element>
+    <xsd:element name="MediaServiceDateTaken" ma:index="19" nillable="true" ma:displayName="MediaServiceDateTaken" ma:hidden="true" ma:internalName="MediaServiceDateTaken" ma:readOnly="true">
+      <xsd:simpleType>
+        <xsd:restriction base="dms:Text"/>
+      </xsd:simpleType>
+    </xsd:element>
+    <xsd:element name="MediaLengthInSeconds" ma:index="20" nillable="true" ma:displayName="MediaLengthInSeconds" ma:hidden="true" ma:internalName="MediaLengthInSeconds" ma:readOnly="true">
+      <xsd:simpleType>
+        <xsd:restriction base="dms:Unknown"/>
+      </xsd:simpleType>
+    </xsd:element>
+    <xsd:element name="MediaServiceLocation" ma:index="21" nillable="true" ma:displayName="Location" ma:indexed="true" ma:internalName="MediaServiceLocation" ma:readOnly="true">
+      <xsd:simpleType>
+        <xsd:restriction base="dms:Text"/>
+      </xsd:simpleType>
+    </xsd:element>
+    <xsd:element name="_activity" ma:index="22" nillable="true" ma:displayName="_activity" ma:hidden="true" ma:internalName="_activity">
+      <xsd:simpleType>
+        <xsd:restriction base="dms:Note"/>
+      </xsd:simpleType>
+    </xsd:element>
+    <xsd:element name="MediaServiceObjectDetectorVersions" ma:index="23" nillable="true" ma:displayName="MediaServiceObjectDetectorVersions" ma:hidden="true" ma:indexed="true" ma:internalName="MediaServiceObjectDetectorVersions" ma:readOnly="true">
+      <xsd:simpleType>
+        <xsd:restriction base="dms:Text"/>
+      </xsd:simpleType>
+    </xsd:element>
+    <xsd:element name="MediaServiceSystemTags" ma:index="24" nillable="true" ma:displayName="MediaServiceSystemTags" ma:hidden="true" ma:internalName="MediaServiceSystemTags" ma:readOnly="true">
+      <xsd:simpleType>
+        <xsd:restriction base="dms:Note"/>
+      </xsd:simpleType>
+    </xsd:element>
+    <xsd:element name="MediaServiceSearchProperties" ma:index="25" nillable="true" ma:displayName="MediaServiceSearchProperties" ma:hidden="true" ma:internalName="MediaServiceSearchProperties" ma:readOnly="true">
+      <xsd:simpleType>
+        <xsd:restriction base="dms:Note"/>
+      </xsd:simpleType>
+    </xsd:element>
+  </xsd:schema>
+  <xsd:schema xmlns:xsd="http://www.w3.org/2001/XMLSchema" xmlns:xs="http://www.w3.org/2001/XMLSchema" xmlns:dms="http://schemas.microsoft.com/office/2006/documentManagement/types" xmlns:pc="http://schemas.microsoft.com/office/infopath/2007/PartnerControls" targetNamespace="b0322791-34a7-430f-939b-964baa9ff274" elementFormDefault="qualified">
+    <xsd:import namespace="http://schemas.microsoft.com/office/2006/documentManagement/types"/>
+    <xsd:import namespace="http://schemas.microsoft.com/office/infopath/2007/PartnerControls"/>
+    <xsd:element name="SharedWithUsers" ma:index="12" nillable="true" ma:displayName="Résztvevők" ma:internalName="SharedWithUsers" ma:readOnly="true">
+      <xsd:complexType>
+        <xsd:complexContent>
+          <xsd:extension base="dms:UserMulti">
+            <xsd:sequence>
+              <xsd:element name="UserInfo" minOccurs="0" maxOccurs="unbounded">
+                <xsd:complexType>
+                  <xsd:sequence>
+                    <xsd:element name="DisplayName" type="xsd:string" minOccurs="0"/>
+                    <xsd:element name="AccountId" type="dms:UserId" minOccurs="0" nillable="true"/>
+                    <xsd:element name="AccountType" type="xsd:string" minOccurs="0"/>
+                  </xsd:sequence>
+                </xsd:complexType>
+              </xsd:element>
+            </xsd:sequence>
+          </xsd:extension>
+        </xsd:complexContent>
+      </xsd:complexType>
+    </xsd:element>
+    <xsd:element name="SharedWithDetails" ma:index="13" nillable="true" ma:displayName="Megosztva részletekkel" ma:internalName="SharedWithDetails" ma:readOnly="true">
+      <xsd:simpleType>
+        <xsd:restriction base="dms:Note">
+          <xsd:maxLength value="255"/>
+        </xsd:restriction>
+      </xsd:simpleType>
+    </xsd:element>
+    <xsd:element name="SharingHintHash" ma:index="14" nillable="true" ma:displayName="Megosztási tipp kivonata" ma:hidden="true" ma:internalName="SharingHintHash" ma:readOnly="true">
+      <xsd:simpleType>
+        <xsd:restriction base="dms:Text"/>
+      </xsd:simpleType>
+    </xsd:element>
+  </xsd:schema>
+  <xsd:schema xmlns="http://schemas.openxmlformats.org/package/2006/metadata/core-properties" xmlns:xsd="http://www.w3.org/2001/XMLSchema" xmlns:xsi="http://www.w3.org/2001/XMLSchema-instance" xmlns:dc="http://purl.org/dc/elements/1.1/" xmlns:dcterms="http://purl.org/dc/terms/" xmlns:odoc="http://schemas.microsoft.com/internal/obd" targetNamespace="http://schemas.openxmlformats.org/package/2006/metadata/core-properties" elementFormDefault="qualified" attributeFormDefault="unqualified" blockDefault="#all">
+    <xsd:import namespace="http://purl.org/dc/elements/1.1/" schemaLocation="http://dublincore.org/schemas/xmls/qdc/2003/04/02/dc.xsd"/>
+    <xsd:import namespace="http://purl.org/dc/terms/" schemaLocation="http://dublincore.org/schemas/xmls/qdc/2003/04/02/dcterms.xsd"/>
+    <xsd:element name="coreProperties" type="CT_coreProperties"/>
+    <xsd:complexType name="CT_coreProperties">
+      <xsd:all>
+        <xsd:element ref="dc:creator" minOccurs="0" maxOccurs="1"/>
+        <xsd:element ref="dcterms:created" minOccurs="0" maxOccurs="1"/>
+        <xsd:element ref="dc:identifier" minOccurs="0" maxOccurs="1"/>
+        <xsd:element name="contentType" minOccurs="0" maxOccurs="1" type="xsd:string" ma:index="0" ma:displayName="Tartalomtípus"/>
+        <xsd:element ref="dc:title" minOccurs="0" maxOccurs="1" ma:index="4" ma:displayName="Cím"/>
+        <xsd:element ref="dc:subject" minOccurs="0" maxOccurs="1"/>
+        <xsd:element ref="dc:description" minOccurs="0" maxOccurs="1"/>
+        <xsd:element name="keywords" minOccurs="0" maxOccurs="1" type="xsd:string"/>
+        <xsd:element ref="dc:language" minOccurs="0" maxOccurs="1"/>
+        <xsd:element name="category" minOccurs="0" maxOccurs="1" type="xsd:string"/>
+        <xsd:element name="version" minOccurs="0" maxOccurs="1" type="xsd:string"/>
+        <xsd:element name="revision" minOccurs="0" maxOccurs="1" type="xsd:string">
+          <xsd:annotation>
+            <xsd:documentation>
+                        This value indicates the number of saves or revisions. The application is responsible for updating this value after each revision.
+                    </xsd:documentation>
+          </xsd:annotation>
+        </xsd:element>
+        <xsd:element name="lastModifiedBy" minOccurs="0" maxOccurs="1" type="xsd:string"/>
+        <xsd:element ref="dcterms:modified" minOccurs="0" maxOccurs="1"/>
+        <xsd:element name="contentStatus" minOccurs="0" maxOccurs="1" type="xsd:string"/>
+      </xsd:all>
+    </xsd:complexType>
+  </xsd:schema>
+  <xs:schema xmlns:pc="http://schemas.microsoft.com/office/infopath/2007/PartnerControls" xmlns:xs="http://www.w3.org/2001/XMLSchema" targetNamespace="http://schemas.microsoft.com/office/infopath/2007/PartnerControls" elementFormDefault="qualified" attributeFormDefault="unqualified">
+    <xs:element name="Person">
+      <xs:complexType>
+        <xs:sequence>
+          <xs:element ref="pc:DisplayName" minOccurs="0"/>
+          <xs:element ref="pc:AccountId" minOccurs="0"/>
+          <xs:element ref="pc:AccountType" minOccurs="0"/>
+        </xs:sequence>
+      </xs:complexType>
+    </xs:element>
+    <xs:element name="DisplayName" type="xs:string"/>
+    <xs:element name="AccountId" type="xs:string"/>
+    <xs:element name="AccountType" type="xs:string"/>
+    <xs:element name="BDCAssociatedEntity">
+      <xs:complexType>
+        <xs:sequence>
+          <xs:element ref="pc:BDCEntity" minOccurs="0" maxOccurs="unbounded"/>
+        </xs:sequence>
+        <xs:attribute ref="pc:EntityNamespace"/>
+        <xs:attribute ref="pc:EntityName"/>
+        <xs:attribute ref="pc:SystemInstanceName"/>
+        <xs:attribute ref="pc:AssociationName"/>
+      </xs:complexType>
+    </xs:element>
+    <xs:attribute name="EntityNamespace" type="xs:string"/>
+    <xs:attribute name="EntityName" type="xs:string"/>
+    <xs:attribute name="SystemInstanceName" type="xs:string"/>
+    <xs:attribute name="AssociationName" type="xs:string"/>
+    <xs:element name="BDCEntity">
+      <xs:complexType>
+        <xs:sequence>
+          <xs:element ref="pc:EntityDisplayName" minOccurs="0"/>
+          <xs:element ref="pc:EntityInstanceReference" minOccurs="0"/>
+          <xs:element ref="pc:EntityId1" minOccurs="0"/>
+          <xs:element ref="pc:EntityId2" minOccurs="0"/>
+          <xs:element ref="pc:EntityId3" minOccurs="0"/>
+          <xs:element ref="pc:EntityId4" minOccurs="0"/>
+          <xs:element ref="pc:EntityId5" minOccurs="0"/>
+        </xs:sequence>
+      </xs:complexType>
+    </xs:element>
+    <xs:element name="EntityDisplayName" type="xs:string"/>
+    <xs:element name="EntityInstanceReference" type="xs:string"/>
+    <xs:element name="EntityId1" type="xs:string"/>
+    <xs:element name="EntityId2" type="xs:string"/>
+    <xs:element name="EntityId3" type="xs:string"/>
+    <xs:element name="EntityId4" type="xs:string"/>
+    <xs:element name="EntityId5" type="xs:string"/>
+    <xs:element name="Terms">
+      <xs:complexType>
+        <xs:sequence>
+          <xs:element ref="pc:TermInfo" minOccurs="0" maxOccurs="unbounded"/>
+        </xs:sequence>
+      </xs:complexType>
+    </xs:element>
+    <xs:element name="TermInfo">
+      <xs:complexType>
+        <xs:sequence>
+          <xs:element ref="pc:TermName" minOccurs="0"/>
+          <xs:element ref="pc:TermId" minOccurs="0"/>
+        </xs:sequence>
+      </xs:complexType>
+    </xs:element>
+    <xs:element name="TermName" type="xs:string"/>
+    <xs:element name="TermId" type="xs:string"/>
+  </xs:schema>
+</ct:contentTypeSchema>
+</file>
+
+<file path=customXml/item3.xml><?xml version="1.0" encoding="utf-8"?>
+<p:properties xmlns:p="http://schemas.microsoft.com/office/2006/metadata/properties" xmlns:xsi="http://www.w3.org/2001/XMLSchema-instance" xmlns:pc="http://schemas.microsoft.com/office/infopath/2007/PartnerControls">
+  <documentManagement>
+    <_activity xmlns="c8bdacd8-ce1e-45bb-96bd-5d4ededb4695" xsi:nil="true"/>
+  </documentManagement>
+</p:properties>
+</file>
+
+<file path=customXml/itemProps1.xml><?xml version="1.0" encoding="utf-8"?>
+<ds:datastoreItem xmlns:ds="http://schemas.openxmlformats.org/officeDocument/2006/customXml" ds:itemID="{BF764151-F079-41D5-A378-7868ECD69535}">
+  <ds:schemaRefs>
+    <ds:schemaRef ds:uri="http://schemas.microsoft.com/sharepoint/v3/contenttype/forms"/>
+  </ds:schemaRefs>
+</ds:datastoreItem>
+</file>
+
+<file path=customXml/itemProps2.xml><?xml version="1.0" encoding="utf-8"?>
+<ds:datastoreItem xmlns:ds="http://schemas.openxmlformats.org/officeDocument/2006/customXml" ds:itemID="{375657D3-58F5-4620-A1D5-1FEBF80A5134}">
+  <ds:schemaRefs>
+    <ds:schemaRef ds:uri="http://schemas.microsoft.com/office/2006/metadata/contentType"/>
+    <ds:schemaRef ds:uri="http://schemas.microsoft.com/office/2006/metadata/properties/metaAttributes"/>
+    <ds:schemaRef ds:uri="http://www.w3.org/2001/XMLSchema"/>
+    <ds:schemaRef ds:uri="http://schemas.microsoft.com/office/2006/metadata/properties"/>
+    <ds:schemaRef ds:uri="c8bdacd8-ce1e-45bb-96bd-5d4ededb4695"/>
+    <ds:schemaRef ds:uri="b0322791-34a7-430f-939b-964baa9ff274"/>
+    <ds:schemaRef ds:uri="http://schemas.microsoft.com/office/2006/documentManagement/types"/>
+    <ds:schemaRef ds:uri="http://schemas.microsoft.com/office/infopath/2007/PartnerControls"/>
+    <ds:schemaRef ds:uri="http://schemas.openxmlformats.org/package/2006/metadata/core-properties"/>
+    <ds:schemaRef ds:uri="http://purl.org/dc/elements/1.1/"/>
+    <ds:schemaRef ds:uri="http://purl.org/dc/terms/"/>
+    <ds:schemaRef ds:uri="http://schemas.microsoft.com/internal/obd"/>
+  </ds:schemaRefs>
+</ds:datastoreItem>
+</file>
+
+<file path=customXml/itemProps3.xml><?xml version="1.0" encoding="utf-8"?>
+<ds:datastoreItem xmlns:ds="http://schemas.openxmlformats.org/officeDocument/2006/customXml" ds:itemID="{7086EDCC-8827-4BB1-99E9-BE50474C2E1B}">
+  <ds:schemaRefs>
+    <ds:schemaRef ds:uri="http://schemas.microsoft.com/office/2006/documentManagement/types"/>
+    <ds:schemaRef ds:uri="http://schemas.microsoft.com/office/2006/metadata/properties"/>
+    <ds:schemaRef ds:uri="http://purl.org/dc/terms/"/>
+    <ds:schemaRef ds:uri="http://purl.org/dc/elements/1.1/"/>
+    <ds:schemaRef ds:uri="http://www.w3.org/XML/1998/namespace"/>
+    <ds:schemaRef ds:uri="http://purl.org/dc/dcmitype/"/>
+    <ds:schemaRef ds:uri="http://schemas.microsoft.com/office/infopath/2007/PartnerControls"/>
+    <ds:schemaRef ds:uri="http://schemas.openxmlformats.org/package/2006/metadata/core-properties"/>
+    <ds:schemaRef ds:uri="b0322791-34a7-430f-939b-964baa9ff274"/>
+    <ds:schemaRef ds:uri="c8bdacd8-ce1e-45bb-96bd-5d4ededb4695"/>
+  </ds:schemaRefs>
+</ds:datastoreItem>
 </file>
--- a/Docx/Projekt dokumentációk/Végleges dokumentáció/FoodHub.pptx
+++ b/Docx/Projekt dokumentációk/Végleges dokumentáció/FoodHub.pptx
@@ -7,11 +7,11 @@
   <p:sldIdLst>
     <p:sldId id="256" r:id="rId5"/>
     <p:sldId id="257" r:id="rId6"/>
-    <p:sldId id="265" r:id="rId7"/>
-    <p:sldId id="258" r:id="rId8"/>
-    <p:sldId id="259" r:id="rId9"/>
-    <p:sldId id="260" r:id="rId10"/>
-    <p:sldId id="261" r:id="rId11"/>
+    <p:sldId id="258" r:id="rId7"/>
+    <p:sldId id="259" r:id="rId8"/>
+    <p:sldId id="260" r:id="rId9"/>
+    <p:sldId id="261" r:id="rId10"/>
+    <p:sldId id="265" r:id="rId11"/>
     <p:sldId id="262" r:id="rId12"/>
     <p:sldId id="264" r:id="rId13"/>
   </p:sldIdLst>
@@ -1048,753 +1048,6 @@
 </file>
 
 <file path=ppt/diagrams/colors2.xml><?xml version="1.0" encoding="utf-8"?>
-<dgm:colorsDef xmlns:dgm="http://schemas.openxmlformats.org/drawingml/2006/diagram" xmlns:a="http://schemas.openxmlformats.org/drawingml/2006/main" uniqueId="urn:microsoft.com/office/officeart/2005/8/colors/accent1_2">
-  <dgm:title val=""/>
-  <dgm:desc val=""/>
-  <dgm:catLst>
-    <dgm:cat type="accent1" pri="11200"/>
-  </dgm:catLst>
-  <dgm:styleLbl name="node0">
-    <dgm:fillClrLst meth="repeat">
-      <a:schemeClr val="accent1"/>
-    </dgm:fillClrLst>
-    <dgm:linClrLst meth="repeat">
-      <a:schemeClr val="lt1"/>
-    </dgm:linClrLst>
-    <dgm:effectClrLst/>
-    <dgm:txLinClrLst/>
-    <dgm:txFillClrLst/>
-    <dgm:txEffectClrLst/>
-  </dgm:styleLbl>
-  <dgm:styleLbl name="alignNode1">
-    <dgm:fillClrLst meth="repeat">
-      <a:schemeClr val="accent1"/>
-    </dgm:fillClrLst>
-    <dgm:linClrLst meth="repeat">
-      <a:schemeClr val="accent1"/>
-    </dgm:linClrLst>
-    <dgm:effectClrLst/>
-    <dgm:txLinClrLst/>
-    <dgm:txFillClrLst/>
-    <dgm:txEffectClrLst/>
-  </dgm:styleLbl>
-  <dgm:styleLbl name="node1">
-    <dgm:fillClrLst meth="repeat">
-      <a:schemeClr val="accent1"/>
-    </dgm:fillClrLst>
-    <dgm:linClrLst meth="repeat">
-      <a:schemeClr val="lt1"/>
-    </dgm:linClrLst>
-    <dgm:effectClrLst/>
-    <dgm:txLinClrLst/>
-    <dgm:txFillClrLst/>
-    <dgm:txEffectClrLst/>
-  </dgm:styleLbl>
-  <dgm:styleLbl name="lnNode1">
-    <dgm:fillClrLst meth="repeat">
-      <a:schemeClr val="accent1"/>
-    </dgm:fillClrLst>
-    <dgm:linClrLst meth="repeat">
-      <a:schemeClr val="lt1"/>
-    </dgm:linClrLst>
-    <dgm:effectClrLst/>
-    <dgm:txLinClrLst/>
-    <dgm:txFillClrLst/>
-    <dgm:txEffectClrLst/>
-  </dgm:styleLbl>
-  <dgm:styleLbl name="vennNode1">
-    <dgm:fillClrLst meth="repeat">
-      <a:schemeClr val="accent1">
-        <a:alpha val="50000"/>
-      </a:schemeClr>
-    </dgm:fillClrLst>
-    <dgm:linClrLst meth="repeat">
-      <a:schemeClr val="lt1"/>
-    </dgm:linClrLst>
-    <dgm:effectClrLst/>
-    <dgm:txLinClrLst/>
-    <dgm:txFillClrLst/>
-    <dgm:txEffectClrLst/>
-  </dgm:styleLbl>
-  <dgm:styleLbl name="node2">
-    <dgm:fillClrLst meth="repeat">
-      <a:schemeClr val="accent1"/>
-    </dgm:fillClrLst>
-    <dgm:linClrLst meth="repeat">
-      <a:schemeClr val="lt1"/>
-    </dgm:linClrLst>
-    <dgm:effectClrLst/>
-    <dgm:txLinClrLst/>
-    <dgm:txFillClrLst/>
-    <dgm:txEffectClrLst/>
-  </dgm:styleLbl>
-  <dgm:styleLbl name="node3">
-    <dgm:fillClrLst meth="repeat">
-      <a:schemeClr val="accent1"/>
-    </dgm:fillClrLst>
-    <dgm:linClrLst meth="repeat">
-      <a:schemeClr val="lt1"/>
-    </dgm:linClrLst>
-    <dgm:effectClrLst/>
-    <dgm:txLinClrLst/>
-    <dgm:txFillClrLst/>
-    <dgm:txEffectClrLst/>
-  </dgm:styleLbl>
-  <dgm:styleLbl name="node4">
-    <dgm:fillClrLst meth="repeat">
-      <a:schemeClr val="accent1"/>
-    </dgm:fillClrLst>
-    <dgm:linClrLst meth="repeat">
-      <a:schemeClr val="lt1"/>
-    </dgm:linClrLst>
-    <dgm:effectClrLst/>
-    <dgm:txLinClrLst/>
-    <dgm:txFillClrLst/>
-    <dgm:txEffectClrLst/>
-  </dgm:styleLbl>
-  <dgm:styleLbl name="fgImgPlace1">
-    <dgm:fillClrLst meth="repeat">
-      <a:schemeClr val="accent1">
-        <a:tint val="50000"/>
-      </a:schemeClr>
-    </dgm:fillClrLst>
-    <dgm:linClrLst meth="repeat">
-      <a:schemeClr val="lt1"/>
-    </dgm:linClrLst>
-    <dgm:effectClrLst/>
-    <dgm:txLinClrLst/>
-    <dgm:txFillClrLst meth="repeat">
-      <a:schemeClr val="lt1"/>
-    </dgm:txFillClrLst>
-    <dgm:txEffectClrLst/>
-  </dgm:styleLbl>
-  <dgm:styleLbl name="alignImgPlace1">
-    <dgm:fillClrLst meth="repeat">
-      <a:schemeClr val="accent1">
-        <a:tint val="50000"/>
-      </a:schemeClr>
-    </dgm:fillClrLst>
-    <dgm:linClrLst meth="repeat">
-      <a:schemeClr val="lt1"/>
-    </dgm:linClrLst>
-    <dgm:effectClrLst/>
-    <dgm:txLinClrLst/>
-    <dgm:txFillClrLst meth="repeat">
-      <a:schemeClr val="lt1"/>
-    </dgm:txFillClrLst>
-    <dgm:txEffectClrLst/>
-  </dgm:styleLbl>
-  <dgm:styleLbl name="bgImgPlace1">
-    <dgm:fillClrLst meth="repeat">
-      <a:schemeClr val="accent1">
-        <a:tint val="50000"/>
-      </a:schemeClr>
-    </dgm:fillClrLst>
-    <dgm:linClrLst meth="repeat">
-      <a:schemeClr val="lt1"/>
-    </dgm:linClrLst>
-    <dgm:effectClrLst/>
-    <dgm:txLinClrLst/>
-    <dgm:txFillClrLst meth="repeat">
-      <a:schemeClr val="lt1"/>
-    </dgm:txFillClrLst>
-    <dgm:txEffectClrLst/>
-  </dgm:styleLbl>
-  <dgm:styleLbl name="sibTrans2D1">
-    <dgm:fillClrLst meth="repeat">
-      <a:schemeClr val="accent1">
-        <a:tint val="60000"/>
-      </a:schemeClr>
-    </dgm:fillClrLst>
-    <dgm:linClrLst meth="repeat">
-      <a:schemeClr val="accent1">
-        <a:tint val="60000"/>
-      </a:schemeClr>
-    </dgm:linClrLst>
-    <dgm:effectClrLst/>
-    <dgm:txLinClrLst/>
-    <dgm:txFillClrLst/>
-    <dgm:txEffectClrLst/>
-  </dgm:styleLbl>
-  <dgm:styleLbl name="fgSibTrans2D1">
-    <dgm:fillClrLst meth="repeat">
-      <a:schemeClr val="accent1">
-        <a:tint val="60000"/>
-      </a:schemeClr>
-    </dgm:fillClrLst>
-    <dgm:linClrLst meth="repeat">
-      <a:schemeClr val="accent1">
-        <a:tint val="60000"/>
-      </a:schemeClr>
-    </dgm:linClrLst>
-    <dgm:effectClrLst/>
-    <dgm:txLinClrLst/>
-    <dgm:txFillClrLst/>
-    <dgm:txEffectClrLst/>
-  </dgm:styleLbl>
-  <dgm:styleLbl name="bgSibTrans2D1">
-    <dgm:fillClrLst meth="repeat">
-      <a:schemeClr val="accent1">
-        <a:tint val="60000"/>
-      </a:schemeClr>
-    </dgm:fillClrLst>
-    <dgm:linClrLst meth="repeat">
-      <a:schemeClr val="accent1">
-        <a:tint val="60000"/>
-      </a:schemeClr>
-    </dgm:linClrLst>
-    <dgm:effectClrLst/>
-    <dgm:txLinClrLst/>
-    <dgm:txFillClrLst/>
-    <dgm:txEffectClrLst/>
-  </dgm:styleLbl>
-  <dgm:styleLbl name="sibTrans1D1">
-    <dgm:fillClrLst meth="repeat">
-      <a:schemeClr val="accent1"/>
-    </dgm:fillClrLst>
-    <dgm:linClrLst meth="repeat">
-      <a:schemeClr val="accent1"/>
-    </dgm:linClrLst>
-    <dgm:effectClrLst/>
-    <dgm:txLinClrLst/>
-    <dgm:txFillClrLst meth="repeat">
-      <a:schemeClr val="tx1"/>
-    </dgm:txFillClrLst>
-    <dgm:txEffectClrLst/>
-  </dgm:styleLbl>
-  <dgm:styleLbl name="callout">
-    <dgm:fillClrLst meth="repeat">
-      <a:schemeClr val="accent1"/>
-    </dgm:fillClrLst>
-    <dgm:linClrLst meth="repeat">
-      <a:schemeClr val="accent1">
-        <a:tint val="50000"/>
-      </a:schemeClr>
-    </dgm:linClrLst>
-    <dgm:effectClrLst/>
-    <dgm:txLinClrLst/>
-    <dgm:txFillClrLst meth="repeat">
-      <a:schemeClr val="tx1"/>
-    </dgm:txFillClrLst>
-    <dgm:txEffectClrLst/>
-  </dgm:styleLbl>
-  <dgm:styleLbl name="asst0">
-    <dgm:fillClrLst meth="repeat">
-      <a:schemeClr val="accent1"/>
-    </dgm:fillClrLst>
-    <dgm:linClrLst meth="repeat">
-      <a:schemeClr val="lt1"/>
-    </dgm:linClrLst>
-    <dgm:effectClrLst/>
-    <dgm:txLinClrLst/>
-    <dgm:txFillClrLst/>
-    <dgm:txEffectClrLst/>
-  </dgm:styleLbl>
-  <dgm:styleLbl name="asst1">
-    <dgm:fillClrLst meth="repeat">
-      <a:schemeClr val="accent1"/>
-    </dgm:fillClrLst>
-    <dgm:linClrLst meth="repeat">
-      <a:schemeClr val="lt1"/>
-    </dgm:linClrLst>
-    <dgm:effectClrLst/>
-    <dgm:txLinClrLst/>
-    <dgm:txFillClrLst/>
-    <dgm:txEffectClrLst/>
-  </dgm:styleLbl>
-  <dgm:styleLbl name="asst2">
-    <dgm:fillClrLst meth="repeat">
-      <a:schemeClr val="accent1"/>
-    </dgm:fillClrLst>
-    <dgm:linClrLst meth="repeat">
-      <a:schemeClr val="lt1"/>
-    </dgm:linClrLst>
-    <dgm:effectClrLst/>
-    <dgm:txLinClrLst/>
-    <dgm:txFillClrLst/>
-    <dgm:txEffectClrLst/>
-  </dgm:styleLbl>
-  <dgm:styleLbl name="asst3">
-    <dgm:fillClrLst meth="repeat">
-      <a:schemeClr val="accent1"/>
-    </dgm:fillClrLst>
-    <dgm:linClrLst meth="repeat">
-      <a:schemeClr val="lt1"/>
-    </dgm:linClrLst>
-    <dgm:effectClrLst/>
-    <dgm:txLinClrLst/>
-    <dgm:txFillClrLst/>
-    <dgm:txEffectClrLst/>
-  </dgm:styleLbl>
-  <dgm:styleLbl name="asst4">
-    <dgm:fillClrLst meth="repeat">
-      <a:schemeClr val="accent1"/>
-    </dgm:fillClrLst>
-    <dgm:linClrLst meth="repeat">
-      <a:schemeClr val="lt1"/>
-    </dgm:linClrLst>
-    <dgm:effectClrLst/>
-    <dgm:txLinClrLst/>
-    <dgm:txFillClrLst/>
-    <dgm:txEffectClrLst/>
-  </dgm:styleLbl>
-  <dgm:styleLbl name="parChTrans2D1">
-    <dgm:fillClrLst meth="repeat">
-      <a:schemeClr val="accent1">
-        <a:tint val="60000"/>
-      </a:schemeClr>
-    </dgm:fillClrLst>
-    <dgm:linClrLst meth="repeat">
-      <a:schemeClr val="accent1">
-        <a:tint val="60000"/>
-      </a:schemeClr>
-    </dgm:linClrLst>
-    <dgm:effectClrLst/>
-    <dgm:txLinClrLst/>
-    <dgm:txFillClrLst meth="repeat">
-      <a:schemeClr val="lt1"/>
-    </dgm:txFillClrLst>
-    <dgm:txEffectClrLst/>
-  </dgm:styleLbl>
-  <dgm:styleLbl name="parChTrans2D2">
-    <dgm:fillClrLst meth="repeat">
-      <a:schemeClr val="accent1"/>
-    </dgm:fillClrLst>
-    <dgm:linClrLst meth="repeat">
-      <a:schemeClr val="accent1"/>
-    </dgm:linClrLst>
-    <dgm:effectClrLst/>
-    <dgm:txLinClrLst/>
-    <dgm:txFillClrLst meth="repeat">
-      <a:schemeClr val="lt1"/>
-    </dgm:txFillClrLst>
-    <dgm:txEffectClrLst/>
-  </dgm:styleLbl>
-  <dgm:styleLbl name="parChTrans2D3">
-    <dgm:fillClrLst meth="repeat">
-      <a:schemeClr val="accent1"/>
-    </dgm:fillClrLst>
-    <dgm:linClrLst meth="repeat">
-      <a:schemeClr val="accent1"/>
-    </dgm:linClrLst>
-    <dgm:effectClrLst/>
-    <dgm:txLinClrLst/>
-    <dgm:txFillClrLst meth="repeat">
-      <a:schemeClr val="lt1"/>
-    </dgm:txFillClrLst>
-    <dgm:txEffectClrLst/>
-  </dgm:styleLbl>
-  <dgm:styleLbl name="parChTrans2D4">
-    <dgm:fillClrLst meth="repeat">
-      <a:schemeClr val="accent1"/>
-    </dgm:fillClrLst>
-    <dgm:linClrLst meth="repeat">
-      <a:schemeClr val="accent1"/>
-    </dgm:linClrLst>
-    <dgm:effectClrLst/>
-    <dgm:txLinClrLst/>
-    <dgm:txFillClrLst meth="repeat">
-      <a:schemeClr val="lt1"/>
-    </dgm:txFillClrLst>
-    <dgm:txEffectClrLst/>
-  </dgm:styleLbl>
-  <dgm:styleLbl name="parChTrans1D1">
-    <dgm:fillClrLst meth="repeat">
-      <a:schemeClr val="accent1"/>
-    </dgm:fillClrLst>
-    <dgm:linClrLst meth="repeat">
-      <a:schemeClr val="accent1">
-        <a:shade val="60000"/>
-      </a:schemeClr>
-    </dgm:linClrLst>
-    <dgm:effectClrLst/>
-    <dgm:txLinClrLst/>
-    <dgm:txFillClrLst meth="repeat">
-      <a:schemeClr val="tx1"/>
-    </dgm:txFillClrLst>
-    <dgm:txEffectClrLst/>
-  </dgm:styleLbl>
-  <dgm:styleLbl name="parChTrans1D2">
-    <dgm:fillClrLst meth="repeat">
-      <a:schemeClr val="accent1"/>
-    </dgm:fillClrLst>
-    <dgm:linClrLst meth="repeat">
-      <a:schemeClr val="accent1">
-        <a:shade val="60000"/>
-      </a:schemeClr>
-    </dgm:linClrLst>
-    <dgm:effectClrLst/>
-    <dgm:txLinClrLst/>
-    <dgm:txFillClrLst meth="repeat">
-      <a:schemeClr val="tx1"/>
-    </dgm:txFillClrLst>
-    <dgm:txEffectClrLst/>
-  </dgm:styleLbl>
-  <dgm:styleLbl name="parChTrans1D3">
-    <dgm:fillClrLst meth="repeat">
-      <a:schemeClr val="accent1"/>
-    </dgm:fillClrLst>
-    <dgm:linClrLst meth="repeat">
-      <a:schemeClr val="accent1">
-        <a:shade val="80000"/>
-      </a:schemeClr>
-    </dgm:linClrLst>
-    <dgm:effectClrLst/>
-    <dgm:txLinClrLst/>
-    <dgm:txFillClrLst meth="repeat">
-      <a:schemeClr val="tx1"/>
-    </dgm:txFillClrLst>
-    <dgm:txEffectClrLst/>
-  </dgm:styleLbl>
-  <dgm:styleLbl name="parChTrans1D4">
-    <dgm:fillClrLst meth="repeat">
-      <a:schemeClr val="accent1"/>
-    </dgm:fillClrLst>
-    <dgm:linClrLst meth="repeat">
-      <a:schemeClr val="accent1">
-        <a:shade val="80000"/>
-      </a:schemeClr>
-    </dgm:linClrLst>
-    <dgm:effectClrLst/>
-    <dgm:txLinClrLst/>
-    <dgm:txFillClrLst meth="repeat">
-      <a:schemeClr val="tx1"/>
-    </dgm:txFillClrLst>
-    <dgm:txEffectClrLst/>
-  </dgm:styleLbl>
-  <dgm:styleLbl name="fgAcc1">
-    <dgm:fillClrLst meth="repeat">
-      <a:schemeClr val="lt1">
-        <a:alpha val="90000"/>
-      </a:schemeClr>
-    </dgm:fillClrLst>
-    <dgm:linClrLst meth="repeat">
-      <a:schemeClr val="accent1"/>
-    </dgm:linClrLst>
-    <dgm:effectClrLst/>
-    <dgm:txLinClrLst/>
-    <dgm:txFillClrLst meth="repeat">
-      <a:schemeClr val="dk1"/>
-    </dgm:txFillClrLst>
-    <dgm:txEffectClrLst/>
-  </dgm:styleLbl>
-  <dgm:styleLbl name="conFgAcc1">
-    <dgm:fillClrLst meth="repeat">
-      <a:schemeClr val="lt1">
-        <a:alpha val="90000"/>
-      </a:schemeClr>
-    </dgm:fillClrLst>
-    <dgm:linClrLst meth="repeat">
-      <a:schemeClr val="accent1"/>
-    </dgm:linClrLst>
-    <dgm:effectClrLst/>
-    <dgm:txLinClrLst/>
-    <dgm:txFillClrLst meth="repeat">
-      <a:schemeClr val="dk1"/>
-    </dgm:txFillClrLst>
-    <dgm:txEffectClrLst/>
-  </dgm:styleLbl>
-  <dgm:styleLbl name="alignAcc1">
-    <dgm:fillClrLst meth="repeat">
-      <a:schemeClr val="lt1">
-        <a:alpha val="90000"/>
-      </a:schemeClr>
-    </dgm:fillClrLst>
-    <dgm:linClrLst meth="repeat">
-      <a:schemeClr val="accent1"/>
-    </dgm:linClrLst>
-    <dgm:effectClrLst/>
-    <dgm:txLinClrLst/>
-    <dgm:txFillClrLst meth="repeat">
-      <a:schemeClr val="dk1"/>
-    </dgm:txFillClrLst>
-    <dgm:txEffectClrLst/>
-  </dgm:styleLbl>
-  <dgm:styleLbl name="trAlignAcc1">
-    <dgm:fillClrLst meth="repeat">
-      <a:schemeClr val="lt1">
-        <a:alpha val="40000"/>
-      </a:schemeClr>
-    </dgm:fillClrLst>
-    <dgm:linClrLst meth="repeat">
-      <a:schemeClr val="accent1"/>
-    </dgm:linClrLst>
-    <dgm:effectClrLst/>
-    <dgm:txLinClrLst/>
-    <dgm:txFillClrLst meth="repeat">
-      <a:schemeClr val="dk1"/>
-    </dgm:txFillClrLst>
-    <dgm:txEffectClrLst/>
-  </dgm:styleLbl>
-  <dgm:styleLbl name="bgAcc1">
-    <dgm:fillClrLst meth="repeat">
-      <a:schemeClr val="lt1">
-        <a:alpha val="90000"/>
-      </a:schemeClr>
-    </dgm:fillClrLst>
-    <dgm:linClrLst meth="repeat">
-      <a:schemeClr val="accent1"/>
-    </dgm:linClrLst>
-    <dgm:effectClrLst/>
-    <dgm:txLinClrLst/>
-    <dgm:txFillClrLst meth="repeat">
-      <a:schemeClr val="dk1"/>
-    </dgm:txFillClrLst>
-    <dgm:txEffectClrLst/>
-  </dgm:styleLbl>
-  <dgm:styleLbl name="solidFgAcc1">
-    <dgm:fillClrLst meth="repeat">
-      <a:schemeClr val="lt1"/>
-    </dgm:fillClrLst>
-    <dgm:linClrLst meth="repeat">
-      <a:schemeClr val="accent1"/>
-    </dgm:linClrLst>
-    <dgm:effectClrLst/>
-    <dgm:txLinClrLst/>
-    <dgm:txFillClrLst meth="repeat">
-      <a:schemeClr val="dk1"/>
-    </dgm:txFillClrLst>
-    <dgm:txEffectClrLst/>
-  </dgm:styleLbl>
-  <dgm:styleLbl name="solidAlignAcc1">
-    <dgm:fillClrLst meth="repeat">
-      <a:schemeClr val="lt1"/>
-    </dgm:fillClrLst>
-    <dgm:linClrLst meth="repeat">
-      <a:schemeClr val="accent1"/>
-    </dgm:linClrLst>
-    <dgm:effectClrLst/>
-    <dgm:txLinClrLst/>
-    <dgm:txFillClrLst meth="repeat">
-      <a:schemeClr val="dk1"/>
-    </dgm:txFillClrLst>
-    <dgm:txEffectClrLst/>
-  </dgm:styleLbl>
-  <dgm:styleLbl name="solidBgAcc1">
-    <dgm:fillClrLst meth="repeat">
-      <a:schemeClr val="lt1"/>
-    </dgm:fillClrLst>
-    <dgm:linClrLst meth="repeat">
-      <a:schemeClr val="accent1"/>
-    </dgm:linClrLst>
-    <dgm:effectClrLst/>
-    <dgm:txLinClrLst/>
-    <dgm:txFillClrLst meth="repeat">
-      <a:schemeClr val="dk1"/>
-    </dgm:txFillClrLst>
-    <dgm:txEffectClrLst/>
-  </dgm:styleLbl>
-  <dgm:styleLbl name="fgAccFollowNode1">
-    <dgm:fillClrLst meth="repeat">
-      <a:schemeClr val="accent1">
-        <a:alpha val="90000"/>
-        <a:tint val="40000"/>
-      </a:schemeClr>
-    </dgm:fillClrLst>
-    <dgm:linClrLst meth="repeat">
-      <a:schemeClr val="accent1">
-        <a:alpha val="90000"/>
-        <a:tint val="40000"/>
-      </a:schemeClr>
-    </dgm:linClrLst>
-    <dgm:effectClrLst/>
-    <dgm:txLinClrLst/>
-    <dgm:txFillClrLst meth="repeat">
-      <a:schemeClr val="dk1"/>
-    </dgm:txFillClrLst>
-    <dgm:txEffectClrLst/>
-  </dgm:styleLbl>
-  <dgm:styleLbl name="alignAccFollowNode1">
-    <dgm:fillClrLst meth="repeat">
-      <a:schemeClr val="accent1">
-        <a:alpha val="90000"/>
-        <a:tint val="40000"/>
-      </a:schemeClr>
-    </dgm:fillClrLst>
-    <dgm:linClrLst meth="repeat">
-      <a:schemeClr val="accent1">
-        <a:alpha val="90000"/>
-        <a:tint val="40000"/>
-      </a:schemeClr>
-    </dgm:linClrLst>
-    <dgm:effectClrLst/>
-    <dgm:txLinClrLst/>
-    <dgm:txFillClrLst meth="repeat">
-      <a:schemeClr val="dk1"/>
-    </dgm:txFillClrLst>
-    <dgm:txEffectClrLst/>
-  </dgm:styleLbl>
-  <dgm:styleLbl name="bgAccFollowNode1">
-    <dgm:fillClrLst meth="repeat">
-      <a:schemeClr val="accent1">
-        <a:alpha val="90000"/>
-        <a:tint val="40000"/>
-      </a:schemeClr>
-    </dgm:fillClrLst>
-    <dgm:linClrLst meth="repeat">
-      <a:schemeClr val="accent1">
-        <a:alpha val="90000"/>
-        <a:tint val="40000"/>
-      </a:schemeClr>
-    </dgm:linClrLst>
-    <dgm:effectClrLst/>
-    <dgm:txLinClrLst/>
-    <dgm:txFillClrLst meth="repeat">
-      <a:schemeClr val="dk1"/>
-    </dgm:txFillClrLst>
-    <dgm:txEffectClrLst/>
-  </dgm:styleLbl>
-  <dgm:styleLbl name="fgAcc0">
-    <dgm:fillClrLst meth="repeat">
-      <a:schemeClr val="lt1">
-        <a:alpha val="90000"/>
-      </a:schemeClr>
-    </dgm:fillClrLst>
-    <dgm:linClrLst meth="repeat">
-      <a:schemeClr val="accent1"/>
-    </dgm:linClrLst>
-    <dgm:effectClrLst/>
-    <dgm:txLinClrLst/>
-    <dgm:txFillClrLst meth="repeat">
-      <a:schemeClr val="dk1"/>
-    </dgm:txFillClrLst>
-    <dgm:txEffectClrLst/>
-  </dgm:styleLbl>
-  <dgm:styleLbl name="fgAcc2">
-    <dgm:fillClrLst meth="repeat">
-      <a:schemeClr val="lt1">
-        <a:alpha val="90000"/>
-      </a:schemeClr>
-    </dgm:fillClrLst>
-    <dgm:linClrLst meth="repeat">
-      <a:schemeClr val="accent1"/>
-    </dgm:linClrLst>
-    <dgm:effectClrLst/>
-    <dgm:txLinClrLst/>
-    <dgm:txFillClrLst meth="repeat">
-      <a:schemeClr val="dk1"/>
-    </dgm:txFillClrLst>
-    <dgm:txEffectClrLst/>
-  </dgm:styleLbl>
-  <dgm:styleLbl name="fgAcc3">
-    <dgm:fillClrLst meth="repeat">
-      <a:schemeClr val="lt1">
-        <a:alpha val="90000"/>
-      </a:schemeClr>
-    </dgm:fillClrLst>
-    <dgm:linClrLst meth="repeat">
-      <a:schemeClr val="accent1"/>
-    </dgm:linClrLst>
-    <dgm:effectClrLst/>
-    <dgm:txLinClrLst/>
-    <dgm:txFillClrLst meth="repeat">
-      <a:schemeClr val="dk1"/>
-    </dgm:txFillClrLst>
-    <dgm:txEffectClrLst/>
-  </dgm:styleLbl>
-  <dgm:styleLbl name="fgAcc4">
-    <dgm:fillClrLst meth="repeat">
-      <a:schemeClr val="lt1">
-        <a:alpha val="90000"/>
-      </a:schemeClr>
-    </dgm:fillClrLst>
-    <dgm:linClrLst meth="repeat">
-      <a:schemeClr val="accent1"/>
-    </dgm:linClrLst>
-    <dgm:effectClrLst/>
-    <dgm:txLinClrLst/>
-    <dgm:txFillClrLst meth="repeat">
-      <a:schemeClr val="dk1"/>
-    </dgm:txFillClrLst>
-    <dgm:txEffectClrLst/>
-  </dgm:styleLbl>
-  <dgm:styleLbl name="bgShp">
-    <dgm:fillClrLst meth="repeat">
-      <a:schemeClr val="accent1">
-        <a:tint val="40000"/>
-      </a:schemeClr>
-    </dgm:fillClrLst>
-    <dgm:linClrLst meth="repeat">
-      <a:schemeClr val="accent1"/>
-    </dgm:linClrLst>
-    <dgm:effectClrLst/>
-    <dgm:txLinClrLst/>
-    <dgm:txFillClrLst meth="repeat">
-      <a:schemeClr val="dk1"/>
-    </dgm:txFillClrLst>
-    <dgm:txEffectClrLst/>
-  </dgm:styleLbl>
-  <dgm:styleLbl name="dkBgShp">
-    <dgm:fillClrLst meth="repeat">
-      <a:schemeClr val="accent1">
-        <a:shade val="80000"/>
-      </a:schemeClr>
-    </dgm:fillClrLst>
-    <dgm:linClrLst meth="repeat">
-      <a:schemeClr val="accent1"/>
-    </dgm:linClrLst>
-    <dgm:effectClrLst/>
-    <dgm:txLinClrLst/>
-    <dgm:txFillClrLst meth="repeat">
-      <a:schemeClr val="lt1"/>
-    </dgm:txFillClrLst>
-    <dgm:txEffectClrLst/>
-  </dgm:styleLbl>
-  <dgm:styleLbl name="trBgShp">
-    <dgm:fillClrLst meth="repeat">
-      <a:schemeClr val="accent1">
-        <a:tint val="50000"/>
-        <a:alpha val="40000"/>
-      </a:schemeClr>
-    </dgm:fillClrLst>
-    <dgm:linClrLst meth="repeat">
-      <a:schemeClr val="accent1"/>
-    </dgm:linClrLst>
-    <dgm:effectClrLst/>
-    <dgm:txLinClrLst/>
-    <dgm:txFillClrLst meth="repeat">
-      <a:schemeClr val="lt1"/>
-    </dgm:txFillClrLst>
-    <dgm:txEffectClrLst/>
-  </dgm:styleLbl>
-  <dgm:styleLbl name="fgShp">
-    <dgm:fillClrLst meth="repeat">
-      <a:schemeClr val="accent1">
-        <a:tint val="60000"/>
-      </a:schemeClr>
-    </dgm:fillClrLst>
-    <dgm:linClrLst meth="repeat">
-      <a:schemeClr val="lt1"/>
-    </dgm:linClrLst>
-    <dgm:effectClrLst/>
-    <dgm:txLinClrLst/>
-    <dgm:txFillClrLst meth="repeat">
-      <a:schemeClr val="dk1"/>
-    </dgm:txFillClrLst>
-    <dgm:txEffectClrLst/>
-  </dgm:styleLbl>
-  <dgm:styleLbl name="revTx">
-    <dgm:fillClrLst meth="repeat">
-      <a:schemeClr val="lt1">
-        <a:alpha val="0"/>
-      </a:schemeClr>
-    </dgm:fillClrLst>
-    <dgm:linClrLst meth="repeat">
-      <a:schemeClr val="dk1">
-        <a:alpha val="0"/>
-      </a:schemeClr>
-    </dgm:linClrLst>
-    <dgm:effectClrLst/>
-    <dgm:txLinClrLst/>
-    <dgm:txFillClrLst meth="repeat">
-      <a:schemeClr val="tx1"/>
-    </dgm:txFillClrLst>
-    <dgm:txEffectClrLst/>
-  </dgm:styleLbl>
-</dgm:colorsDef>
-</file>
-
-<file path=ppt/diagrams/colors3.xml><?xml version="1.0" encoding="utf-8"?>
 <dgm:colorsDef xmlns:dgm="http://schemas.openxmlformats.org/drawingml/2006/diagram" xmlns:a="http://schemas.openxmlformats.org/drawingml/2006/main" uniqueId="urn:microsoft.com/office/officeart/2005/8/colors/colorful2">
   <dgm:title val=""/>
   <dgm:desc val=""/>
@@ -2576,7 +1829,7 @@
 </dgm:colorsDef>
 </file>
 
-<file path=ppt/diagrams/colors4.xml><?xml version="1.0" encoding="utf-8"?>
+<file path=ppt/diagrams/colors3.xml><?xml version="1.0" encoding="utf-8"?>
 <dgm:colorsDef xmlns:dgm="http://schemas.openxmlformats.org/drawingml/2006/diagram" xmlns:a="http://schemas.openxmlformats.org/drawingml/2006/main" uniqueId="urn:microsoft.com/office/officeart/2005/8/colors/colorful2">
   <dgm:title val=""/>
   <dgm:desc val=""/>
@@ -3325,6 +2578,753 @@
     <dgm:fillClrLst meth="repeat">
       <a:schemeClr val="accent2">
         <a:tint val="40000"/>
+      </a:schemeClr>
+    </dgm:fillClrLst>
+    <dgm:linClrLst meth="repeat">
+      <a:schemeClr val="lt1"/>
+    </dgm:linClrLst>
+    <dgm:effectClrLst/>
+    <dgm:txLinClrLst/>
+    <dgm:txFillClrLst meth="repeat">
+      <a:schemeClr val="dk1"/>
+    </dgm:txFillClrLst>
+    <dgm:txEffectClrLst/>
+  </dgm:styleLbl>
+  <dgm:styleLbl name="revTx">
+    <dgm:fillClrLst meth="repeat">
+      <a:schemeClr val="lt1">
+        <a:alpha val="0"/>
+      </a:schemeClr>
+    </dgm:fillClrLst>
+    <dgm:linClrLst meth="repeat">
+      <a:schemeClr val="dk1">
+        <a:alpha val="0"/>
+      </a:schemeClr>
+    </dgm:linClrLst>
+    <dgm:effectClrLst/>
+    <dgm:txLinClrLst/>
+    <dgm:txFillClrLst meth="repeat">
+      <a:schemeClr val="tx1"/>
+    </dgm:txFillClrLst>
+    <dgm:txEffectClrLst/>
+  </dgm:styleLbl>
+</dgm:colorsDef>
+</file>
+
+<file path=ppt/diagrams/colors4.xml><?xml version="1.0" encoding="utf-8"?>
+<dgm:colorsDef xmlns:dgm="http://schemas.openxmlformats.org/drawingml/2006/diagram" xmlns:a="http://schemas.openxmlformats.org/drawingml/2006/main" uniqueId="urn:microsoft.com/office/officeart/2005/8/colors/accent1_2">
+  <dgm:title val=""/>
+  <dgm:desc val=""/>
+  <dgm:catLst>
+    <dgm:cat type="accent1" pri="11200"/>
+  </dgm:catLst>
+  <dgm:styleLbl name="node0">
+    <dgm:fillClrLst meth="repeat">
+      <a:schemeClr val="accent1"/>
+    </dgm:fillClrLst>
+    <dgm:linClrLst meth="repeat">
+      <a:schemeClr val="lt1"/>
+    </dgm:linClrLst>
+    <dgm:effectClrLst/>
+    <dgm:txLinClrLst/>
+    <dgm:txFillClrLst/>
+    <dgm:txEffectClrLst/>
+  </dgm:styleLbl>
+  <dgm:styleLbl name="alignNode1">
+    <dgm:fillClrLst meth="repeat">
+      <a:schemeClr val="accent1"/>
+    </dgm:fillClrLst>
+    <dgm:linClrLst meth="repeat">
+      <a:schemeClr val="accent1"/>
+    </dgm:linClrLst>
+    <dgm:effectClrLst/>
+    <dgm:txLinClrLst/>
+    <dgm:txFillClrLst/>
+    <dgm:txEffectClrLst/>
+  </dgm:styleLbl>
+  <dgm:styleLbl name="node1">
+    <dgm:fillClrLst meth="repeat">
+      <a:schemeClr val="accent1"/>
+    </dgm:fillClrLst>
+    <dgm:linClrLst meth="repeat">
+      <a:schemeClr val="lt1"/>
+    </dgm:linClrLst>
+    <dgm:effectClrLst/>
+    <dgm:txLinClrLst/>
+    <dgm:txFillClrLst/>
+    <dgm:txEffectClrLst/>
+  </dgm:styleLbl>
+  <dgm:styleLbl name="lnNode1">
+    <dgm:fillClrLst meth="repeat">
+      <a:schemeClr val="accent1"/>
+    </dgm:fillClrLst>
+    <dgm:linClrLst meth="repeat">
+      <a:schemeClr val="lt1"/>
+    </dgm:linClrLst>
+    <dgm:effectClrLst/>
+    <dgm:txLinClrLst/>
+    <dgm:txFillClrLst/>
+    <dgm:txEffectClrLst/>
+  </dgm:styleLbl>
+  <dgm:styleLbl name="vennNode1">
+    <dgm:fillClrLst meth="repeat">
+      <a:schemeClr val="accent1">
+        <a:alpha val="50000"/>
+      </a:schemeClr>
+    </dgm:fillClrLst>
+    <dgm:linClrLst meth="repeat">
+      <a:schemeClr val="lt1"/>
+    </dgm:linClrLst>
+    <dgm:effectClrLst/>
+    <dgm:txLinClrLst/>
+    <dgm:txFillClrLst/>
+    <dgm:txEffectClrLst/>
+  </dgm:styleLbl>
+  <dgm:styleLbl name="node2">
+    <dgm:fillClrLst meth="repeat">
+      <a:schemeClr val="accent1"/>
+    </dgm:fillClrLst>
+    <dgm:linClrLst meth="repeat">
+      <a:schemeClr val="lt1"/>
+    </dgm:linClrLst>
+    <dgm:effectClrLst/>
+    <dgm:txLinClrLst/>
+    <dgm:txFillClrLst/>
+    <dgm:txEffectClrLst/>
+  </dgm:styleLbl>
+  <dgm:styleLbl name="node3">
+    <dgm:fillClrLst meth="repeat">
+      <a:schemeClr val="accent1"/>
+    </dgm:fillClrLst>
+    <dgm:linClrLst meth="repeat">
+      <a:schemeClr val="lt1"/>
+    </dgm:linClrLst>
+    <dgm:effectClrLst/>
+    <dgm:txLinClrLst/>
+    <dgm:txFillClrLst/>
+    <dgm:txEffectClrLst/>
+  </dgm:styleLbl>
+  <dgm:styleLbl name="node4">
+    <dgm:fillClrLst meth="repeat">
+      <a:schemeClr val="accent1"/>
+    </dgm:fillClrLst>
+    <dgm:linClrLst meth="repeat">
+      <a:schemeClr val="lt1"/>
+    </dgm:linClrLst>
+    <dgm:effectClrLst/>
+    <dgm:txLinClrLst/>
+    <dgm:txFillClrLst/>
+    <dgm:txEffectClrLst/>
+  </dgm:styleLbl>
+  <dgm:styleLbl name="fgImgPlace1">
+    <dgm:fillClrLst meth="repeat">
+      <a:schemeClr val="accent1">
+        <a:tint val="50000"/>
+      </a:schemeClr>
+    </dgm:fillClrLst>
+    <dgm:linClrLst meth="repeat">
+      <a:schemeClr val="lt1"/>
+    </dgm:linClrLst>
+    <dgm:effectClrLst/>
+    <dgm:txLinClrLst/>
+    <dgm:txFillClrLst meth="repeat">
+      <a:schemeClr val="lt1"/>
+    </dgm:txFillClrLst>
+    <dgm:txEffectClrLst/>
+  </dgm:styleLbl>
+  <dgm:styleLbl name="alignImgPlace1">
+    <dgm:fillClrLst meth="repeat">
+      <a:schemeClr val="accent1">
+        <a:tint val="50000"/>
+      </a:schemeClr>
+    </dgm:fillClrLst>
+    <dgm:linClrLst meth="repeat">
+      <a:schemeClr val="lt1"/>
+    </dgm:linClrLst>
+    <dgm:effectClrLst/>
+    <dgm:txLinClrLst/>
+    <dgm:txFillClrLst meth="repeat">
+      <a:schemeClr val="lt1"/>
+    </dgm:txFillClrLst>
+    <dgm:txEffectClrLst/>
+  </dgm:styleLbl>
+  <dgm:styleLbl name="bgImgPlace1">
+    <dgm:fillClrLst meth="repeat">
+      <a:schemeClr val="accent1">
+        <a:tint val="50000"/>
+      </a:schemeClr>
+    </dgm:fillClrLst>
+    <dgm:linClrLst meth="repeat">
+      <a:schemeClr val="lt1"/>
+    </dgm:linClrLst>
+    <dgm:effectClrLst/>
+    <dgm:txLinClrLst/>
+    <dgm:txFillClrLst meth="repeat">
+      <a:schemeClr val="lt1"/>
+    </dgm:txFillClrLst>
+    <dgm:txEffectClrLst/>
+  </dgm:styleLbl>
+  <dgm:styleLbl name="sibTrans2D1">
+    <dgm:fillClrLst meth="repeat">
+      <a:schemeClr val="accent1">
+        <a:tint val="60000"/>
+      </a:schemeClr>
+    </dgm:fillClrLst>
+    <dgm:linClrLst meth="repeat">
+      <a:schemeClr val="accent1">
+        <a:tint val="60000"/>
+      </a:schemeClr>
+    </dgm:linClrLst>
+    <dgm:effectClrLst/>
+    <dgm:txLinClrLst/>
+    <dgm:txFillClrLst/>
+    <dgm:txEffectClrLst/>
+  </dgm:styleLbl>
+  <dgm:styleLbl name="fgSibTrans2D1">
+    <dgm:fillClrLst meth="repeat">
+      <a:schemeClr val="accent1">
+        <a:tint val="60000"/>
+      </a:schemeClr>
+    </dgm:fillClrLst>
+    <dgm:linClrLst meth="repeat">
+      <a:schemeClr val="accent1">
+        <a:tint val="60000"/>
+      </a:schemeClr>
+    </dgm:linClrLst>
+    <dgm:effectClrLst/>
+    <dgm:txLinClrLst/>
+    <dgm:txFillClrLst/>
+    <dgm:txEffectClrLst/>
+  </dgm:styleLbl>
+  <dgm:styleLbl name="bgSibTrans2D1">
+    <dgm:fillClrLst meth="repeat">
+      <a:schemeClr val="accent1">
+        <a:tint val="60000"/>
+      </a:schemeClr>
+    </dgm:fillClrLst>
+    <dgm:linClrLst meth="repeat">
+      <a:schemeClr val="accent1">
+        <a:tint val="60000"/>
+      </a:schemeClr>
+    </dgm:linClrLst>
+    <dgm:effectClrLst/>
+    <dgm:txLinClrLst/>
+    <dgm:txFillClrLst/>
+    <dgm:txEffectClrLst/>
+  </dgm:styleLbl>
+  <dgm:styleLbl name="sibTrans1D1">
+    <dgm:fillClrLst meth="repeat">
+      <a:schemeClr val="accent1"/>
+    </dgm:fillClrLst>
+    <dgm:linClrLst meth="repeat">
+      <a:schemeClr val="accent1"/>
+    </dgm:linClrLst>
+    <dgm:effectClrLst/>
+    <dgm:txLinClrLst/>
+    <dgm:txFillClrLst meth="repeat">
+      <a:schemeClr val="tx1"/>
+    </dgm:txFillClrLst>
+    <dgm:txEffectClrLst/>
+  </dgm:styleLbl>
+  <dgm:styleLbl name="callout">
+    <dgm:fillClrLst meth="repeat">
+      <a:schemeClr val="accent1"/>
+    </dgm:fillClrLst>
+    <dgm:linClrLst meth="repeat">
+      <a:schemeClr val="accent1">
+        <a:tint val="50000"/>
+      </a:schemeClr>
+    </dgm:linClrLst>
+    <dgm:effectClrLst/>
+    <dgm:txLinClrLst/>
+    <dgm:txFillClrLst meth="repeat">
+      <a:schemeClr val="tx1"/>
+    </dgm:txFillClrLst>
+    <dgm:txEffectClrLst/>
+  </dgm:styleLbl>
+  <dgm:styleLbl name="asst0">
+    <dgm:fillClrLst meth="repeat">
+      <a:schemeClr val="accent1"/>
+    </dgm:fillClrLst>
+    <dgm:linClrLst meth="repeat">
+      <a:schemeClr val="lt1"/>
+    </dgm:linClrLst>
+    <dgm:effectClrLst/>
+    <dgm:txLinClrLst/>
+    <dgm:txFillClrLst/>
+    <dgm:txEffectClrLst/>
+  </dgm:styleLbl>
+  <dgm:styleLbl name="asst1">
+    <dgm:fillClrLst meth="repeat">
+      <a:schemeClr val="accent1"/>
+    </dgm:fillClrLst>
+    <dgm:linClrLst meth="repeat">
+      <a:schemeClr val="lt1"/>
+    </dgm:linClrLst>
+    <dgm:effectClrLst/>
+    <dgm:txLinClrLst/>
+    <dgm:txFillClrLst/>
+    <dgm:txEffectClrLst/>
+  </dgm:styleLbl>
+  <dgm:styleLbl name="asst2">
+    <dgm:fillClrLst meth="repeat">
+      <a:schemeClr val="accent1"/>
+    </dgm:fillClrLst>
+    <dgm:linClrLst meth="repeat">
+      <a:schemeClr val="lt1"/>
+    </dgm:linClrLst>
+    <dgm:effectClrLst/>
+    <dgm:txLinClrLst/>
+    <dgm:txFillClrLst/>
+    <dgm:txEffectClrLst/>
+  </dgm:styleLbl>
+  <dgm:styleLbl name="asst3">
+    <dgm:fillClrLst meth="repeat">
+      <a:schemeClr val="accent1"/>
+    </dgm:fillClrLst>
+    <dgm:linClrLst meth="repeat">
+      <a:schemeClr val="lt1"/>
+    </dgm:linClrLst>
+    <dgm:effectClrLst/>
+    <dgm:txLinClrLst/>
+    <dgm:txFillClrLst/>
+    <dgm:txEffectClrLst/>
+  </dgm:styleLbl>
+  <dgm:styleLbl name="asst4">
+    <dgm:fillClrLst meth="repeat">
+      <a:schemeClr val="accent1"/>
+    </dgm:fillClrLst>
+    <dgm:linClrLst meth="repeat">
+      <a:schemeClr val="lt1"/>
+    </dgm:linClrLst>
+    <dgm:effectClrLst/>
+    <dgm:txLinClrLst/>
+    <dgm:txFillClrLst/>
+    <dgm:txEffectClrLst/>
+  </dgm:styleLbl>
+  <dgm:styleLbl name="parChTrans2D1">
+    <dgm:fillClrLst meth="repeat">
+      <a:schemeClr val="accent1">
+        <a:tint val="60000"/>
+      </a:schemeClr>
+    </dgm:fillClrLst>
+    <dgm:linClrLst meth="repeat">
+      <a:schemeClr val="accent1">
+        <a:tint val="60000"/>
+      </a:schemeClr>
+    </dgm:linClrLst>
+    <dgm:effectClrLst/>
+    <dgm:txLinClrLst/>
+    <dgm:txFillClrLst meth="repeat">
+      <a:schemeClr val="lt1"/>
+    </dgm:txFillClrLst>
+    <dgm:txEffectClrLst/>
+  </dgm:styleLbl>
+  <dgm:styleLbl name="parChTrans2D2">
+    <dgm:fillClrLst meth="repeat">
+      <a:schemeClr val="accent1"/>
+    </dgm:fillClrLst>
+    <dgm:linClrLst meth="repeat">
+      <a:schemeClr val="accent1"/>
+    </dgm:linClrLst>
+    <dgm:effectClrLst/>
+    <dgm:txLinClrLst/>
+    <dgm:txFillClrLst meth="repeat">
+      <a:schemeClr val="lt1"/>
+    </dgm:txFillClrLst>
+    <dgm:txEffectClrLst/>
+  </dgm:styleLbl>
+  <dgm:styleLbl name="parChTrans2D3">
+    <dgm:fillClrLst meth="repeat">
+      <a:schemeClr val="accent1"/>
+    </dgm:fillClrLst>
+    <dgm:linClrLst meth="repeat">
+      <a:schemeClr val="accent1"/>
+    </dgm:linClrLst>
+    <dgm:effectClrLst/>
+    <dgm:txLinClrLst/>
+    <dgm:txFillClrLst meth="repeat">
+      <a:schemeClr val="lt1"/>
+    </dgm:txFillClrLst>
+    <dgm:txEffectClrLst/>
+  </dgm:styleLbl>
+  <dgm:styleLbl name="parChTrans2D4">
+    <dgm:fillClrLst meth="repeat">
+      <a:schemeClr val="accent1"/>
+    </dgm:fillClrLst>
+    <dgm:linClrLst meth="repeat">
+      <a:schemeClr val="accent1"/>
+    </dgm:linClrLst>
+    <dgm:effectClrLst/>
+    <dgm:txLinClrLst/>
+    <dgm:txFillClrLst meth="repeat">
+      <a:schemeClr val="lt1"/>
+    </dgm:txFillClrLst>
+    <dgm:txEffectClrLst/>
+  </dgm:styleLbl>
+  <dgm:styleLbl name="parChTrans1D1">
+    <dgm:fillClrLst meth="repeat">
+      <a:schemeClr val="accent1"/>
+    </dgm:fillClrLst>
+    <dgm:linClrLst meth="repeat">
+      <a:schemeClr val="accent1">
+        <a:shade val="60000"/>
+      </a:schemeClr>
+    </dgm:linClrLst>
+    <dgm:effectClrLst/>
+    <dgm:txLinClrLst/>
+    <dgm:txFillClrLst meth="repeat">
+      <a:schemeClr val="tx1"/>
+    </dgm:txFillClrLst>
+    <dgm:txEffectClrLst/>
+  </dgm:styleLbl>
+  <dgm:styleLbl name="parChTrans1D2">
+    <dgm:fillClrLst meth="repeat">
+      <a:schemeClr val="accent1"/>
+    </dgm:fillClrLst>
+    <dgm:linClrLst meth="repeat">
+      <a:schemeClr val="accent1">
+        <a:shade val="60000"/>
+      </a:schemeClr>
+    </dgm:linClrLst>
+    <dgm:effectClrLst/>
+    <dgm:txLinClrLst/>
+    <dgm:txFillClrLst meth="repeat">
+      <a:schemeClr val="tx1"/>
+    </dgm:txFillClrLst>
+    <dgm:txEffectClrLst/>
+  </dgm:styleLbl>
+  <dgm:styleLbl name="parChTrans1D3">
+    <dgm:fillClrLst meth="repeat">
+      <a:schemeClr val="accent1"/>
+    </dgm:fillClrLst>
+    <dgm:linClrLst meth="repeat">
+      <a:schemeClr val="accent1">
+        <a:shade val="80000"/>
+      </a:schemeClr>
+    </dgm:linClrLst>
+    <dgm:effectClrLst/>
+    <dgm:txLinClrLst/>
+    <dgm:txFillClrLst meth="repeat">
+      <a:schemeClr val="tx1"/>
+    </dgm:txFillClrLst>
+    <dgm:txEffectClrLst/>
+  </dgm:styleLbl>
+  <dgm:styleLbl name="parChTrans1D4">
+    <dgm:fillClrLst meth="repeat">
+      <a:schemeClr val="accent1"/>
+    </dgm:fillClrLst>
+    <dgm:linClrLst meth="repeat">
+      <a:schemeClr val="accent1">
+        <a:shade val="80000"/>
+      </a:schemeClr>
+    </dgm:linClrLst>
+    <dgm:effectClrLst/>
+    <dgm:txLinClrLst/>
+    <dgm:txFillClrLst meth="repeat">
+      <a:schemeClr val="tx1"/>
+    </dgm:txFillClrLst>
+    <dgm:txEffectClrLst/>
+  </dgm:styleLbl>
+  <dgm:styleLbl name="fgAcc1">
+    <dgm:fillClrLst meth="repeat">
+      <a:schemeClr val="lt1">
+        <a:alpha val="90000"/>
+      </a:schemeClr>
+    </dgm:fillClrLst>
+    <dgm:linClrLst meth="repeat">
+      <a:schemeClr val="accent1"/>
+    </dgm:linClrLst>
+    <dgm:effectClrLst/>
+    <dgm:txLinClrLst/>
+    <dgm:txFillClrLst meth="repeat">
+      <a:schemeClr val="dk1"/>
+    </dgm:txFillClrLst>
+    <dgm:txEffectClrLst/>
+  </dgm:styleLbl>
+  <dgm:styleLbl name="conFgAcc1">
+    <dgm:fillClrLst meth="repeat">
+      <a:schemeClr val="lt1">
+        <a:alpha val="90000"/>
+      </a:schemeClr>
+    </dgm:fillClrLst>
+    <dgm:linClrLst meth="repeat">
+      <a:schemeClr val="accent1"/>
+    </dgm:linClrLst>
+    <dgm:effectClrLst/>
+    <dgm:txLinClrLst/>
+    <dgm:txFillClrLst meth="repeat">
+      <a:schemeClr val="dk1"/>
+    </dgm:txFillClrLst>
+    <dgm:txEffectClrLst/>
+  </dgm:styleLbl>
+  <dgm:styleLbl name="alignAcc1">
+    <dgm:fillClrLst meth="repeat">
+      <a:schemeClr val="lt1">
+        <a:alpha val="90000"/>
+      </a:schemeClr>
+    </dgm:fillClrLst>
+    <dgm:linClrLst meth="repeat">
+      <a:schemeClr val="accent1"/>
+    </dgm:linClrLst>
+    <dgm:effectClrLst/>
+    <dgm:txLinClrLst/>
+    <dgm:txFillClrLst meth="repeat">
+      <a:schemeClr val="dk1"/>
+    </dgm:txFillClrLst>
+    <dgm:txEffectClrLst/>
+  </dgm:styleLbl>
+  <dgm:styleLbl name="trAlignAcc1">
+    <dgm:fillClrLst meth="repeat">
+      <a:schemeClr val="lt1">
+        <a:alpha val="40000"/>
+      </a:schemeClr>
+    </dgm:fillClrLst>
+    <dgm:linClrLst meth="repeat">
+      <a:schemeClr val="accent1"/>
+    </dgm:linClrLst>
+    <dgm:effectClrLst/>
+    <dgm:txLinClrLst/>
+    <dgm:txFillClrLst meth="repeat">
+      <a:schemeClr val="dk1"/>
+    </dgm:txFillClrLst>
+    <dgm:txEffectClrLst/>
+  </dgm:styleLbl>
+  <dgm:styleLbl name="bgAcc1">
+    <dgm:fillClrLst meth="repeat">
+      <a:schemeClr val="lt1">
+        <a:alpha val="90000"/>
+      </a:schemeClr>
+    </dgm:fillClrLst>
+    <dgm:linClrLst meth="repeat">
+      <a:schemeClr val="accent1"/>
+    </dgm:linClrLst>
+    <dgm:effectClrLst/>
+    <dgm:txLinClrLst/>
+    <dgm:txFillClrLst meth="repeat">
+      <a:schemeClr val="dk1"/>
+    </dgm:txFillClrLst>
+    <dgm:txEffectClrLst/>
+  </dgm:styleLbl>
+  <dgm:styleLbl name="solidFgAcc1">
+    <dgm:fillClrLst meth="repeat">
+      <a:schemeClr val="lt1"/>
+    </dgm:fillClrLst>
+    <dgm:linClrLst meth="repeat">
+      <a:schemeClr val="accent1"/>
+    </dgm:linClrLst>
+    <dgm:effectClrLst/>
+    <dgm:txLinClrLst/>
+    <dgm:txFillClrLst meth="repeat">
+      <a:schemeClr val="dk1"/>
+    </dgm:txFillClrLst>
+    <dgm:txEffectClrLst/>
+  </dgm:styleLbl>
+  <dgm:styleLbl name="solidAlignAcc1">
+    <dgm:fillClrLst meth="repeat">
+      <a:schemeClr val="lt1"/>
+    </dgm:fillClrLst>
+    <dgm:linClrLst meth="repeat">
+      <a:schemeClr val="accent1"/>
+    </dgm:linClrLst>
+    <dgm:effectClrLst/>
+    <dgm:txLinClrLst/>
+    <dgm:txFillClrLst meth="repeat">
+      <a:schemeClr val="dk1"/>
+    </dgm:txFillClrLst>
+    <dgm:txEffectClrLst/>
+  </dgm:styleLbl>
+  <dgm:styleLbl name="solidBgAcc1">
+    <dgm:fillClrLst meth="repeat">
+      <a:schemeClr val="lt1"/>
+    </dgm:fillClrLst>
+    <dgm:linClrLst meth="repeat">
+      <a:schemeClr val="accent1"/>
+    </dgm:linClrLst>
+    <dgm:effectClrLst/>
+    <dgm:txLinClrLst/>
+    <dgm:txFillClrLst meth="repeat">
+      <a:schemeClr val="dk1"/>
+    </dgm:txFillClrLst>
+    <dgm:txEffectClrLst/>
+  </dgm:styleLbl>
+  <dgm:styleLbl name="fgAccFollowNode1">
+    <dgm:fillClrLst meth="repeat">
+      <a:schemeClr val="accent1">
+        <a:alpha val="90000"/>
+        <a:tint val="40000"/>
+      </a:schemeClr>
+    </dgm:fillClrLst>
+    <dgm:linClrLst meth="repeat">
+      <a:schemeClr val="accent1">
+        <a:alpha val="90000"/>
+        <a:tint val="40000"/>
+      </a:schemeClr>
+    </dgm:linClrLst>
+    <dgm:effectClrLst/>
+    <dgm:txLinClrLst/>
+    <dgm:txFillClrLst meth="repeat">
+      <a:schemeClr val="dk1"/>
+    </dgm:txFillClrLst>
+    <dgm:txEffectClrLst/>
+  </dgm:styleLbl>
+  <dgm:styleLbl name="alignAccFollowNode1">
+    <dgm:fillClrLst meth="repeat">
+      <a:schemeClr val="accent1">
+        <a:alpha val="90000"/>
+        <a:tint val="40000"/>
+      </a:schemeClr>
+    </dgm:fillClrLst>
+    <dgm:linClrLst meth="repeat">
+      <a:schemeClr val="accent1">
+        <a:alpha val="90000"/>
+        <a:tint val="40000"/>
+      </a:schemeClr>
+    </dgm:linClrLst>
+    <dgm:effectClrLst/>
+    <dgm:txLinClrLst/>
+    <dgm:txFillClrLst meth="repeat">
+      <a:schemeClr val="dk1"/>
+    </dgm:txFillClrLst>
+    <dgm:txEffectClrLst/>
+  </dgm:styleLbl>
+  <dgm:styleLbl name="bgAccFollowNode1">
+    <dgm:fillClrLst meth="repeat">
+      <a:schemeClr val="accent1">
+        <a:alpha val="90000"/>
+        <a:tint val="40000"/>
+      </a:schemeClr>
+    </dgm:fillClrLst>
+    <dgm:linClrLst meth="repeat">
+      <a:schemeClr val="accent1">
+        <a:alpha val="90000"/>
+        <a:tint val="40000"/>
+      </a:schemeClr>
+    </dgm:linClrLst>
+    <dgm:effectClrLst/>
+    <dgm:txLinClrLst/>
+    <dgm:txFillClrLst meth="repeat">
+      <a:schemeClr val="dk1"/>
+    </dgm:txFillClrLst>
+    <dgm:txEffectClrLst/>
+  </dgm:styleLbl>
+  <dgm:styleLbl name="fgAcc0">
+    <dgm:fillClrLst meth="repeat">
+      <a:schemeClr val="lt1">
+        <a:alpha val="90000"/>
+      </a:schemeClr>
+    </dgm:fillClrLst>
+    <dgm:linClrLst meth="repeat">
+      <a:schemeClr val="accent1"/>
+    </dgm:linClrLst>
+    <dgm:effectClrLst/>
+    <dgm:txLinClrLst/>
+    <dgm:txFillClrLst meth="repeat">
+      <a:schemeClr val="dk1"/>
+    </dgm:txFillClrLst>
+    <dgm:txEffectClrLst/>
+  </dgm:styleLbl>
+  <dgm:styleLbl name="fgAcc2">
+    <dgm:fillClrLst meth="repeat">
+      <a:schemeClr val="lt1">
+        <a:alpha val="90000"/>
+      </a:schemeClr>
+    </dgm:fillClrLst>
+    <dgm:linClrLst meth="repeat">
+      <a:schemeClr val="accent1"/>
+    </dgm:linClrLst>
+    <dgm:effectClrLst/>
+    <dgm:txLinClrLst/>
+    <dgm:txFillClrLst meth="repeat">
+      <a:schemeClr val="dk1"/>
+    </dgm:txFillClrLst>
+    <dgm:txEffectClrLst/>
+  </dgm:styleLbl>
+  <dgm:styleLbl name="fgAcc3">
+    <dgm:fillClrLst meth="repeat">
+      <a:schemeClr val="lt1">
+        <a:alpha val="90000"/>
+      </a:schemeClr>
+    </dgm:fillClrLst>
+    <dgm:linClrLst meth="repeat">
+      <a:schemeClr val="accent1"/>
+    </dgm:linClrLst>
+    <dgm:effectClrLst/>
+    <dgm:txLinClrLst/>
+    <dgm:txFillClrLst meth="repeat">
+      <a:schemeClr val="dk1"/>
+    </dgm:txFillClrLst>
+    <dgm:txEffectClrLst/>
+  </dgm:styleLbl>
+  <dgm:styleLbl name="fgAcc4">
+    <dgm:fillClrLst meth="repeat">
+      <a:schemeClr val="lt1">
+        <a:alpha val="90000"/>
+      </a:schemeClr>
+    </dgm:fillClrLst>
+    <dgm:linClrLst meth="repeat">
+      <a:schemeClr val="accent1"/>
+    </dgm:linClrLst>
+    <dgm:effectClrLst/>
+    <dgm:txLinClrLst/>
+    <dgm:txFillClrLst meth="repeat">
+      <a:schemeClr val="dk1"/>
+    </dgm:txFillClrLst>
+    <dgm:txEffectClrLst/>
+  </dgm:styleLbl>
+  <dgm:styleLbl name="bgShp">
+    <dgm:fillClrLst meth="repeat">
+      <a:schemeClr val="accent1">
+        <a:tint val="40000"/>
+      </a:schemeClr>
+    </dgm:fillClrLst>
+    <dgm:linClrLst meth="repeat">
+      <a:schemeClr val="accent1"/>
+    </dgm:linClrLst>
+    <dgm:effectClrLst/>
+    <dgm:txLinClrLst/>
+    <dgm:txFillClrLst meth="repeat">
+      <a:schemeClr val="dk1"/>
+    </dgm:txFillClrLst>
+    <dgm:txEffectClrLst/>
+  </dgm:styleLbl>
+  <dgm:styleLbl name="dkBgShp">
+    <dgm:fillClrLst meth="repeat">
+      <a:schemeClr val="accent1">
+        <a:shade val="80000"/>
+      </a:schemeClr>
+    </dgm:fillClrLst>
+    <dgm:linClrLst meth="repeat">
+      <a:schemeClr val="accent1"/>
+    </dgm:linClrLst>
+    <dgm:effectClrLst/>
+    <dgm:txLinClrLst/>
+    <dgm:txFillClrLst meth="repeat">
+      <a:schemeClr val="lt1"/>
+    </dgm:txFillClrLst>
+    <dgm:txEffectClrLst/>
+  </dgm:styleLbl>
+  <dgm:styleLbl name="trBgShp">
+    <dgm:fillClrLst meth="repeat">
+      <a:schemeClr val="accent1">
+        <a:tint val="50000"/>
+        <a:alpha val="40000"/>
+      </a:schemeClr>
+    </dgm:fillClrLst>
+    <dgm:linClrLst meth="repeat">
+      <a:schemeClr val="accent1"/>
+    </dgm:linClrLst>
+    <dgm:effectClrLst/>
+    <dgm:txLinClrLst/>
+    <dgm:txFillClrLst meth="repeat">
+      <a:schemeClr val="lt1"/>
+    </dgm:txFillClrLst>
+    <dgm:txEffectClrLst/>
+  </dgm:styleLbl>
+  <dgm:styleLbl name="fgShp">
+    <dgm:fillClrLst meth="repeat">
+      <a:schemeClr val="accent1">
+        <a:tint val="60000"/>
       </a:schemeClr>
     </dgm:fillClrLst>
     <dgm:linClrLst meth="repeat">
@@ -3767,620 +3767,6 @@
 <file path=ppt/diagrams/data2.xml><?xml version="1.0" encoding="utf-8"?>
 <dgm:dataModel xmlns:dgm="http://schemas.openxmlformats.org/drawingml/2006/diagram" xmlns:a="http://schemas.openxmlformats.org/drawingml/2006/main">
   <dgm:ptLst>
-    <dgm:pt modelId="{2B351BC2-25C9-40A8-964F-33808033471D}" type="doc">
-      <dgm:prSet loTypeId="urn:microsoft.com/office/officeart/2005/8/layout/vList2" loCatId="list" qsTypeId="urn:microsoft.com/office/officeart/2005/8/quickstyle/simple1" qsCatId="simple" csTypeId="urn:microsoft.com/office/officeart/2005/8/colors/accent1_2" csCatId="accent1" phldr="1"/>
-      <dgm:spPr/>
-      <dgm:t>
-        <a:bodyPr/>
-        <a:lstStyle/>
-        <a:p>
-          <a:endParaRPr lang="en-US"/>
-        </a:p>
-      </dgm:t>
-    </dgm:pt>
-    <dgm:pt modelId="{73AF9605-E007-49F2-A030-B6BBDC5AEE4F}">
-      <dgm:prSet custT="1"/>
-      <dgm:spPr>
-        <a:solidFill>
-          <a:schemeClr val="accent2"/>
-        </a:solidFill>
-      </dgm:spPr>
-      <dgm:t>
-        <a:bodyPr/>
-        <a:lstStyle/>
-        <a:p>
-          <a:r>
-            <a:rPr lang="hu-HU" sz="2800" dirty="0" err="1"/>
-            <a:t>ProjectWork</a:t>
-          </a:r>
-          <a:r>
-            <a:rPr lang="hu-HU" sz="2800" dirty="0"/>
-            <a:t> (main </a:t>
-          </a:r>
-          <a:r>
-            <a:rPr lang="hu-HU" sz="2800" dirty="0" err="1"/>
-            <a:t>folder</a:t>
-          </a:r>
-          <a:r>
-            <a:rPr lang="hu-HU" sz="2800" dirty="0"/>
-            <a:t>)</a:t>
-          </a:r>
-          <a:endParaRPr lang="en-US" sz="2800" dirty="0"/>
-        </a:p>
-      </dgm:t>
-    </dgm:pt>
-    <dgm:pt modelId="{8677F13A-D749-4D9C-83B2-B5213C8ED884}" type="parTrans" cxnId="{F7028A06-6DC6-45B6-AB05-ECDACCD3C462}">
-      <dgm:prSet/>
-      <dgm:spPr/>
-      <dgm:t>
-        <a:bodyPr/>
-        <a:lstStyle/>
-        <a:p>
-          <a:endParaRPr lang="en-US"/>
-        </a:p>
-      </dgm:t>
-    </dgm:pt>
-    <dgm:pt modelId="{4C543B91-6263-4847-B945-B8668AC62657}" type="sibTrans" cxnId="{F7028A06-6DC6-45B6-AB05-ECDACCD3C462}">
-      <dgm:prSet/>
-      <dgm:spPr/>
-      <dgm:t>
-        <a:bodyPr/>
-        <a:lstStyle/>
-        <a:p>
-          <a:endParaRPr lang="en-US"/>
-        </a:p>
-      </dgm:t>
-    </dgm:pt>
-    <dgm:pt modelId="{ED1AE132-BE09-47C5-BEB7-B7593F13E8AD}">
-      <dgm:prSet custT="1"/>
-      <dgm:spPr/>
-      <dgm:t>
-        <a:bodyPr/>
-        <a:lstStyle/>
-        <a:p>
-          <a:r>
-            <a:rPr lang="hu-HU" sz="2400" dirty="0" err="1"/>
-            <a:t>Css</a:t>
-          </a:r>
-          <a:r>
-            <a:rPr lang="hu-HU" sz="2400" dirty="0"/>
-            <a:t> </a:t>
-          </a:r>
-          <a:r>
-            <a:rPr lang="hu-HU" sz="2400" dirty="0">
-              <a:sym typeface="Wingdings" panose="05000000000000000000" pitchFamily="2" charset="2"/>
-            </a:rPr>
-            <a:t></a:t>
-          </a:r>
-          <a:r>
-            <a:rPr lang="hu-HU" sz="2400" dirty="0"/>
-            <a:t> </a:t>
-          </a:r>
-          <a:r>
-            <a:rPr lang="hu-HU" sz="2400" dirty="0" err="1"/>
-            <a:t>css</a:t>
-          </a:r>
-          <a:r>
-            <a:rPr lang="hu-HU" sz="2400" dirty="0"/>
-            <a:t> file</a:t>
-          </a:r>
-          <a:endParaRPr lang="en-US" sz="2400" dirty="0"/>
-        </a:p>
-      </dgm:t>
-    </dgm:pt>
-    <dgm:pt modelId="{A710D70B-BD04-47FC-82E3-96BC42B57D5B}" type="parTrans" cxnId="{1992FC61-65E7-48DF-8051-7F7630E26119}">
-      <dgm:prSet/>
-      <dgm:spPr/>
-      <dgm:t>
-        <a:bodyPr/>
-        <a:lstStyle/>
-        <a:p>
-          <a:endParaRPr lang="en-US"/>
-        </a:p>
-      </dgm:t>
-    </dgm:pt>
-    <dgm:pt modelId="{71325449-A6A9-4EA7-8C5B-D2BEB131889D}" type="sibTrans" cxnId="{1992FC61-65E7-48DF-8051-7F7630E26119}">
-      <dgm:prSet/>
-      <dgm:spPr/>
-      <dgm:t>
-        <a:bodyPr/>
-        <a:lstStyle/>
-        <a:p>
-          <a:endParaRPr lang="en-US"/>
-        </a:p>
-      </dgm:t>
-    </dgm:pt>
-    <dgm:pt modelId="{9ED24524-A58F-4D93-AF86-D4784CB6F524}">
-      <dgm:prSet custT="1"/>
-      <dgm:spPr/>
-      <dgm:t>
-        <a:bodyPr/>
-        <a:lstStyle/>
-        <a:p>
-          <a:r>
-            <a:rPr lang="hu-HU" sz="2400" dirty="0"/>
-            <a:t>Database </a:t>
-          </a:r>
-          <a:r>
-            <a:rPr lang="hu-HU" sz="2400" dirty="0">
-              <a:sym typeface="Wingdings" panose="05000000000000000000" pitchFamily="2" charset="2"/>
-            </a:rPr>
-            <a:t></a:t>
-          </a:r>
-          <a:r>
-            <a:rPr lang="hu-HU" sz="2400" dirty="0"/>
-            <a:t> </a:t>
-          </a:r>
-          <a:r>
-            <a:rPr lang="hu-HU" sz="2400" dirty="0" err="1"/>
-            <a:t>everything</a:t>
-          </a:r>
-          <a:r>
-            <a:rPr lang="hu-HU" sz="2400" dirty="0"/>
-            <a:t> </a:t>
-          </a:r>
-          <a:r>
-            <a:rPr lang="hu-HU" sz="2400" dirty="0" err="1"/>
-            <a:t>about</a:t>
-          </a:r>
-          <a:r>
-            <a:rPr lang="hu-HU" sz="2400" dirty="0"/>
-            <a:t> </a:t>
-          </a:r>
-          <a:r>
-            <a:rPr lang="hu-HU" sz="2400" dirty="0" err="1"/>
-            <a:t>our</a:t>
-          </a:r>
-          <a:r>
-            <a:rPr lang="hu-HU" sz="2400" dirty="0"/>
-            <a:t> </a:t>
-          </a:r>
-          <a:r>
-            <a:rPr lang="hu-HU" sz="2400" dirty="0" err="1"/>
-            <a:t>database</a:t>
-          </a:r>
-          <a:endParaRPr lang="en-US" sz="2400" dirty="0"/>
-        </a:p>
-      </dgm:t>
-    </dgm:pt>
-    <dgm:pt modelId="{CD4515A8-76BF-4593-93EC-BCAEC11D05A6}" type="parTrans" cxnId="{7AD820C9-01CE-469E-9139-69D54244C94B}">
-      <dgm:prSet/>
-      <dgm:spPr/>
-      <dgm:t>
-        <a:bodyPr/>
-        <a:lstStyle/>
-        <a:p>
-          <a:endParaRPr lang="en-US"/>
-        </a:p>
-      </dgm:t>
-    </dgm:pt>
-    <dgm:pt modelId="{D0A5A6BD-DE8E-4A5B-9E85-2E1EE711E995}" type="sibTrans" cxnId="{7AD820C9-01CE-469E-9139-69D54244C94B}">
-      <dgm:prSet/>
-      <dgm:spPr/>
-      <dgm:t>
-        <a:bodyPr/>
-        <a:lstStyle/>
-        <a:p>
-          <a:endParaRPr lang="en-US"/>
-        </a:p>
-      </dgm:t>
-    </dgm:pt>
-    <dgm:pt modelId="{CB75D769-51FF-44D4-A76D-F3A00D4E6D29}">
-      <dgm:prSet custT="1"/>
-      <dgm:spPr/>
-      <dgm:t>
-        <a:bodyPr/>
-        <a:lstStyle/>
-        <a:p>
-          <a:r>
-            <a:rPr lang="hu-HU" sz="2400" dirty="0" err="1"/>
-            <a:t>Docx</a:t>
-          </a:r>
-          <a:r>
-            <a:rPr lang="hu-HU" sz="2400" dirty="0"/>
-            <a:t> </a:t>
-          </a:r>
-          <a:r>
-            <a:rPr lang="hu-HU" sz="2400" dirty="0">
-              <a:sym typeface="Wingdings" panose="05000000000000000000" pitchFamily="2" charset="2"/>
-            </a:rPr>
-            <a:t></a:t>
-          </a:r>
-          <a:r>
-            <a:rPr lang="hu-HU" sz="2400" dirty="0"/>
-            <a:t> </a:t>
-          </a:r>
-          <a:r>
-            <a:rPr lang="hu-HU" sz="2400" dirty="0" err="1"/>
-            <a:t>the</a:t>
-          </a:r>
-          <a:r>
-            <a:rPr lang="hu-HU" sz="2400" dirty="0"/>
-            <a:t> project </a:t>
-          </a:r>
-          <a:r>
-            <a:rPr lang="hu-HU" sz="2400" dirty="0" err="1"/>
-            <a:t>work’s</a:t>
-          </a:r>
-          <a:r>
-            <a:rPr lang="hu-HU" sz="2400" dirty="0"/>
-            <a:t> </a:t>
-          </a:r>
-          <a:r>
-            <a:rPr lang="hu-HU" sz="2400" dirty="0" err="1"/>
-            <a:t>documentations</a:t>
-          </a:r>
-          <a:endParaRPr lang="en-US" sz="2400" dirty="0"/>
-        </a:p>
-      </dgm:t>
-    </dgm:pt>
-    <dgm:pt modelId="{126D93C8-F6B2-4D89-A60E-13A5F72EEE7F}" type="parTrans" cxnId="{CBC11EBF-B25E-41DF-918B-9D867811F0D7}">
-      <dgm:prSet/>
-      <dgm:spPr/>
-      <dgm:t>
-        <a:bodyPr/>
-        <a:lstStyle/>
-        <a:p>
-          <a:endParaRPr lang="en-US"/>
-        </a:p>
-      </dgm:t>
-    </dgm:pt>
-    <dgm:pt modelId="{F048D737-D283-4455-B4EB-2BF190549F5B}" type="sibTrans" cxnId="{CBC11EBF-B25E-41DF-918B-9D867811F0D7}">
-      <dgm:prSet/>
-      <dgm:spPr/>
-      <dgm:t>
-        <a:bodyPr/>
-        <a:lstStyle/>
-        <a:p>
-          <a:endParaRPr lang="en-US"/>
-        </a:p>
-      </dgm:t>
-    </dgm:pt>
-    <dgm:pt modelId="{BA906055-8BED-4C45-B0DD-70D9AABC0161}">
-      <dgm:prSet custT="1"/>
-      <dgm:spPr/>
-      <dgm:t>
-        <a:bodyPr/>
-        <a:lstStyle/>
-        <a:p>
-          <a:r>
-            <a:rPr lang="hu-HU" sz="2400"/>
-            <a:t>Html </a:t>
-          </a:r>
-          <a:r>
-            <a:rPr lang="hu-HU" sz="2400">
-              <a:sym typeface="Wingdings" panose="05000000000000000000" pitchFamily="2" charset="2"/>
-            </a:rPr>
-            <a:t></a:t>
-          </a:r>
-          <a:r>
-            <a:rPr lang="hu-HU" sz="2400"/>
-            <a:t> html file (webpages)</a:t>
-          </a:r>
-          <a:endParaRPr lang="en-US" sz="2400"/>
-        </a:p>
-      </dgm:t>
-    </dgm:pt>
-    <dgm:pt modelId="{6E07848F-BBA4-4E45-A2BC-8F95A025186B}" type="parTrans" cxnId="{8B01784B-D96D-4C29-8F54-E23B4D233227}">
-      <dgm:prSet/>
-      <dgm:spPr/>
-      <dgm:t>
-        <a:bodyPr/>
-        <a:lstStyle/>
-        <a:p>
-          <a:endParaRPr lang="en-US"/>
-        </a:p>
-      </dgm:t>
-    </dgm:pt>
-    <dgm:pt modelId="{54B46299-8640-4DFD-91BB-26B724B60505}" type="sibTrans" cxnId="{8B01784B-D96D-4C29-8F54-E23B4D233227}">
-      <dgm:prSet/>
-      <dgm:spPr/>
-      <dgm:t>
-        <a:bodyPr/>
-        <a:lstStyle/>
-        <a:p>
-          <a:endParaRPr lang="en-US"/>
-        </a:p>
-      </dgm:t>
-    </dgm:pt>
-    <dgm:pt modelId="{15DF49D9-AAE0-4151-A888-91453EB5D59A}">
-      <dgm:prSet custT="1"/>
-      <dgm:spPr/>
-      <dgm:t>
-        <a:bodyPr/>
-        <a:lstStyle/>
-        <a:p>
-          <a:r>
-            <a:rPr lang="hu-HU" sz="2400" dirty="0" err="1"/>
-            <a:t>Images</a:t>
-          </a:r>
-          <a:r>
-            <a:rPr lang="hu-HU" sz="2400" dirty="0"/>
-            <a:t> </a:t>
-          </a:r>
-          <a:r>
-            <a:rPr lang="hu-HU" sz="2400" dirty="0">
-              <a:sym typeface="Wingdings" panose="05000000000000000000" pitchFamily="2" charset="2"/>
-            </a:rPr>
-            <a:t></a:t>
-          </a:r>
-          <a:r>
-            <a:rPr lang="hu-HU" sz="2400" dirty="0"/>
-            <a:t> image for </a:t>
-          </a:r>
-          <a:r>
-            <a:rPr lang="hu-HU" sz="2400" dirty="0" err="1"/>
-            <a:t>the</a:t>
-          </a:r>
-          <a:r>
-            <a:rPr lang="hu-HU" sz="2400" dirty="0"/>
-            <a:t> </a:t>
-          </a:r>
-          <a:r>
-            <a:rPr lang="hu-HU" sz="2400" dirty="0" err="1"/>
-            <a:t>the</a:t>
-          </a:r>
-          <a:r>
-            <a:rPr lang="hu-HU" sz="2400" dirty="0"/>
-            <a:t> </a:t>
-          </a:r>
-          <a:r>
-            <a:rPr lang="hu-HU" sz="2400" dirty="0" err="1"/>
-            <a:t>html</a:t>
-          </a:r>
-          <a:r>
-            <a:rPr lang="hu-HU" sz="2400" dirty="0"/>
-            <a:t> </a:t>
-          </a:r>
-          <a:r>
-            <a:rPr lang="hu-HU" sz="2400" dirty="0" err="1"/>
-            <a:t>files</a:t>
-          </a:r>
-          <a:endParaRPr lang="en-US" sz="2400" dirty="0"/>
-        </a:p>
-      </dgm:t>
-    </dgm:pt>
-    <dgm:pt modelId="{C10F245D-6514-4344-9FCB-CEA36F561E08}" type="parTrans" cxnId="{80CBCCA6-EB9B-4AA0-8308-48B9DF30E404}">
-      <dgm:prSet/>
-      <dgm:spPr/>
-      <dgm:t>
-        <a:bodyPr/>
-        <a:lstStyle/>
-        <a:p>
-          <a:endParaRPr lang="en-US"/>
-        </a:p>
-      </dgm:t>
-    </dgm:pt>
-    <dgm:pt modelId="{32661966-A3B0-443A-B2CC-DBBDD58CC035}" type="sibTrans" cxnId="{80CBCCA6-EB9B-4AA0-8308-48B9DF30E404}">
-      <dgm:prSet/>
-      <dgm:spPr/>
-      <dgm:t>
-        <a:bodyPr/>
-        <a:lstStyle/>
-        <a:p>
-          <a:endParaRPr lang="en-US"/>
-        </a:p>
-      </dgm:t>
-    </dgm:pt>
-    <dgm:pt modelId="{E496141E-0F38-48E1-AB4C-AB1363502097}">
-      <dgm:prSet custT="1"/>
-      <dgm:spPr/>
-      <dgm:t>
-        <a:bodyPr/>
-        <a:lstStyle/>
-        <a:p>
-          <a:r>
-            <a:rPr lang="hu-HU" sz="2400" dirty="0" err="1"/>
-            <a:t>Upload</a:t>
-          </a:r>
-          <a:r>
-            <a:rPr lang="hu-HU" sz="2400" dirty="0"/>
-            <a:t> </a:t>
-          </a:r>
-          <a:r>
-            <a:rPr lang="hu-HU" sz="2400" dirty="0">
-              <a:sym typeface="Wingdings" panose="05000000000000000000" pitchFamily="2" charset="2"/>
-            </a:rPr>
-            <a:t></a:t>
-          </a:r>
-          <a:r>
-            <a:rPr lang="hu-HU" sz="2400" dirty="0"/>
-            <a:t> </a:t>
-          </a:r>
-          <a:r>
-            <a:rPr lang="hu-HU" sz="2400" dirty="0" err="1"/>
-            <a:t>uploaded</a:t>
-          </a:r>
-          <a:r>
-            <a:rPr lang="hu-HU" sz="2400" dirty="0"/>
-            <a:t> </a:t>
-          </a:r>
-          <a:r>
-            <a:rPr lang="hu-HU" sz="2400" dirty="0" err="1"/>
-            <a:t>images</a:t>
-          </a:r>
-          <a:r>
-            <a:rPr lang="hu-HU" sz="2400" dirty="0"/>
-            <a:t> for </a:t>
-          </a:r>
-          <a:r>
-            <a:rPr lang="hu-HU" sz="2400" dirty="0" err="1"/>
-            <a:t>the</a:t>
-          </a:r>
-          <a:r>
-            <a:rPr lang="hu-HU" sz="2400" dirty="0"/>
-            <a:t> </a:t>
-          </a:r>
-          <a:r>
-            <a:rPr lang="hu-HU" sz="2400" dirty="0" err="1"/>
-            <a:t>uploaded</a:t>
-          </a:r>
-          <a:r>
-            <a:rPr lang="hu-HU" sz="2400" dirty="0"/>
-            <a:t> </a:t>
-          </a:r>
-          <a:r>
-            <a:rPr lang="hu-HU" sz="2400" dirty="0" err="1"/>
-            <a:t>recipes</a:t>
-          </a:r>
-          <a:endParaRPr lang="en-US" sz="2400" dirty="0"/>
-        </a:p>
-      </dgm:t>
-    </dgm:pt>
-    <dgm:pt modelId="{D2886577-EB39-401C-A711-7105E9B776A1}" type="parTrans" cxnId="{488FDEC4-BD53-4CAA-85BA-4B86AF32D550}">
-      <dgm:prSet/>
-      <dgm:spPr/>
-      <dgm:t>
-        <a:bodyPr/>
-        <a:lstStyle/>
-        <a:p>
-          <a:endParaRPr lang="en-US"/>
-        </a:p>
-      </dgm:t>
-    </dgm:pt>
-    <dgm:pt modelId="{03E3F8DF-AA68-408F-BC92-B6A91E795495}" type="sibTrans" cxnId="{488FDEC4-BD53-4CAA-85BA-4B86AF32D550}">
-      <dgm:prSet/>
-      <dgm:spPr/>
-      <dgm:t>
-        <a:bodyPr/>
-        <a:lstStyle/>
-        <a:p>
-          <a:endParaRPr lang="en-US"/>
-        </a:p>
-      </dgm:t>
-    </dgm:pt>
-    <dgm:pt modelId="{9E0FCC61-3073-4EA0-9633-F819C3F88A16}">
-      <dgm:prSet custT="1"/>
-      <dgm:spPr/>
-      <dgm:t>
-        <a:bodyPr/>
-        <a:lstStyle/>
-        <a:p>
-          <a:r>
-            <a:rPr lang="hu-HU" sz="2400" dirty="0"/>
-            <a:t>Js </a:t>
-          </a:r>
-          <a:r>
-            <a:rPr lang="hu-HU" sz="2400" dirty="0">
-              <a:sym typeface="Wingdings" panose="05000000000000000000" pitchFamily="2" charset="2"/>
-            </a:rPr>
-            <a:t></a:t>
-          </a:r>
-          <a:r>
-            <a:rPr lang="hu-HU" sz="2400" dirty="0"/>
-            <a:t> js </a:t>
-          </a:r>
-          <a:r>
-            <a:rPr lang="hu-HU" sz="2400" dirty="0" err="1"/>
-            <a:t>files</a:t>
-          </a:r>
-          <a:r>
-            <a:rPr lang="hu-HU" sz="2400" dirty="0"/>
-            <a:t> for </a:t>
-          </a:r>
-          <a:r>
-            <a:rPr lang="hu-HU" sz="2400" dirty="0" err="1"/>
-            <a:t>the</a:t>
-          </a:r>
-          <a:r>
-            <a:rPr lang="hu-HU" sz="2400" dirty="0"/>
-            <a:t> backend and </a:t>
-          </a:r>
-          <a:r>
-            <a:rPr lang="hu-HU" sz="2400" dirty="0" err="1"/>
-            <a:t>the</a:t>
-          </a:r>
-          <a:r>
-            <a:rPr lang="hu-HU" sz="2400" dirty="0"/>
-            <a:t> frontend</a:t>
-          </a:r>
-          <a:endParaRPr lang="en-US" sz="2400" dirty="0"/>
-        </a:p>
-      </dgm:t>
-    </dgm:pt>
-    <dgm:pt modelId="{1C221FE2-A363-421A-ACC4-F164D6C3C9E4}" type="parTrans" cxnId="{2AE1F731-2D0B-4AF6-8809-CFA9BA79955A}">
-      <dgm:prSet/>
-      <dgm:spPr/>
-      <dgm:t>
-        <a:bodyPr/>
-        <a:lstStyle/>
-        <a:p>
-          <a:endParaRPr lang="en-US"/>
-        </a:p>
-      </dgm:t>
-    </dgm:pt>
-    <dgm:pt modelId="{98B740A2-3FF1-4DBC-9B9F-66CB25367E30}" type="sibTrans" cxnId="{2AE1F731-2D0B-4AF6-8809-CFA9BA79955A}">
-      <dgm:prSet/>
-      <dgm:spPr/>
-      <dgm:t>
-        <a:bodyPr/>
-        <a:lstStyle/>
-        <a:p>
-          <a:endParaRPr lang="en-US"/>
-        </a:p>
-      </dgm:t>
-    </dgm:pt>
-    <dgm:pt modelId="{81EFEA4A-D4C3-4B9A-B216-EB620955530B}" type="pres">
-      <dgm:prSet presAssocID="{2B351BC2-25C9-40A8-964F-33808033471D}" presName="linear" presStyleCnt="0">
-        <dgm:presLayoutVars>
-          <dgm:animLvl val="lvl"/>
-          <dgm:resizeHandles val="exact"/>
-        </dgm:presLayoutVars>
-      </dgm:prSet>
-      <dgm:spPr/>
-    </dgm:pt>
-    <dgm:pt modelId="{1C125546-E346-429D-811F-9026A2394684}" type="pres">
-      <dgm:prSet presAssocID="{73AF9605-E007-49F2-A030-B6BBDC5AEE4F}" presName="parentText" presStyleLbl="node1" presStyleIdx="0" presStyleCnt="1">
-        <dgm:presLayoutVars>
-          <dgm:chMax val="0"/>
-          <dgm:bulletEnabled val="1"/>
-        </dgm:presLayoutVars>
-      </dgm:prSet>
-      <dgm:spPr/>
-    </dgm:pt>
-    <dgm:pt modelId="{546141B7-47AD-46A1-8485-946D89CD90D3}" type="pres">
-      <dgm:prSet presAssocID="{73AF9605-E007-49F2-A030-B6BBDC5AEE4F}" presName="childText" presStyleLbl="revTx" presStyleIdx="0" presStyleCnt="1" custScaleY="104385">
-        <dgm:presLayoutVars>
-          <dgm:bulletEnabled val="1"/>
-        </dgm:presLayoutVars>
-      </dgm:prSet>
-      <dgm:spPr/>
-    </dgm:pt>
-  </dgm:ptLst>
-  <dgm:cxnLst>
-    <dgm:cxn modelId="{7E2D2E06-CA44-46C9-B60F-AC53325800FE}" type="presOf" srcId="{BA906055-8BED-4C45-B0DD-70D9AABC0161}" destId="{546141B7-47AD-46A1-8485-946D89CD90D3}" srcOrd="0" destOrd="3" presId="urn:microsoft.com/office/officeart/2005/8/layout/vList2"/>
-    <dgm:cxn modelId="{F7028A06-6DC6-45B6-AB05-ECDACCD3C462}" srcId="{2B351BC2-25C9-40A8-964F-33808033471D}" destId="{73AF9605-E007-49F2-A030-B6BBDC5AEE4F}" srcOrd="0" destOrd="0" parTransId="{8677F13A-D749-4D9C-83B2-B5213C8ED884}" sibTransId="{4C543B91-6263-4847-B945-B8668AC62657}"/>
-    <dgm:cxn modelId="{CF79E423-A91F-4BD0-9498-5B5C54BC983D}" type="presOf" srcId="{15DF49D9-AAE0-4151-A888-91453EB5D59A}" destId="{546141B7-47AD-46A1-8485-946D89CD90D3}" srcOrd="0" destOrd="4" presId="urn:microsoft.com/office/officeart/2005/8/layout/vList2"/>
-    <dgm:cxn modelId="{2AE1F731-2D0B-4AF6-8809-CFA9BA79955A}" srcId="{73AF9605-E007-49F2-A030-B6BBDC5AEE4F}" destId="{9E0FCC61-3073-4EA0-9633-F819C3F88A16}" srcOrd="5" destOrd="0" parTransId="{1C221FE2-A363-421A-ACC4-F164D6C3C9E4}" sibTransId="{98B740A2-3FF1-4DBC-9B9F-66CB25367E30}"/>
-    <dgm:cxn modelId="{1992FC61-65E7-48DF-8051-7F7630E26119}" srcId="{73AF9605-E007-49F2-A030-B6BBDC5AEE4F}" destId="{ED1AE132-BE09-47C5-BEB7-B7593F13E8AD}" srcOrd="0" destOrd="0" parTransId="{A710D70B-BD04-47FC-82E3-96BC42B57D5B}" sibTransId="{71325449-A6A9-4EA7-8C5B-D2BEB131889D}"/>
-    <dgm:cxn modelId="{F1EA8465-78D4-45FD-8229-12ECD55B95CA}" type="presOf" srcId="{2B351BC2-25C9-40A8-964F-33808033471D}" destId="{81EFEA4A-D4C3-4B9A-B216-EB620955530B}" srcOrd="0" destOrd="0" presId="urn:microsoft.com/office/officeart/2005/8/layout/vList2"/>
-    <dgm:cxn modelId="{8B01784B-D96D-4C29-8F54-E23B4D233227}" srcId="{73AF9605-E007-49F2-A030-B6BBDC5AEE4F}" destId="{BA906055-8BED-4C45-B0DD-70D9AABC0161}" srcOrd="3" destOrd="0" parTransId="{6E07848F-BBA4-4E45-A2BC-8F95A025186B}" sibTransId="{54B46299-8640-4DFD-91BB-26B724B60505}"/>
-    <dgm:cxn modelId="{922B7C72-7B7E-481B-B715-A60BEE5C8F26}" type="presOf" srcId="{9E0FCC61-3073-4EA0-9633-F819C3F88A16}" destId="{546141B7-47AD-46A1-8485-946D89CD90D3}" srcOrd="0" destOrd="6" presId="urn:microsoft.com/office/officeart/2005/8/layout/vList2"/>
-    <dgm:cxn modelId="{AFF9A273-745C-40C3-AF4A-0B009DE5BA69}" type="presOf" srcId="{E496141E-0F38-48E1-AB4C-AB1363502097}" destId="{546141B7-47AD-46A1-8485-946D89CD90D3}" srcOrd="0" destOrd="5" presId="urn:microsoft.com/office/officeart/2005/8/layout/vList2"/>
-    <dgm:cxn modelId="{1872AB79-117A-4295-ADA6-AFA2CB9DE461}" type="presOf" srcId="{CB75D769-51FF-44D4-A76D-F3A00D4E6D29}" destId="{546141B7-47AD-46A1-8485-946D89CD90D3}" srcOrd="0" destOrd="2" presId="urn:microsoft.com/office/officeart/2005/8/layout/vList2"/>
-    <dgm:cxn modelId="{28815487-4930-4E0E-AE53-9C2CAA11EF02}" type="presOf" srcId="{73AF9605-E007-49F2-A030-B6BBDC5AEE4F}" destId="{1C125546-E346-429D-811F-9026A2394684}" srcOrd="0" destOrd="0" presId="urn:microsoft.com/office/officeart/2005/8/layout/vList2"/>
-    <dgm:cxn modelId="{80CBCCA6-EB9B-4AA0-8308-48B9DF30E404}" srcId="{73AF9605-E007-49F2-A030-B6BBDC5AEE4F}" destId="{15DF49D9-AAE0-4151-A888-91453EB5D59A}" srcOrd="4" destOrd="0" parTransId="{C10F245D-6514-4344-9FCB-CEA36F561E08}" sibTransId="{32661966-A3B0-443A-B2CC-DBBDD58CC035}"/>
-    <dgm:cxn modelId="{BB385BBB-9C72-4E27-A07B-766CA8C9C922}" type="presOf" srcId="{ED1AE132-BE09-47C5-BEB7-B7593F13E8AD}" destId="{546141B7-47AD-46A1-8485-946D89CD90D3}" srcOrd="0" destOrd="0" presId="urn:microsoft.com/office/officeart/2005/8/layout/vList2"/>
-    <dgm:cxn modelId="{CBC11EBF-B25E-41DF-918B-9D867811F0D7}" srcId="{73AF9605-E007-49F2-A030-B6BBDC5AEE4F}" destId="{CB75D769-51FF-44D4-A76D-F3A00D4E6D29}" srcOrd="2" destOrd="0" parTransId="{126D93C8-F6B2-4D89-A60E-13A5F72EEE7F}" sibTransId="{F048D737-D283-4455-B4EB-2BF190549F5B}"/>
-    <dgm:cxn modelId="{ADE5E3C2-D49B-4AA7-92B7-A32FE93B917F}" type="presOf" srcId="{9ED24524-A58F-4D93-AF86-D4784CB6F524}" destId="{546141B7-47AD-46A1-8485-946D89CD90D3}" srcOrd="0" destOrd="1" presId="urn:microsoft.com/office/officeart/2005/8/layout/vList2"/>
-    <dgm:cxn modelId="{488FDEC4-BD53-4CAA-85BA-4B86AF32D550}" srcId="{15DF49D9-AAE0-4151-A888-91453EB5D59A}" destId="{E496141E-0F38-48E1-AB4C-AB1363502097}" srcOrd="0" destOrd="0" parTransId="{D2886577-EB39-401C-A711-7105E9B776A1}" sibTransId="{03E3F8DF-AA68-408F-BC92-B6A91E795495}"/>
-    <dgm:cxn modelId="{7AD820C9-01CE-469E-9139-69D54244C94B}" srcId="{73AF9605-E007-49F2-A030-B6BBDC5AEE4F}" destId="{9ED24524-A58F-4D93-AF86-D4784CB6F524}" srcOrd="1" destOrd="0" parTransId="{CD4515A8-76BF-4593-93EC-BCAEC11D05A6}" sibTransId="{D0A5A6BD-DE8E-4A5B-9E85-2E1EE711E995}"/>
-    <dgm:cxn modelId="{8D708CC0-83BB-444A-900F-FCCD8C1FD39E}" type="presParOf" srcId="{81EFEA4A-D4C3-4B9A-B216-EB620955530B}" destId="{1C125546-E346-429D-811F-9026A2394684}" srcOrd="0" destOrd="0" presId="urn:microsoft.com/office/officeart/2005/8/layout/vList2"/>
-    <dgm:cxn modelId="{0DF005DE-1960-4330-94B5-9A8E183B5A55}" type="presParOf" srcId="{81EFEA4A-D4C3-4B9A-B216-EB620955530B}" destId="{546141B7-47AD-46A1-8485-946D89CD90D3}" srcOrd="1" destOrd="0" presId="urn:microsoft.com/office/officeart/2005/8/layout/vList2"/>
-  </dgm:cxnLst>
-  <dgm:bg/>
-  <dgm:whole/>
-  <dgm:extLst>
-    <a:ext uri="http://schemas.microsoft.com/office/drawing/2008/diagram">
-      <dsp:dataModelExt xmlns:dsp="http://schemas.microsoft.com/office/drawing/2008/diagram" relId="rId6" minVer="http://schemas.openxmlformats.org/drawingml/2006/diagram"/>
-    </a:ext>
-  </dgm:extLst>
-</dgm:dataModel>
-</file>
-
-<file path=ppt/diagrams/data3.xml><?xml version="1.0" encoding="utf-8"?>
-<dgm:dataModel xmlns:dgm="http://schemas.openxmlformats.org/drawingml/2006/diagram" xmlns:a="http://schemas.openxmlformats.org/drawingml/2006/main">
-  <dgm:ptLst>
     <dgm:pt modelId="{831263C5-7F7C-4F8F-83EA-DCB917484751}" type="doc">
       <dgm:prSet loTypeId="urn:microsoft.com/office/officeart/2005/8/layout/vProcess5" loCatId="process" qsTypeId="urn:microsoft.com/office/officeart/2005/8/quickstyle/simple1" qsCatId="simple" csTypeId="urn:microsoft.com/office/officeart/2005/8/colors/colorful2" csCatId="colorful"/>
       <dgm:spPr/>
@@ -4745,7 +4131,7 @@
 </dgm:dataModel>
 </file>
 
-<file path=ppt/diagrams/data4.xml><?xml version="1.0" encoding="utf-8"?>
+<file path=ppt/diagrams/data3.xml><?xml version="1.0" encoding="utf-8"?>
 <dgm:dataModel xmlns:dgm="http://schemas.openxmlformats.org/drawingml/2006/diagram" xmlns:a="http://schemas.openxmlformats.org/drawingml/2006/main">
   <dgm:ptLst>
     <dgm:pt modelId="{25057B79-F97C-439B-B33A-817230332483}" type="doc">
@@ -5288,6 +4674,620 @@
 </dgm:dataModel>
 </file>
 
+<file path=ppt/diagrams/data4.xml><?xml version="1.0" encoding="utf-8"?>
+<dgm:dataModel xmlns:dgm="http://schemas.openxmlformats.org/drawingml/2006/diagram" xmlns:a="http://schemas.openxmlformats.org/drawingml/2006/main">
+  <dgm:ptLst>
+    <dgm:pt modelId="{2B351BC2-25C9-40A8-964F-33808033471D}" type="doc">
+      <dgm:prSet loTypeId="urn:microsoft.com/office/officeart/2005/8/layout/vList2" loCatId="list" qsTypeId="urn:microsoft.com/office/officeart/2005/8/quickstyle/simple1" qsCatId="simple" csTypeId="urn:microsoft.com/office/officeart/2005/8/colors/accent1_2" csCatId="accent1" phldr="1"/>
+      <dgm:spPr/>
+      <dgm:t>
+        <a:bodyPr/>
+        <a:lstStyle/>
+        <a:p>
+          <a:endParaRPr lang="en-US"/>
+        </a:p>
+      </dgm:t>
+    </dgm:pt>
+    <dgm:pt modelId="{73AF9605-E007-49F2-A030-B6BBDC5AEE4F}">
+      <dgm:prSet custT="1"/>
+      <dgm:spPr>
+        <a:solidFill>
+          <a:schemeClr val="accent2"/>
+        </a:solidFill>
+      </dgm:spPr>
+      <dgm:t>
+        <a:bodyPr/>
+        <a:lstStyle/>
+        <a:p>
+          <a:r>
+            <a:rPr lang="hu-HU" sz="2800" dirty="0" err="1"/>
+            <a:t>ProjectWork</a:t>
+          </a:r>
+          <a:r>
+            <a:rPr lang="hu-HU" sz="2800" dirty="0"/>
+            <a:t> (main </a:t>
+          </a:r>
+          <a:r>
+            <a:rPr lang="hu-HU" sz="2800" dirty="0" err="1"/>
+            <a:t>folder</a:t>
+          </a:r>
+          <a:r>
+            <a:rPr lang="hu-HU" sz="2800" dirty="0"/>
+            <a:t>)</a:t>
+          </a:r>
+          <a:endParaRPr lang="en-US" sz="2800" dirty="0"/>
+        </a:p>
+      </dgm:t>
+    </dgm:pt>
+    <dgm:pt modelId="{8677F13A-D749-4D9C-83B2-B5213C8ED884}" type="parTrans" cxnId="{F7028A06-6DC6-45B6-AB05-ECDACCD3C462}">
+      <dgm:prSet/>
+      <dgm:spPr/>
+      <dgm:t>
+        <a:bodyPr/>
+        <a:lstStyle/>
+        <a:p>
+          <a:endParaRPr lang="en-US"/>
+        </a:p>
+      </dgm:t>
+    </dgm:pt>
+    <dgm:pt modelId="{4C543B91-6263-4847-B945-B8668AC62657}" type="sibTrans" cxnId="{F7028A06-6DC6-45B6-AB05-ECDACCD3C462}">
+      <dgm:prSet/>
+      <dgm:spPr/>
+      <dgm:t>
+        <a:bodyPr/>
+        <a:lstStyle/>
+        <a:p>
+          <a:endParaRPr lang="en-US"/>
+        </a:p>
+      </dgm:t>
+    </dgm:pt>
+    <dgm:pt modelId="{ED1AE132-BE09-47C5-BEB7-B7593F13E8AD}">
+      <dgm:prSet custT="1"/>
+      <dgm:spPr/>
+      <dgm:t>
+        <a:bodyPr/>
+        <a:lstStyle/>
+        <a:p>
+          <a:r>
+            <a:rPr lang="hu-HU" sz="2400" dirty="0" err="1"/>
+            <a:t>Css</a:t>
+          </a:r>
+          <a:r>
+            <a:rPr lang="hu-HU" sz="2400" dirty="0"/>
+            <a:t> </a:t>
+          </a:r>
+          <a:r>
+            <a:rPr lang="hu-HU" sz="2400" dirty="0">
+              <a:sym typeface="Wingdings" panose="05000000000000000000" pitchFamily="2" charset="2"/>
+            </a:rPr>
+            <a:t></a:t>
+          </a:r>
+          <a:r>
+            <a:rPr lang="hu-HU" sz="2400" dirty="0"/>
+            <a:t> </a:t>
+          </a:r>
+          <a:r>
+            <a:rPr lang="hu-HU" sz="2400" dirty="0" err="1"/>
+            <a:t>css</a:t>
+          </a:r>
+          <a:r>
+            <a:rPr lang="hu-HU" sz="2400" dirty="0"/>
+            <a:t> file</a:t>
+          </a:r>
+          <a:endParaRPr lang="en-US" sz="2400" dirty="0"/>
+        </a:p>
+      </dgm:t>
+    </dgm:pt>
+    <dgm:pt modelId="{A710D70B-BD04-47FC-82E3-96BC42B57D5B}" type="parTrans" cxnId="{1992FC61-65E7-48DF-8051-7F7630E26119}">
+      <dgm:prSet/>
+      <dgm:spPr/>
+      <dgm:t>
+        <a:bodyPr/>
+        <a:lstStyle/>
+        <a:p>
+          <a:endParaRPr lang="en-US"/>
+        </a:p>
+      </dgm:t>
+    </dgm:pt>
+    <dgm:pt modelId="{71325449-A6A9-4EA7-8C5B-D2BEB131889D}" type="sibTrans" cxnId="{1992FC61-65E7-48DF-8051-7F7630E26119}">
+      <dgm:prSet/>
+      <dgm:spPr/>
+      <dgm:t>
+        <a:bodyPr/>
+        <a:lstStyle/>
+        <a:p>
+          <a:endParaRPr lang="en-US"/>
+        </a:p>
+      </dgm:t>
+    </dgm:pt>
+    <dgm:pt modelId="{9ED24524-A58F-4D93-AF86-D4784CB6F524}">
+      <dgm:prSet custT="1"/>
+      <dgm:spPr/>
+      <dgm:t>
+        <a:bodyPr/>
+        <a:lstStyle/>
+        <a:p>
+          <a:r>
+            <a:rPr lang="hu-HU" sz="2400" dirty="0"/>
+            <a:t>Database </a:t>
+          </a:r>
+          <a:r>
+            <a:rPr lang="hu-HU" sz="2400" dirty="0">
+              <a:sym typeface="Wingdings" panose="05000000000000000000" pitchFamily="2" charset="2"/>
+            </a:rPr>
+            <a:t></a:t>
+          </a:r>
+          <a:r>
+            <a:rPr lang="hu-HU" sz="2400" dirty="0"/>
+            <a:t> </a:t>
+          </a:r>
+          <a:r>
+            <a:rPr lang="hu-HU" sz="2400" dirty="0" err="1"/>
+            <a:t>everything</a:t>
+          </a:r>
+          <a:r>
+            <a:rPr lang="hu-HU" sz="2400" dirty="0"/>
+            <a:t> </a:t>
+          </a:r>
+          <a:r>
+            <a:rPr lang="hu-HU" sz="2400" dirty="0" err="1"/>
+            <a:t>about</a:t>
+          </a:r>
+          <a:r>
+            <a:rPr lang="hu-HU" sz="2400" dirty="0"/>
+            <a:t> </a:t>
+          </a:r>
+          <a:r>
+            <a:rPr lang="hu-HU" sz="2400" dirty="0" err="1"/>
+            <a:t>our</a:t>
+          </a:r>
+          <a:r>
+            <a:rPr lang="hu-HU" sz="2400" dirty="0"/>
+            <a:t> </a:t>
+          </a:r>
+          <a:r>
+            <a:rPr lang="hu-HU" sz="2400" dirty="0" err="1"/>
+            <a:t>database</a:t>
+          </a:r>
+          <a:endParaRPr lang="en-US" sz="2400" dirty="0"/>
+        </a:p>
+      </dgm:t>
+    </dgm:pt>
+    <dgm:pt modelId="{CD4515A8-76BF-4593-93EC-BCAEC11D05A6}" type="parTrans" cxnId="{7AD820C9-01CE-469E-9139-69D54244C94B}">
+      <dgm:prSet/>
+      <dgm:spPr/>
+      <dgm:t>
+        <a:bodyPr/>
+        <a:lstStyle/>
+        <a:p>
+          <a:endParaRPr lang="en-US"/>
+        </a:p>
+      </dgm:t>
+    </dgm:pt>
+    <dgm:pt modelId="{D0A5A6BD-DE8E-4A5B-9E85-2E1EE711E995}" type="sibTrans" cxnId="{7AD820C9-01CE-469E-9139-69D54244C94B}">
+      <dgm:prSet/>
+      <dgm:spPr/>
+      <dgm:t>
+        <a:bodyPr/>
+        <a:lstStyle/>
+        <a:p>
+          <a:endParaRPr lang="en-US"/>
+        </a:p>
+      </dgm:t>
+    </dgm:pt>
+    <dgm:pt modelId="{CB75D769-51FF-44D4-A76D-F3A00D4E6D29}">
+      <dgm:prSet custT="1"/>
+      <dgm:spPr/>
+      <dgm:t>
+        <a:bodyPr/>
+        <a:lstStyle/>
+        <a:p>
+          <a:r>
+            <a:rPr lang="hu-HU" sz="2400" dirty="0" err="1"/>
+            <a:t>Docx</a:t>
+          </a:r>
+          <a:r>
+            <a:rPr lang="hu-HU" sz="2400" dirty="0"/>
+            <a:t> </a:t>
+          </a:r>
+          <a:r>
+            <a:rPr lang="hu-HU" sz="2400" dirty="0">
+              <a:sym typeface="Wingdings" panose="05000000000000000000" pitchFamily="2" charset="2"/>
+            </a:rPr>
+            <a:t></a:t>
+          </a:r>
+          <a:r>
+            <a:rPr lang="hu-HU" sz="2400" dirty="0"/>
+            <a:t> </a:t>
+          </a:r>
+          <a:r>
+            <a:rPr lang="hu-HU" sz="2400" dirty="0" err="1"/>
+            <a:t>the</a:t>
+          </a:r>
+          <a:r>
+            <a:rPr lang="hu-HU" sz="2400" dirty="0"/>
+            <a:t> project </a:t>
+          </a:r>
+          <a:r>
+            <a:rPr lang="hu-HU" sz="2400" dirty="0" err="1"/>
+            <a:t>work’s</a:t>
+          </a:r>
+          <a:r>
+            <a:rPr lang="hu-HU" sz="2400" dirty="0"/>
+            <a:t> </a:t>
+          </a:r>
+          <a:r>
+            <a:rPr lang="hu-HU" sz="2400" dirty="0" err="1"/>
+            <a:t>documentations</a:t>
+          </a:r>
+          <a:endParaRPr lang="en-US" sz="2400" dirty="0"/>
+        </a:p>
+      </dgm:t>
+    </dgm:pt>
+    <dgm:pt modelId="{126D93C8-F6B2-4D89-A60E-13A5F72EEE7F}" type="parTrans" cxnId="{CBC11EBF-B25E-41DF-918B-9D867811F0D7}">
+      <dgm:prSet/>
+      <dgm:spPr/>
+      <dgm:t>
+        <a:bodyPr/>
+        <a:lstStyle/>
+        <a:p>
+          <a:endParaRPr lang="en-US"/>
+        </a:p>
+      </dgm:t>
+    </dgm:pt>
+    <dgm:pt modelId="{F048D737-D283-4455-B4EB-2BF190549F5B}" type="sibTrans" cxnId="{CBC11EBF-B25E-41DF-918B-9D867811F0D7}">
+      <dgm:prSet/>
+      <dgm:spPr/>
+      <dgm:t>
+        <a:bodyPr/>
+        <a:lstStyle/>
+        <a:p>
+          <a:endParaRPr lang="en-US"/>
+        </a:p>
+      </dgm:t>
+    </dgm:pt>
+    <dgm:pt modelId="{BA906055-8BED-4C45-B0DD-70D9AABC0161}">
+      <dgm:prSet custT="1"/>
+      <dgm:spPr/>
+      <dgm:t>
+        <a:bodyPr/>
+        <a:lstStyle/>
+        <a:p>
+          <a:r>
+            <a:rPr lang="hu-HU" sz="2400"/>
+            <a:t>Html </a:t>
+          </a:r>
+          <a:r>
+            <a:rPr lang="hu-HU" sz="2400">
+              <a:sym typeface="Wingdings" panose="05000000000000000000" pitchFamily="2" charset="2"/>
+            </a:rPr>
+            <a:t></a:t>
+          </a:r>
+          <a:r>
+            <a:rPr lang="hu-HU" sz="2400"/>
+            <a:t> html file (webpages)</a:t>
+          </a:r>
+          <a:endParaRPr lang="en-US" sz="2400"/>
+        </a:p>
+      </dgm:t>
+    </dgm:pt>
+    <dgm:pt modelId="{6E07848F-BBA4-4E45-A2BC-8F95A025186B}" type="parTrans" cxnId="{8B01784B-D96D-4C29-8F54-E23B4D233227}">
+      <dgm:prSet/>
+      <dgm:spPr/>
+      <dgm:t>
+        <a:bodyPr/>
+        <a:lstStyle/>
+        <a:p>
+          <a:endParaRPr lang="en-US"/>
+        </a:p>
+      </dgm:t>
+    </dgm:pt>
+    <dgm:pt modelId="{54B46299-8640-4DFD-91BB-26B724B60505}" type="sibTrans" cxnId="{8B01784B-D96D-4C29-8F54-E23B4D233227}">
+      <dgm:prSet/>
+      <dgm:spPr/>
+      <dgm:t>
+        <a:bodyPr/>
+        <a:lstStyle/>
+        <a:p>
+          <a:endParaRPr lang="en-US"/>
+        </a:p>
+      </dgm:t>
+    </dgm:pt>
+    <dgm:pt modelId="{15DF49D9-AAE0-4151-A888-91453EB5D59A}">
+      <dgm:prSet custT="1"/>
+      <dgm:spPr/>
+      <dgm:t>
+        <a:bodyPr/>
+        <a:lstStyle/>
+        <a:p>
+          <a:r>
+            <a:rPr lang="hu-HU" sz="2400" dirty="0" err="1"/>
+            <a:t>Images</a:t>
+          </a:r>
+          <a:r>
+            <a:rPr lang="hu-HU" sz="2400" dirty="0"/>
+            <a:t> </a:t>
+          </a:r>
+          <a:r>
+            <a:rPr lang="hu-HU" sz="2400" dirty="0">
+              <a:sym typeface="Wingdings" panose="05000000000000000000" pitchFamily="2" charset="2"/>
+            </a:rPr>
+            <a:t></a:t>
+          </a:r>
+          <a:r>
+            <a:rPr lang="hu-HU" sz="2400" dirty="0"/>
+            <a:t> image for </a:t>
+          </a:r>
+          <a:r>
+            <a:rPr lang="hu-HU" sz="2400" dirty="0" err="1"/>
+            <a:t>the</a:t>
+          </a:r>
+          <a:r>
+            <a:rPr lang="hu-HU" sz="2400" dirty="0"/>
+            <a:t> </a:t>
+          </a:r>
+          <a:r>
+            <a:rPr lang="hu-HU" sz="2400" dirty="0" err="1"/>
+            <a:t>the</a:t>
+          </a:r>
+          <a:r>
+            <a:rPr lang="hu-HU" sz="2400" dirty="0"/>
+            <a:t> </a:t>
+          </a:r>
+          <a:r>
+            <a:rPr lang="hu-HU" sz="2400" dirty="0" err="1"/>
+            <a:t>html</a:t>
+          </a:r>
+          <a:r>
+            <a:rPr lang="hu-HU" sz="2400" dirty="0"/>
+            <a:t> </a:t>
+          </a:r>
+          <a:r>
+            <a:rPr lang="hu-HU" sz="2400" dirty="0" err="1"/>
+            <a:t>files</a:t>
+          </a:r>
+          <a:endParaRPr lang="en-US" sz="2400" dirty="0"/>
+        </a:p>
+      </dgm:t>
+    </dgm:pt>
+    <dgm:pt modelId="{C10F245D-6514-4344-9FCB-CEA36F561E08}" type="parTrans" cxnId="{80CBCCA6-EB9B-4AA0-8308-48B9DF30E404}">
+      <dgm:prSet/>
+      <dgm:spPr/>
+      <dgm:t>
+        <a:bodyPr/>
+        <a:lstStyle/>
+        <a:p>
+          <a:endParaRPr lang="en-US"/>
+        </a:p>
+      </dgm:t>
+    </dgm:pt>
+    <dgm:pt modelId="{32661966-A3B0-443A-B2CC-DBBDD58CC035}" type="sibTrans" cxnId="{80CBCCA6-EB9B-4AA0-8308-48B9DF30E404}">
+      <dgm:prSet/>
+      <dgm:spPr/>
+      <dgm:t>
+        <a:bodyPr/>
+        <a:lstStyle/>
+        <a:p>
+          <a:endParaRPr lang="en-US"/>
+        </a:p>
+      </dgm:t>
+    </dgm:pt>
+    <dgm:pt modelId="{E496141E-0F38-48E1-AB4C-AB1363502097}">
+      <dgm:prSet custT="1"/>
+      <dgm:spPr/>
+      <dgm:t>
+        <a:bodyPr/>
+        <a:lstStyle/>
+        <a:p>
+          <a:r>
+            <a:rPr lang="hu-HU" sz="2400" dirty="0" err="1"/>
+            <a:t>Upload</a:t>
+          </a:r>
+          <a:r>
+            <a:rPr lang="hu-HU" sz="2400" dirty="0"/>
+            <a:t> </a:t>
+          </a:r>
+          <a:r>
+            <a:rPr lang="hu-HU" sz="2400" dirty="0">
+              <a:sym typeface="Wingdings" panose="05000000000000000000" pitchFamily="2" charset="2"/>
+            </a:rPr>
+            <a:t></a:t>
+          </a:r>
+          <a:r>
+            <a:rPr lang="hu-HU" sz="2400" dirty="0"/>
+            <a:t> </a:t>
+          </a:r>
+          <a:r>
+            <a:rPr lang="hu-HU" sz="2400" dirty="0" err="1"/>
+            <a:t>uploaded</a:t>
+          </a:r>
+          <a:r>
+            <a:rPr lang="hu-HU" sz="2400" dirty="0"/>
+            <a:t> </a:t>
+          </a:r>
+          <a:r>
+            <a:rPr lang="hu-HU" sz="2400" dirty="0" err="1"/>
+            <a:t>images</a:t>
+          </a:r>
+          <a:r>
+            <a:rPr lang="hu-HU" sz="2400" dirty="0"/>
+            <a:t> for </a:t>
+          </a:r>
+          <a:r>
+            <a:rPr lang="hu-HU" sz="2400" dirty="0" err="1"/>
+            <a:t>the</a:t>
+          </a:r>
+          <a:r>
+            <a:rPr lang="hu-HU" sz="2400" dirty="0"/>
+            <a:t> </a:t>
+          </a:r>
+          <a:r>
+            <a:rPr lang="hu-HU" sz="2400" dirty="0" err="1"/>
+            <a:t>uploaded</a:t>
+          </a:r>
+          <a:r>
+            <a:rPr lang="hu-HU" sz="2400" dirty="0"/>
+            <a:t> </a:t>
+          </a:r>
+          <a:r>
+            <a:rPr lang="hu-HU" sz="2400" dirty="0" err="1"/>
+            <a:t>recipes</a:t>
+          </a:r>
+          <a:endParaRPr lang="en-US" sz="2400" dirty="0"/>
+        </a:p>
+      </dgm:t>
+    </dgm:pt>
+    <dgm:pt modelId="{D2886577-EB39-401C-A711-7105E9B776A1}" type="parTrans" cxnId="{488FDEC4-BD53-4CAA-85BA-4B86AF32D550}">
+      <dgm:prSet/>
+      <dgm:spPr/>
+      <dgm:t>
+        <a:bodyPr/>
+        <a:lstStyle/>
+        <a:p>
+          <a:endParaRPr lang="en-US"/>
+        </a:p>
+      </dgm:t>
+    </dgm:pt>
+    <dgm:pt modelId="{03E3F8DF-AA68-408F-BC92-B6A91E795495}" type="sibTrans" cxnId="{488FDEC4-BD53-4CAA-85BA-4B86AF32D550}">
+      <dgm:prSet/>
+      <dgm:spPr/>
+      <dgm:t>
+        <a:bodyPr/>
+        <a:lstStyle/>
+        <a:p>
+          <a:endParaRPr lang="en-US"/>
+        </a:p>
+      </dgm:t>
+    </dgm:pt>
+    <dgm:pt modelId="{9E0FCC61-3073-4EA0-9633-F819C3F88A16}">
+      <dgm:prSet custT="1"/>
+      <dgm:spPr/>
+      <dgm:t>
+        <a:bodyPr/>
+        <a:lstStyle/>
+        <a:p>
+          <a:r>
+            <a:rPr lang="hu-HU" sz="2400" dirty="0"/>
+            <a:t>Js </a:t>
+          </a:r>
+          <a:r>
+            <a:rPr lang="hu-HU" sz="2400" dirty="0">
+              <a:sym typeface="Wingdings" panose="05000000000000000000" pitchFamily="2" charset="2"/>
+            </a:rPr>
+            <a:t></a:t>
+          </a:r>
+          <a:r>
+            <a:rPr lang="hu-HU" sz="2400" dirty="0"/>
+            <a:t> js </a:t>
+          </a:r>
+          <a:r>
+            <a:rPr lang="hu-HU" sz="2400" dirty="0" err="1"/>
+            <a:t>files</a:t>
+          </a:r>
+          <a:r>
+            <a:rPr lang="hu-HU" sz="2400" dirty="0"/>
+            <a:t> for </a:t>
+          </a:r>
+          <a:r>
+            <a:rPr lang="hu-HU" sz="2400" dirty="0" err="1"/>
+            <a:t>the</a:t>
+          </a:r>
+          <a:r>
+            <a:rPr lang="hu-HU" sz="2400" dirty="0"/>
+            <a:t> backend and </a:t>
+          </a:r>
+          <a:r>
+            <a:rPr lang="hu-HU" sz="2400" dirty="0" err="1"/>
+            <a:t>the</a:t>
+          </a:r>
+          <a:r>
+            <a:rPr lang="hu-HU" sz="2400" dirty="0"/>
+            <a:t> frontend</a:t>
+          </a:r>
+          <a:endParaRPr lang="en-US" sz="2400" dirty="0"/>
+        </a:p>
+      </dgm:t>
+    </dgm:pt>
+    <dgm:pt modelId="{1C221FE2-A363-421A-ACC4-F164D6C3C9E4}" type="parTrans" cxnId="{2AE1F731-2D0B-4AF6-8809-CFA9BA79955A}">
+      <dgm:prSet/>
+      <dgm:spPr/>
+      <dgm:t>
+        <a:bodyPr/>
+        <a:lstStyle/>
+        <a:p>
+          <a:endParaRPr lang="en-US"/>
+        </a:p>
+      </dgm:t>
+    </dgm:pt>
+    <dgm:pt modelId="{98B740A2-3FF1-4DBC-9B9F-66CB25367E30}" type="sibTrans" cxnId="{2AE1F731-2D0B-4AF6-8809-CFA9BA79955A}">
+      <dgm:prSet/>
+      <dgm:spPr/>
+      <dgm:t>
+        <a:bodyPr/>
+        <a:lstStyle/>
+        <a:p>
+          <a:endParaRPr lang="en-US"/>
+        </a:p>
+      </dgm:t>
+    </dgm:pt>
+    <dgm:pt modelId="{81EFEA4A-D4C3-4B9A-B216-EB620955530B}" type="pres">
+      <dgm:prSet presAssocID="{2B351BC2-25C9-40A8-964F-33808033471D}" presName="linear" presStyleCnt="0">
+        <dgm:presLayoutVars>
+          <dgm:animLvl val="lvl"/>
+          <dgm:resizeHandles val="exact"/>
+        </dgm:presLayoutVars>
+      </dgm:prSet>
+      <dgm:spPr/>
+    </dgm:pt>
+    <dgm:pt modelId="{1C125546-E346-429D-811F-9026A2394684}" type="pres">
+      <dgm:prSet presAssocID="{73AF9605-E007-49F2-A030-B6BBDC5AEE4F}" presName="parentText" presStyleLbl="node1" presStyleIdx="0" presStyleCnt="1">
+        <dgm:presLayoutVars>
+          <dgm:chMax val="0"/>
+          <dgm:bulletEnabled val="1"/>
+        </dgm:presLayoutVars>
+      </dgm:prSet>
+      <dgm:spPr/>
+    </dgm:pt>
+    <dgm:pt modelId="{546141B7-47AD-46A1-8485-946D89CD90D3}" type="pres">
+      <dgm:prSet presAssocID="{73AF9605-E007-49F2-A030-B6BBDC5AEE4F}" presName="childText" presStyleLbl="revTx" presStyleIdx="0" presStyleCnt="1" custScaleY="104385">
+        <dgm:presLayoutVars>
+          <dgm:bulletEnabled val="1"/>
+        </dgm:presLayoutVars>
+      </dgm:prSet>
+      <dgm:spPr/>
+    </dgm:pt>
+  </dgm:ptLst>
+  <dgm:cxnLst>
+    <dgm:cxn modelId="{7E2D2E06-CA44-46C9-B60F-AC53325800FE}" type="presOf" srcId="{BA906055-8BED-4C45-B0DD-70D9AABC0161}" destId="{546141B7-47AD-46A1-8485-946D89CD90D3}" srcOrd="0" destOrd="3" presId="urn:microsoft.com/office/officeart/2005/8/layout/vList2"/>
+    <dgm:cxn modelId="{F7028A06-6DC6-45B6-AB05-ECDACCD3C462}" srcId="{2B351BC2-25C9-40A8-964F-33808033471D}" destId="{73AF9605-E007-49F2-A030-B6BBDC5AEE4F}" srcOrd="0" destOrd="0" parTransId="{8677F13A-D749-4D9C-83B2-B5213C8ED884}" sibTransId="{4C543B91-6263-4847-B945-B8668AC62657}"/>
+    <dgm:cxn modelId="{CF79E423-A91F-4BD0-9498-5B5C54BC983D}" type="presOf" srcId="{15DF49D9-AAE0-4151-A888-91453EB5D59A}" destId="{546141B7-47AD-46A1-8485-946D89CD90D3}" srcOrd="0" destOrd="4" presId="urn:microsoft.com/office/officeart/2005/8/layout/vList2"/>
+    <dgm:cxn modelId="{2AE1F731-2D0B-4AF6-8809-CFA9BA79955A}" srcId="{73AF9605-E007-49F2-A030-B6BBDC5AEE4F}" destId="{9E0FCC61-3073-4EA0-9633-F819C3F88A16}" srcOrd="5" destOrd="0" parTransId="{1C221FE2-A363-421A-ACC4-F164D6C3C9E4}" sibTransId="{98B740A2-3FF1-4DBC-9B9F-66CB25367E30}"/>
+    <dgm:cxn modelId="{1992FC61-65E7-48DF-8051-7F7630E26119}" srcId="{73AF9605-E007-49F2-A030-B6BBDC5AEE4F}" destId="{ED1AE132-BE09-47C5-BEB7-B7593F13E8AD}" srcOrd="0" destOrd="0" parTransId="{A710D70B-BD04-47FC-82E3-96BC42B57D5B}" sibTransId="{71325449-A6A9-4EA7-8C5B-D2BEB131889D}"/>
+    <dgm:cxn modelId="{F1EA8465-78D4-45FD-8229-12ECD55B95CA}" type="presOf" srcId="{2B351BC2-25C9-40A8-964F-33808033471D}" destId="{81EFEA4A-D4C3-4B9A-B216-EB620955530B}" srcOrd="0" destOrd="0" presId="urn:microsoft.com/office/officeart/2005/8/layout/vList2"/>
+    <dgm:cxn modelId="{8B01784B-D96D-4C29-8F54-E23B4D233227}" srcId="{73AF9605-E007-49F2-A030-B6BBDC5AEE4F}" destId="{BA906055-8BED-4C45-B0DD-70D9AABC0161}" srcOrd="3" destOrd="0" parTransId="{6E07848F-BBA4-4E45-A2BC-8F95A025186B}" sibTransId="{54B46299-8640-4DFD-91BB-26B724B60505}"/>
+    <dgm:cxn modelId="{922B7C72-7B7E-481B-B715-A60BEE5C8F26}" type="presOf" srcId="{9E0FCC61-3073-4EA0-9633-F819C3F88A16}" destId="{546141B7-47AD-46A1-8485-946D89CD90D3}" srcOrd="0" destOrd="6" presId="urn:microsoft.com/office/officeart/2005/8/layout/vList2"/>
+    <dgm:cxn modelId="{AFF9A273-745C-40C3-AF4A-0B009DE5BA69}" type="presOf" srcId="{E496141E-0F38-48E1-AB4C-AB1363502097}" destId="{546141B7-47AD-46A1-8485-946D89CD90D3}" srcOrd="0" destOrd="5" presId="urn:microsoft.com/office/officeart/2005/8/layout/vList2"/>
+    <dgm:cxn modelId="{1872AB79-117A-4295-ADA6-AFA2CB9DE461}" type="presOf" srcId="{CB75D769-51FF-44D4-A76D-F3A00D4E6D29}" destId="{546141B7-47AD-46A1-8485-946D89CD90D3}" srcOrd="0" destOrd="2" presId="urn:microsoft.com/office/officeart/2005/8/layout/vList2"/>
+    <dgm:cxn modelId="{28815487-4930-4E0E-AE53-9C2CAA11EF02}" type="presOf" srcId="{73AF9605-E007-49F2-A030-B6BBDC5AEE4F}" destId="{1C125546-E346-429D-811F-9026A2394684}" srcOrd="0" destOrd="0" presId="urn:microsoft.com/office/officeart/2005/8/layout/vList2"/>
+    <dgm:cxn modelId="{80CBCCA6-EB9B-4AA0-8308-48B9DF30E404}" srcId="{73AF9605-E007-49F2-A030-B6BBDC5AEE4F}" destId="{15DF49D9-AAE0-4151-A888-91453EB5D59A}" srcOrd="4" destOrd="0" parTransId="{C10F245D-6514-4344-9FCB-CEA36F561E08}" sibTransId="{32661966-A3B0-443A-B2CC-DBBDD58CC035}"/>
+    <dgm:cxn modelId="{BB385BBB-9C72-4E27-A07B-766CA8C9C922}" type="presOf" srcId="{ED1AE132-BE09-47C5-BEB7-B7593F13E8AD}" destId="{546141B7-47AD-46A1-8485-946D89CD90D3}" srcOrd="0" destOrd="0" presId="urn:microsoft.com/office/officeart/2005/8/layout/vList2"/>
+    <dgm:cxn modelId="{CBC11EBF-B25E-41DF-918B-9D867811F0D7}" srcId="{73AF9605-E007-49F2-A030-B6BBDC5AEE4F}" destId="{CB75D769-51FF-44D4-A76D-F3A00D4E6D29}" srcOrd="2" destOrd="0" parTransId="{126D93C8-F6B2-4D89-A60E-13A5F72EEE7F}" sibTransId="{F048D737-D283-4455-B4EB-2BF190549F5B}"/>
+    <dgm:cxn modelId="{ADE5E3C2-D49B-4AA7-92B7-A32FE93B917F}" type="presOf" srcId="{9ED24524-A58F-4D93-AF86-D4784CB6F524}" destId="{546141B7-47AD-46A1-8485-946D89CD90D3}" srcOrd="0" destOrd="1" presId="urn:microsoft.com/office/officeart/2005/8/layout/vList2"/>
+    <dgm:cxn modelId="{488FDEC4-BD53-4CAA-85BA-4B86AF32D550}" srcId="{15DF49D9-AAE0-4151-A888-91453EB5D59A}" destId="{E496141E-0F38-48E1-AB4C-AB1363502097}" srcOrd="0" destOrd="0" parTransId="{D2886577-EB39-401C-A711-7105E9B776A1}" sibTransId="{03E3F8DF-AA68-408F-BC92-B6A91E795495}"/>
+    <dgm:cxn modelId="{7AD820C9-01CE-469E-9139-69D54244C94B}" srcId="{73AF9605-E007-49F2-A030-B6BBDC5AEE4F}" destId="{9ED24524-A58F-4D93-AF86-D4784CB6F524}" srcOrd="1" destOrd="0" parTransId="{CD4515A8-76BF-4593-93EC-BCAEC11D05A6}" sibTransId="{D0A5A6BD-DE8E-4A5B-9E85-2E1EE711E995}"/>
+    <dgm:cxn modelId="{8D708CC0-83BB-444A-900F-FCCD8C1FD39E}" type="presParOf" srcId="{81EFEA4A-D4C3-4B9A-B216-EB620955530B}" destId="{1C125546-E346-429D-811F-9026A2394684}" srcOrd="0" destOrd="0" presId="urn:microsoft.com/office/officeart/2005/8/layout/vList2"/>
+    <dgm:cxn modelId="{0DF005DE-1960-4330-94B5-9A8E183B5A55}" type="presParOf" srcId="{81EFEA4A-D4C3-4B9A-B216-EB620955530B}" destId="{546141B7-47AD-46A1-8485-946D89CD90D3}" srcOrd="1" destOrd="0" presId="urn:microsoft.com/office/officeart/2005/8/layout/vList2"/>
+  </dgm:cxnLst>
+  <dgm:bg/>
+  <dgm:whole/>
+  <dgm:extLst>
+    <a:ext uri="http://schemas.microsoft.com/office/drawing/2008/diagram">
+      <dsp:dataModelExt xmlns:dsp="http://schemas.microsoft.com/office/drawing/2008/diagram" relId="rId6" minVer="http://schemas.openxmlformats.org/drawingml/2006/diagram"/>
+    </a:ext>
+  </dgm:extLst>
+</dgm:dataModel>
+</file>
+
 <file path=ppt/diagrams/drawing1.xml><?xml version="1.0" encoding="utf-8"?>
 <dsp:drawing xmlns:dgm="http://schemas.openxmlformats.org/drawingml/2006/diagram" xmlns:dsp="http://schemas.microsoft.com/office/drawing/2008/diagram" xmlns:a="http://schemas.openxmlformats.org/drawingml/2006/main">
   <dsp:spTree>
@@ -6032,509 +6032,6 @@
 </file>
 
 <file path=ppt/diagrams/drawing2.xml><?xml version="1.0" encoding="utf-8"?>
-<dsp:drawing xmlns:dgm="http://schemas.openxmlformats.org/drawingml/2006/diagram" xmlns:dsp="http://schemas.microsoft.com/office/drawing/2008/diagram" xmlns:a="http://schemas.openxmlformats.org/drawingml/2006/main">
-  <dsp:spTree>
-    <dsp:nvGrpSpPr>
-      <dsp:cNvPr id="0" name=""/>
-      <dsp:cNvGrpSpPr/>
-    </dsp:nvGrpSpPr>
-    <dsp:grpSpPr/>
-    <dsp:sp modelId="{1C125546-E346-429D-811F-9026A2394684}">
-      <dsp:nvSpPr>
-        <dsp:cNvPr id="0" name=""/>
-        <dsp:cNvSpPr/>
-      </dsp:nvSpPr>
-      <dsp:spPr>
-        <a:xfrm>
-          <a:off x="0" y="1125"/>
-          <a:ext cx="9747315" cy="659381"/>
-        </a:xfrm>
-        <a:prstGeom prst="roundRect">
-          <a:avLst/>
-        </a:prstGeom>
-        <a:solidFill>
-          <a:schemeClr val="accent2"/>
-        </a:solidFill>
-        <a:ln w="19050" cap="flat" cmpd="sng" algn="ctr">
-          <a:solidFill>
-            <a:schemeClr val="lt1">
-              <a:hueOff val="0"/>
-              <a:satOff val="0"/>
-              <a:lumOff val="0"/>
-              <a:alphaOff val="0"/>
-            </a:schemeClr>
-          </a:solidFill>
-          <a:prstDash val="solid"/>
-          <a:miter lim="800000"/>
-        </a:ln>
-        <a:effectLst/>
-      </dsp:spPr>
-      <dsp:style>
-        <a:lnRef idx="2">
-          <a:scrgbClr r="0" g="0" b="0"/>
-        </a:lnRef>
-        <a:fillRef idx="1">
-          <a:scrgbClr r="0" g="0" b="0"/>
-        </a:fillRef>
-        <a:effectRef idx="0">
-          <a:scrgbClr r="0" g="0" b="0"/>
-        </a:effectRef>
-        <a:fontRef idx="minor">
-          <a:schemeClr val="lt1"/>
-        </a:fontRef>
-      </dsp:style>
-      <dsp:txBody>
-        <a:bodyPr spcFirstLastPara="0" vert="horz" wrap="square" lIns="106680" tIns="106680" rIns="106680" bIns="106680" numCol="1" spcCol="1270" anchor="ctr" anchorCtr="0">
-          <a:noAutofit/>
-        </a:bodyPr>
-        <a:lstStyle/>
-        <a:p>
-          <a:pPr marL="0" lvl="0" indent="0" algn="l" defTabSz="1244600">
-            <a:lnSpc>
-              <a:spcPct val="90000"/>
-            </a:lnSpc>
-            <a:spcBef>
-              <a:spcPct val="0"/>
-            </a:spcBef>
-            <a:spcAft>
-              <a:spcPct val="35000"/>
-            </a:spcAft>
-            <a:buNone/>
-          </a:pPr>
-          <a:r>
-            <a:rPr lang="hu-HU" sz="2800" kern="1200" dirty="0" err="1"/>
-            <a:t>ProjectWork</a:t>
-          </a:r>
-          <a:r>
-            <a:rPr lang="hu-HU" sz="2800" kern="1200" dirty="0"/>
-            <a:t> (main </a:t>
-          </a:r>
-          <a:r>
-            <a:rPr lang="hu-HU" sz="2800" kern="1200" dirty="0" err="1"/>
-            <a:t>folder</a:t>
-          </a:r>
-          <a:r>
-            <a:rPr lang="hu-HU" sz="2800" kern="1200" dirty="0"/>
-            <a:t>)</a:t>
-          </a:r>
-          <a:endParaRPr lang="en-US" sz="2800" kern="1200" dirty="0"/>
-        </a:p>
-      </dsp:txBody>
-      <dsp:txXfrm>
-        <a:off x="32188" y="33313"/>
-        <a:ext cx="9682939" cy="595005"/>
-      </dsp:txXfrm>
-    </dsp:sp>
-    <dsp:sp modelId="{546141B7-47AD-46A1-8485-946D89CD90D3}">
-      <dsp:nvSpPr>
-        <dsp:cNvPr id="0" name=""/>
-        <dsp:cNvSpPr/>
-      </dsp:nvSpPr>
-      <dsp:spPr>
-        <a:xfrm>
-          <a:off x="0" y="660507"/>
-          <a:ext cx="9747315" cy="2939406"/>
-        </a:xfrm>
-        <a:prstGeom prst="rect">
-          <a:avLst/>
-        </a:prstGeom>
-        <a:noFill/>
-        <a:ln>
-          <a:noFill/>
-        </a:ln>
-        <a:effectLst/>
-      </dsp:spPr>
-      <dsp:style>
-        <a:lnRef idx="0">
-          <a:scrgbClr r="0" g="0" b="0"/>
-        </a:lnRef>
-        <a:fillRef idx="0">
-          <a:scrgbClr r="0" g="0" b="0"/>
-        </a:fillRef>
-        <a:effectRef idx="0">
-          <a:scrgbClr r="0" g="0" b="0"/>
-        </a:effectRef>
-        <a:fontRef idx="minor"/>
-      </dsp:style>
-      <dsp:txBody>
-        <a:bodyPr spcFirstLastPara="0" vert="horz" wrap="square" lIns="309477" tIns="30480" rIns="170688" bIns="30480" numCol="1" spcCol="1270" anchor="t" anchorCtr="0">
-          <a:noAutofit/>
-        </a:bodyPr>
-        <a:lstStyle/>
-        <a:p>
-          <a:pPr marL="228600" lvl="1" indent="-228600" algn="l" defTabSz="1066800">
-            <a:lnSpc>
-              <a:spcPct val="90000"/>
-            </a:lnSpc>
-            <a:spcBef>
-              <a:spcPct val="0"/>
-            </a:spcBef>
-            <a:spcAft>
-              <a:spcPct val="20000"/>
-            </a:spcAft>
-            <a:buChar char="•"/>
-          </a:pPr>
-          <a:r>
-            <a:rPr lang="hu-HU" sz="2400" kern="1200" dirty="0" err="1"/>
-            <a:t>Css</a:t>
-          </a:r>
-          <a:r>
-            <a:rPr lang="hu-HU" sz="2400" kern="1200" dirty="0"/>
-            <a:t> </a:t>
-          </a:r>
-          <a:r>
-            <a:rPr lang="hu-HU" sz="2400" kern="1200" dirty="0">
-              <a:sym typeface="Wingdings" panose="05000000000000000000" pitchFamily="2" charset="2"/>
-            </a:rPr>
-            <a:t></a:t>
-          </a:r>
-          <a:r>
-            <a:rPr lang="hu-HU" sz="2400" kern="1200" dirty="0"/>
-            <a:t> </a:t>
-          </a:r>
-          <a:r>
-            <a:rPr lang="hu-HU" sz="2400" kern="1200" dirty="0" err="1"/>
-            <a:t>css</a:t>
-          </a:r>
-          <a:r>
-            <a:rPr lang="hu-HU" sz="2400" kern="1200" dirty="0"/>
-            <a:t> file</a:t>
-          </a:r>
-          <a:endParaRPr lang="en-US" sz="2400" kern="1200" dirty="0"/>
-        </a:p>
-        <a:p>
-          <a:pPr marL="228600" lvl="1" indent="-228600" algn="l" defTabSz="1066800">
-            <a:lnSpc>
-              <a:spcPct val="90000"/>
-            </a:lnSpc>
-            <a:spcBef>
-              <a:spcPct val="0"/>
-            </a:spcBef>
-            <a:spcAft>
-              <a:spcPct val="20000"/>
-            </a:spcAft>
-            <a:buChar char="•"/>
-          </a:pPr>
-          <a:r>
-            <a:rPr lang="hu-HU" sz="2400" kern="1200" dirty="0"/>
-            <a:t>Database </a:t>
-          </a:r>
-          <a:r>
-            <a:rPr lang="hu-HU" sz="2400" kern="1200" dirty="0">
-              <a:sym typeface="Wingdings" panose="05000000000000000000" pitchFamily="2" charset="2"/>
-            </a:rPr>
-            <a:t></a:t>
-          </a:r>
-          <a:r>
-            <a:rPr lang="hu-HU" sz="2400" kern="1200" dirty="0"/>
-            <a:t> </a:t>
-          </a:r>
-          <a:r>
-            <a:rPr lang="hu-HU" sz="2400" kern="1200" dirty="0" err="1"/>
-            <a:t>everything</a:t>
-          </a:r>
-          <a:r>
-            <a:rPr lang="hu-HU" sz="2400" kern="1200" dirty="0"/>
-            <a:t> </a:t>
-          </a:r>
-          <a:r>
-            <a:rPr lang="hu-HU" sz="2400" kern="1200" dirty="0" err="1"/>
-            <a:t>about</a:t>
-          </a:r>
-          <a:r>
-            <a:rPr lang="hu-HU" sz="2400" kern="1200" dirty="0"/>
-            <a:t> </a:t>
-          </a:r>
-          <a:r>
-            <a:rPr lang="hu-HU" sz="2400" kern="1200" dirty="0" err="1"/>
-            <a:t>our</a:t>
-          </a:r>
-          <a:r>
-            <a:rPr lang="hu-HU" sz="2400" kern="1200" dirty="0"/>
-            <a:t> </a:t>
-          </a:r>
-          <a:r>
-            <a:rPr lang="hu-HU" sz="2400" kern="1200" dirty="0" err="1"/>
-            <a:t>database</a:t>
-          </a:r>
-          <a:endParaRPr lang="en-US" sz="2400" kern="1200" dirty="0"/>
-        </a:p>
-        <a:p>
-          <a:pPr marL="228600" lvl="1" indent="-228600" algn="l" defTabSz="1066800">
-            <a:lnSpc>
-              <a:spcPct val="90000"/>
-            </a:lnSpc>
-            <a:spcBef>
-              <a:spcPct val="0"/>
-            </a:spcBef>
-            <a:spcAft>
-              <a:spcPct val="20000"/>
-            </a:spcAft>
-            <a:buChar char="•"/>
-          </a:pPr>
-          <a:r>
-            <a:rPr lang="hu-HU" sz="2400" kern="1200" dirty="0" err="1"/>
-            <a:t>Docx</a:t>
-          </a:r>
-          <a:r>
-            <a:rPr lang="hu-HU" sz="2400" kern="1200" dirty="0"/>
-            <a:t> </a:t>
-          </a:r>
-          <a:r>
-            <a:rPr lang="hu-HU" sz="2400" kern="1200" dirty="0">
-              <a:sym typeface="Wingdings" panose="05000000000000000000" pitchFamily="2" charset="2"/>
-            </a:rPr>
-            <a:t></a:t>
-          </a:r>
-          <a:r>
-            <a:rPr lang="hu-HU" sz="2400" kern="1200" dirty="0"/>
-            <a:t> </a:t>
-          </a:r>
-          <a:r>
-            <a:rPr lang="hu-HU" sz="2400" kern="1200" dirty="0" err="1"/>
-            <a:t>the</a:t>
-          </a:r>
-          <a:r>
-            <a:rPr lang="hu-HU" sz="2400" kern="1200" dirty="0"/>
-            <a:t> project </a:t>
-          </a:r>
-          <a:r>
-            <a:rPr lang="hu-HU" sz="2400" kern="1200" dirty="0" err="1"/>
-            <a:t>work’s</a:t>
-          </a:r>
-          <a:r>
-            <a:rPr lang="hu-HU" sz="2400" kern="1200" dirty="0"/>
-            <a:t> </a:t>
-          </a:r>
-          <a:r>
-            <a:rPr lang="hu-HU" sz="2400" kern="1200" dirty="0" err="1"/>
-            <a:t>documentations</a:t>
-          </a:r>
-          <a:endParaRPr lang="en-US" sz="2400" kern="1200" dirty="0"/>
-        </a:p>
-        <a:p>
-          <a:pPr marL="228600" lvl="1" indent="-228600" algn="l" defTabSz="1066800">
-            <a:lnSpc>
-              <a:spcPct val="90000"/>
-            </a:lnSpc>
-            <a:spcBef>
-              <a:spcPct val="0"/>
-            </a:spcBef>
-            <a:spcAft>
-              <a:spcPct val="20000"/>
-            </a:spcAft>
-            <a:buChar char="•"/>
-          </a:pPr>
-          <a:r>
-            <a:rPr lang="hu-HU" sz="2400" kern="1200"/>
-            <a:t>Html </a:t>
-          </a:r>
-          <a:r>
-            <a:rPr lang="hu-HU" sz="2400" kern="1200">
-              <a:sym typeface="Wingdings" panose="05000000000000000000" pitchFamily="2" charset="2"/>
-            </a:rPr>
-            <a:t></a:t>
-          </a:r>
-          <a:r>
-            <a:rPr lang="hu-HU" sz="2400" kern="1200"/>
-            <a:t> html file (webpages)</a:t>
-          </a:r>
-          <a:endParaRPr lang="en-US" sz="2400" kern="1200"/>
-        </a:p>
-        <a:p>
-          <a:pPr marL="228600" lvl="1" indent="-228600" algn="l" defTabSz="1066800">
-            <a:lnSpc>
-              <a:spcPct val="90000"/>
-            </a:lnSpc>
-            <a:spcBef>
-              <a:spcPct val="0"/>
-            </a:spcBef>
-            <a:spcAft>
-              <a:spcPct val="20000"/>
-            </a:spcAft>
-            <a:buChar char="•"/>
-          </a:pPr>
-          <a:r>
-            <a:rPr lang="hu-HU" sz="2400" kern="1200" dirty="0" err="1"/>
-            <a:t>Images</a:t>
-          </a:r>
-          <a:r>
-            <a:rPr lang="hu-HU" sz="2400" kern="1200" dirty="0"/>
-            <a:t> </a:t>
-          </a:r>
-          <a:r>
-            <a:rPr lang="hu-HU" sz="2400" kern="1200" dirty="0">
-              <a:sym typeface="Wingdings" panose="05000000000000000000" pitchFamily="2" charset="2"/>
-            </a:rPr>
-            <a:t></a:t>
-          </a:r>
-          <a:r>
-            <a:rPr lang="hu-HU" sz="2400" kern="1200" dirty="0"/>
-            <a:t> image for </a:t>
-          </a:r>
-          <a:r>
-            <a:rPr lang="hu-HU" sz="2400" kern="1200" dirty="0" err="1"/>
-            <a:t>the</a:t>
-          </a:r>
-          <a:r>
-            <a:rPr lang="hu-HU" sz="2400" kern="1200" dirty="0"/>
-            <a:t> </a:t>
-          </a:r>
-          <a:r>
-            <a:rPr lang="hu-HU" sz="2400" kern="1200" dirty="0" err="1"/>
-            <a:t>the</a:t>
-          </a:r>
-          <a:r>
-            <a:rPr lang="hu-HU" sz="2400" kern="1200" dirty="0"/>
-            <a:t> </a:t>
-          </a:r>
-          <a:r>
-            <a:rPr lang="hu-HU" sz="2400" kern="1200" dirty="0" err="1"/>
-            <a:t>html</a:t>
-          </a:r>
-          <a:r>
-            <a:rPr lang="hu-HU" sz="2400" kern="1200" dirty="0"/>
-            <a:t> </a:t>
-          </a:r>
-          <a:r>
-            <a:rPr lang="hu-HU" sz="2400" kern="1200" dirty="0" err="1"/>
-            <a:t>files</a:t>
-          </a:r>
-          <a:endParaRPr lang="en-US" sz="2400" kern="1200" dirty="0"/>
-        </a:p>
-        <a:p>
-          <a:pPr marL="457200" lvl="2" indent="-228600" algn="l" defTabSz="1066800">
-            <a:lnSpc>
-              <a:spcPct val="90000"/>
-            </a:lnSpc>
-            <a:spcBef>
-              <a:spcPct val="0"/>
-            </a:spcBef>
-            <a:spcAft>
-              <a:spcPct val="20000"/>
-            </a:spcAft>
-            <a:buChar char="•"/>
-          </a:pPr>
-          <a:r>
-            <a:rPr lang="hu-HU" sz="2400" kern="1200" dirty="0" err="1"/>
-            <a:t>Upload</a:t>
-          </a:r>
-          <a:r>
-            <a:rPr lang="hu-HU" sz="2400" kern="1200" dirty="0"/>
-            <a:t> </a:t>
-          </a:r>
-          <a:r>
-            <a:rPr lang="hu-HU" sz="2400" kern="1200" dirty="0">
-              <a:sym typeface="Wingdings" panose="05000000000000000000" pitchFamily="2" charset="2"/>
-            </a:rPr>
-            <a:t></a:t>
-          </a:r>
-          <a:r>
-            <a:rPr lang="hu-HU" sz="2400" kern="1200" dirty="0"/>
-            <a:t> </a:t>
-          </a:r>
-          <a:r>
-            <a:rPr lang="hu-HU" sz="2400" kern="1200" dirty="0" err="1"/>
-            <a:t>uploaded</a:t>
-          </a:r>
-          <a:r>
-            <a:rPr lang="hu-HU" sz="2400" kern="1200" dirty="0"/>
-            <a:t> </a:t>
-          </a:r>
-          <a:r>
-            <a:rPr lang="hu-HU" sz="2400" kern="1200" dirty="0" err="1"/>
-            <a:t>images</a:t>
-          </a:r>
-          <a:r>
-            <a:rPr lang="hu-HU" sz="2400" kern="1200" dirty="0"/>
-            <a:t> for </a:t>
-          </a:r>
-          <a:r>
-            <a:rPr lang="hu-HU" sz="2400" kern="1200" dirty="0" err="1"/>
-            <a:t>the</a:t>
-          </a:r>
-          <a:r>
-            <a:rPr lang="hu-HU" sz="2400" kern="1200" dirty="0"/>
-            <a:t> </a:t>
-          </a:r>
-          <a:r>
-            <a:rPr lang="hu-HU" sz="2400" kern="1200" dirty="0" err="1"/>
-            <a:t>uploaded</a:t>
-          </a:r>
-          <a:r>
-            <a:rPr lang="hu-HU" sz="2400" kern="1200" dirty="0"/>
-            <a:t> </a:t>
-          </a:r>
-          <a:r>
-            <a:rPr lang="hu-HU" sz="2400" kern="1200" dirty="0" err="1"/>
-            <a:t>recipes</a:t>
-          </a:r>
-          <a:endParaRPr lang="en-US" sz="2400" kern="1200" dirty="0"/>
-        </a:p>
-        <a:p>
-          <a:pPr marL="228600" lvl="1" indent="-228600" algn="l" defTabSz="1066800">
-            <a:lnSpc>
-              <a:spcPct val="90000"/>
-            </a:lnSpc>
-            <a:spcBef>
-              <a:spcPct val="0"/>
-            </a:spcBef>
-            <a:spcAft>
-              <a:spcPct val="20000"/>
-            </a:spcAft>
-            <a:buChar char="•"/>
-          </a:pPr>
-          <a:r>
-            <a:rPr lang="hu-HU" sz="2400" kern="1200" dirty="0"/>
-            <a:t>Js </a:t>
-          </a:r>
-          <a:r>
-            <a:rPr lang="hu-HU" sz="2400" kern="1200" dirty="0">
-              <a:sym typeface="Wingdings" panose="05000000000000000000" pitchFamily="2" charset="2"/>
-            </a:rPr>
-            <a:t></a:t>
-          </a:r>
-          <a:r>
-            <a:rPr lang="hu-HU" sz="2400" kern="1200" dirty="0"/>
-            <a:t> js </a:t>
-          </a:r>
-          <a:r>
-            <a:rPr lang="hu-HU" sz="2400" kern="1200" dirty="0" err="1"/>
-            <a:t>files</a:t>
-          </a:r>
-          <a:r>
-            <a:rPr lang="hu-HU" sz="2400" kern="1200" dirty="0"/>
-            <a:t> for </a:t>
-          </a:r>
-          <a:r>
-            <a:rPr lang="hu-HU" sz="2400" kern="1200" dirty="0" err="1"/>
-            <a:t>the</a:t>
-          </a:r>
-          <a:r>
-            <a:rPr lang="hu-HU" sz="2400" kern="1200" dirty="0"/>
-            <a:t> backend and </a:t>
-          </a:r>
-          <a:r>
-            <a:rPr lang="hu-HU" sz="2400" kern="1200" dirty="0" err="1"/>
-            <a:t>the</a:t>
-          </a:r>
-          <a:r>
-            <a:rPr lang="hu-HU" sz="2400" kern="1200" dirty="0"/>
-            <a:t> frontend</a:t>
-          </a:r>
-          <a:endParaRPr lang="en-US" sz="2400" kern="1200" dirty="0"/>
-        </a:p>
-      </dsp:txBody>
-      <dsp:txXfrm>
-        <a:off x="0" y="660507"/>
-        <a:ext cx="9747315" cy="2939406"/>
-      </dsp:txXfrm>
-    </dsp:sp>
-  </dsp:spTree>
-</dsp:drawing>
-</file>
-
-<file path=ppt/diagrams/drawing3.xml><?xml version="1.0" encoding="utf-8"?>
 <dsp:drawing xmlns:dgm="http://schemas.openxmlformats.org/drawingml/2006/diagram" xmlns:dsp="http://schemas.microsoft.com/office/drawing/2008/diagram" xmlns:a="http://schemas.openxmlformats.org/drawingml/2006/main">
   <dsp:spTree>
     <dsp:nvGrpSpPr>
@@ -7035,7 +6532,7 @@
 </dsp:drawing>
 </file>
 
-<file path=ppt/diagrams/drawing4.xml><?xml version="1.0" encoding="utf-8"?>
+<file path=ppt/diagrams/drawing3.xml><?xml version="1.0" encoding="utf-8"?>
 <dsp:drawing xmlns:dgm="http://schemas.openxmlformats.org/drawingml/2006/diagram" xmlns:dsp="http://schemas.microsoft.com/office/drawing/2008/diagram" xmlns:a="http://schemas.openxmlformats.org/drawingml/2006/main">
   <dsp:spTree>
     <dsp:nvGrpSpPr>
@@ -7678,6 +7175,509 @@
       <dsp:txXfrm>
         <a:off x="7187576" y="0"/>
         <a:ext cx="3327201" cy="1579550"/>
+      </dsp:txXfrm>
+    </dsp:sp>
+  </dsp:spTree>
+</dsp:drawing>
+</file>
+
+<file path=ppt/diagrams/drawing4.xml><?xml version="1.0" encoding="utf-8"?>
+<dsp:drawing xmlns:dgm="http://schemas.openxmlformats.org/drawingml/2006/diagram" xmlns:dsp="http://schemas.microsoft.com/office/drawing/2008/diagram" xmlns:a="http://schemas.openxmlformats.org/drawingml/2006/main">
+  <dsp:spTree>
+    <dsp:nvGrpSpPr>
+      <dsp:cNvPr id="0" name=""/>
+      <dsp:cNvGrpSpPr/>
+    </dsp:nvGrpSpPr>
+    <dsp:grpSpPr/>
+    <dsp:sp modelId="{1C125546-E346-429D-811F-9026A2394684}">
+      <dsp:nvSpPr>
+        <dsp:cNvPr id="0" name=""/>
+        <dsp:cNvSpPr/>
+      </dsp:nvSpPr>
+      <dsp:spPr>
+        <a:xfrm>
+          <a:off x="0" y="1125"/>
+          <a:ext cx="9747315" cy="659381"/>
+        </a:xfrm>
+        <a:prstGeom prst="roundRect">
+          <a:avLst/>
+        </a:prstGeom>
+        <a:solidFill>
+          <a:schemeClr val="accent2"/>
+        </a:solidFill>
+        <a:ln w="19050" cap="flat" cmpd="sng" algn="ctr">
+          <a:solidFill>
+            <a:schemeClr val="lt1">
+              <a:hueOff val="0"/>
+              <a:satOff val="0"/>
+              <a:lumOff val="0"/>
+              <a:alphaOff val="0"/>
+            </a:schemeClr>
+          </a:solidFill>
+          <a:prstDash val="solid"/>
+          <a:miter lim="800000"/>
+        </a:ln>
+        <a:effectLst/>
+      </dsp:spPr>
+      <dsp:style>
+        <a:lnRef idx="2">
+          <a:scrgbClr r="0" g="0" b="0"/>
+        </a:lnRef>
+        <a:fillRef idx="1">
+          <a:scrgbClr r="0" g="0" b="0"/>
+        </a:fillRef>
+        <a:effectRef idx="0">
+          <a:scrgbClr r="0" g="0" b="0"/>
+        </a:effectRef>
+        <a:fontRef idx="minor">
+          <a:schemeClr val="lt1"/>
+        </a:fontRef>
+      </dsp:style>
+      <dsp:txBody>
+        <a:bodyPr spcFirstLastPara="0" vert="horz" wrap="square" lIns="106680" tIns="106680" rIns="106680" bIns="106680" numCol="1" spcCol="1270" anchor="ctr" anchorCtr="0">
+          <a:noAutofit/>
+        </a:bodyPr>
+        <a:lstStyle/>
+        <a:p>
+          <a:pPr marL="0" lvl="0" indent="0" algn="l" defTabSz="1244600">
+            <a:lnSpc>
+              <a:spcPct val="90000"/>
+            </a:lnSpc>
+            <a:spcBef>
+              <a:spcPct val="0"/>
+            </a:spcBef>
+            <a:spcAft>
+              <a:spcPct val="35000"/>
+            </a:spcAft>
+            <a:buNone/>
+          </a:pPr>
+          <a:r>
+            <a:rPr lang="hu-HU" sz="2800" kern="1200" dirty="0" err="1"/>
+            <a:t>ProjectWork</a:t>
+          </a:r>
+          <a:r>
+            <a:rPr lang="hu-HU" sz="2800" kern="1200" dirty="0"/>
+            <a:t> (main </a:t>
+          </a:r>
+          <a:r>
+            <a:rPr lang="hu-HU" sz="2800" kern="1200" dirty="0" err="1"/>
+            <a:t>folder</a:t>
+          </a:r>
+          <a:r>
+            <a:rPr lang="hu-HU" sz="2800" kern="1200" dirty="0"/>
+            <a:t>)</a:t>
+          </a:r>
+          <a:endParaRPr lang="en-US" sz="2800" kern="1200" dirty="0"/>
+        </a:p>
+      </dsp:txBody>
+      <dsp:txXfrm>
+        <a:off x="32188" y="33313"/>
+        <a:ext cx="9682939" cy="595005"/>
+      </dsp:txXfrm>
+    </dsp:sp>
+    <dsp:sp modelId="{546141B7-47AD-46A1-8485-946D89CD90D3}">
+      <dsp:nvSpPr>
+        <dsp:cNvPr id="0" name=""/>
+        <dsp:cNvSpPr/>
+      </dsp:nvSpPr>
+      <dsp:spPr>
+        <a:xfrm>
+          <a:off x="0" y="660507"/>
+          <a:ext cx="9747315" cy="2939406"/>
+        </a:xfrm>
+        <a:prstGeom prst="rect">
+          <a:avLst/>
+        </a:prstGeom>
+        <a:noFill/>
+        <a:ln>
+          <a:noFill/>
+        </a:ln>
+        <a:effectLst/>
+      </dsp:spPr>
+      <dsp:style>
+        <a:lnRef idx="0">
+          <a:scrgbClr r="0" g="0" b="0"/>
+        </a:lnRef>
+        <a:fillRef idx="0">
+          <a:scrgbClr r="0" g="0" b="0"/>
+        </a:fillRef>
+        <a:effectRef idx="0">
+          <a:scrgbClr r="0" g="0" b="0"/>
+        </a:effectRef>
+        <a:fontRef idx="minor"/>
+      </dsp:style>
+      <dsp:txBody>
+        <a:bodyPr spcFirstLastPara="0" vert="horz" wrap="square" lIns="309477" tIns="30480" rIns="170688" bIns="30480" numCol="1" spcCol="1270" anchor="t" anchorCtr="0">
+          <a:noAutofit/>
+        </a:bodyPr>
+        <a:lstStyle/>
+        <a:p>
+          <a:pPr marL="228600" lvl="1" indent="-228600" algn="l" defTabSz="1066800">
+            <a:lnSpc>
+              <a:spcPct val="90000"/>
+            </a:lnSpc>
+            <a:spcBef>
+              <a:spcPct val="0"/>
+            </a:spcBef>
+            <a:spcAft>
+              <a:spcPct val="20000"/>
+            </a:spcAft>
+            <a:buChar char="•"/>
+          </a:pPr>
+          <a:r>
+            <a:rPr lang="hu-HU" sz="2400" kern="1200" dirty="0" err="1"/>
+            <a:t>Css</a:t>
+          </a:r>
+          <a:r>
+            <a:rPr lang="hu-HU" sz="2400" kern="1200" dirty="0"/>
+            <a:t> </a:t>
+          </a:r>
+          <a:r>
+            <a:rPr lang="hu-HU" sz="2400" kern="1200" dirty="0">
+              <a:sym typeface="Wingdings" panose="05000000000000000000" pitchFamily="2" charset="2"/>
+            </a:rPr>
+            <a:t></a:t>
+          </a:r>
+          <a:r>
+            <a:rPr lang="hu-HU" sz="2400" kern="1200" dirty="0"/>
+            <a:t> </a:t>
+          </a:r>
+          <a:r>
+            <a:rPr lang="hu-HU" sz="2400" kern="1200" dirty="0" err="1"/>
+            <a:t>css</a:t>
+          </a:r>
+          <a:r>
+            <a:rPr lang="hu-HU" sz="2400" kern="1200" dirty="0"/>
+            <a:t> file</a:t>
+          </a:r>
+          <a:endParaRPr lang="en-US" sz="2400" kern="1200" dirty="0"/>
+        </a:p>
+        <a:p>
+          <a:pPr marL="228600" lvl="1" indent="-228600" algn="l" defTabSz="1066800">
+            <a:lnSpc>
+              <a:spcPct val="90000"/>
+            </a:lnSpc>
+            <a:spcBef>
+              <a:spcPct val="0"/>
+            </a:spcBef>
+            <a:spcAft>
+              <a:spcPct val="20000"/>
+            </a:spcAft>
+            <a:buChar char="•"/>
+          </a:pPr>
+          <a:r>
+            <a:rPr lang="hu-HU" sz="2400" kern="1200" dirty="0"/>
+            <a:t>Database </a:t>
+          </a:r>
+          <a:r>
+            <a:rPr lang="hu-HU" sz="2400" kern="1200" dirty="0">
+              <a:sym typeface="Wingdings" panose="05000000000000000000" pitchFamily="2" charset="2"/>
+            </a:rPr>
+            <a:t></a:t>
+          </a:r>
+          <a:r>
+            <a:rPr lang="hu-HU" sz="2400" kern="1200" dirty="0"/>
+            <a:t> </a:t>
+          </a:r>
+          <a:r>
+            <a:rPr lang="hu-HU" sz="2400" kern="1200" dirty="0" err="1"/>
+            <a:t>everything</a:t>
+          </a:r>
+          <a:r>
+            <a:rPr lang="hu-HU" sz="2400" kern="1200" dirty="0"/>
+            <a:t> </a:t>
+          </a:r>
+          <a:r>
+            <a:rPr lang="hu-HU" sz="2400" kern="1200" dirty="0" err="1"/>
+            <a:t>about</a:t>
+          </a:r>
+          <a:r>
+            <a:rPr lang="hu-HU" sz="2400" kern="1200" dirty="0"/>
+            <a:t> </a:t>
+          </a:r>
+          <a:r>
+            <a:rPr lang="hu-HU" sz="2400" kern="1200" dirty="0" err="1"/>
+            <a:t>our</a:t>
+          </a:r>
+          <a:r>
+            <a:rPr lang="hu-HU" sz="2400" kern="1200" dirty="0"/>
+            <a:t> </a:t>
+          </a:r>
+          <a:r>
+            <a:rPr lang="hu-HU" sz="2400" kern="1200" dirty="0" err="1"/>
+            <a:t>database</a:t>
+          </a:r>
+          <a:endParaRPr lang="en-US" sz="2400" kern="1200" dirty="0"/>
+        </a:p>
+        <a:p>
+          <a:pPr marL="228600" lvl="1" indent="-228600" algn="l" defTabSz="1066800">
+            <a:lnSpc>
+              <a:spcPct val="90000"/>
+            </a:lnSpc>
+            <a:spcBef>
+              <a:spcPct val="0"/>
+            </a:spcBef>
+            <a:spcAft>
+              <a:spcPct val="20000"/>
+            </a:spcAft>
+            <a:buChar char="•"/>
+          </a:pPr>
+          <a:r>
+            <a:rPr lang="hu-HU" sz="2400" kern="1200" dirty="0" err="1"/>
+            <a:t>Docx</a:t>
+          </a:r>
+          <a:r>
+            <a:rPr lang="hu-HU" sz="2400" kern="1200" dirty="0"/>
+            <a:t> </a:t>
+          </a:r>
+          <a:r>
+            <a:rPr lang="hu-HU" sz="2400" kern="1200" dirty="0">
+              <a:sym typeface="Wingdings" panose="05000000000000000000" pitchFamily="2" charset="2"/>
+            </a:rPr>
+            <a:t></a:t>
+          </a:r>
+          <a:r>
+            <a:rPr lang="hu-HU" sz="2400" kern="1200" dirty="0"/>
+            <a:t> </a:t>
+          </a:r>
+          <a:r>
+            <a:rPr lang="hu-HU" sz="2400" kern="1200" dirty="0" err="1"/>
+            <a:t>the</a:t>
+          </a:r>
+          <a:r>
+            <a:rPr lang="hu-HU" sz="2400" kern="1200" dirty="0"/>
+            <a:t> project </a:t>
+          </a:r>
+          <a:r>
+            <a:rPr lang="hu-HU" sz="2400" kern="1200" dirty="0" err="1"/>
+            <a:t>work’s</a:t>
+          </a:r>
+          <a:r>
+            <a:rPr lang="hu-HU" sz="2400" kern="1200" dirty="0"/>
+            <a:t> </a:t>
+          </a:r>
+          <a:r>
+            <a:rPr lang="hu-HU" sz="2400" kern="1200" dirty="0" err="1"/>
+            <a:t>documentations</a:t>
+          </a:r>
+          <a:endParaRPr lang="en-US" sz="2400" kern="1200" dirty="0"/>
+        </a:p>
+        <a:p>
+          <a:pPr marL="228600" lvl="1" indent="-228600" algn="l" defTabSz="1066800">
+            <a:lnSpc>
+              <a:spcPct val="90000"/>
+            </a:lnSpc>
+            <a:spcBef>
+              <a:spcPct val="0"/>
+            </a:spcBef>
+            <a:spcAft>
+              <a:spcPct val="20000"/>
+            </a:spcAft>
+            <a:buChar char="•"/>
+          </a:pPr>
+          <a:r>
+            <a:rPr lang="hu-HU" sz="2400" kern="1200"/>
+            <a:t>Html </a:t>
+          </a:r>
+          <a:r>
+            <a:rPr lang="hu-HU" sz="2400" kern="1200">
+              <a:sym typeface="Wingdings" panose="05000000000000000000" pitchFamily="2" charset="2"/>
+            </a:rPr>
+            <a:t></a:t>
+          </a:r>
+          <a:r>
+            <a:rPr lang="hu-HU" sz="2400" kern="1200"/>
+            <a:t> html file (webpages)</a:t>
+          </a:r>
+          <a:endParaRPr lang="en-US" sz="2400" kern="1200"/>
+        </a:p>
+        <a:p>
+          <a:pPr marL="228600" lvl="1" indent="-228600" algn="l" defTabSz="1066800">
+            <a:lnSpc>
+              <a:spcPct val="90000"/>
+            </a:lnSpc>
+            <a:spcBef>
+              <a:spcPct val="0"/>
+            </a:spcBef>
+            <a:spcAft>
+              <a:spcPct val="20000"/>
+            </a:spcAft>
+            <a:buChar char="•"/>
+          </a:pPr>
+          <a:r>
+            <a:rPr lang="hu-HU" sz="2400" kern="1200" dirty="0" err="1"/>
+            <a:t>Images</a:t>
+          </a:r>
+          <a:r>
+            <a:rPr lang="hu-HU" sz="2400" kern="1200" dirty="0"/>
+            <a:t> </a:t>
+          </a:r>
+          <a:r>
+            <a:rPr lang="hu-HU" sz="2400" kern="1200" dirty="0">
+              <a:sym typeface="Wingdings" panose="05000000000000000000" pitchFamily="2" charset="2"/>
+            </a:rPr>
+            <a:t></a:t>
+          </a:r>
+          <a:r>
+            <a:rPr lang="hu-HU" sz="2400" kern="1200" dirty="0"/>
+            <a:t> image for </a:t>
+          </a:r>
+          <a:r>
+            <a:rPr lang="hu-HU" sz="2400" kern="1200" dirty="0" err="1"/>
+            <a:t>the</a:t>
+          </a:r>
+          <a:r>
+            <a:rPr lang="hu-HU" sz="2400" kern="1200" dirty="0"/>
+            <a:t> </a:t>
+          </a:r>
+          <a:r>
+            <a:rPr lang="hu-HU" sz="2400" kern="1200" dirty="0" err="1"/>
+            <a:t>the</a:t>
+          </a:r>
+          <a:r>
+            <a:rPr lang="hu-HU" sz="2400" kern="1200" dirty="0"/>
+            <a:t> </a:t>
+          </a:r>
+          <a:r>
+            <a:rPr lang="hu-HU" sz="2400" kern="1200" dirty="0" err="1"/>
+            <a:t>html</a:t>
+          </a:r>
+          <a:r>
+            <a:rPr lang="hu-HU" sz="2400" kern="1200" dirty="0"/>
+            <a:t> </a:t>
+          </a:r>
+          <a:r>
+            <a:rPr lang="hu-HU" sz="2400" kern="1200" dirty="0" err="1"/>
+            <a:t>files</a:t>
+          </a:r>
+          <a:endParaRPr lang="en-US" sz="2400" kern="1200" dirty="0"/>
+        </a:p>
+        <a:p>
+          <a:pPr marL="457200" lvl="2" indent="-228600" algn="l" defTabSz="1066800">
+            <a:lnSpc>
+              <a:spcPct val="90000"/>
+            </a:lnSpc>
+            <a:spcBef>
+              <a:spcPct val="0"/>
+            </a:spcBef>
+            <a:spcAft>
+              <a:spcPct val="20000"/>
+            </a:spcAft>
+            <a:buChar char="•"/>
+          </a:pPr>
+          <a:r>
+            <a:rPr lang="hu-HU" sz="2400" kern="1200" dirty="0" err="1"/>
+            <a:t>Upload</a:t>
+          </a:r>
+          <a:r>
+            <a:rPr lang="hu-HU" sz="2400" kern="1200" dirty="0"/>
+            <a:t> </a:t>
+          </a:r>
+          <a:r>
+            <a:rPr lang="hu-HU" sz="2400" kern="1200" dirty="0">
+              <a:sym typeface="Wingdings" panose="05000000000000000000" pitchFamily="2" charset="2"/>
+            </a:rPr>
+            <a:t></a:t>
+          </a:r>
+          <a:r>
+            <a:rPr lang="hu-HU" sz="2400" kern="1200" dirty="0"/>
+            <a:t> </a:t>
+          </a:r>
+          <a:r>
+            <a:rPr lang="hu-HU" sz="2400" kern="1200" dirty="0" err="1"/>
+            <a:t>uploaded</a:t>
+          </a:r>
+          <a:r>
+            <a:rPr lang="hu-HU" sz="2400" kern="1200" dirty="0"/>
+            <a:t> </a:t>
+          </a:r>
+          <a:r>
+            <a:rPr lang="hu-HU" sz="2400" kern="1200" dirty="0" err="1"/>
+            <a:t>images</a:t>
+          </a:r>
+          <a:r>
+            <a:rPr lang="hu-HU" sz="2400" kern="1200" dirty="0"/>
+            <a:t> for </a:t>
+          </a:r>
+          <a:r>
+            <a:rPr lang="hu-HU" sz="2400" kern="1200" dirty="0" err="1"/>
+            <a:t>the</a:t>
+          </a:r>
+          <a:r>
+            <a:rPr lang="hu-HU" sz="2400" kern="1200" dirty="0"/>
+            <a:t> </a:t>
+          </a:r>
+          <a:r>
+            <a:rPr lang="hu-HU" sz="2400" kern="1200" dirty="0" err="1"/>
+            <a:t>uploaded</a:t>
+          </a:r>
+          <a:r>
+            <a:rPr lang="hu-HU" sz="2400" kern="1200" dirty="0"/>
+            <a:t> </a:t>
+          </a:r>
+          <a:r>
+            <a:rPr lang="hu-HU" sz="2400" kern="1200" dirty="0" err="1"/>
+            <a:t>recipes</a:t>
+          </a:r>
+          <a:endParaRPr lang="en-US" sz="2400" kern="1200" dirty="0"/>
+        </a:p>
+        <a:p>
+          <a:pPr marL="228600" lvl="1" indent="-228600" algn="l" defTabSz="1066800">
+            <a:lnSpc>
+              <a:spcPct val="90000"/>
+            </a:lnSpc>
+            <a:spcBef>
+              <a:spcPct val="0"/>
+            </a:spcBef>
+            <a:spcAft>
+              <a:spcPct val="20000"/>
+            </a:spcAft>
+            <a:buChar char="•"/>
+          </a:pPr>
+          <a:r>
+            <a:rPr lang="hu-HU" sz="2400" kern="1200" dirty="0"/>
+            <a:t>Js </a:t>
+          </a:r>
+          <a:r>
+            <a:rPr lang="hu-HU" sz="2400" kern="1200" dirty="0">
+              <a:sym typeface="Wingdings" panose="05000000000000000000" pitchFamily="2" charset="2"/>
+            </a:rPr>
+            <a:t></a:t>
+          </a:r>
+          <a:r>
+            <a:rPr lang="hu-HU" sz="2400" kern="1200" dirty="0"/>
+            <a:t> js </a:t>
+          </a:r>
+          <a:r>
+            <a:rPr lang="hu-HU" sz="2400" kern="1200" dirty="0" err="1"/>
+            <a:t>files</a:t>
+          </a:r>
+          <a:r>
+            <a:rPr lang="hu-HU" sz="2400" kern="1200" dirty="0"/>
+            <a:t> for </a:t>
+          </a:r>
+          <a:r>
+            <a:rPr lang="hu-HU" sz="2400" kern="1200" dirty="0" err="1"/>
+            <a:t>the</a:t>
+          </a:r>
+          <a:r>
+            <a:rPr lang="hu-HU" sz="2400" kern="1200" dirty="0"/>
+            <a:t> backend and </a:t>
+          </a:r>
+          <a:r>
+            <a:rPr lang="hu-HU" sz="2400" kern="1200" dirty="0" err="1"/>
+            <a:t>the</a:t>
+          </a:r>
+          <a:r>
+            <a:rPr lang="hu-HU" sz="2400" kern="1200" dirty="0"/>
+            <a:t> frontend</a:t>
+          </a:r>
+          <a:endParaRPr lang="en-US" sz="2400" kern="1200" dirty="0"/>
+        </a:p>
+      </dsp:txBody>
+      <dsp:txXfrm>
+        <a:off x="0" y="660507"/>
+        <a:ext cx="9747315" cy="2939406"/>
       </dsp:txXfrm>
     </dsp:sp>
   </dsp:spTree>
@@ -7962,173 +7962,6 @@
 </file>
 
 <file path=ppt/diagrams/layout2.xml><?xml version="1.0" encoding="utf-8"?>
-<dgm:layoutDef xmlns:dgm="http://schemas.openxmlformats.org/drawingml/2006/diagram" xmlns:a="http://schemas.openxmlformats.org/drawingml/2006/main" uniqueId="urn:microsoft.com/office/officeart/2005/8/layout/vList2">
-  <dgm:title val=""/>
-  <dgm:desc val=""/>
-  <dgm:catLst>
-    <dgm:cat type="list" pri="3000"/>
-    <dgm:cat type="convert" pri="1000"/>
-  </dgm:catLst>
-  <dgm:sampData>
-    <dgm:dataModel>
-      <dgm:ptLst>
-        <dgm:pt modelId="0" type="doc"/>
-        <dgm:pt modelId="1">
-          <dgm:prSet phldr="1"/>
-        </dgm:pt>
-        <dgm:pt modelId="11">
-          <dgm:prSet phldr="1"/>
-        </dgm:pt>
-        <dgm:pt modelId="2">
-          <dgm:prSet phldr="1"/>
-        </dgm:pt>
-        <dgm:pt modelId="21">
-          <dgm:prSet phldr="1"/>
-        </dgm:pt>
-      </dgm:ptLst>
-      <dgm:cxnLst>
-        <dgm:cxn modelId="4" srcId="0" destId="1" srcOrd="0" destOrd="0"/>
-        <dgm:cxn modelId="5" srcId="0" destId="2" srcOrd="1" destOrd="0"/>
-        <dgm:cxn modelId="12" srcId="1" destId="11" srcOrd="0" destOrd="0"/>
-        <dgm:cxn modelId="23" srcId="2" destId="21" srcOrd="0" destOrd="0"/>
-      </dgm:cxnLst>
-      <dgm:bg/>
-      <dgm:whole/>
-    </dgm:dataModel>
-  </dgm:sampData>
-  <dgm:styleData>
-    <dgm:dataModel>
-      <dgm:ptLst>
-        <dgm:pt modelId="0" type="doc"/>
-        <dgm:pt modelId="1"/>
-        <dgm:pt modelId="2"/>
-      </dgm:ptLst>
-      <dgm:cxnLst>
-        <dgm:cxn modelId="3" srcId="0" destId="1" srcOrd="0" destOrd="0"/>
-        <dgm:cxn modelId="4" srcId="0" destId="2" srcOrd="1" destOrd="0"/>
-      </dgm:cxnLst>
-      <dgm:bg/>
-      <dgm:whole/>
-    </dgm:dataModel>
-  </dgm:styleData>
-  <dgm:clrData>
-    <dgm:dataModel>
-      <dgm:ptLst>
-        <dgm:pt modelId="0" type="doc"/>
-        <dgm:pt modelId="1"/>
-        <dgm:pt modelId="2"/>
-        <dgm:pt modelId="3"/>
-        <dgm:pt modelId="4"/>
-      </dgm:ptLst>
-      <dgm:cxnLst>
-        <dgm:cxn modelId="5" srcId="0" destId="1" srcOrd="0" destOrd="0"/>
-        <dgm:cxn modelId="6" srcId="0" destId="2" srcOrd="1" destOrd="0"/>
-        <dgm:cxn modelId="7" srcId="0" destId="3" srcOrd="2" destOrd="0"/>
-        <dgm:cxn modelId="8" srcId="0" destId="4" srcOrd="3" destOrd="0"/>
-      </dgm:cxnLst>
-      <dgm:bg/>
-      <dgm:whole/>
-    </dgm:dataModel>
-  </dgm:clrData>
-  <dgm:layoutNode name="linear">
-    <dgm:varLst>
-      <dgm:animLvl val="lvl"/>
-      <dgm:resizeHandles val="exact"/>
-    </dgm:varLst>
-    <dgm:alg type="lin">
-      <dgm:param type="linDir" val="fromT"/>
-      <dgm:param type="vertAlign" val="mid"/>
-    </dgm:alg>
-    <dgm:shape xmlns:r="http://schemas.openxmlformats.org/officeDocument/2006/relationships" r:blip="">
-      <dgm:adjLst/>
-    </dgm:shape>
-    <dgm:presOf/>
-    <dgm:constrLst>
-      <dgm:constr type="w" for="ch" forName="parentText" refType="w"/>
-      <dgm:constr type="h" for="ch" forName="parentText" refType="primFontSz" refFor="ch" refForName="parentText" fact="0.52"/>
-      <dgm:constr type="w" for="ch" forName="childText" refType="w"/>
-      <dgm:constr type="h" for="ch" forName="childText" refType="primFontSz" refFor="ch" refForName="parentText" fact="0.46"/>
-      <dgm:constr type="h" for="ch" forName="parentText" op="equ"/>
-      <dgm:constr type="primFontSz" for="ch" forName="parentText" op="equ" val="65"/>
-      <dgm:constr type="primFontSz" for="ch" forName="childText" refType="primFontSz" refFor="ch" refForName="parentText" op="equ"/>
-      <dgm:constr type="h" for="ch" forName="spacer" refType="primFontSz" refFor="ch" refForName="parentText" fact="0.08"/>
-    </dgm:constrLst>
-    <dgm:ruleLst>
-      <dgm:rule type="primFontSz" for="ch" forName="parentText" val="5" fact="NaN" max="NaN"/>
-    </dgm:ruleLst>
-    <dgm:forEach name="Name0" axis="ch" ptType="node">
-      <dgm:layoutNode name="parentText" styleLbl="node1">
-        <dgm:varLst>
-          <dgm:chMax val="0"/>
-          <dgm:bulletEnabled val="1"/>
-        </dgm:varLst>
-        <dgm:alg type="tx">
-          <dgm:param type="parTxLTRAlign" val="l"/>
-          <dgm:param type="parTxRTLAlign" val="r"/>
-        </dgm:alg>
-        <dgm:shape xmlns:r="http://schemas.openxmlformats.org/officeDocument/2006/relationships" type="roundRect" r:blip="">
-          <dgm:adjLst/>
-        </dgm:shape>
-        <dgm:presOf axis="self"/>
-        <dgm:constrLst>
-          <dgm:constr type="tMarg" refType="primFontSz" fact="0.3"/>
-          <dgm:constr type="bMarg" refType="primFontSz" fact="0.3"/>
-          <dgm:constr type="lMarg" refType="primFontSz" fact="0.3"/>
-          <dgm:constr type="rMarg" refType="primFontSz" fact="0.3"/>
-        </dgm:constrLst>
-        <dgm:ruleLst>
-          <dgm:rule type="h" val="INF" fact="NaN" max="NaN"/>
-        </dgm:ruleLst>
-      </dgm:layoutNode>
-      <dgm:choose name="Name1">
-        <dgm:if name="Name2" axis="ch" ptType="node" func="cnt" op="gte" val="1">
-          <dgm:layoutNode name="childText" styleLbl="revTx">
-            <dgm:varLst>
-              <dgm:bulletEnabled val="1"/>
-            </dgm:varLst>
-            <dgm:alg type="tx">
-              <dgm:param type="stBulletLvl" val="1"/>
-              <dgm:param type="lnSpAfChP" val="20"/>
-            </dgm:alg>
-            <dgm:shape xmlns:r="http://schemas.openxmlformats.org/officeDocument/2006/relationships" type="rect" r:blip="">
-              <dgm:adjLst/>
-            </dgm:shape>
-            <dgm:presOf axis="des" ptType="node"/>
-            <dgm:constrLst>
-              <dgm:constr type="tMarg" refType="primFontSz" fact="0.1"/>
-              <dgm:constr type="bMarg" refType="primFontSz" fact="0.1"/>
-              <dgm:constr type="lMarg" refType="w" fact="0.09"/>
-            </dgm:constrLst>
-            <dgm:ruleLst>
-              <dgm:rule type="h" val="INF" fact="NaN" max="NaN"/>
-            </dgm:ruleLst>
-          </dgm:layoutNode>
-        </dgm:if>
-        <dgm:else name="Name3">
-          <dgm:choose name="Name4">
-            <dgm:if name="Name5" axis="par ch" ptType="doc node" func="cnt" op="gte" val="2">
-              <dgm:forEach name="Name6" axis="followSib" ptType="sibTrans" cnt="1">
-                <dgm:layoutNode name="spacer">
-                  <dgm:alg type="sp"/>
-                  <dgm:shape xmlns:r="http://schemas.openxmlformats.org/officeDocument/2006/relationships" r:blip="">
-                    <dgm:adjLst/>
-                  </dgm:shape>
-                  <dgm:presOf/>
-                  <dgm:constrLst/>
-                  <dgm:ruleLst/>
-                </dgm:layoutNode>
-              </dgm:forEach>
-            </dgm:if>
-            <dgm:else name="Name7"/>
-          </dgm:choose>
-        </dgm:else>
-      </dgm:choose>
-    </dgm:forEach>
-  </dgm:layoutNode>
-</dgm:layoutDef>
-</file>
-
-<file path=ppt/diagrams/layout3.xml><?xml version="1.0" encoding="utf-8"?>
 <dgm:layoutDef xmlns:dgm="http://schemas.openxmlformats.org/drawingml/2006/diagram" xmlns:a="http://schemas.openxmlformats.org/drawingml/2006/main" uniqueId="urn:microsoft.com/office/officeart/2005/8/layout/vProcess5">
   <dgm:title val=""/>
   <dgm:desc val=""/>
@@ -9354,7 +9187,7 @@
 </dgm:layoutDef>
 </file>
 
-<file path=ppt/diagrams/layout4.xml><?xml version="1.0" encoding="utf-8"?>
+<file path=ppt/diagrams/layout3.xml><?xml version="1.0" encoding="utf-8"?>
 <dgm:layoutDef xmlns:dgm="http://schemas.openxmlformats.org/drawingml/2006/diagram" xmlns:a="http://schemas.openxmlformats.org/drawingml/2006/main" uniqueId="urn:microsoft.com/office/officeart/2016/7/layout/LinearBlockProcessNumbered">
   <dgm:title val="Linear Block Process Numbered"/>
   <dgm:desc val="Used to show a progression; a timeline; sequential steps in a task, process, or workflow; or to emphasize movement or direction. Automatic numbers have been introduced to show the steps of the process. Level 1 text and Level 2 text both appears in a rectangle."/>
@@ -9617,6 +9450,173 @@
       </dgm1611:autoBuNodeInfoLst>
     </a:ext>
   </dgm:extLst>
+</dgm:layoutDef>
+</file>
+
+<file path=ppt/diagrams/layout4.xml><?xml version="1.0" encoding="utf-8"?>
+<dgm:layoutDef xmlns:dgm="http://schemas.openxmlformats.org/drawingml/2006/diagram" xmlns:a="http://schemas.openxmlformats.org/drawingml/2006/main" uniqueId="urn:microsoft.com/office/officeart/2005/8/layout/vList2">
+  <dgm:title val=""/>
+  <dgm:desc val=""/>
+  <dgm:catLst>
+    <dgm:cat type="list" pri="3000"/>
+    <dgm:cat type="convert" pri="1000"/>
+  </dgm:catLst>
+  <dgm:sampData>
+    <dgm:dataModel>
+      <dgm:ptLst>
+        <dgm:pt modelId="0" type="doc"/>
+        <dgm:pt modelId="1">
+          <dgm:prSet phldr="1"/>
+        </dgm:pt>
+        <dgm:pt modelId="11">
+          <dgm:prSet phldr="1"/>
+        </dgm:pt>
+        <dgm:pt modelId="2">
+          <dgm:prSet phldr="1"/>
+        </dgm:pt>
+        <dgm:pt modelId="21">
+          <dgm:prSet phldr="1"/>
+        </dgm:pt>
+      </dgm:ptLst>
+      <dgm:cxnLst>
+        <dgm:cxn modelId="4" srcId="0" destId="1" srcOrd="0" destOrd="0"/>
+        <dgm:cxn modelId="5" srcId="0" destId="2" srcOrd="1" destOrd="0"/>
+        <dgm:cxn modelId="12" srcId="1" destId="11" srcOrd="0" destOrd="0"/>
+        <dgm:cxn modelId="23" srcId="2" destId="21" srcOrd="0" destOrd="0"/>
+      </dgm:cxnLst>
+      <dgm:bg/>
+      <dgm:whole/>
+    </dgm:dataModel>
+  </dgm:sampData>
+  <dgm:styleData>
+    <dgm:dataModel>
+      <dgm:ptLst>
+        <dgm:pt modelId="0" type="doc"/>
+        <dgm:pt modelId="1"/>
+        <dgm:pt modelId="2"/>
+      </dgm:ptLst>
+      <dgm:cxnLst>
+        <dgm:cxn modelId="3" srcId="0" destId="1" srcOrd="0" destOrd="0"/>
+        <dgm:cxn modelId="4" srcId="0" destId="2" srcOrd="1" destOrd="0"/>
+      </dgm:cxnLst>
+      <dgm:bg/>
+      <dgm:whole/>
+    </dgm:dataModel>
+  </dgm:styleData>
+  <dgm:clrData>
+    <dgm:dataModel>
+      <dgm:ptLst>
+        <dgm:pt modelId="0" type="doc"/>
+        <dgm:pt modelId="1"/>
+        <dgm:pt modelId="2"/>
+        <dgm:pt modelId="3"/>
+        <dgm:pt modelId="4"/>
+      </dgm:ptLst>
+      <dgm:cxnLst>
+        <dgm:cxn modelId="5" srcId="0" destId="1" srcOrd="0" destOrd="0"/>
+        <dgm:cxn modelId="6" srcId="0" destId="2" srcOrd="1" destOrd="0"/>
+        <dgm:cxn modelId="7" srcId="0" destId="3" srcOrd="2" destOrd="0"/>
+        <dgm:cxn modelId="8" srcId="0" destId="4" srcOrd="3" destOrd="0"/>
+      </dgm:cxnLst>
+      <dgm:bg/>
+      <dgm:whole/>
+    </dgm:dataModel>
+  </dgm:clrData>
+  <dgm:layoutNode name="linear">
+    <dgm:varLst>
+      <dgm:animLvl val="lvl"/>
+      <dgm:resizeHandles val="exact"/>
+    </dgm:varLst>
+    <dgm:alg type="lin">
+      <dgm:param type="linDir" val="fromT"/>
+      <dgm:param type="vertAlign" val="mid"/>
+    </dgm:alg>
+    <dgm:shape xmlns:r="http://schemas.openxmlformats.org/officeDocument/2006/relationships" r:blip="">
+      <dgm:adjLst/>
+    </dgm:shape>
+    <dgm:presOf/>
+    <dgm:constrLst>
+      <dgm:constr type="w" for="ch" forName="parentText" refType="w"/>
+      <dgm:constr type="h" for="ch" forName="parentText" refType="primFontSz" refFor="ch" refForName="parentText" fact="0.52"/>
+      <dgm:constr type="w" for="ch" forName="childText" refType="w"/>
+      <dgm:constr type="h" for="ch" forName="childText" refType="primFontSz" refFor="ch" refForName="parentText" fact="0.46"/>
+      <dgm:constr type="h" for="ch" forName="parentText" op="equ"/>
+      <dgm:constr type="primFontSz" for="ch" forName="parentText" op="equ" val="65"/>
+      <dgm:constr type="primFontSz" for="ch" forName="childText" refType="primFontSz" refFor="ch" refForName="parentText" op="equ"/>
+      <dgm:constr type="h" for="ch" forName="spacer" refType="primFontSz" refFor="ch" refForName="parentText" fact="0.08"/>
+    </dgm:constrLst>
+    <dgm:ruleLst>
+      <dgm:rule type="primFontSz" for="ch" forName="parentText" val="5" fact="NaN" max="NaN"/>
+    </dgm:ruleLst>
+    <dgm:forEach name="Name0" axis="ch" ptType="node">
+      <dgm:layoutNode name="parentText" styleLbl="node1">
+        <dgm:varLst>
+          <dgm:chMax val="0"/>
+          <dgm:bulletEnabled val="1"/>
+        </dgm:varLst>
+        <dgm:alg type="tx">
+          <dgm:param type="parTxLTRAlign" val="l"/>
+          <dgm:param type="parTxRTLAlign" val="r"/>
+        </dgm:alg>
+        <dgm:shape xmlns:r="http://schemas.openxmlformats.org/officeDocument/2006/relationships" type="roundRect" r:blip="">
+          <dgm:adjLst/>
+        </dgm:shape>
+        <dgm:presOf axis="self"/>
+        <dgm:constrLst>
+          <dgm:constr type="tMarg" refType="primFontSz" fact="0.3"/>
+          <dgm:constr type="bMarg" refType="primFontSz" fact="0.3"/>
+          <dgm:constr type="lMarg" refType="primFontSz" fact="0.3"/>
+          <dgm:constr type="rMarg" refType="primFontSz" fact="0.3"/>
+        </dgm:constrLst>
+        <dgm:ruleLst>
+          <dgm:rule type="h" val="INF" fact="NaN" max="NaN"/>
+        </dgm:ruleLst>
+      </dgm:layoutNode>
+      <dgm:choose name="Name1">
+        <dgm:if name="Name2" axis="ch" ptType="node" func="cnt" op="gte" val="1">
+          <dgm:layoutNode name="childText" styleLbl="revTx">
+            <dgm:varLst>
+              <dgm:bulletEnabled val="1"/>
+            </dgm:varLst>
+            <dgm:alg type="tx">
+              <dgm:param type="stBulletLvl" val="1"/>
+              <dgm:param type="lnSpAfChP" val="20"/>
+            </dgm:alg>
+            <dgm:shape xmlns:r="http://schemas.openxmlformats.org/officeDocument/2006/relationships" type="rect" r:blip="">
+              <dgm:adjLst/>
+            </dgm:shape>
+            <dgm:presOf axis="des" ptType="node"/>
+            <dgm:constrLst>
+              <dgm:constr type="tMarg" refType="primFontSz" fact="0.1"/>
+              <dgm:constr type="bMarg" refType="primFontSz" fact="0.1"/>
+              <dgm:constr type="lMarg" refType="w" fact="0.09"/>
+            </dgm:constrLst>
+            <dgm:ruleLst>
+              <dgm:rule type="h" val="INF" fact="NaN" max="NaN"/>
+            </dgm:ruleLst>
+          </dgm:layoutNode>
+        </dgm:if>
+        <dgm:else name="Name3">
+          <dgm:choose name="Name4">
+            <dgm:if name="Name5" axis="par ch" ptType="doc node" func="cnt" op="gte" val="2">
+              <dgm:forEach name="Name6" axis="followSib" ptType="sibTrans" cnt="1">
+                <dgm:layoutNode name="spacer">
+                  <dgm:alg type="sp"/>
+                  <dgm:shape xmlns:r="http://schemas.openxmlformats.org/officeDocument/2006/relationships" r:blip="">
+                    <dgm:adjLst/>
+                  </dgm:shape>
+                  <dgm:presOf/>
+                  <dgm:constrLst/>
+                  <dgm:ruleLst/>
+                </dgm:layoutNode>
+              </dgm:forEach>
+            </dgm:if>
+            <dgm:else name="Name7"/>
+          </dgm:choose>
+        </dgm:else>
+      </dgm:choose>
+    </dgm:forEach>
+  </dgm:layoutNode>
 </dgm:layoutDef>
 </file>
 
@@ -18328,817 +18328,6 @@
       </p:grpSpPr>
       <p:sp useBgFill="1">
         <p:nvSpPr>
-          <p:cNvPr id="18" name="Rectangle 17">
-            <a:extLst>
-              <a:ext uri="{FF2B5EF4-FFF2-40B4-BE49-F238E27FC236}">
-                <a16:creationId xmlns:a16="http://schemas.microsoft.com/office/drawing/2014/main" id="{35DB3719-6FDC-4E5D-891D-FF40B7300F64}"/>
-              </a:ext>
-              <a:ext uri="{C183D7F6-B498-43B3-948B-1728B52AA6E4}">
-                <adec:decorative xmlns:adec="http://schemas.microsoft.com/office/drawing/2017/decorative" val="1"/>
-              </a:ext>
-            </a:extLst>
-          </p:cNvPr>
-          <p:cNvSpPr>
-            <a:spLocks noGrp="1" noRot="1" noChangeAspect="1" noMove="1" noResize="1" noEditPoints="1" noAdjustHandles="1" noChangeArrowheads="1" noChangeShapeType="1" noTextEdit="1"/>
-          </p:cNvSpPr>
-          <p:nvPr>
-            <p:extLst>
-              <p:ext uri="{386F3935-93C4-4BCD-93E2-E3B085C9AB24}">
-                <p16:designElem xmlns:p16="http://schemas.microsoft.com/office/powerpoint/2015/main" val="1"/>
-              </p:ext>
-            </p:extLst>
-          </p:nvPr>
-        </p:nvSpPr>
-        <p:spPr>
-          <a:xfrm>
-            <a:off x="0" y="0"/>
-            <a:ext cx="12188952" cy="6858000"/>
-          </a:xfrm>
-          <a:prstGeom prst="rect">
-            <a:avLst/>
-          </a:prstGeom>
-          <a:ln>
-            <a:noFill/>
-          </a:ln>
-        </p:spPr>
-        <p:style>
-          <a:lnRef idx="2">
-            <a:schemeClr val="accent1">
-              <a:shade val="50000"/>
-            </a:schemeClr>
-          </a:lnRef>
-          <a:fillRef idx="1">
-            <a:schemeClr val="accent1"/>
-          </a:fillRef>
-          <a:effectRef idx="0">
-            <a:schemeClr val="accent1"/>
-          </a:effectRef>
-          <a:fontRef idx="minor">
-            <a:schemeClr val="lt1"/>
-          </a:fontRef>
-        </p:style>
-        <p:txBody>
-          <a:bodyPr rtlCol="0" anchor="ctr"/>
-          <a:lstStyle/>
-          <a:p>
-            <a:pPr algn="ctr"/>
-            <a:endParaRPr lang="en-US"/>
-          </a:p>
-        </p:txBody>
-      </p:sp>
-      <p:sp>
-        <p:nvSpPr>
-          <p:cNvPr id="2" name="Cím 1">
-            <a:extLst>
-              <a:ext uri="{FF2B5EF4-FFF2-40B4-BE49-F238E27FC236}">
-                <a16:creationId xmlns:a16="http://schemas.microsoft.com/office/drawing/2014/main" id="{BCCBD3E8-06EA-14A7-7FA7-23CFDF795EE8}"/>
-              </a:ext>
-            </a:extLst>
-          </p:cNvPr>
-          <p:cNvSpPr>
-            <a:spLocks noGrp="1"/>
-          </p:cNvSpPr>
-          <p:nvPr>
-            <p:ph type="title"/>
-          </p:nvPr>
-        </p:nvSpPr>
-        <p:spPr>
-          <a:xfrm>
-            <a:off x="838200" y="365125"/>
-            <a:ext cx="10515600" cy="1325563"/>
-          </a:xfrm>
-        </p:spPr>
-        <p:txBody>
-          <a:bodyPr vert="horz" lIns="91440" tIns="45720" rIns="91440" bIns="45720" rtlCol="0" anchor="ctr">
-            <a:normAutofit/>
-          </a:bodyPr>
-          <a:lstStyle/>
-          <a:p>
-            <a:r>
-              <a:rPr lang="hu-HU" sz="5400" kern="1200" dirty="0" err="1">
-                <a:solidFill>
-                  <a:schemeClr val="tx1"/>
-                </a:solidFill>
-                <a:latin typeface="+mj-lt"/>
-                <a:ea typeface="+mj-ea"/>
-                <a:cs typeface="+mj-cs"/>
-              </a:rPr>
-              <a:t>Folder</a:t>
-            </a:r>
-            <a:r>
-              <a:rPr lang="hu-HU" sz="5400" kern="1200" dirty="0">
-                <a:solidFill>
-                  <a:schemeClr val="tx1"/>
-                </a:solidFill>
-                <a:latin typeface="+mj-lt"/>
-                <a:ea typeface="+mj-ea"/>
-                <a:cs typeface="+mj-cs"/>
-              </a:rPr>
-              <a:t> </a:t>
-            </a:r>
-            <a:r>
-              <a:rPr lang="hu-HU" sz="5400" kern="1200" dirty="0" err="1">
-                <a:solidFill>
-                  <a:schemeClr val="tx1"/>
-                </a:solidFill>
-                <a:latin typeface="+mj-lt"/>
-                <a:ea typeface="+mj-ea"/>
-                <a:cs typeface="+mj-cs"/>
-              </a:rPr>
-              <a:t>structure</a:t>
-            </a:r>
-            <a:endParaRPr lang="en-US" sz="5400" kern="1200" dirty="0">
-              <a:solidFill>
-                <a:schemeClr val="tx1"/>
-              </a:solidFill>
-              <a:latin typeface="+mj-lt"/>
-              <a:ea typeface="+mj-ea"/>
-              <a:cs typeface="+mj-cs"/>
-            </a:endParaRPr>
-          </a:p>
-        </p:txBody>
-      </p:sp>
-      <p:sp>
-        <p:nvSpPr>
-          <p:cNvPr id="20" name="sketch line">
-            <a:extLst>
-              <a:ext uri="{FF2B5EF4-FFF2-40B4-BE49-F238E27FC236}">
-                <a16:creationId xmlns:a16="http://schemas.microsoft.com/office/drawing/2014/main" id="{E0CBAC23-2E3F-4A90-BA59-F8299F6A5439}"/>
-              </a:ext>
-              <a:ext uri="{C183D7F6-B498-43B3-948B-1728B52AA6E4}">
-                <adec:decorative xmlns:adec="http://schemas.microsoft.com/office/drawing/2017/decorative" val="1"/>
-              </a:ext>
-            </a:extLst>
-          </p:cNvPr>
-          <p:cNvSpPr>
-            <a:spLocks noGrp="1" noRot="1" noChangeAspect="1" noMove="1" noResize="1" noEditPoints="1" noAdjustHandles="1" noChangeArrowheads="1" noChangeShapeType="1" noTextEdit="1"/>
-          </p:cNvSpPr>
-          <p:nvPr>
-            <p:extLst>
-              <p:ext uri="{386F3935-93C4-4BCD-93E2-E3B085C9AB24}">
-                <p16:designElem xmlns:p16="http://schemas.microsoft.com/office/powerpoint/2015/main" val="1"/>
-              </p:ext>
-            </p:extLst>
-          </p:nvPr>
-        </p:nvSpPr>
-        <p:spPr>
-          <a:xfrm>
-            <a:off x="838200" y="1865313"/>
-            <a:ext cx="10424160" cy="18288"/>
-          </a:xfrm>
-          <a:custGeom>
-            <a:avLst/>
-            <a:gdLst>
-              <a:gd name="connsiteX0" fmla="*/ 0 w 10424160"/>
-              <a:gd name="connsiteY0" fmla="*/ 0 h 18288"/>
-              <a:gd name="connsiteX1" fmla="*/ 903427 w 10424160"/>
-              <a:gd name="connsiteY1" fmla="*/ 0 h 18288"/>
-              <a:gd name="connsiteX2" fmla="*/ 1389888 w 10424160"/>
-              <a:gd name="connsiteY2" fmla="*/ 0 h 18288"/>
-              <a:gd name="connsiteX3" fmla="*/ 2189074 w 10424160"/>
-              <a:gd name="connsiteY3" fmla="*/ 0 h 18288"/>
-              <a:gd name="connsiteX4" fmla="*/ 2675534 w 10424160"/>
-              <a:gd name="connsiteY4" fmla="*/ 0 h 18288"/>
-              <a:gd name="connsiteX5" fmla="*/ 3370478 w 10424160"/>
-              <a:gd name="connsiteY5" fmla="*/ 0 h 18288"/>
-              <a:gd name="connsiteX6" fmla="*/ 4169664 w 10424160"/>
-              <a:gd name="connsiteY6" fmla="*/ 0 h 18288"/>
-              <a:gd name="connsiteX7" fmla="*/ 4551883 w 10424160"/>
-              <a:gd name="connsiteY7" fmla="*/ 0 h 18288"/>
-              <a:gd name="connsiteX8" fmla="*/ 4934102 w 10424160"/>
-              <a:gd name="connsiteY8" fmla="*/ 0 h 18288"/>
-              <a:gd name="connsiteX9" fmla="*/ 5837530 w 10424160"/>
-              <a:gd name="connsiteY9" fmla="*/ 0 h 18288"/>
-              <a:gd name="connsiteX10" fmla="*/ 6532474 w 10424160"/>
-              <a:gd name="connsiteY10" fmla="*/ 0 h 18288"/>
-              <a:gd name="connsiteX11" fmla="*/ 6914693 w 10424160"/>
-              <a:gd name="connsiteY11" fmla="*/ 0 h 18288"/>
-              <a:gd name="connsiteX12" fmla="*/ 7609637 w 10424160"/>
-              <a:gd name="connsiteY12" fmla="*/ 0 h 18288"/>
-              <a:gd name="connsiteX13" fmla="*/ 8513064 w 10424160"/>
-              <a:gd name="connsiteY13" fmla="*/ 0 h 18288"/>
-              <a:gd name="connsiteX14" fmla="*/ 9103766 w 10424160"/>
-              <a:gd name="connsiteY14" fmla="*/ 0 h 18288"/>
-              <a:gd name="connsiteX15" fmla="*/ 9694469 w 10424160"/>
-              <a:gd name="connsiteY15" fmla="*/ 0 h 18288"/>
-              <a:gd name="connsiteX16" fmla="*/ 10424160 w 10424160"/>
-              <a:gd name="connsiteY16" fmla="*/ 0 h 18288"/>
-              <a:gd name="connsiteX17" fmla="*/ 10424160 w 10424160"/>
-              <a:gd name="connsiteY17" fmla="*/ 18288 h 18288"/>
-              <a:gd name="connsiteX18" fmla="*/ 9729216 w 10424160"/>
-              <a:gd name="connsiteY18" fmla="*/ 18288 h 18288"/>
-              <a:gd name="connsiteX19" fmla="*/ 8930030 w 10424160"/>
-              <a:gd name="connsiteY19" fmla="*/ 18288 h 18288"/>
-              <a:gd name="connsiteX20" fmla="*/ 8130845 w 10424160"/>
-              <a:gd name="connsiteY20" fmla="*/ 18288 h 18288"/>
-              <a:gd name="connsiteX21" fmla="*/ 7644384 w 10424160"/>
-              <a:gd name="connsiteY21" fmla="*/ 18288 h 18288"/>
-              <a:gd name="connsiteX22" fmla="*/ 6740957 w 10424160"/>
-              <a:gd name="connsiteY22" fmla="*/ 18288 h 18288"/>
-              <a:gd name="connsiteX23" fmla="*/ 6046013 w 10424160"/>
-              <a:gd name="connsiteY23" fmla="*/ 18288 h 18288"/>
-              <a:gd name="connsiteX24" fmla="*/ 5663794 w 10424160"/>
-              <a:gd name="connsiteY24" fmla="*/ 18288 h 18288"/>
-              <a:gd name="connsiteX25" fmla="*/ 4968850 w 10424160"/>
-              <a:gd name="connsiteY25" fmla="*/ 18288 h 18288"/>
-              <a:gd name="connsiteX26" fmla="*/ 4378147 w 10424160"/>
-              <a:gd name="connsiteY26" fmla="*/ 18288 h 18288"/>
-              <a:gd name="connsiteX27" fmla="*/ 3787445 w 10424160"/>
-              <a:gd name="connsiteY27" fmla="*/ 18288 h 18288"/>
-              <a:gd name="connsiteX28" fmla="*/ 3196742 w 10424160"/>
-              <a:gd name="connsiteY28" fmla="*/ 18288 h 18288"/>
-              <a:gd name="connsiteX29" fmla="*/ 2606040 w 10424160"/>
-              <a:gd name="connsiteY29" fmla="*/ 18288 h 18288"/>
-              <a:gd name="connsiteX30" fmla="*/ 1806854 w 10424160"/>
-              <a:gd name="connsiteY30" fmla="*/ 18288 h 18288"/>
-              <a:gd name="connsiteX31" fmla="*/ 1111910 w 10424160"/>
-              <a:gd name="connsiteY31" fmla="*/ 18288 h 18288"/>
-              <a:gd name="connsiteX32" fmla="*/ 729691 w 10424160"/>
-              <a:gd name="connsiteY32" fmla="*/ 18288 h 18288"/>
-              <a:gd name="connsiteX33" fmla="*/ 0 w 10424160"/>
-              <a:gd name="connsiteY33" fmla="*/ 18288 h 18288"/>
-              <a:gd name="connsiteX34" fmla="*/ 0 w 10424160"/>
-              <a:gd name="connsiteY34" fmla="*/ 0 h 18288"/>
-            </a:gdLst>
-            <a:ahLst/>
-            <a:cxnLst>
-              <a:cxn ang="0">
-                <a:pos x="connsiteX0" y="connsiteY0"/>
-              </a:cxn>
-              <a:cxn ang="0">
-                <a:pos x="connsiteX1" y="connsiteY1"/>
-              </a:cxn>
-              <a:cxn ang="0">
-                <a:pos x="connsiteX2" y="connsiteY2"/>
-              </a:cxn>
-              <a:cxn ang="0">
-                <a:pos x="connsiteX3" y="connsiteY3"/>
-              </a:cxn>
-              <a:cxn ang="0">
-                <a:pos x="connsiteX4" y="connsiteY4"/>
-              </a:cxn>
-              <a:cxn ang="0">
-                <a:pos x="connsiteX5" y="connsiteY5"/>
-              </a:cxn>
-              <a:cxn ang="0">
-                <a:pos x="connsiteX6" y="connsiteY6"/>
-              </a:cxn>
-              <a:cxn ang="0">
-                <a:pos x="connsiteX7" y="connsiteY7"/>
-              </a:cxn>
-              <a:cxn ang="0">
-                <a:pos x="connsiteX8" y="connsiteY8"/>
-              </a:cxn>
-              <a:cxn ang="0">
-                <a:pos x="connsiteX9" y="connsiteY9"/>
-              </a:cxn>
-              <a:cxn ang="0">
-                <a:pos x="connsiteX10" y="connsiteY10"/>
-              </a:cxn>
-              <a:cxn ang="0">
-                <a:pos x="connsiteX11" y="connsiteY11"/>
-              </a:cxn>
-              <a:cxn ang="0">
-                <a:pos x="connsiteX12" y="connsiteY12"/>
-              </a:cxn>
-              <a:cxn ang="0">
-                <a:pos x="connsiteX13" y="connsiteY13"/>
-              </a:cxn>
-              <a:cxn ang="0">
-                <a:pos x="connsiteX14" y="connsiteY14"/>
-              </a:cxn>
-              <a:cxn ang="0">
-                <a:pos x="connsiteX15" y="connsiteY15"/>
-              </a:cxn>
-              <a:cxn ang="0">
-                <a:pos x="connsiteX16" y="connsiteY16"/>
-              </a:cxn>
-              <a:cxn ang="0">
-                <a:pos x="connsiteX17" y="connsiteY17"/>
-              </a:cxn>
-              <a:cxn ang="0">
-                <a:pos x="connsiteX18" y="connsiteY18"/>
-              </a:cxn>
-              <a:cxn ang="0">
-                <a:pos x="connsiteX19" y="connsiteY19"/>
-              </a:cxn>
-              <a:cxn ang="0">
-                <a:pos x="connsiteX20" y="connsiteY20"/>
-              </a:cxn>
-              <a:cxn ang="0">
-                <a:pos x="connsiteX21" y="connsiteY21"/>
-              </a:cxn>
-              <a:cxn ang="0">
-                <a:pos x="connsiteX22" y="connsiteY22"/>
-              </a:cxn>
-              <a:cxn ang="0">
-                <a:pos x="connsiteX23" y="connsiteY23"/>
-              </a:cxn>
-              <a:cxn ang="0">
-                <a:pos x="connsiteX24" y="connsiteY24"/>
-              </a:cxn>
-              <a:cxn ang="0">
-                <a:pos x="connsiteX25" y="connsiteY25"/>
-              </a:cxn>
-              <a:cxn ang="0">
-                <a:pos x="connsiteX26" y="connsiteY26"/>
-              </a:cxn>
-              <a:cxn ang="0">
-                <a:pos x="connsiteX27" y="connsiteY27"/>
-              </a:cxn>
-              <a:cxn ang="0">
-                <a:pos x="connsiteX28" y="connsiteY28"/>
-              </a:cxn>
-              <a:cxn ang="0">
-                <a:pos x="connsiteX29" y="connsiteY29"/>
-              </a:cxn>
-              <a:cxn ang="0">
-                <a:pos x="connsiteX30" y="connsiteY30"/>
-              </a:cxn>
-              <a:cxn ang="0">
-                <a:pos x="connsiteX31" y="connsiteY31"/>
-              </a:cxn>
-              <a:cxn ang="0">
-                <a:pos x="connsiteX32" y="connsiteY32"/>
-              </a:cxn>
-              <a:cxn ang="0">
-                <a:pos x="connsiteX33" y="connsiteY33"/>
-              </a:cxn>
-              <a:cxn ang="0">
-                <a:pos x="connsiteX34" y="connsiteY34"/>
-              </a:cxn>
-            </a:cxnLst>
-            <a:rect l="l" t="t" r="r" b="b"/>
-            <a:pathLst>
-              <a:path w="10424160" h="18288" fill="none" extrusionOk="0">
-                <a:moveTo>
-                  <a:pt x="0" y="0"/>
-                </a:moveTo>
-                <a:cubicBezTo>
-                  <a:pt x="251416" y="-3874"/>
-                  <a:pt x="479411" y="-20508"/>
-                  <a:pt x="903427" y="0"/>
-                </a:cubicBezTo>
-                <a:cubicBezTo>
-                  <a:pt x="1327443" y="20508"/>
-                  <a:pt x="1177990" y="-7387"/>
-                  <a:pt x="1389888" y="0"/>
-                </a:cubicBezTo>
-                <a:cubicBezTo>
-                  <a:pt x="1601786" y="7387"/>
-                  <a:pt x="1928602" y="-6697"/>
-                  <a:pt x="2189074" y="0"/>
-                </a:cubicBezTo>
-                <a:cubicBezTo>
-                  <a:pt x="2449546" y="6697"/>
-                  <a:pt x="2440085" y="-21144"/>
-                  <a:pt x="2675534" y="0"/>
-                </a:cubicBezTo>
-                <a:cubicBezTo>
-                  <a:pt x="2910983" y="21144"/>
-                  <a:pt x="3026158" y="-11124"/>
-                  <a:pt x="3370478" y="0"/>
-                </a:cubicBezTo>
-                <a:cubicBezTo>
-                  <a:pt x="3714798" y="11124"/>
-                  <a:pt x="3864539" y="-10660"/>
-                  <a:pt x="4169664" y="0"/>
-                </a:cubicBezTo>
-                <a:cubicBezTo>
-                  <a:pt x="4474789" y="10660"/>
-                  <a:pt x="4471218" y="16488"/>
-                  <a:pt x="4551883" y="0"/>
-                </a:cubicBezTo>
-                <a:cubicBezTo>
-                  <a:pt x="4632548" y="-16488"/>
-                  <a:pt x="4786830" y="7986"/>
-                  <a:pt x="4934102" y="0"/>
-                </a:cubicBezTo>
-                <a:cubicBezTo>
-                  <a:pt x="5081374" y="-7986"/>
-                  <a:pt x="5575881" y="-33003"/>
-                  <a:pt x="5837530" y="0"/>
-                </a:cubicBezTo>
-                <a:cubicBezTo>
-                  <a:pt x="6099179" y="33003"/>
-                  <a:pt x="6305895" y="14170"/>
-                  <a:pt x="6532474" y="0"/>
-                </a:cubicBezTo>
-                <a:cubicBezTo>
-                  <a:pt x="6759053" y="-14170"/>
-                  <a:pt x="6726707" y="16121"/>
-                  <a:pt x="6914693" y="0"/>
-                </a:cubicBezTo>
-                <a:cubicBezTo>
-                  <a:pt x="7102679" y="-16121"/>
-                  <a:pt x="7397857" y="32594"/>
-                  <a:pt x="7609637" y="0"/>
-                </a:cubicBezTo>
-                <a:cubicBezTo>
-                  <a:pt x="7821417" y="-32594"/>
-                  <a:pt x="8141235" y="-3745"/>
-                  <a:pt x="8513064" y="0"/>
-                </a:cubicBezTo>
-                <a:cubicBezTo>
-                  <a:pt x="8884893" y="3745"/>
-                  <a:pt x="8877548" y="3359"/>
-                  <a:pt x="9103766" y="0"/>
-                </a:cubicBezTo>
-                <a:cubicBezTo>
-                  <a:pt x="9329984" y="-3359"/>
-                  <a:pt x="9545570" y="-17843"/>
-                  <a:pt x="9694469" y="0"/>
-                </a:cubicBezTo>
-                <a:cubicBezTo>
-                  <a:pt x="9843368" y="17843"/>
-                  <a:pt x="10162477" y="-1217"/>
-                  <a:pt x="10424160" y="0"/>
-                </a:cubicBezTo>
-                <a:cubicBezTo>
-                  <a:pt x="10424498" y="7640"/>
-                  <a:pt x="10423710" y="11289"/>
-                  <a:pt x="10424160" y="18288"/>
-                </a:cubicBezTo>
-                <a:cubicBezTo>
-                  <a:pt x="10184680" y="20716"/>
-                  <a:pt x="10034768" y="-9357"/>
-                  <a:pt x="9729216" y="18288"/>
-                </a:cubicBezTo>
-                <a:cubicBezTo>
-                  <a:pt x="9423664" y="45933"/>
-                  <a:pt x="9309220" y="36372"/>
-                  <a:pt x="8930030" y="18288"/>
-                </a:cubicBezTo>
-                <a:cubicBezTo>
-                  <a:pt x="8550840" y="204"/>
-                  <a:pt x="8513376" y="34707"/>
-                  <a:pt x="8130845" y="18288"/>
-                </a:cubicBezTo>
-                <a:cubicBezTo>
-                  <a:pt x="7748315" y="1869"/>
-                  <a:pt x="7864674" y="19659"/>
-                  <a:pt x="7644384" y="18288"/>
-                </a:cubicBezTo>
-                <a:cubicBezTo>
-                  <a:pt x="7424094" y="16917"/>
-                  <a:pt x="6947001" y="55680"/>
-                  <a:pt x="6740957" y="18288"/>
-                </a:cubicBezTo>
-                <a:cubicBezTo>
-                  <a:pt x="6534913" y="-19104"/>
-                  <a:pt x="6313809" y="33391"/>
-                  <a:pt x="6046013" y="18288"/>
-                </a:cubicBezTo>
-                <a:cubicBezTo>
-                  <a:pt x="5778217" y="3185"/>
-                  <a:pt x="5786775" y="1439"/>
-                  <a:pt x="5663794" y="18288"/>
-                </a:cubicBezTo>
-                <a:cubicBezTo>
-                  <a:pt x="5540813" y="35137"/>
-                  <a:pt x="5204724" y="25434"/>
-                  <a:pt x="4968850" y="18288"/>
-                </a:cubicBezTo>
-                <a:cubicBezTo>
-                  <a:pt x="4732976" y="11142"/>
-                  <a:pt x="4559928" y="34568"/>
-                  <a:pt x="4378147" y="18288"/>
-                </a:cubicBezTo>
-                <a:cubicBezTo>
-                  <a:pt x="4196366" y="2008"/>
-                  <a:pt x="3992200" y="35409"/>
-                  <a:pt x="3787445" y="18288"/>
-                </a:cubicBezTo>
-                <a:cubicBezTo>
-                  <a:pt x="3582690" y="1167"/>
-                  <a:pt x="3488876" y="-7583"/>
-                  <a:pt x="3196742" y="18288"/>
-                </a:cubicBezTo>
-                <a:cubicBezTo>
-                  <a:pt x="2904608" y="44159"/>
-                  <a:pt x="2729828" y="45906"/>
-                  <a:pt x="2606040" y="18288"/>
-                </a:cubicBezTo>
-                <a:cubicBezTo>
-                  <a:pt x="2482252" y="-9330"/>
-                  <a:pt x="2000672" y="-5498"/>
-                  <a:pt x="1806854" y="18288"/>
-                </a:cubicBezTo>
-                <a:cubicBezTo>
-                  <a:pt x="1613036" y="42074"/>
-                  <a:pt x="1310933" y="-4240"/>
-                  <a:pt x="1111910" y="18288"/>
-                </a:cubicBezTo>
-                <a:cubicBezTo>
-                  <a:pt x="912887" y="40816"/>
-                  <a:pt x="891560" y="1701"/>
-                  <a:pt x="729691" y="18288"/>
-                </a:cubicBezTo>
-                <a:cubicBezTo>
-                  <a:pt x="567822" y="34875"/>
-                  <a:pt x="203025" y="34462"/>
-                  <a:pt x="0" y="18288"/>
-                </a:cubicBezTo>
-                <a:cubicBezTo>
-                  <a:pt x="-82" y="11708"/>
-                  <a:pt x="-178" y="8956"/>
-                  <a:pt x="0" y="0"/>
-                </a:cubicBezTo>
-                <a:close/>
-              </a:path>
-              <a:path w="10424160" h="18288" stroke="0" extrusionOk="0">
-                <a:moveTo>
-                  <a:pt x="0" y="0"/>
-                </a:moveTo>
-                <a:cubicBezTo>
-                  <a:pt x="119910" y="17195"/>
-                  <a:pt x="345032" y="1652"/>
-                  <a:pt x="590702" y="0"/>
-                </a:cubicBezTo>
-                <a:cubicBezTo>
-                  <a:pt x="836372" y="-1652"/>
-                  <a:pt x="830717" y="-10944"/>
-                  <a:pt x="972922" y="0"/>
-                </a:cubicBezTo>
-                <a:cubicBezTo>
-                  <a:pt x="1115127" y="10944"/>
-                  <a:pt x="1638708" y="17269"/>
-                  <a:pt x="1876349" y="0"/>
-                </a:cubicBezTo>
-                <a:cubicBezTo>
-                  <a:pt x="2113990" y="-17269"/>
-                  <a:pt x="2263529" y="27642"/>
-                  <a:pt x="2467051" y="0"/>
-                </a:cubicBezTo>
-                <a:cubicBezTo>
-                  <a:pt x="2670573" y="-27642"/>
-                  <a:pt x="2867743" y="-1552"/>
-                  <a:pt x="3057754" y="0"/>
-                </a:cubicBezTo>
-                <a:cubicBezTo>
-                  <a:pt x="3247765" y="1552"/>
-                  <a:pt x="3729099" y="45169"/>
-                  <a:pt x="3961181" y="0"/>
-                </a:cubicBezTo>
-                <a:cubicBezTo>
-                  <a:pt x="4193263" y="-45169"/>
-                  <a:pt x="4313735" y="4067"/>
-                  <a:pt x="4447642" y="0"/>
-                </a:cubicBezTo>
-                <a:cubicBezTo>
-                  <a:pt x="4581549" y="-4067"/>
-                  <a:pt x="5123626" y="11867"/>
-                  <a:pt x="5351069" y="0"/>
-                </a:cubicBezTo>
-                <a:cubicBezTo>
-                  <a:pt x="5578512" y="-11867"/>
-                  <a:pt x="6044105" y="-19983"/>
-                  <a:pt x="6254496" y="0"/>
-                </a:cubicBezTo>
-                <a:cubicBezTo>
-                  <a:pt x="6464887" y="19983"/>
-                  <a:pt x="6664731" y="4232"/>
-                  <a:pt x="6949440" y="0"/>
-                </a:cubicBezTo>
-                <a:cubicBezTo>
-                  <a:pt x="7234149" y="-4232"/>
-                  <a:pt x="7497205" y="28731"/>
-                  <a:pt x="7852867" y="0"/>
-                </a:cubicBezTo>
-                <a:cubicBezTo>
-                  <a:pt x="8208529" y="-28731"/>
-                  <a:pt x="8287556" y="2616"/>
-                  <a:pt x="8443570" y="0"/>
-                </a:cubicBezTo>
-                <a:cubicBezTo>
-                  <a:pt x="8599584" y="-2616"/>
-                  <a:pt x="8871283" y="-14113"/>
-                  <a:pt x="9034272" y="0"/>
-                </a:cubicBezTo>
-                <a:cubicBezTo>
-                  <a:pt x="9197261" y="14113"/>
-                  <a:pt x="9604978" y="-35623"/>
-                  <a:pt x="9833458" y="0"/>
-                </a:cubicBezTo>
-                <a:cubicBezTo>
-                  <a:pt x="10061938" y="35623"/>
-                  <a:pt x="10231944" y="-8194"/>
-                  <a:pt x="10424160" y="0"/>
-                </a:cubicBezTo>
-                <a:cubicBezTo>
-                  <a:pt x="10424285" y="4395"/>
-                  <a:pt x="10424085" y="9776"/>
-                  <a:pt x="10424160" y="18288"/>
-                </a:cubicBezTo>
-                <a:cubicBezTo>
-                  <a:pt x="10058736" y="-5772"/>
-                  <a:pt x="9942989" y="-18764"/>
-                  <a:pt x="9624974" y="18288"/>
-                </a:cubicBezTo>
-                <a:cubicBezTo>
-                  <a:pt x="9306959" y="55340"/>
-                  <a:pt x="9229263" y="24995"/>
-                  <a:pt x="8930030" y="18288"/>
-                </a:cubicBezTo>
-                <a:cubicBezTo>
-                  <a:pt x="8630797" y="11581"/>
-                  <a:pt x="8647263" y="10931"/>
-                  <a:pt x="8547811" y="18288"/>
-                </a:cubicBezTo>
-                <a:cubicBezTo>
-                  <a:pt x="8448359" y="25645"/>
-                  <a:pt x="8173221" y="219"/>
-                  <a:pt x="8061350" y="18288"/>
-                </a:cubicBezTo>
-                <a:cubicBezTo>
-                  <a:pt x="7949479" y="36357"/>
-                  <a:pt x="7437002" y="17516"/>
-                  <a:pt x="7157923" y="18288"/>
-                </a:cubicBezTo>
-                <a:cubicBezTo>
-                  <a:pt x="6878844" y="19060"/>
-                  <a:pt x="6610241" y="8864"/>
-                  <a:pt x="6462979" y="18288"/>
-                </a:cubicBezTo>
-                <a:cubicBezTo>
-                  <a:pt x="6315717" y="27712"/>
-                  <a:pt x="6124879" y="4989"/>
-                  <a:pt x="5976518" y="18288"/>
-                </a:cubicBezTo>
-                <a:cubicBezTo>
-                  <a:pt x="5828157" y="31587"/>
-                  <a:pt x="5566880" y="7112"/>
-                  <a:pt x="5281574" y="18288"/>
-                </a:cubicBezTo>
-                <a:cubicBezTo>
-                  <a:pt x="4996268" y="29464"/>
-                  <a:pt x="5085614" y="20493"/>
-                  <a:pt x="4899355" y="18288"/>
-                </a:cubicBezTo>
-                <a:cubicBezTo>
-                  <a:pt x="4713096" y="16083"/>
-                  <a:pt x="4606138" y="34359"/>
-                  <a:pt x="4517136" y="18288"/>
-                </a:cubicBezTo>
-                <a:cubicBezTo>
-                  <a:pt x="4428134" y="2217"/>
-                  <a:pt x="4125335" y="52414"/>
-                  <a:pt x="3822192" y="18288"/>
-                </a:cubicBezTo>
-                <a:cubicBezTo>
-                  <a:pt x="3519049" y="-15838"/>
-                  <a:pt x="3453132" y="3859"/>
-                  <a:pt x="3335731" y="18288"/>
-                </a:cubicBezTo>
-                <a:cubicBezTo>
-                  <a:pt x="3218330" y="32717"/>
-                  <a:pt x="2718749" y="-13936"/>
-                  <a:pt x="2536546" y="18288"/>
-                </a:cubicBezTo>
-                <a:cubicBezTo>
-                  <a:pt x="2354343" y="50512"/>
-                  <a:pt x="2190669" y="3238"/>
-                  <a:pt x="2050085" y="18288"/>
-                </a:cubicBezTo>
-                <a:cubicBezTo>
-                  <a:pt x="1909501" y="33338"/>
-                  <a:pt x="1520975" y="3062"/>
-                  <a:pt x="1250899" y="18288"/>
-                </a:cubicBezTo>
-                <a:cubicBezTo>
-                  <a:pt x="980823" y="33514"/>
-                  <a:pt x="992936" y="28036"/>
-                  <a:pt x="868680" y="18288"/>
-                </a:cubicBezTo>
-                <a:cubicBezTo>
-                  <a:pt x="744424" y="8540"/>
-                  <a:pt x="230364" y="33365"/>
-                  <a:pt x="0" y="18288"/>
-                </a:cubicBezTo>
-                <a:cubicBezTo>
-                  <a:pt x="-504" y="12101"/>
-                  <a:pt x="-591" y="7719"/>
-                  <a:pt x="0" y="0"/>
-                </a:cubicBezTo>
-                <a:close/>
-              </a:path>
-            </a:pathLst>
-          </a:custGeom>
-          <a:solidFill>
-            <a:schemeClr val="accent2"/>
-          </a:solidFill>
-          <a:ln w="41275" cap="rnd">
-            <a:solidFill>
-              <a:schemeClr val="accent2"/>
-            </a:solidFill>
-            <a:round/>
-            <a:extLst>
-              <a:ext uri="{C807C97D-BFC1-408E-A445-0C87EB9F89A2}">
-                <ask:lineSketchStyleProps xmlns:ask="http://schemas.microsoft.com/office/drawing/2018/sketchyshapes" sd="1219033472">
-                  <a:prstGeom prst="rect">
-                    <a:avLst/>
-                  </a:prstGeom>
-                  <ask:type>
-                    <ask:lineSketchFreehand/>
-                  </ask:type>
-                </ask:lineSketchStyleProps>
-              </a:ext>
-            </a:extLst>
-          </a:ln>
-        </p:spPr>
-        <p:style>
-          <a:lnRef idx="2">
-            <a:schemeClr val="accent1">
-              <a:shade val="50000"/>
-            </a:schemeClr>
-          </a:lnRef>
-          <a:fillRef idx="1">
-            <a:schemeClr val="accent1"/>
-          </a:fillRef>
-          <a:effectRef idx="0">
-            <a:schemeClr val="accent1"/>
-          </a:effectRef>
-          <a:fontRef idx="minor">
-            <a:schemeClr val="lt1"/>
-          </a:fontRef>
-        </p:style>
-        <p:txBody>
-          <a:bodyPr rtlCol="0" anchor="ctr"/>
-          <a:lstStyle/>
-          <a:p>
-            <a:pPr algn="ctr"/>
-            <a:endParaRPr lang="en-US"/>
-          </a:p>
-        </p:txBody>
-      </p:sp>
-      <p:graphicFrame>
-        <p:nvGraphicFramePr>
-          <p:cNvPr id="22" name="Szövegdoboz 2">
-            <a:extLst>
-              <a:ext uri="{FF2B5EF4-FFF2-40B4-BE49-F238E27FC236}">
-                <a16:creationId xmlns:a16="http://schemas.microsoft.com/office/drawing/2014/main" id="{35DE538B-87F9-6181-0282-D9274E522BA5}"/>
-              </a:ext>
-            </a:extLst>
-          </p:cNvPr>
-          <p:cNvGraphicFramePr/>
-          <p:nvPr>
-            <p:extLst>
-              <p:ext uri="{D42A27DB-BD31-4B8C-83A1-F6EECF244321}">
-                <p14:modId xmlns:p14="http://schemas.microsoft.com/office/powerpoint/2010/main" val="2489811775"/>
-              </p:ext>
-            </p:extLst>
-          </p:nvPr>
-        </p:nvGraphicFramePr>
-        <p:xfrm>
-          <a:off x="933253" y="2545237"/>
-          <a:ext cx="9747315" cy="3601039"/>
-        </p:xfrm>
-        <a:graphic>
-          <a:graphicData uri="http://schemas.openxmlformats.org/drawingml/2006/diagram">
-            <dgm:relIds xmlns:dgm="http://schemas.openxmlformats.org/drawingml/2006/diagram" xmlns:r="http://schemas.openxmlformats.org/officeDocument/2006/relationships" r:dm="rId2" r:lo="rId3" r:qs="rId4" r:cs="rId5"/>
-          </a:graphicData>
-        </a:graphic>
-      </p:graphicFrame>
-    </p:spTree>
-    <p:extLst>
-      <p:ext uri="{BB962C8B-B14F-4D97-AF65-F5344CB8AC3E}">
-        <p14:creationId xmlns:p14="http://schemas.microsoft.com/office/powerpoint/2010/main" val="731668411"/>
-      </p:ext>
-    </p:extLst>
-  </p:cSld>
-  <p:clrMapOvr>
-    <a:masterClrMapping/>
-  </p:clrMapOvr>
-</p:sld>
-</file>
-
-<file path=ppt/slides/slide4.xml><?xml version="1.0" encoding="utf-8"?>
-<p:sld xmlns:a="http://schemas.openxmlformats.org/drawingml/2006/main" xmlns:r="http://schemas.openxmlformats.org/officeDocument/2006/relationships" xmlns:p="http://schemas.openxmlformats.org/presentationml/2006/main">
-  <p:cSld>
-    <p:bg>
-      <p:bgPr>
-        <a:solidFill>
-          <a:schemeClr val="bg1"/>
-        </a:solidFill>
-        <a:effectLst/>
-      </p:bgPr>
-    </p:bg>
-    <p:spTree>
-      <p:nvGrpSpPr>
-        <p:cNvPr id="1" name=""/>
-        <p:cNvGrpSpPr/>
-        <p:nvPr/>
-      </p:nvGrpSpPr>
-      <p:grpSpPr>
-        <a:xfrm>
-          <a:off x="0" y="0"/>
-          <a:ext cx="0" cy="0"/>
-          <a:chOff x="0" y="0"/>
-          <a:chExt cx="0" cy="0"/>
-        </a:xfrm>
-      </p:grpSpPr>
-      <p:sp useBgFill="1">
-        <p:nvSpPr>
           <p:cNvPr id="32" name="Rectangle 31">
             <a:extLst>
               <a:ext uri="{FF2B5EF4-FFF2-40B4-BE49-F238E27FC236}">
@@ -19890,7 +19079,7 @@
 </p:sld>
 </file>
 
-<file path=ppt/slides/slide5.xml><?xml version="1.0" encoding="utf-8"?>
+<file path=ppt/slides/slide4.xml><?xml version="1.0" encoding="utf-8"?>
 <p:sld xmlns:a="http://schemas.openxmlformats.org/drawingml/2006/main" xmlns:r="http://schemas.openxmlformats.org/officeDocument/2006/relationships" xmlns:p="http://schemas.openxmlformats.org/presentationml/2006/main">
   <p:cSld>
     <p:bg>
@@ -20671,7 +19860,7 @@
 </p:sld>
 </file>
 
-<file path=ppt/slides/slide6.xml><?xml version="1.0" encoding="utf-8"?>
+<file path=ppt/slides/slide5.xml><?xml version="1.0" encoding="utf-8"?>
 <p:sld xmlns:a="http://schemas.openxmlformats.org/drawingml/2006/main" xmlns:r="http://schemas.openxmlformats.org/officeDocument/2006/relationships" xmlns:p="http://schemas.openxmlformats.org/presentationml/2006/main">
   <p:cSld>
     <p:bg>
@@ -21411,7 +20600,7 @@
 </p:sld>
 </file>
 
-<file path=ppt/slides/slide7.xml><?xml version="1.0" encoding="utf-8"?>
+<file path=ppt/slides/slide6.xml><?xml version="1.0" encoding="utf-8"?>
 <p:sld xmlns:a="http://schemas.openxmlformats.org/drawingml/2006/main" xmlns:r="http://schemas.openxmlformats.org/officeDocument/2006/relationships" xmlns:p="http://schemas.openxmlformats.org/presentationml/2006/main">
   <p:cSld>
     <p:bg>
@@ -22220,6 +21409,817 @@
 </p:sld>
 </file>
 
+<file path=ppt/slides/slide7.xml><?xml version="1.0" encoding="utf-8"?>
+<p:sld xmlns:a="http://schemas.openxmlformats.org/drawingml/2006/main" xmlns:r="http://schemas.openxmlformats.org/officeDocument/2006/relationships" xmlns:p="http://schemas.openxmlformats.org/presentationml/2006/main">
+  <p:cSld>
+    <p:bg>
+      <p:bgPr>
+        <a:solidFill>
+          <a:schemeClr val="bg1"/>
+        </a:solidFill>
+        <a:effectLst/>
+      </p:bgPr>
+    </p:bg>
+    <p:spTree>
+      <p:nvGrpSpPr>
+        <p:cNvPr id="1" name=""/>
+        <p:cNvGrpSpPr/>
+        <p:nvPr/>
+      </p:nvGrpSpPr>
+      <p:grpSpPr>
+        <a:xfrm>
+          <a:off x="0" y="0"/>
+          <a:ext cx="0" cy="0"/>
+          <a:chOff x="0" y="0"/>
+          <a:chExt cx="0" cy="0"/>
+        </a:xfrm>
+      </p:grpSpPr>
+      <p:sp useBgFill="1">
+        <p:nvSpPr>
+          <p:cNvPr id="18" name="Rectangle 17">
+            <a:extLst>
+              <a:ext uri="{FF2B5EF4-FFF2-40B4-BE49-F238E27FC236}">
+                <a16:creationId xmlns:a16="http://schemas.microsoft.com/office/drawing/2014/main" id="{35DB3719-6FDC-4E5D-891D-FF40B7300F64}"/>
+              </a:ext>
+              <a:ext uri="{C183D7F6-B498-43B3-948B-1728B52AA6E4}">
+                <adec:decorative xmlns:adec="http://schemas.microsoft.com/office/drawing/2017/decorative" val="1"/>
+              </a:ext>
+            </a:extLst>
+          </p:cNvPr>
+          <p:cNvSpPr>
+            <a:spLocks noGrp="1" noRot="1" noChangeAspect="1" noMove="1" noResize="1" noEditPoints="1" noAdjustHandles="1" noChangeArrowheads="1" noChangeShapeType="1" noTextEdit="1"/>
+          </p:cNvSpPr>
+          <p:nvPr>
+            <p:extLst>
+              <p:ext uri="{386F3935-93C4-4BCD-93E2-E3B085C9AB24}">
+                <p16:designElem xmlns:p16="http://schemas.microsoft.com/office/powerpoint/2015/main" val="1"/>
+              </p:ext>
+            </p:extLst>
+          </p:nvPr>
+        </p:nvSpPr>
+        <p:spPr>
+          <a:xfrm>
+            <a:off x="0" y="0"/>
+            <a:ext cx="12188952" cy="6858000"/>
+          </a:xfrm>
+          <a:prstGeom prst="rect">
+            <a:avLst/>
+          </a:prstGeom>
+          <a:ln>
+            <a:noFill/>
+          </a:ln>
+        </p:spPr>
+        <p:style>
+          <a:lnRef idx="2">
+            <a:schemeClr val="accent1">
+              <a:shade val="50000"/>
+            </a:schemeClr>
+          </a:lnRef>
+          <a:fillRef idx="1">
+            <a:schemeClr val="accent1"/>
+          </a:fillRef>
+          <a:effectRef idx="0">
+            <a:schemeClr val="accent1"/>
+          </a:effectRef>
+          <a:fontRef idx="minor">
+            <a:schemeClr val="lt1"/>
+          </a:fontRef>
+        </p:style>
+        <p:txBody>
+          <a:bodyPr rtlCol="0" anchor="ctr"/>
+          <a:lstStyle/>
+          <a:p>
+            <a:pPr algn="ctr"/>
+            <a:endParaRPr lang="en-US"/>
+          </a:p>
+        </p:txBody>
+      </p:sp>
+      <p:sp>
+        <p:nvSpPr>
+          <p:cNvPr id="2" name="Cím 1">
+            <a:extLst>
+              <a:ext uri="{FF2B5EF4-FFF2-40B4-BE49-F238E27FC236}">
+                <a16:creationId xmlns:a16="http://schemas.microsoft.com/office/drawing/2014/main" id="{BCCBD3E8-06EA-14A7-7FA7-23CFDF795EE8}"/>
+              </a:ext>
+            </a:extLst>
+          </p:cNvPr>
+          <p:cNvSpPr>
+            <a:spLocks noGrp="1"/>
+          </p:cNvSpPr>
+          <p:nvPr>
+            <p:ph type="title"/>
+          </p:nvPr>
+        </p:nvSpPr>
+        <p:spPr>
+          <a:xfrm>
+            <a:off x="838200" y="365125"/>
+            <a:ext cx="10515600" cy="1325563"/>
+          </a:xfrm>
+        </p:spPr>
+        <p:txBody>
+          <a:bodyPr vert="horz" lIns="91440" tIns="45720" rIns="91440" bIns="45720" rtlCol="0" anchor="ctr">
+            <a:normAutofit/>
+          </a:bodyPr>
+          <a:lstStyle/>
+          <a:p>
+            <a:r>
+              <a:rPr lang="hu-HU" sz="5400" kern="1200" dirty="0" err="1">
+                <a:solidFill>
+                  <a:schemeClr val="tx1"/>
+                </a:solidFill>
+                <a:latin typeface="+mj-lt"/>
+                <a:ea typeface="+mj-ea"/>
+                <a:cs typeface="+mj-cs"/>
+              </a:rPr>
+              <a:t>Folder</a:t>
+            </a:r>
+            <a:r>
+              <a:rPr lang="hu-HU" sz="5400" kern="1200" dirty="0">
+                <a:solidFill>
+                  <a:schemeClr val="tx1"/>
+                </a:solidFill>
+                <a:latin typeface="+mj-lt"/>
+                <a:ea typeface="+mj-ea"/>
+                <a:cs typeface="+mj-cs"/>
+              </a:rPr>
+              <a:t> </a:t>
+            </a:r>
+            <a:r>
+              <a:rPr lang="hu-HU" sz="5400" kern="1200" dirty="0" err="1">
+                <a:solidFill>
+                  <a:schemeClr val="tx1"/>
+                </a:solidFill>
+                <a:latin typeface="+mj-lt"/>
+                <a:ea typeface="+mj-ea"/>
+                <a:cs typeface="+mj-cs"/>
+              </a:rPr>
+              <a:t>structure</a:t>
+            </a:r>
+            <a:endParaRPr lang="en-US" sz="5400" kern="1200" dirty="0">
+              <a:solidFill>
+                <a:schemeClr val="tx1"/>
+              </a:solidFill>
+              <a:latin typeface="+mj-lt"/>
+              <a:ea typeface="+mj-ea"/>
+              <a:cs typeface="+mj-cs"/>
+            </a:endParaRPr>
+          </a:p>
+        </p:txBody>
+      </p:sp>
+      <p:sp>
+        <p:nvSpPr>
+          <p:cNvPr id="20" name="sketch line">
+            <a:extLst>
+              <a:ext uri="{FF2B5EF4-FFF2-40B4-BE49-F238E27FC236}">
+                <a16:creationId xmlns:a16="http://schemas.microsoft.com/office/drawing/2014/main" id="{E0CBAC23-2E3F-4A90-BA59-F8299F6A5439}"/>
+              </a:ext>
+              <a:ext uri="{C183D7F6-B498-43B3-948B-1728B52AA6E4}">
+                <adec:decorative xmlns:adec="http://schemas.microsoft.com/office/drawing/2017/decorative" val="1"/>
+              </a:ext>
+            </a:extLst>
+          </p:cNvPr>
+          <p:cNvSpPr>
+            <a:spLocks noGrp="1" noRot="1" noChangeAspect="1" noMove="1" noResize="1" noEditPoints="1" noAdjustHandles="1" noChangeArrowheads="1" noChangeShapeType="1" noTextEdit="1"/>
+          </p:cNvSpPr>
+          <p:nvPr>
+            <p:extLst>
+              <p:ext uri="{386F3935-93C4-4BCD-93E2-E3B085C9AB24}">
+                <p16:designElem xmlns:p16="http://schemas.microsoft.com/office/powerpoint/2015/main" val="1"/>
+              </p:ext>
+            </p:extLst>
+          </p:nvPr>
+        </p:nvSpPr>
+        <p:spPr>
+          <a:xfrm>
+            <a:off x="838200" y="1865313"/>
+            <a:ext cx="10424160" cy="18288"/>
+          </a:xfrm>
+          <a:custGeom>
+            <a:avLst/>
+            <a:gdLst>
+              <a:gd name="connsiteX0" fmla="*/ 0 w 10424160"/>
+              <a:gd name="connsiteY0" fmla="*/ 0 h 18288"/>
+              <a:gd name="connsiteX1" fmla="*/ 903427 w 10424160"/>
+              <a:gd name="connsiteY1" fmla="*/ 0 h 18288"/>
+              <a:gd name="connsiteX2" fmla="*/ 1389888 w 10424160"/>
+              <a:gd name="connsiteY2" fmla="*/ 0 h 18288"/>
+              <a:gd name="connsiteX3" fmla="*/ 2189074 w 10424160"/>
+              <a:gd name="connsiteY3" fmla="*/ 0 h 18288"/>
+              <a:gd name="connsiteX4" fmla="*/ 2675534 w 10424160"/>
+              <a:gd name="connsiteY4" fmla="*/ 0 h 18288"/>
+              <a:gd name="connsiteX5" fmla="*/ 3370478 w 10424160"/>
+              <a:gd name="connsiteY5" fmla="*/ 0 h 18288"/>
+              <a:gd name="connsiteX6" fmla="*/ 4169664 w 10424160"/>
+              <a:gd name="connsiteY6" fmla="*/ 0 h 18288"/>
+              <a:gd name="connsiteX7" fmla="*/ 4551883 w 10424160"/>
+              <a:gd name="connsiteY7" fmla="*/ 0 h 18288"/>
+              <a:gd name="connsiteX8" fmla="*/ 4934102 w 10424160"/>
+              <a:gd name="connsiteY8" fmla="*/ 0 h 18288"/>
+              <a:gd name="connsiteX9" fmla="*/ 5837530 w 10424160"/>
+              <a:gd name="connsiteY9" fmla="*/ 0 h 18288"/>
+              <a:gd name="connsiteX10" fmla="*/ 6532474 w 10424160"/>
+              <a:gd name="connsiteY10" fmla="*/ 0 h 18288"/>
+              <a:gd name="connsiteX11" fmla="*/ 6914693 w 10424160"/>
+              <a:gd name="connsiteY11" fmla="*/ 0 h 18288"/>
+              <a:gd name="connsiteX12" fmla="*/ 7609637 w 10424160"/>
+              <a:gd name="connsiteY12" fmla="*/ 0 h 18288"/>
+              <a:gd name="connsiteX13" fmla="*/ 8513064 w 10424160"/>
+              <a:gd name="connsiteY13" fmla="*/ 0 h 18288"/>
+              <a:gd name="connsiteX14" fmla="*/ 9103766 w 10424160"/>
+              <a:gd name="connsiteY14" fmla="*/ 0 h 18288"/>
+              <a:gd name="connsiteX15" fmla="*/ 9694469 w 10424160"/>
+              <a:gd name="connsiteY15" fmla="*/ 0 h 18288"/>
+              <a:gd name="connsiteX16" fmla="*/ 10424160 w 10424160"/>
+              <a:gd name="connsiteY16" fmla="*/ 0 h 18288"/>
+              <a:gd name="connsiteX17" fmla="*/ 10424160 w 10424160"/>
+              <a:gd name="connsiteY17" fmla="*/ 18288 h 18288"/>
+              <a:gd name="connsiteX18" fmla="*/ 9729216 w 10424160"/>
+              <a:gd name="connsiteY18" fmla="*/ 18288 h 18288"/>
+              <a:gd name="connsiteX19" fmla="*/ 8930030 w 10424160"/>
+              <a:gd name="connsiteY19" fmla="*/ 18288 h 18288"/>
+              <a:gd name="connsiteX20" fmla="*/ 8130845 w 10424160"/>
+              <a:gd name="connsiteY20" fmla="*/ 18288 h 18288"/>
+              <a:gd name="connsiteX21" fmla="*/ 7644384 w 10424160"/>
+              <a:gd name="connsiteY21" fmla="*/ 18288 h 18288"/>
+              <a:gd name="connsiteX22" fmla="*/ 6740957 w 10424160"/>
+              <a:gd name="connsiteY22" fmla="*/ 18288 h 18288"/>
+              <a:gd name="connsiteX23" fmla="*/ 6046013 w 10424160"/>
+              <a:gd name="connsiteY23" fmla="*/ 18288 h 18288"/>
+              <a:gd name="connsiteX24" fmla="*/ 5663794 w 10424160"/>
+              <a:gd name="connsiteY24" fmla="*/ 18288 h 18288"/>
+              <a:gd name="connsiteX25" fmla="*/ 4968850 w 10424160"/>
+              <a:gd name="connsiteY25" fmla="*/ 18288 h 18288"/>
+              <a:gd name="connsiteX26" fmla="*/ 4378147 w 10424160"/>
+              <a:gd name="connsiteY26" fmla="*/ 18288 h 18288"/>
+              <a:gd name="connsiteX27" fmla="*/ 3787445 w 10424160"/>
+              <a:gd name="connsiteY27" fmla="*/ 18288 h 18288"/>
+              <a:gd name="connsiteX28" fmla="*/ 3196742 w 10424160"/>
+              <a:gd name="connsiteY28" fmla="*/ 18288 h 18288"/>
+              <a:gd name="connsiteX29" fmla="*/ 2606040 w 10424160"/>
+              <a:gd name="connsiteY29" fmla="*/ 18288 h 18288"/>
+              <a:gd name="connsiteX30" fmla="*/ 1806854 w 10424160"/>
+              <a:gd name="connsiteY30" fmla="*/ 18288 h 18288"/>
+              <a:gd name="connsiteX31" fmla="*/ 1111910 w 10424160"/>
+              <a:gd name="connsiteY31" fmla="*/ 18288 h 18288"/>
+              <a:gd name="connsiteX32" fmla="*/ 729691 w 10424160"/>
+              <a:gd name="connsiteY32" fmla="*/ 18288 h 18288"/>
+              <a:gd name="connsiteX33" fmla="*/ 0 w 10424160"/>
+              <a:gd name="connsiteY33" fmla="*/ 18288 h 18288"/>
+              <a:gd name="connsiteX34" fmla="*/ 0 w 10424160"/>
+              <a:gd name="connsiteY34" fmla="*/ 0 h 18288"/>
+            </a:gdLst>
+            <a:ahLst/>
+            <a:cxnLst>
+              <a:cxn ang="0">
+                <a:pos x="connsiteX0" y="connsiteY0"/>
+              </a:cxn>
+              <a:cxn ang="0">
+                <a:pos x="connsiteX1" y="connsiteY1"/>
+              </a:cxn>
+              <a:cxn ang="0">
+                <a:pos x="connsiteX2" y="connsiteY2"/>
+              </a:cxn>
+              <a:cxn ang="0">
+                <a:pos x="connsiteX3" y="connsiteY3"/>
+              </a:cxn>
+              <a:cxn ang="0">
+                <a:pos x="connsiteX4" y="connsiteY4"/>
+              </a:cxn>
+              <a:cxn ang="0">
+                <a:pos x="connsiteX5" y="connsiteY5"/>
+              </a:cxn>
+              <a:cxn ang="0">
+                <a:pos x="connsiteX6" y="connsiteY6"/>
+              </a:cxn>
+              <a:cxn ang="0">
+                <a:pos x="connsiteX7" y="connsiteY7"/>
+              </a:cxn>
+              <a:cxn ang="0">
+                <a:pos x="connsiteX8" y="connsiteY8"/>
+              </a:cxn>
+              <a:cxn ang="0">
+                <a:pos x="connsiteX9" y="connsiteY9"/>
+              </a:cxn>
+              <a:cxn ang="0">
+                <a:pos x="connsiteX10" y="connsiteY10"/>
+              </a:cxn>
+              <a:cxn ang="0">
+                <a:pos x="connsiteX11" y="connsiteY11"/>
+              </a:cxn>
+              <a:cxn ang="0">
+                <a:pos x="connsiteX12" y="connsiteY12"/>
+              </a:cxn>
+              <a:cxn ang="0">
+                <a:pos x="connsiteX13" y="connsiteY13"/>
+              </a:cxn>
+              <a:cxn ang="0">
+                <a:pos x="connsiteX14" y="connsiteY14"/>
+              </a:cxn>
+              <a:cxn ang="0">
+                <a:pos x="connsiteX15" y="connsiteY15"/>
+              </a:cxn>
+              <a:cxn ang="0">
+                <a:pos x="connsiteX16" y="connsiteY16"/>
+              </a:cxn>
+              <a:cxn ang="0">
+                <a:pos x="connsiteX17" y="connsiteY17"/>
+              </a:cxn>
+              <a:cxn ang="0">
+                <a:pos x="connsiteX18" y="connsiteY18"/>
+              </a:cxn>
+              <a:cxn ang="0">
+                <a:pos x="connsiteX19" y="connsiteY19"/>
+              </a:cxn>
+              <a:cxn ang="0">
+                <a:pos x="connsiteX20" y="connsiteY20"/>
+              </a:cxn>
+              <a:cxn ang="0">
+                <a:pos x="connsiteX21" y="connsiteY21"/>
+              </a:cxn>
+              <a:cxn ang="0">
+                <a:pos x="connsiteX22" y="connsiteY22"/>
+              </a:cxn>
+              <a:cxn ang="0">
+                <a:pos x="connsiteX23" y="connsiteY23"/>
+              </a:cxn>
+              <a:cxn ang="0">
+                <a:pos x="connsiteX24" y="connsiteY24"/>
+              </a:cxn>
+              <a:cxn ang="0">
+                <a:pos x="connsiteX25" y="connsiteY25"/>
+              </a:cxn>
+              <a:cxn ang="0">
+                <a:pos x="connsiteX26" y="connsiteY26"/>
+              </a:cxn>
+              <a:cxn ang="0">
+                <a:pos x="connsiteX27" y="connsiteY27"/>
+              </a:cxn>
+              <a:cxn ang="0">
+                <a:pos x="connsiteX28" y="connsiteY28"/>
+              </a:cxn>
+              <a:cxn ang="0">
+                <a:pos x="connsiteX29" y="connsiteY29"/>
+              </a:cxn>
+              <a:cxn ang="0">
+                <a:pos x="connsiteX30" y="connsiteY30"/>
+              </a:cxn>
+              <a:cxn ang="0">
+                <a:pos x="connsiteX31" y="connsiteY31"/>
+              </a:cxn>
+              <a:cxn ang="0">
+                <a:pos x="connsiteX32" y="connsiteY32"/>
+              </a:cxn>
+              <a:cxn ang="0">
+                <a:pos x="connsiteX33" y="connsiteY33"/>
+              </a:cxn>
+              <a:cxn ang="0">
+                <a:pos x="connsiteX34" y="connsiteY34"/>
+              </a:cxn>
+            </a:cxnLst>
+            <a:rect l="l" t="t" r="r" b="b"/>
+            <a:pathLst>
+              <a:path w="10424160" h="18288" fill="none" extrusionOk="0">
+                <a:moveTo>
+                  <a:pt x="0" y="0"/>
+                </a:moveTo>
+                <a:cubicBezTo>
+                  <a:pt x="251416" y="-3874"/>
+                  <a:pt x="479411" y="-20508"/>
+                  <a:pt x="903427" y="0"/>
+                </a:cubicBezTo>
+                <a:cubicBezTo>
+                  <a:pt x="1327443" y="20508"/>
+                  <a:pt x="1177990" y="-7387"/>
+                  <a:pt x="1389888" y="0"/>
+                </a:cubicBezTo>
+                <a:cubicBezTo>
+                  <a:pt x="1601786" y="7387"/>
+                  <a:pt x="1928602" y="-6697"/>
+                  <a:pt x="2189074" y="0"/>
+                </a:cubicBezTo>
+                <a:cubicBezTo>
+                  <a:pt x="2449546" y="6697"/>
+                  <a:pt x="2440085" y="-21144"/>
+                  <a:pt x="2675534" y="0"/>
+                </a:cubicBezTo>
+                <a:cubicBezTo>
+                  <a:pt x="2910983" y="21144"/>
+                  <a:pt x="3026158" y="-11124"/>
+                  <a:pt x="3370478" y="0"/>
+                </a:cubicBezTo>
+                <a:cubicBezTo>
+                  <a:pt x="3714798" y="11124"/>
+                  <a:pt x="3864539" y="-10660"/>
+                  <a:pt x="4169664" y="0"/>
+                </a:cubicBezTo>
+                <a:cubicBezTo>
+                  <a:pt x="4474789" y="10660"/>
+                  <a:pt x="4471218" y="16488"/>
+                  <a:pt x="4551883" y="0"/>
+                </a:cubicBezTo>
+                <a:cubicBezTo>
+                  <a:pt x="4632548" y="-16488"/>
+                  <a:pt x="4786830" y="7986"/>
+                  <a:pt x="4934102" y="0"/>
+                </a:cubicBezTo>
+                <a:cubicBezTo>
+                  <a:pt x="5081374" y="-7986"/>
+                  <a:pt x="5575881" y="-33003"/>
+                  <a:pt x="5837530" y="0"/>
+                </a:cubicBezTo>
+                <a:cubicBezTo>
+                  <a:pt x="6099179" y="33003"/>
+                  <a:pt x="6305895" y="14170"/>
+                  <a:pt x="6532474" y="0"/>
+                </a:cubicBezTo>
+                <a:cubicBezTo>
+                  <a:pt x="6759053" y="-14170"/>
+                  <a:pt x="6726707" y="16121"/>
+                  <a:pt x="6914693" y="0"/>
+                </a:cubicBezTo>
+                <a:cubicBezTo>
+                  <a:pt x="7102679" y="-16121"/>
+                  <a:pt x="7397857" y="32594"/>
+                  <a:pt x="7609637" y="0"/>
+                </a:cubicBezTo>
+                <a:cubicBezTo>
+                  <a:pt x="7821417" y="-32594"/>
+                  <a:pt x="8141235" y="-3745"/>
+                  <a:pt x="8513064" y="0"/>
+                </a:cubicBezTo>
+                <a:cubicBezTo>
+                  <a:pt x="8884893" y="3745"/>
+                  <a:pt x="8877548" y="3359"/>
+                  <a:pt x="9103766" y="0"/>
+                </a:cubicBezTo>
+                <a:cubicBezTo>
+                  <a:pt x="9329984" y="-3359"/>
+                  <a:pt x="9545570" y="-17843"/>
+                  <a:pt x="9694469" y="0"/>
+                </a:cubicBezTo>
+                <a:cubicBezTo>
+                  <a:pt x="9843368" y="17843"/>
+                  <a:pt x="10162477" y="-1217"/>
+                  <a:pt x="10424160" y="0"/>
+                </a:cubicBezTo>
+                <a:cubicBezTo>
+                  <a:pt x="10424498" y="7640"/>
+                  <a:pt x="10423710" y="11289"/>
+                  <a:pt x="10424160" y="18288"/>
+                </a:cubicBezTo>
+                <a:cubicBezTo>
+                  <a:pt x="10184680" y="20716"/>
+                  <a:pt x="10034768" y="-9357"/>
+                  <a:pt x="9729216" y="18288"/>
+                </a:cubicBezTo>
+                <a:cubicBezTo>
+                  <a:pt x="9423664" y="45933"/>
+                  <a:pt x="9309220" y="36372"/>
+                  <a:pt x="8930030" y="18288"/>
+                </a:cubicBezTo>
+                <a:cubicBezTo>
+                  <a:pt x="8550840" y="204"/>
+                  <a:pt x="8513376" y="34707"/>
+                  <a:pt x="8130845" y="18288"/>
+                </a:cubicBezTo>
+                <a:cubicBezTo>
+                  <a:pt x="7748315" y="1869"/>
+                  <a:pt x="7864674" y="19659"/>
+                  <a:pt x="7644384" y="18288"/>
+                </a:cubicBezTo>
+                <a:cubicBezTo>
+                  <a:pt x="7424094" y="16917"/>
+                  <a:pt x="6947001" y="55680"/>
+                  <a:pt x="6740957" y="18288"/>
+                </a:cubicBezTo>
+                <a:cubicBezTo>
+                  <a:pt x="6534913" y="-19104"/>
+                  <a:pt x="6313809" y="33391"/>
+                  <a:pt x="6046013" y="18288"/>
+                </a:cubicBezTo>
+                <a:cubicBezTo>
+                  <a:pt x="5778217" y="3185"/>
+                  <a:pt x="5786775" y="1439"/>
+                  <a:pt x="5663794" y="18288"/>
+                </a:cubicBezTo>
+                <a:cubicBezTo>
+                  <a:pt x="5540813" y="35137"/>
+                  <a:pt x="5204724" y="25434"/>
+                  <a:pt x="4968850" y="18288"/>
+                </a:cubicBezTo>
+                <a:cubicBezTo>
+                  <a:pt x="4732976" y="11142"/>
+                  <a:pt x="4559928" y="34568"/>
+                  <a:pt x="4378147" y="18288"/>
+                </a:cubicBezTo>
+                <a:cubicBezTo>
+                  <a:pt x="4196366" y="2008"/>
+                  <a:pt x="3992200" y="35409"/>
+                  <a:pt x="3787445" y="18288"/>
+                </a:cubicBezTo>
+                <a:cubicBezTo>
+                  <a:pt x="3582690" y="1167"/>
+                  <a:pt x="3488876" y="-7583"/>
+                  <a:pt x="3196742" y="18288"/>
+                </a:cubicBezTo>
+                <a:cubicBezTo>
+                  <a:pt x="2904608" y="44159"/>
+                  <a:pt x="2729828" y="45906"/>
+                  <a:pt x="2606040" y="18288"/>
+                </a:cubicBezTo>
+                <a:cubicBezTo>
+                  <a:pt x="2482252" y="-9330"/>
+                  <a:pt x="2000672" y="-5498"/>
+                  <a:pt x="1806854" y="18288"/>
+                </a:cubicBezTo>
+                <a:cubicBezTo>
+                  <a:pt x="1613036" y="42074"/>
+                  <a:pt x="1310933" y="-4240"/>
+                  <a:pt x="1111910" y="18288"/>
+                </a:cubicBezTo>
+                <a:cubicBezTo>
+                  <a:pt x="912887" y="40816"/>
+                  <a:pt x="891560" y="1701"/>
+                  <a:pt x="729691" y="18288"/>
+                </a:cubicBezTo>
+                <a:cubicBezTo>
+                  <a:pt x="567822" y="34875"/>
+                  <a:pt x="203025" y="34462"/>
+                  <a:pt x="0" y="18288"/>
+                </a:cubicBezTo>
+                <a:cubicBezTo>
+                  <a:pt x="-82" y="11708"/>
+                  <a:pt x="-178" y="8956"/>
+                  <a:pt x="0" y="0"/>
+                </a:cubicBezTo>
+                <a:close/>
+              </a:path>
+              <a:path w="10424160" h="18288" stroke="0" extrusionOk="0">
+                <a:moveTo>
+                  <a:pt x="0" y="0"/>
+                </a:moveTo>
+                <a:cubicBezTo>
+                  <a:pt x="119910" y="17195"/>
+                  <a:pt x="345032" y="1652"/>
+                  <a:pt x="590702" y="0"/>
+                </a:cubicBezTo>
+                <a:cubicBezTo>
+                  <a:pt x="836372" y="-1652"/>
+                  <a:pt x="830717" y="-10944"/>
+                  <a:pt x="972922" y="0"/>
+                </a:cubicBezTo>
+                <a:cubicBezTo>
+                  <a:pt x="1115127" y="10944"/>
+                  <a:pt x="1638708" y="17269"/>
+                  <a:pt x="1876349" y="0"/>
+                </a:cubicBezTo>
+                <a:cubicBezTo>
+                  <a:pt x="2113990" y="-17269"/>
+                  <a:pt x="2263529" y="27642"/>
+                  <a:pt x="2467051" y="0"/>
+                </a:cubicBezTo>
+                <a:cubicBezTo>
+                  <a:pt x="2670573" y="-27642"/>
+                  <a:pt x="2867743" y="-1552"/>
+                  <a:pt x="3057754" y="0"/>
+                </a:cubicBezTo>
+                <a:cubicBezTo>
+                  <a:pt x="3247765" y="1552"/>
+                  <a:pt x="3729099" y="45169"/>
+                  <a:pt x="3961181" y="0"/>
+                </a:cubicBezTo>
+                <a:cubicBezTo>
+                  <a:pt x="4193263" y="-45169"/>
+                  <a:pt x="4313735" y="4067"/>
+                  <a:pt x="4447642" y="0"/>
+                </a:cubicBezTo>
+                <a:cubicBezTo>
+                  <a:pt x="4581549" y="-4067"/>
+                  <a:pt x="5123626" y="11867"/>
+                  <a:pt x="5351069" y="0"/>
+                </a:cubicBezTo>
+                <a:cubicBezTo>
+                  <a:pt x="5578512" y="-11867"/>
+                  <a:pt x="6044105" y="-19983"/>
+                  <a:pt x="6254496" y="0"/>
+                </a:cubicBezTo>
+                <a:cubicBezTo>
+                  <a:pt x="6464887" y="19983"/>
+                  <a:pt x="6664731" y="4232"/>
+                  <a:pt x="6949440" y="0"/>
+                </a:cubicBezTo>
+                <a:cubicBezTo>
+                  <a:pt x="7234149" y="-4232"/>
+                  <a:pt x="7497205" y="28731"/>
+                  <a:pt x="7852867" y="0"/>
+                </a:cubicBezTo>
+                <a:cubicBezTo>
+                  <a:pt x="8208529" y="-28731"/>
+                  <a:pt x="8287556" y="2616"/>
+                  <a:pt x="8443570" y="0"/>
+                </a:cubicBezTo>
+                <a:cubicBezTo>
+                  <a:pt x="8599584" y="-2616"/>
+                  <a:pt x="8871283" y="-14113"/>
+                  <a:pt x="9034272" y="0"/>
+                </a:cubicBezTo>
+                <a:cubicBezTo>
+                  <a:pt x="9197261" y="14113"/>
+                  <a:pt x="9604978" y="-35623"/>
+                  <a:pt x="9833458" y="0"/>
+                </a:cubicBezTo>
+                <a:cubicBezTo>
+                  <a:pt x="10061938" y="35623"/>
+                  <a:pt x="10231944" y="-8194"/>
+                  <a:pt x="10424160" y="0"/>
+                </a:cubicBezTo>
+                <a:cubicBezTo>
+                  <a:pt x="10424285" y="4395"/>
+                  <a:pt x="10424085" y="9776"/>
+                  <a:pt x="10424160" y="18288"/>
+                </a:cubicBezTo>
+                <a:cubicBezTo>
+                  <a:pt x="10058736" y="-5772"/>
+                  <a:pt x="9942989" y="-18764"/>
+                  <a:pt x="9624974" y="18288"/>
+                </a:cubicBezTo>
+                <a:cubicBezTo>
+                  <a:pt x="9306959" y="55340"/>
+                  <a:pt x="9229263" y="24995"/>
+                  <a:pt x="8930030" y="18288"/>
+                </a:cubicBezTo>
+                <a:cubicBezTo>
+                  <a:pt x="8630797" y="11581"/>
+                  <a:pt x="8647263" y="10931"/>
+                  <a:pt x="8547811" y="18288"/>
+                </a:cubicBezTo>
+                <a:cubicBezTo>
+                  <a:pt x="8448359" y="25645"/>
+                  <a:pt x="8173221" y="219"/>
+                  <a:pt x="8061350" y="18288"/>
+                </a:cubicBezTo>
+                <a:cubicBezTo>
+                  <a:pt x="7949479" y="36357"/>
+                  <a:pt x="7437002" y="17516"/>
+                  <a:pt x="7157923" y="18288"/>
+                </a:cubicBezTo>
+                <a:cubicBezTo>
+                  <a:pt x="6878844" y="19060"/>
+                  <a:pt x="6610241" y="8864"/>
+                  <a:pt x="6462979" y="18288"/>
+                </a:cubicBezTo>
+                <a:cubicBezTo>
+                  <a:pt x="6315717" y="27712"/>
+                  <a:pt x="6124879" y="4989"/>
+                  <a:pt x="5976518" y="18288"/>
+                </a:cubicBezTo>
+                <a:cubicBezTo>
+                  <a:pt x="5828157" y="31587"/>
+                  <a:pt x="5566880" y="7112"/>
+                  <a:pt x="5281574" y="18288"/>
+                </a:cubicBezTo>
+                <a:cubicBezTo>
+                  <a:pt x="4996268" y="29464"/>
+                  <a:pt x="5085614" y="20493"/>
+                  <a:pt x="4899355" y="18288"/>
+                </a:cubicBezTo>
+                <a:cubicBezTo>
+                  <a:pt x="4713096" y="16083"/>
+                  <a:pt x="4606138" y="34359"/>
+                  <a:pt x="4517136" y="18288"/>
+                </a:cubicBezTo>
+                <a:cubicBezTo>
+                  <a:pt x="4428134" y="2217"/>
+                  <a:pt x="4125335" y="52414"/>
+                  <a:pt x="3822192" y="18288"/>
+                </a:cubicBezTo>
+                <a:cubicBezTo>
+                  <a:pt x="3519049" y="-15838"/>
+                  <a:pt x="3453132" y="3859"/>
+                  <a:pt x="3335731" y="18288"/>
+                </a:cubicBezTo>
+                <a:cubicBezTo>
+                  <a:pt x="3218330" y="32717"/>
+                  <a:pt x="2718749" y="-13936"/>
+                  <a:pt x="2536546" y="18288"/>
+                </a:cubicBezTo>
+                <a:cubicBezTo>
+                  <a:pt x="2354343" y="50512"/>
+                  <a:pt x="2190669" y="3238"/>
+                  <a:pt x="2050085" y="18288"/>
+                </a:cubicBezTo>
+                <a:cubicBezTo>
+                  <a:pt x="1909501" y="33338"/>
+                  <a:pt x="1520975" y="3062"/>
+                  <a:pt x="1250899" y="18288"/>
+                </a:cubicBezTo>
+                <a:cubicBezTo>
+                  <a:pt x="980823" y="33514"/>
+                  <a:pt x="992936" y="28036"/>
+                  <a:pt x="868680" y="18288"/>
+                </a:cubicBezTo>
+                <a:cubicBezTo>
+                  <a:pt x="744424" y="8540"/>
+                  <a:pt x="230364" y="33365"/>
+                  <a:pt x="0" y="18288"/>
+                </a:cubicBezTo>
+                <a:cubicBezTo>
+                  <a:pt x="-504" y="12101"/>
+                  <a:pt x="-591" y="7719"/>
+                  <a:pt x="0" y="0"/>
+                </a:cubicBezTo>
+                <a:close/>
+              </a:path>
+            </a:pathLst>
+          </a:custGeom>
+          <a:solidFill>
+            <a:schemeClr val="accent2"/>
+          </a:solidFill>
+          <a:ln w="41275" cap="rnd">
+            <a:solidFill>
+              <a:schemeClr val="accent2"/>
+            </a:solidFill>
+            <a:round/>
+            <a:extLst>
+              <a:ext uri="{C807C97D-BFC1-408E-A445-0C87EB9F89A2}">
+                <ask:lineSketchStyleProps xmlns:ask="http://schemas.microsoft.com/office/drawing/2018/sketchyshapes" sd="1219033472">
+                  <a:prstGeom prst="rect">
+                    <a:avLst/>
+                  </a:prstGeom>
+                  <ask:type>
+                    <ask:lineSketchFreehand/>
+                  </ask:type>
+                </ask:lineSketchStyleProps>
+              </a:ext>
+            </a:extLst>
+          </a:ln>
+        </p:spPr>
+        <p:style>
+          <a:lnRef idx="2">
+            <a:schemeClr val="accent1">
+              <a:shade val="50000"/>
+            </a:schemeClr>
+          </a:lnRef>
+          <a:fillRef idx="1">
+            <a:schemeClr val="accent1"/>
+          </a:fillRef>
+          <a:effectRef idx="0">
+            <a:schemeClr val="accent1"/>
+          </a:effectRef>
+          <a:fontRef idx="minor">
+            <a:schemeClr val="lt1"/>
+          </a:fontRef>
+        </p:style>
+        <p:txBody>
+          <a:bodyPr rtlCol="0" anchor="ctr"/>
+          <a:lstStyle/>
+          <a:p>
+            <a:pPr algn="ctr"/>
+            <a:endParaRPr lang="en-US"/>
+          </a:p>
+        </p:txBody>
+      </p:sp>
+      <p:graphicFrame>
+        <p:nvGraphicFramePr>
+          <p:cNvPr id="22" name="Szövegdoboz 2">
+            <a:extLst>
+              <a:ext uri="{FF2B5EF4-FFF2-40B4-BE49-F238E27FC236}">
+                <a16:creationId xmlns:a16="http://schemas.microsoft.com/office/drawing/2014/main" id="{35DE538B-87F9-6181-0282-D9274E522BA5}"/>
+              </a:ext>
+            </a:extLst>
+          </p:cNvPr>
+          <p:cNvGraphicFramePr/>
+          <p:nvPr>
+            <p:extLst>
+              <p:ext uri="{D42A27DB-BD31-4B8C-83A1-F6EECF244321}">
+                <p14:modId xmlns:p14="http://schemas.microsoft.com/office/powerpoint/2010/main" val="2489811775"/>
+              </p:ext>
+            </p:extLst>
+          </p:nvPr>
+        </p:nvGraphicFramePr>
+        <p:xfrm>
+          <a:off x="933253" y="2545237"/>
+          <a:ext cx="9747315" cy="3601039"/>
+        </p:xfrm>
+        <a:graphic>
+          <a:graphicData uri="http://schemas.openxmlformats.org/drawingml/2006/diagram">
+            <dgm:relIds xmlns:dgm="http://schemas.openxmlformats.org/drawingml/2006/diagram" xmlns:r="http://schemas.openxmlformats.org/officeDocument/2006/relationships" r:dm="rId2" r:lo="rId3" r:qs="rId4" r:cs="rId5"/>
+          </a:graphicData>
+        </a:graphic>
+      </p:graphicFrame>
+    </p:spTree>
+    <p:extLst>
+      <p:ext uri="{BB962C8B-B14F-4D97-AF65-F5344CB8AC3E}">
+        <p14:creationId xmlns:p14="http://schemas.microsoft.com/office/powerpoint/2010/main" val="731668411"/>
+      </p:ext>
+    </p:extLst>
+  </p:cSld>
+  <p:clrMapOvr>
+    <a:masterClrMapping/>
+  </p:clrMapOvr>
+</p:sld>
+</file>
+
 <file path=ppt/slides/slide8.xml><?xml version="1.0" encoding="utf-8"?>
 <p:sld xmlns:a="http://schemas.openxmlformats.org/drawingml/2006/main" xmlns:r="http://schemas.openxmlformats.org/officeDocument/2006/relationships" xmlns:p="http://schemas.openxmlformats.org/presentationml/2006/main">
   <p:cSld>
@@ -23561,15 +23561,6 @@
 </file>
 
 <file path=customXml/item1.xml><?xml version="1.0" encoding="utf-8"?>
-<?mso-contentType ?>
-<FormTemplates xmlns="http://schemas.microsoft.com/sharepoint/v3/contenttype/forms">
-  <Display>DocumentLibraryForm</Display>
-  <Edit>DocumentLibraryForm</Edit>
-  <New>DocumentLibraryForm</New>
-</FormTemplates>
-</file>
-
-<file path=customXml/item2.xml><?xml version="1.0" encoding="utf-8"?>
 <ct:contentTypeSchema xmlns:ct="http://schemas.microsoft.com/office/2006/metadata/contentType" xmlns:ma="http://schemas.microsoft.com/office/2006/metadata/properties/metaAttributes" ct:_="" ma:_="" ma:contentTypeName="Dokumentum" ma:contentTypeID="0x0101001F5FE5928D7DBD4C8633B3911B21BD28" ma:contentTypeVersion="18" ma:contentTypeDescription="Új dokumentum létrehozása." ma:contentTypeScope="" ma:versionID="e72802d2fbb1bbfc57c889ef972fd0bd">
   <xsd:schema xmlns:xsd="http://www.w3.org/2001/XMLSchema" xmlns:xs="http://www.w3.org/2001/XMLSchema" xmlns:p="http://schemas.microsoft.com/office/2006/metadata/properties" xmlns:ns3="c8bdacd8-ce1e-45bb-96bd-5d4ededb4695" xmlns:ns4="b0322791-34a7-430f-939b-964baa9ff274" targetNamespace="http://schemas.microsoft.com/office/2006/metadata/properties" ma:root="true" ma:fieldsID="abe2969f6f898e689ac6e2c096062bb3" ns3:_="" ns4:_="">
     <xsd:import namespace="c8bdacd8-ce1e-45bb-96bd-5d4ededb4695"/>
@@ -23822,6 +23813,15 @@
 </ct:contentTypeSchema>
 </file>
 
+<file path=customXml/item2.xml><?xml version="1.0" encoding="utf-8"?>
+<?mso-contentType ?>
+<FormTemplates xmlns="http://schemas.microsoft.com/sharepoint/v3/contenttype/forms">
+  <Display>DocumentLibraryForm</Display>
+  <Edit>DocumentLibraryForm</Edit>
+  <New>DocumentLibraryForm</New>
+</FormTemplates>
+</file>
+
 <file path=customXml/item3.xml><?xml version="1.0" encoding="utf-8"?>
 <p:properties xmlns:p="http://schemas.microsoft.com/office/2006/metadata/properties" xmlns:xsi="http://www.w3.org/2001/XMLSchema-instance" xmlns:pc="http://schemas.microsoft.com/office/infopath/2007/PartnerControls">
   <documentManagement>
@@ -23831,14 +23831,6 @@
 </file>
 
 <file path=customXml/itemProps1.xml><?xml version="1.0" encoding="utf-8"?>
-<ds:datastoreItem xmlns:ds="http://schemas.openxmlformats.org/officeDocument/2006/customXml" ds:itemID="{BF764151-F079-41D5-A378-7868ECD69535}">
-  <ds:schemaRefs>
-    <ds:schemaRef ds:uri="http://schemas.microsoft.com/sharepoint/v3/contenttype/forms"/>
-  </ds:schemaRefs>
-</ds:datastoreItem>
-</file>
-
-<file path=customXml/itemProps2.xml><?xml version="1.0" encoding="utf-8"?>
 <ds:datastoreItem xmlns:ds="http://schemas.openxmlformats.org/officeDocument/2006/customXml" ds:itemID="{375657D3-58F5-4620-A1D5-1FEBF80A5134}">
   <ds:schemaRefs>
     <ds:schemaRef ds:uri="http://schemas.microsoft.com/office/2006/metadata/contentType"/>
@@ -23853,6 +23845,14 @@
     <ds:schemaRef ds:uri="http://purl.org/dc/elements/1.1/"/>
     <ds:schemaRef ds:uri="http://purl.org/dc/terms/"/>
     <ds:schemaRef ds:uri="http://schemas.microsoft.com/internal/obd"/>
+  </ds:schemaRefs>
+</ds:datastoreItem>
+</file>
+
+<file path=customXml/itemProps2.xml><?xml version="1.0" encoding="utf-8"?>
+<ds:datastoreItem xmlns:ds="http://schemas.openxmlformats.org/officeDocument/2006/customXml" ds:itemID="{BF764151-F079-41D5-A378-7868ECD69535}">
+  <ds:schemaRefs>
+    <ds:schemaRef ds:uri="http://schemas.microsoft.com/sharepoint/v3/contenttype/forms"/>
   </ds:schemaRefs>
 </ds:datastoreItem>
 </file>
